--- a/ThesisPresentationV1.pptx
+++ b/ThesisPresentationV1.pptx
@@ -280,20 +280,6 @@
           <c:marker>
             <c:symbol val="none"/>
           </c:marker>
-          <c:trendline>
-            <c:spPr>
-              <a:ln w="19050" cap="rnd">
-                <a:solidFill>
-                  <a:schemeClr val="accent1"/>
-                </a:solidFill>
-                <a:prstDash val="sysDot"/>
-              </a:ln>
-              <a:effectLst/>
-            </c:spPr>
-            <c:trendlineType val="linear"/>
-            <c:dispRSqr val="0"/>
-            <c:dispEq val="0"/>
-          </c:trendline>
           <c:cat>
             <c:strLit>
               <c:ptCount val="5"/>
@@ -1438,14 +1424,14 @@
           </a:ln>
           <a:extLst>
             <a:ext uri="{909E8E84-426E-40dd-AFC4-6F175D3DCCD1}">
-              <a14:hiddenFill xmlns="" xmlns:a14="http://schemas.microsoft.com/office/drawing/2010/main">
+              <a14:hiddenFill xmlns:a14="http://schemas.microsoft.com/office/drawing/2010/main" xmlns="">
                 <a:solidFill>
                   <a:srgbClr val="FFFFFF"/>
                 </a:solidFill>
               </a14:hiddenFill>
             </a:ext>
             <a:ext uri="{FAA26D3D-D897-4be2-8F04-BA451C77F1D7}">
-              <ma14:placeholderFlag xmlns="" xmlns:ma14="http://schemas.microsoft.com/office/mac/drawingml/2011/main" val="1"/>
+              <ma14:placeholderFlag xmlns:ma14="http://schemas.microsoft.com/office/mac/drawingml/2011/main" xmlns="" val="1"/>
             </a:ext>
           </a:extLst>
         </p:spPr>
@@ -1783,14 +1769,14 @@
           <a:ln/>
           <a:extLst>
             <a:ext uri="{909E8E84-426E-40dd-AFC4-6F175D3DCCD1}">
-              <a14:hiddenFill xmlns="" xmlns:a14="http://schemas.microsoft.com/office/drawing/2010/main">
+              <a14:hiddenFill xmlns:a14="http://schemas.microsoft.com/office/drawing/2010/main" xmlns="">
                 <a:solidFill>
                   <a:srgbClr val="FFFFFF"/>
                 </a:solidFill>
               </a14:hiddenFill>
             </a:ext>
             <a:ext uri="{91240B29-F687-4f45-9708-019B960494DF}">
-              <a14:hiddenLine xmlns="" xmlns:a14="http://schemas.microsoft.com/office/drawing/2010/main" w="9525">
+              <a14:hiddenLine xmlns:a14="http://schemas.microsoft.com/office/drawing/2010/main" xmlns="" w="9525">
                 <a:solidFill>
                   <a:srgbClr val="000000"/>
                 </a:solidFill>
@@ -1950,14 +1936,14 @@
           <a:ln/>
           <a:extLst>
             <a:ext uri="{909E8E84-426E-40dd-AFC4-6F175D3DCCD1}">
-              <a14:hiddenFill xmlns="" xmlns:a14="http://schemas.microsoft.com/office/drawing/2010/main">
+              <a14:hiddenFill xmlns:a14="http://schemas.microsoft.com/office/drawing/2010/main" xmlns="">
                 <a:solidFill>
                   <a:srgbClr val="FFFFFF"/>
                 </a:solidFill>
               </a14:hiddenFill>
             </a:ext>
             <a:ext uri="{91240B29-F687-4f45-9708-019B960494DF}">
-              <a14:hiddenLine xmlns="" xmlns:a14="http://schemas.microsoft.com/office/drawing/2010/main" w="9525">
+              <a14:hiddenLine xmlns:a14="http://schemas.microsoft.com/office/drawing/2010/main" xmlns="" w="9525">
                 <a:solidFill>
                   <a:srgbClr val="000000"/>
                 </a:solidFill>
@@ -1967,7 +1953,7 @@
               </a14:hiddenLine>
             </a:ext>
             <a:ext uri="{FAA26D3D-D897-4be2-8F04-BA451C77F1D7}">
-              <ma14:placeholderFlag xmlns="" xmlns:ma14="http://schemas.microsoft.com/office/mac/drawingml/2011/main" val="1"/>
+              <ma14:placeholderFlag xmlns:ma14="http://schemas.microsoft.com/office/mac/drawingml/2011/main" xmlns="" val="1"/>
             </a:ext>
           </a:extLst>
         </p:spPr>
@@ -2037,11 +2023,11 @@
           <a:lstStyle/>
           <a:p>
             <a:r>
-              <a:rPr lang="en-CA" dirty="0" smtClean="0"/>
+              <a:rPr lang="en-CA" dirty="0"/>
               <a:t>Aims</a:t>
             </a:r>
             <a:r>
-              <a:rPr lang="en-CA" baseline="0" dirty="0" smtClean="0"/>
+              <a:rPr lang="en-CA" baseline="0" dirty="0"/>
               <a:t> to make the CoAP been able to server one or more applications.</a:t>
             </a:r>
             <a:endParaRPr lang="en-CA" dirty="0"/>
@@ -2130,10 +2116,9 @@
           <a:lstStyle/>
           <a:p>
             <a:r>
-              <a:rPr lang="en-CA" dirty="0" smtClean="0"/>
+              <a:rPr lang="en-CA" dirty="0"/>
               <a:t>Architecture of CoAPNonIP </a:t>
             </a:r>
-            <a:endParaRPr lang="en-CA" dirty="0"/>
           </a:p>
         </p:txBody>
       </p:sp>
@@ -2219,46 +2204,46 @@
           <a:lstStyle/>
           <a:p>
             <a:r>
-              <a:rPr lang="en-CA" dirty="0" smtClean="0"/>
+              <a:rPr lang="en-CA" dirty="0"/>
               <a:t>20</a:t>
             </a:r>
             <a:r>
-              <a:rPr lang="en-CA" baseline="0" dirty="0" smtClean="0"/>
+              <a:rPr lang="en-CA" baseline="0" dirty="0"/>
               <a:t> bytes available.</a:t>
             </a:r>
           </a:p>
           <a:p>
-            <a:endParaRPr lang="en-CA" baseline="0" dirty="0" smtClean="0"/>
-          </a:p>
-          <a:p>
-            <a:r>
-              <a:rPr lang="en-CA" baseline="0" dirty="0" smtClean="0"/>
+            <a:endParaRPr lang="en-CA" baseline="0" dirty="0"/>
+          </a:p>
+          <a:p>
+            <a:r>
+              <a:rPr lang="en-CA" baseline="0" dirty="0"/>
               <a:t>4 bytes header: 2+14+16=32 bits</a:t>
             </a:r>
           </a:p>
           <a:p>
             <a:r>
-              <a:rPr lang="en-CA" baseline="0" dirty="0" smtClean="0"/>
+              <a:rPr lang="en-CA" baseline="0" dirty="0"/>
               <a:t>Payload: 16 bytes</a:t>
             </a:r>
           </a:p>
           <a:p>
             <a:r>
-              <a:rPr lang="en-CA" baseline="0" dirty="0" smtClean="0"/>
+              <a:rPr lang="en-CA" baseline="0" dirty="0"/>
               <a:t>CoAP header: 4 bytes and 1 byte indicate payload. 1024 bytes for payload maximum</a:t>
             </a:r>
           </a:p>
           <a:p>
-            <a:endParaRPr lang="en-CA" baseline="0" dirty="0" smtClean="0"/>
-          </a:p>
-          <a:p>
-            <a:r>
-              <a:rPr lang="en-CA" baseline="0" dirty="0" smtClean="0"/>
+            <a:endParaRPr lang="en-CA" baseline="0" dirty="0"/>
+          </a:p>
+          <a:p>
+            <a:r>
+              <a:rPr lang="en-CA" baseline="0" dirty="0"/>
               <a:t>For first BLE packet we have 20-4-5=11 bytes to carry payload.</a:t>
             </a:r>
           </a:p>
           <a:p>
-            <a:endParaRPr lang="en-CA" baseline="0" dirty="0" smtClean="0"/>
+            <a:endParaRPr lang="en-CA" baseline="0" dirty="0"/>
           </a:p>
         </p:txBody>
       </p:sp>
@@ -2344,17 +2329,17 @@
           <a:lstStyle/>
           <a:p>
             <a:r>
-              <a:rPr lang="en-CA" dirty="0" smtClean="0"/>
+              <a:rPr lang="en-CA" dirty="0"/>
               <a:t>Who</a:t>
             </a:r>
             <a:r>
-              <a:rPr lang="en-CA" baseline="0" dirty="0" smtClean="0"/>
+              <a:rPr lang="en-CA" baseline="0" dirty="0"/>
               <a:t> searching nodes to connect with is Client.</a:t>
             </a:r>
           </a:p>
           <a:p>
             <a:r>
-              <a:rPr lang="en-CA" baseline="0" dirty="0" smtClean="0"/>
+              <a:rPr lang="en-CA" baseline="0" dirty="0"/>
               <a:t>Who waiting connection is Server.</a:t>
             </a:r>
             <a:endParaRPr lang="en-CA" dirty="0"/>
@@ -2443,17 +2428,17 @@
           <a:lstStyle/>
           <a:p>
             <a:r>
-              <a:rPr lang="en-CA" dirty="0" smtClean="0"/>
+              <a:rPr lang="en-CA" dirty="0"/>
               <a:t>Who</a:t>
             </a:r>
             <a:r>
-              <a:rPr lang="en-CA" baseline="0" dirty="0" smtClean="0"/>
+              <a:rPr lang="en-CA" baseline="0" dirty="0"/>
               <a:t> searching nodes to connect with is Client.</a:t>
             </a:r>
           </a:p>
           <a:p>
             <a:r>
-              <a:rPr lang="en-CA" baseline="0" dirty="0" smtClean="0"/>
+              <a:rPr lang="en-CA" baseline="0" dirty="0"/>
               <a:t>Who waiting connection is Server.</a:t>
             </a:r>
             <a:endParaRPr lang="en-CA" dirty="0"/>
@@ -2542,11 +2527,11 @@
           <a:lstStyle/>
           <a:p>
             <a:r>
-              <a:rPr lang="en-CA" sz="1200" dirty="0" smtClean="0"/>
+              <a:rPr lang="en-CA" sz="1200" dirty="0"/>
               <a:t>Two</a:t>
             </a:r>
             <a:r>
-              <a:rPr lang="en-CA" sz="1200" baseline="0" dirty="0" smtClean="0"/>
+              <a:rPr lang="en-CA" sz="1200" baseline="0" dirty="0"/>
               <a:t> tablets</a:t>
             </a:r>
             <a:endParaRPr lang="en-CA" dirty="0"/>
@@ -2635,13 +2620,13 @@
           <a:lstStyle/>
           <a:p>
             <a:r>
-              <a:rPr lang="en-CA" sz="1200" dirty="0" smtClean="0"/>
+              <a:rPr lang="en-CA" sz="1200" dirty="0"/>
               <a:t>1.Start sample program scan and create connection between two devices.</a:t>
             </a:r>
           </a:p>
           <a:p>
             <a:r>
-              <a:rPr lang="en-CA" sz="1200" b="1" dirty="0" smtClean="0">
+              <a:rPr lang="en-CA" sz="1200" b="1" dirty="0">
                 <a:solidFill>
                   <a:srgbClr val="FF0000"/>
                 </a:solidFill>
@@ -2651,13 +2636,13 @@
           </a:p>
           <a:p>
             <a:r>
-              <a:rPr lang="en-CA" sz="1200" dirty="0" smtClean="0"/>
+              <a:rPr lang="en-CA" sz="1200" dirty="0"/>
               <a:t>3.Record receive time when received response from connected device.</a:t>
             </a:r>
           </a:p>
           <a:p>
             <a:r>
-              <a:rPr lang="en-CA" sz="1200" dirty="0" smtClean="0"/>
+              <a:rPr lang="en-CA" sz="1200" dirty="0"/>
               <a:t>4.Calculate transfer time according to time gap between message been received.</a:t>
             </a:r>
           </a:p>
@@ -2666,7 +2651,7 @@
               <a:buNone/>
             </a:pPr>
             <a:r>
-              <a:rPr lang="en-CA" sz="1200" dirty="0" smtClean="0"/>
+              <a:rPr lang="en-CA" sz="1200" dirty="0"/>
               <a:t> </a:t>
             </a:r>
           </a:p>
@@ -2757,39 +2742,39 @@
           <a:lstStyle/>
           <a:p>
             <a:pPr lvl="0"/>
-            <a:endParaRPr lang="en-CA" sz="1200" dirty="0" smtClean="0"/>
+            <a:endParaRPr lang="en-CA" sz="1200" dirty="0"/>
           </a:p>
           <a:p>
             <a:pPr lvl="0"/>
             <a:r>
-              <a:rPr lang="en-CA" sz="1200" dirty="0" smtClean="0"/>
+              <a:rPr lang="en-CA" sz="1200" dirty="0"/>
               <a:t>Connection</a:t>
             </a:r>
             <a:r>
-              <a:rPr lang="en-CA" sz="1200" baseline="0" dirty="0" smtClean="0"/>
+              <a:rPr lang="en-CA" sz="1200" baseline="0" dirty="0"/>
               <a:t> interval,</a:t>
             </a:r>
           </a:p>
           <a:p>
             <a:pPr lvl="0"/>
             <a:r>
-              <a:rPr lang="en-CA" sz="1200" baseline="0" dirty="0" smtClean="0"/>
+              <a:rPr lang="en-CA" sz="1200" baseline="0" dirty="0"/>
               <a:t>BLE</a:t>
             </a:r>
-            <a:endParaRPr lang="en-CA" sz="1200" dirty="0" smtClean="0"/>
+            <a:endParaRPr lang="en-CA" sz="1200" dirty="0"/>
           </a:p>
           <a:p>
             <a:pPr lvl="0"/>
-            <a:endParaRPr lang="en-CA" sz="1200" dirty="0" smtClean="0"/>
+            <a:endParaRPr lang="en-CA" sz="1200" dirty="0"/>
           </a:p>
           <a:p>
             <a:pPr lvl="0"/>
-            <a:endParaRPr lang="en-CA" sz="1200" dirty="0" smtClean="0"/>
+            <a:endParaRPr lang="en-CA" sz="1200" dirty="0"/>
           </a:p>
           <a:p>
             <a:pPr lvl="0"/>
             <a:r>
-              <a:rPr lang="en-CA" sz="1200" dirty="0" smtClean="0"/>
+              <a:rPr lang="en-CA" sz="1200" dirty="0"/>
               <a:t>Start sample program scan and create connection between two devices.</a:t>
             </a:r>
           </a:p>
@@ -2812,7 +2797,7 @@
               <a:defRPr/>
             </a:pPr>
             <a:r>
-              <a:rPr lang="en-CA" sz="1200" dirty="0" smtClean="0"/>
+              <a:rPr lang="en-CA" sz="1200" dirty="0"/>
               <a:t>Record received time at sender side</a:t>
             </a:r>
           </a:p>
@@ -2834,7 +2819,7 @@
               <a:tabLst/>
               <a:defRPr/>
             </a:pPr>
-            <a:endParaRPr lang="en-CA" sz="1200" dirty="0" smtClean="0"/>
+            <a:endParaRPr lang="en-CA" sz="1200" dirty="0"/>
           </a:p>
           <a:p>
             <a:pPr marL="0" marR="0" lvl="0" indent="0" algn="l" defTabSz="914400" rtl="0" eaLnBrk="0" fontAlgn="base" latinLnBrk="0" hangingPunct="0">
@@ -2855,7 +2840,7 @@
               <a:defRPr/>
             </a:pPr>
             <a:r>
-              <a:rPr lang="en-CA" sz="1200" b="1" dirty="0" smtClean="0"/>
+              <a:rPr lang="en-CA" sz="1200" b="1" dirty="0"/>
               <a:t>Send 4-bytesheader 100 times to remote device with 0,50,100,150,200,250,300,350,400,450ms interval respectively.</a:t>
             </a:r>
           </a:p>
@@ -2877,7 +2862,7 @@
               <a:tabLst/>
               <a:defRPr/>
             </a:pPr>
-            <a:endParaRPr lang="en-CA" sz="1200" b="1" dirty="0" smtClean="0"/>
+            <a:endParaRPr lang="en-CA" sz="1200" b="1" dirty="0"/>
           </a:p>
           <a:p>
             <a:pPr marL="0" marR="0" lvl="0" indent="0" algn="l" defTabSz="914400" rtl="0" eaLnBrk="0" fontAlgn="base" latinLnBrk="0" hangingPunct="0">
@@ -2898,29 +2883,28 @@
               <a:defRPr/>
             </a:pPr>
             <a:r>
-              <a:rPr lang="en-CA" sz="1200" b="1" dirty="0" smtClean="0"/>
+              <a:rPr lang="en-CA" sz="1200" b="1" dirty="0"/>
               <a:t>(because of</a:t>
             </a:r>
             <a:r>
-              <a:rPr lang="en-CA" sz="1200" b="1" baseline="0" dirty="0" smtClean="0"/>
+              <a:rPr lang="en-CA" sz="1200" b="1" baseline="0" dirty="0"/>
               <a:t> data send queue, the first 3 lines are at 100ms</a:t>
             </a:r>
             <a:r>
-              <a:rPr lang="en-CA" sz="1200" b="1" dirty="0" smtClean="0"/>
+              <a:rPr lang="en-CA" sz="1200" b="1" dirty="0"/>
               <a:t>)</a:t>
             </a:r>
           </a:p>
           <a:p>
             <a:pPr lvl="0"/>
-            <a:endParaRPr lang="en-CA" sz="1200" dirty="0" smtClean="0"/>
+            <a:endParaRPr lang="en-CA" sz="1200" dirty="0"/>
           </a:p>
           <a:p>
             <a:pPr lvl="0"/>
             <a:r>
-              <a:rPr lang="en-CA" sz="1200" dirty="0" smtClean="0"/>
+              <a:rPr lang="en-CA" sz="1200" dirty="0"/>
               <a:t>Calculate transfer time according to time gap between message been received</a:t>
             </a:r>
-            <a:endParaRPr lang="en-CA" sz="1200" dirty="0"/>
           </a:p>
         </p:txBody>
       </p:sp>
@@ -3006,24 +2990,24 @@
           <a:lstStyle/>
           <a:p>
             <a:r>
-              <a:rPr lang="en-CA" dirty="0" smtClean="0"/>
+              <a:rPr lang="en-CA" dirty="0"/>
               <a:t>Send 4</a:t>
             </a:r>
             <a:r>
-              <a:rPr lang="en-CA" baseline="0" dirty="0" smtClean="0"/>
+              <a:rPr lang="en-CA" baseline="0" dirty="0"/>
               <a:t> bytes header CoAP message and receive callback from remote device(100 times to calculate average) with different distance.</a:t>
             </a:r>
           </a:p>
           <a:p>
-            <a:endParaRPr lang="en-CA" baseline="0" dirty="0" smtClean="0"/>
-          </a:p>
-          <a:p>
-            <a:r>
-              <a:rPr lang="en-CA" dirty="0" smtClean="0"/>
+            <a:endParaRPr lang="en-CA" baseline="0" dirty="0"/>
+          </a:p>
+          <a:p>
+            <a:r>
+              <a:rPr lang="en-CA" dirty="0"/>
               <a:t>dotted line</a:t>
             </a:r>
             <a:r>
-              <a:rPr lang="en-CA" baseline="0" dirty="0" smtClean="0"/>
+              <a:rPr lang="en-CA" baseline="0" dirty="0"/>
               <a:t> is tread.</a:t>
             </a:r>
             <a:endParaRPr lang="en-CA" dirty="0"/>
@@ -3214,7 +3198,7 @@
               <a:defRPr/>
             </a:pPr>
             <a:r>
-              <a:rPr lang="en-CA" sz="1200" dirty="0" smtClean="0"/>
+              <a:rPr lang="en-CA" sz="1200" dirty="0"/>
               <a:t>The Internet of Things allows objects to be sensed and controlled remotely across existing network infrastructure.</a:t>
             </a:r>
           </a:p>
@@ -3222,42 +3206,26 @@
             <a:pPr marL="0" indent="0">
               <a:buNone/>
             </a:pPr>
-            <a:endParaRPr lang="en-CA" sz="1200" dirty="0" smtClean="0"/>
+            <a:endParaRPr lang="en-CA" sz="1200" dirty="0"/>
           </a:p>
           <a:p>
             <a:pPr marL="0" indent="0">
               <a:buNone/>
             </a:pPr>
             <a:r>
-              <a:rPr lang="en-CA" sz="1200" dirty="0" smtClean="0"/>
-              <a:t>According to Dr. John Barrett </a:t>
-            </a:r>
-            <a:r>
-              <a:rPr lang="en-CA" sz="1200" dirty="0" smtClean="0"/>
-              <a:t>’s </a:t>
-            </a:r>
-            <a:r>
-              <a:rPr lang="en-CA" sz="1200" dirty="0" smtClean="0"/>
-              <a:t>presentation in </a:t>
-            </a:r>
-            <a:r>
-              <a:rPr lang="en-CA" sz="1200" dirty="0" smtClean="0"/>
-              <a:t>TED[</a:t>
-            </a:r>
-            <a:r>
-              <a:rPr lang="en-CA" sz="1200" dirty="0" smtClean="0">
+              <a:rPr lang="en-CA" sz="1200" dirty="0"/>
+              <a:t>According to Dr. John Barrett ’s presentation in TED[</a:t>
+            </a:r>
+            <a:r>
+              <a:rPr lang="en-CA" sz="1200" dirty="0">
                 <a:latin typeface="Times New Roman" panose="02020603050405020304" pitchFamily="18" charset="0"/>
                 <a:cs typeface="Times New Roman" panose="02020603050405020304" pitchFamily="18" charset="0"/>
               </a:rPr>
               <a:t>2012</a:t>
             </a:r>
             <a:r>
-              <a:rPr lang="en-CA" sz="1200" dirty="0" smtClean="0"/>
-              <a:t>]. </a:t>
-            </a:r>
-            <a:r>
-              <a:rPr lang="en-CA" sz="1200" dirty="0" smtClean="0"/>
-              <a:t>There are 4 things we need to do:</a:t>
+              <a:rPr lang="en-CA" sz="1200" dirty="0"/>
+              <a:t>]. There are 4 things we need to do:</a:t>
             </a:r>
           </a:p>
           <a:p>
@@ -3265,7 +3233,7 @@
               <a:buAutoNum type="arabicPeriod"/>
             </a:pPr>
             <a:r>
-              <a:rPr lang="en-CA" sz="1200" dirty="0" smtClean="0"/>
+              <a:rPr lang="en-CA" sz="1200" dirty="0"/>
               <a:t>Tagging an object.</a:t>
             </a:r>
           </a:p>
@@ -3274,7 +3242,7 @@
               <a:buAutoNum type="arabicPeriod"/>
             </a:pPr>
             <a:r>
-              <a:rPr lang="en-CA" sz="1200" dirty="0" smtClean="0"/>
+              <a:rPr lang="en-CA" sz="1200" dirty="0"/>
               <a:t>Grant objects communication ability.</a:t>
             </a:r>
           </a:p>
@@ -3283,7 +3251,7 @@
               <a:buAutoNum type="arabicPeriod"/>
             </a:pPr>
             <a:r>
-              <a:rPr lang="en-CA" sz="1200" dirty="0" smtClean="0"/>
+              <a:rPr lang="en-CA" sz="1200" dirty="0"/>
               <a:t>Grant sense to objects.</a:t>
             </a:r>
           </a:p>
@@ -3292,12 +3260,12 @@
               <a:buAutoNum type="arabicPeriod"/>
             </a:pPr>
             <a:r>
-              <a:rPr lang="en-CA" sz="1200" dirty="0" smtClean="0"/>
+              <a:rPr lang="en-CA" sz="1200" dirty="0"/>
               <a:t>Remote control</a:t>
             </a:r>
           </a:p>
           <a:p>
-            <a:endParaRPr lang="en-CA" dirty="0" smtClean="0"/>
+            <a:endParaRPr lang="en-CA" dirty="0"/>
           </a:p>
           <a:p>
             <a:pPr marL="0" marR="0" indent="0" algn="l" defTabSz="914400" rtl="0" eaLnBrk="0" fontAlgn="base" latinLnBrk="0" hangingPunct="0">
@@ -3318,7 +3286,7 @@
               <a:defRPr/>
             </a:pPr>
             <a:r>
-              <a:rPr lang="en-CA" sz="1200" b="0" i="0" kern="1200" dirty="0" smtClean="0">
+              <a:rPr lang="en-CA" sz="1200" b="0" i="0" kern="1200" dirty="0">
                 <a:solidFill>
                   <a:schemeClr val="tx1"/>
                 </a:solidFill>
@@ -3329,7 +3297,7 @@
               </a:rPr>
               <a:t>Dr. John Barrett is Head of Academic Studies at the Nimbus Centre for Embedded Systems Research at Cork Institute of Technology (CIT) </a:t>
             </a:r>
-            <a:endParaRPr lang="en-CA" dirty="0" smtClean="0"/>
+            <a:endParaRPr lang="en-CA" dirty="0"/>
           </a:p>
           <a:p>
             <a:endParaRPr lang="en-CA" dirty="0"/>
@@ -3434,7 +3402,7 @@
               <a:tabLst/>
               <a:defRPr/>
             </a:pPr>
-            <a:endParaRPr lang="en-CA" sz="1200" b="0" i="0" kern="1200" dirty="0" smtClean="0">
+            <a:endParaRPr lang="en-CA" sz="1200" b="0" i="0" kern="1200" dirty="0">
               <a:solidFill>
                 <a:schemeClr val="tx1"/>
               </a:solidFill>
@@ -3544,7 +3512,7 @@
               <a:defRPr/>
             </a:pPr>
             <a:r>
-              <a:rPr lang="en-CA" dirty="0" smtClean="0"/>
+              <a:rPr lang="en-CA" dirty="0"/>
               <a:t>CoAP is designed to easily interface with HTTP for integration with the Web while meeting specialized requirements such as </a:t>
             </a:r>
           </a:p>
@@ -3567,7 +3535,7 @@
               <a:defRPr/>
             </a:pPr>
             <a:r>
-              <a:rPr lang="en-CA" sz="1200" b="0" i="0" kern="1200" dirty="0" smtClean="0">
+              <a:rPr lang="en-CA" sz="1200" b="0" i="0" kern="1200" dirty="0">
                 <a:solidFill>
                   <a:schemeClr val="tx1"/>
                 </a:solidFill>
@@ -3578,7 +3546,7 @@
               </a:rPr>
               <a:t>Constrained Application Protocol </a:t>
             </a:r>
-            <a:endParaRPr lang="en-CA" dirty="0" smtClean="0"/>
+            <a:endParaRPr lang="en-CA" dirty="0"/>
           </a:p>
           <a:p>
             <a:pPr marL="0" marR="0" indent="0" algn="l" defTabSz="914400" rtl="0" eaLnBrk="0" fontAlgn="base" latinLnBrk="0" hangingPunct="0">
@@ -3598,7 +3566,7 @@
               <a:tabLst/>
               <a:defRPr/>
             </a:pPr>
-            <a:endParaRPr lang="en-CA" dirty="0" smtClean="0"/>
+            <a:endParaRPr lang="en-CA" dirty="0"/>
           </a:p>
           <a:p>
             <a:pPr marL="0" marR="0" indent="0" algn="l" defTabSz="914400" rtl="0" eaLnBrk="0" fontAlgn="base" latinLnBrk="0" hangingPunct="0">
@@ -3618,7 +3586,7 @@
               <a:tabLst/>
               <a:defRPr/>
             </a:pPr>
-            <a:endParaRPr lang="en-CA" dirty="0" smtClean="0"/>
+            <a:endParaRPr lang="en-CA" dirty="0"/>
           </a:p>
           <a:p>
             <a:pPr marL="0" marR="0" indent="0" algn="l" defTabSz="914400" rtl="0" eaLnBrk="0" fontAlgn="base" latinLnBrk="0" hangingPunct="0">
@@ -3639,16 +3607,12 @@
               <a:defRPr/>
             </a:pPr>
             <a:r>
-              <a:rPr lang="en-CA" dirty="0" smtClean="0"/>
+              <a:rPr lang="en-CA" dirty="0"/>
               <a:t>CoAP is naturally</a:t>
             </a:r>
             <a:r>
-              <a:rPr lang="en-CA" baseline="0" dirty="0" smtClean="0"/>
-              <a:t> </a:t>
-            </a:r>
-            <a:r>
-              <a:rPr lang="en-CA" baseline="0" dirty="0" smtClean="0"/>
-              <a:t>RESTful</a:t>
+              <a:rPr lang="en-CA" baseline="0" dirty="0"/>
+              <a:t> RESTful</a:t>
             </a:r>
           </a:p>
           <a:p>
@@ -3669,7 +3633,7 @@
               <a:tabLst/>
               <a:defRPr/>
             </a:pPr>
-            <a:endParaRPr lang="en-CA" baseline="0" dirty="0" smtClean="0"/>
+            <a:endParaRPr lang="en-CA" baseline="0" dirty="0"/>
           </a:p>
           <a:p>
             <a:pPr marL="0" marR="0" indent="0" algn="l" defTabSz="914400" rtl="0" eaLnBrk="0" fontAlgn="base" latinLnBrk="0" hangingPunct="0">
@@ -3690,11 +3654,11 @@
               <a:defRPr/>
             </a:pPr>
             <a:r>
-              <a:rPr lang="en-CA" baseline="0" dirty="0" smtClean="0"/>
+              <a:rPr lang="en-CA" baseline="0" dirty="0"/>
               <a:t>ARM(</a:t>
             </a:r>
             <a:r>
-              <a:rPr lang="en-CA" sz="1200" b="0" i="0" kern="1200" dirty="0" smtClean="0">
+              <a:rPr lang="en-CA" sz="1200" b="0" i="0" kern="1200" dirty="0">
                 <a:solidFill>
                   <a:schemeClr val="tx1"/>
                 </a:solidFill>
@@ -3706,10 +3670,10 @@
               <a:t>British multinational semiconductor and software design company </a:t>
             </a:r>
             <a:r>
-              <a:rPr lang="en-CA" baseline="0" dirty="0" smtClean="0"/>
+              <a:rPr lang="en-CA" baseline="0" dirty="0"/>
               <a:t>)</a:t>
             </a:r>
-            <a:endParaRPr lang="en-CA" dirty="0" smtClean="0"/>
+            <a:endParaRPr lang="en-CA" dirty="0"/>
           </a:p>
           <a:p>
             <a:pPr marL="0" marR="0" indent="0" algn="l" defTabSz="914400" rtl="0" eaLnBrk="0" fontAlgn="base" latinLnBrk="0" hangingPunct="0">
@@ -3729,7 +3693,7 @@
               <a:tabLst/>
               <a:defRPr/>
             </a:pPr>
-            <a:endParaRPr lang="en-CA" dirty="0" smtClean="0"/>
+            <a:endParaRPr lang="en-CA" dirty="0"/>
           </a:p>
           <a:p>
             <a:pPr marL="0" marR="0" indent="0" algn="l" defTabSz="914400" rtl="0" eaLnBrk="0" fontAlgn="base" latinLnBrk="0" hangingPunct="0">
@@ -3750,7 +3714,7 @@
               <a:defRPr/>
             </a:pPr>
             <a:r>
-              <a:rPr lang="en-CA" dirty="0" smtClean="0"/>
+              <a:rPr lang="en-CA" dirty="0"/>
               <a:t>//multicast support, </a:t>
             </a:r>
           </a:p>
@@ -3773,7 +3737,7 @@
               <a:defRPr/>
             </a:pPr>
             <a:r>
-              <a:rPr lang="en-CA" dirty="0" smtClean="0"/>
+              <a:rPr lang="en-CA" dirty="0"/>
               <a:t>//very low overhead, </a:t>
             </a:r>
           </a:p>
@@ -3796,7 +3760,7 @@
               <a:defRPr/>
             </a:pPr>
             <a:r>
-              <a:rPr lang="en-CA" dirty="0" smtClean="0"/>
+              <a:rPr lang="en-CA" dirty="0"/>
               <a:t>//simplicity for constrained environments. </a:t>
             </a:r>
           </a:p>
@@ -3819,21 +3783,21 @@
               <a:defRPr/>
             </a:pPr>
             <a:r>
-              <a:rPr lang="en-CA" dirty="0" smtClean="0"/>
+              <a:rPr lang="en-CA" dirty="0"/>
               <a:t>//Payload</a:t>
             </a:r>
             <a:r>
-              <a:rPr lang="en-CA" baseline="0" dirty="0" smtClean="0"/>
+              <a:rPr lang="en-CA" baseline="0" dirty="0"/>
               <a:t> size limited to 1024 bytes. </a:t>
             </a:r>
-            <a:endParaRPr lang="en-CA" sz="1200" dirty="0" smtClean="0"/>
-          </a:p>
-          <a:p>
-            <a:r>
-              <a:rPr lang="en-CA" dirty="0" smtClean="0"/>
+            <a:endParaRPr lang="en-CA" sz="1200" dirty="0"/>
+          </a:p>
+          <a:p>
+            <a:r>
+              <a:rPr lang="en-CA" dirty="0"/>
               <a:t> </a:t>
             </a:r>
-            <a:endParaRPr lang="en-CA" sz="1200" b="0" i="0" kern="1200" dirty="0" smtClean="0">
+            <a:endParaRPr lang="en-CA" sz="1200" b="0" i="0" kern="1200" dirty="0">
               <a:solidFill>
                 <a:schemeClr val="tx1"/>
               </a:solidFill>
@@ -3844,7 +3808,7 @@
           </a:p>
           <a:p>
             <a:r>
-              <a:rPr lang="en-CA" sz="1200" b="0" i="0" kern="1200" dirty="0" smtClean="0">
+              <a:rPr lang="en-CA" sz="1200" b="0" i="0" kern="1200" dirty="0">
                 <a:solidFill>
                   <a:schemeClr val="tx1"/>
                 </a:solidFill>
@@ -3853,23 +3817,11 @@
                 <a:ea typeface="ＭＳ Ｐゴシック" pitchFamily="-108" charset="-128"/>
                 <a:cs typeface="ＭＳ Ｐゴシック" pitchFamily="-108" charset="-128"/>
               </a:rPr>
-              <a:t>Multicast: send (data) across a computer network to several users at the same time</a:t>
-            </a:r>
-            <a:r>
-              <a:rPr lang="en-CA" sz="1200" b="0" i="0" kern="1200" dirty="0" smtClean="0">
-                <a:solidFill>
-                  <a:schemeClr val="tx1"/>
-                </a:solidFill>
-                <a:effectLst/>
-                <a:latin typeface="Times" pitchFamily="-108" charset="0"/>
-                <a:ea typeface="ＭＳ Ｐゴシック" pitchFamily="-108" charset="-128"/>
-                <a:cs typeface="ＭＳ Ｐゴシック" pitchFamily="-108" charset="-128"/>
-              </a:rPr>
-              <a:t>.</a:t>
-            </a:r>
-          </a:p>
-          <a:p>
-            <a:endParaRPr lang="en-CA" sz="1200" b="0" i="0" kern="1200" dirty="0" smtClean="0">
+              <a:t>Multicast: send (data) across a computer network to several users at the same time.</a:t>
+            </a:r>
+          </a:p>
+          <a:p>
+            <a:endParaRPr lang="en-CA" sz="1200" b="0" i="0" kern="1200" dirty="0">
               <a:solidFill>
                 <a:schemeClr val="tx1"/>
               </a:solidFill>
@@ -3879,7 +3831,7 @@
             </a:endParaRPr>
           </a:p>
           <a:p>
-            <a:endParaRPr lang="en-CA" sz="1200" b="0" i="0" kern="1200" dirty="0" smtClean="0">
+            <a:endParaRPr lang="en-CA" sz="1200" b="0" i="0" kern="1200" dirty="0">
               <a:solidFill>
                 <a:schemeClr val="tx1"/>
               </a:solidFill>
@@ -3889,7 +3841,7 @@
             </a:endParaRPr>
           </a:p>
           <a:p>
-            <a:endParaRPr lang="en-CA" sz="1200" b="0" i="0" kern="1200" dirty="0" smtClean="0">
+            <a:endParaRPr lang="en-CA" sz="1200" b="0" i="0" kern="1200" dirty="0">
               <a:solidFill>
                 <a:schemeClr val="tx1"/>
               </a:solidFill>
@@ -3985,11 +3937,11 @@
           <a:lstStyle/>
           <a:p>
             <a:r>
-              <a:rPr lang="en-CA" dirty="0" smtClean="0"/>
+              <a:rPr lang="en-CA" dirty="0"/>
               <a:t>Traditional</a:t>
             </a:r>
             <a:r>
-              <a:rPr lang="en-CA" baseline="0" dirty="0" smtClean="0"/>
+              <a:rPr lang="en-CA" baseline="0" dirty="0"/>
               <a:t> Bluetooth use 20byte characteristics to transfer data. No format has been defined.</a:t>
             </a:r>
             <a:endParaRPr lang="en-CA" dirty="0"/>
@@ -4078,11 +4030,11 @@
           <a:lstStyle/>
           <a:p>
             <a:r>
-              <a:rPr lang="en-CA" dirty="0" smtClean="0"/>
+              <a:rPr lang="en-CA" dirty="0"/>
               <a:t>We want</a:t>
             </a:r>
             <a:r>
-              <a:rPr lang="en-CA" baseline="0" dirty="0" smtClean="0"/>
+              <a:rPr lang="en-CA" baseline="0" dirty="0"/>
               <a:t> to introduce CoAP in BLE to simplify the process of merge edge nodes (sensors) into IoT.</a:t>
             </a:r>
             <a:endParaRPr lang="en-CA" dirty="0"/>
@@ -4174,40 +4126,36 @@
               <a:buNone/>
             </a:pPr>
             <a:r>
-              <a:rPr lang="en-CA" sz="1200" dirty="0" smtClean="0"/>
+              <a:rPr lang="en-CA" sz="1200" dirty="0"/>
               <a:t>The</a:t>
             </a:r>
             <a:r>
-              <a:rPr lang="en-CA" sz="1200" baseline="0" dirty="0" smtClean="0"/>
+              <a:rPr lang="en-CA" sz="1200" baseline="0" dirty="0"/>
               <a:t> problem we facing are </a:t>
             </a:r>
             <a:r>
-              <a:rPr lang="en-CA" sz="1200" baseline="0" dirty="0" err="1" smtClean="0"/>
+              <a:rPr lang="en-CA" sz="1200" baseline="0" dirty="0" err="1"/>
               <a:t>obvioius</a:t>
             </a:r>
             <a:r>
-              <a:rPr lang="en-CA" sz="1200" baseline="0" dirty="0" smtClean="0"/>
+              <a:rPr lang="en-CA" sz="1200" baseline="0" dirty="0"/>
               <a:t>. The first thing is proposed an architecture. Then we need to make it be come an underline service to support multiple applications.</a:t>
             </a:r>
-            <a:endParaRPr lang="en-CA" sz="1200" dirty="0" smtClean="0"/>
+            <a:endParaRPr lang="en-CA" sz="1200" dirty="0"/>
           </a:p>
           <a:p>
             <a:pPr marL="0" indent="0">
               <a:buNone/>
             </a:pPr>
-            <a:endParaRPr lang="en-CA" sz="1200" dirty="0" smtClean="0"/>
+            <a:endParaRPr lang="en-CA" sz="1200" dirty="0"/>
           </a:p>
           <a:p>
             <a:pPr marL="0" indent="0">
               <a:buNone/>
             </a:pPr>
             <a:r>
-              <a:rPr lang="en-CA" sz="1200" dirty="0" smtClean="0"/>
-              <a:t>1</a:t>
-            </a:r>
-            <a:r>
-              <a:rPr lang="en-CA" sz="1200" dirty="0" smtClean="0"/>
-              <a:t>. We proposed a CoAPNonIP architecture to support CoAP communication in BLE.</a:t>
+              <a:rPr lang="en-CA" sz="1200" dirty="0"/>
+              <a:t>1. We proposed a CoAPNonIP architecture to support CoAP communication in BLE.</a:t>
             </a:r>
           </a:p>
           <a:p>
@@ -4215,7 +4163,7 @@
               <a:buNone/>
             </a:pPr>
             <a:r>
-              <a:rPr lang="en-CA" sz="1200" dirty="0" smtClean="0"/>
+              <a:rPr lang="en-CA" sz="1200" dirty="0"/>
               <a:t>We separated the architecture into two layers: Application layer and Network layer to grant flexible to the architecture. In this way, communication control and underline communication details are separated.</a:t>
             </a:r>
           </a:p>
@@ -4224,7 +4172,7 @@
               <a:buNone/>
             </a:pPr>
             <a:r>
-              <a:rPr lang="en-CA" sz="1200" dirty="0" smtClean="0"/>
+              <a:rPr lang="en-CA" sz="1200" dirty="0"/>
               <a:t>2. Inspired by Apple’s iBeacon, we adopt USERID and APPID at Application layer to indicate app and its user. Those two ids help APPs to filter messages.</a:t>
             </a:r>
           </a:p>
@@ -4233,7 +4181,7 @@
               <a:buNone/>
             </a:pPr>
             <a:r>
-              <a:rPr lang="en-CA" sz="1200" dirty="0" smtClean="0"/>
+              <a:rPr lang="en-CA" sz="1200" dirty="0"/>
               <a:t>3. We introduced virtual resource concept to integrate data in a center node of sensors. </a:t>
             </a:r>
           </a:p>
@@ -4320,7 +4268,7 @@
           <a:bodyPr/>
           <a:lstStyle/>
           <a:p>
-            <a:endParaRPr lang="en-CA" sz="1200" b="0" i="0" kern="1200" dirty="0" smtClean="0">
+            <a:endParaRPr lang="en-CA" sz="1200" b="0" i="0" kern="1200" dirty="0">
               <a:solidFill>
                 <a:schemeClr val="tx1"/>
               </a:solidFill>
@@ -4349,7 +4297,7 @@
               <a:defRPr/>
             </a:pPr>
             <a:r>
-              <a:rPr lang="en-CA" sz="1200" b="0" i="0" kern="1200" dirty="0" smtClean="0">
+              <a:rPr lang="en-CA" sz="1200" b="0" i="0" kern="1200" dirty="0">
                 <a:solidFill>
                   <a:schemeClr val="tx1"/>
                 </a:solidFill>
@@ -4361,7 +4309,7 @@
               <a:t>acronym[</a:t>
             </a:r>
             <a:r>
-              <a:rPr lang="en-CA" sz="1200" b="1" i="0" kern="1200" dirty="0" err="1" smtClean="0">
+              <a:rPr lang="en-CA" sz="1200" b="1" i="0" kern="1200" dirty="0" err="1">
                 <a:solidFill>
                   <a:schemeClr val="tx1"/>
                 </a:solidFill>
@@ -4373,7 +4321,7 @@
               <a:t>ak</a:t>
             </a:r>
             <a:r>
-              <a:rPr lang="en-CA" sz="1200" b="0" i="0" kern="1200" dirty="0" err="1" smtClean="0">
+              <a:rPr lang="en-CA" sz="1200" b="0" i="0" kern="1200" dirty="0" err="1">
                 <a:solidFill>
                   <a:schemeClr val="tx1"/>
                 </a:solidFill>
@@ -4385,7 +4333,7 @@
               <a:t>-r</a:t>
             </a:r>
             <a:r>
-              <a:rPr lang="en-CA" sz="1200" b="0" i="1" kern="1200" dirty="0" err="1" smtClean="0">
+              <a:rPr lang="en-CA" sz="1200" b="0" i="1" kern="1200" dirty="0" err="1">
                 <a:solidFill>
                   <a:schemeClr val="tx1"/>
                 </a:solidFill>
@@ -4397,7 +4345,7 @@
               <a:t>uh</a:t>
             </a:r>
             <a:r>
-              <a:rPr lang="en-CA" sz="1200" b="0" i="0" kern="1200" dirty="0" err="1" smtClean="0">
+              <a:rPr lang="en-CA" sz="1200" b="0" i="0" kern="1200" dirty="0" err="1">
                 <a:solidFill>
                   <a:schemeClr val="tx1"/>
                 </a:solidFill>
@@ -4409,7 +4357,7 @@
               <a:t>-nim</a:t>
             </a:r>
             <a:r>
-              <a:rPr lang="en-CA" sz="1200" b="0" i="0" kern="1200" dirty="0" smtClean="0">
+              <a:rPr lang="en-CA" sz="1200" b="0" i="0" kern="1200" dirty="0">
                 <a:solidFill>
                   <a:schemeClr val="tx1"/>
                 </a:solidFill>
@@ -4421,7 +4369,7 @@
               <a:t>]  </a:t>
             </a:r>
             <a:r>
-              <a:rPr lang="en-CA" sz="1200" b="0" i="1" u="none" strike="noStrike" kern="1200" dirty="0" smtClean="0">
+              <a:rPr lang="en-CA" sz="1200" b="0" i="1" u="none" strike="noStrike" kern="1200" dirty="0">
                 <a:solidFill>
                   <a:schemeClr val="tx1"/>
                 </a:solidFill>
@@ -4434,7 +4382,7 @@
               <a:t>IPv6</a:t>
             </a:r>
             <a:r>
-              <a:rPr lang="en-CA" sz="1200" b="0" i="1" kern="1200" dirty="0" smtClean="0">
+              <a:rPr lang="en-CA" sz="1200" b="0" i="1" kern="1200" dirty="0">
                 <a:solidFill>
                   <a:schemeClr val="tx1"/>
                 </a:solidFill>
@@ -4446,7 +4394,7 @@
               <a:t> over Low power Wireless </a:t>
             </a:r>
             <a:r>
-              <a:rPr lang="en-CA" sz="1200" b="0" i="1" u="none" strike="noStrike" kern="1200" dirty="0" smtClean="0">
+              <a:rPr lang="en-CA" sz="1200" b="0" i="1" u="none" strike="noStrike" kern="1200" dirty="0">
                 <a:solidFill>
                   <a:schemeClr val="tx1"/>
                 </a:solidFill>
@@ -4459,7 +4407,7 @@
               <a:t>Personal Area Networks</a:t>
             </a:r>
             <a:r>
-              <a:rPr lang="en-CA" sz="1200" b="0" i="0" kern="1200" dirty="0" smtClean="0">
+              <a:rPr lang="en-CA" sz="1200" b="0" i="0" kern="1200" dirty="0">
                 <a:solidFill>
                   <a:schemeClr val="tx1"/>
                 </a:solidFill>
@@ -4470,7 +4418,7 @@
               </a:rPr>
               <a:t>.</a:t>
             </a:r>
-            <a:endParaRPr lang="en-CA" sz="1200" b="0" i="0" kern="1200" dirty="0" smtClean="0">
+            <a:endParaRPr lang="en-CA" sz="1200" b="0" i="0" kern="1200" dirty="0">
               <a:solidFill>
                 <a:schemeClr val="tx1"/>
               </a:solidFill>
@@ -4480,7 +4428,7 @@
             </a:endParaRPr>
           </a:p>
           <a:p>
-            <a:endParaRPr lang="en-CA" sz="1200" b="0" i="0" kern="1200" dirty="0" smtClean="0">
+            <a:endParaRPr lang="en-CA" sz="1200" b="0" i="0" kern="1200" dirty="0">
               <a:solidFill>
                 <a:schemeClr val="tx1"/>
               </a:solidFill>
@@ -4508,7 +4456,7 @@
               <a:tabLst/>
               <a:defRPr/>
             </a:pPr>
-            <a:endParaRPr lang="en-CA" sz="1200" b="0" i="0" kern="1200" baseline="0" dirty="0" smtClean="0">
+            <a:endParaRPr lang="en-CA" sz="1200" b="0" i="0" kern="1200" baseline="0" dirty="0">
               <a:solidFill>
                 <a:schemeClr val="tx1"/>
               </a:solidFill>
@@ -4536,7 +4484,7 @@
               <a:defRPr/>
             </a:pPr>
             <a:r>
-              <a:rPr lang="en-CA" sz="1200" b="1" kern="1200" dirty="0" smtClean="0">
+              <a:rPr lang="en-CA" sz="1200" b="1" kern="1200" dirty="0">
                 <a:solidFill>
                   <a:schemeClr val="tx1"/>
                 </a:solidFill>
@@ -4548,7 +4496,7 @@
               <a:t>Bluetooth 4.2. </a:t>
             </a:r>
             <a:r>
-              <a:rPr lang="en-CA" sz="1200" kern="1200" dirty="0" smtClean="0">
+              <a:rPr lang="en-CA" sz="1200" kern="1200" dirty="0">
                 <a:solidFill>
                   <a:schemeClr val="tx1"/>
                 </a:solidFill>
@@ -4560,11 +4508,11 @@
               <a:t>IoT capability(</a:t>
             </a:r>
             <a:r>
-              <a:rPr lang="en-CA" sz="1200" dirty="0" smtClean="0"/>
+              <a:rPr lang="en-CA" sz="1200" dirty="0"/>
               <a:t>IP(6LoWPAN</a:t>
             </a:r>
             <a:r>
-              <a:rPr lang="en-CA" sz="1200" kern="1200" dirty="0" smtClean="0">
+              <a:rPr lang="en-CA" sz="1200" kern="1200" dirty="0">
                 <a:solidFill>
                   <a:schemeClr val="tx1"/>
                 </a:solidFill>
@@ -4595,7 +4543,7 @@
               <a:defRPr/>
             </a:pPr>
             <a:r>
-              <a:rPr lang="en-CA" sz="1200" kern="1200" dirty="0" smtClean="0">
+              <a:rPr lang="en-CA" sz="1200" kern="1200" dirty="0">
                 <a:solidFill>
                   <a:schemeClr val="tx1"/>
                 </a:solidFill>
@@ -4626,7 +4574,7 @@
               <a:defRPr/>
             </a:pPr>
             <a:r>
-              <a:rPr lang="en-CA" sz="1200" kern="1200" dirty="0" smtClean="0">
+              <a:rPr lang="en-CA" sz="1200" kern="1200" dirty="0">
                 <a:solidFill>
                   <a:schemeClr val="tx1"/>
                 </a:solidFill>
@@ -4637,7 +4585,7 @@
               </a:rPr>
               <a:t>speed. </a:t>
             </a:r>
-            <a:endParaRPr lang="en-CA" sz="1200" b="0" i="0" kern="1200" baseline="0" dirty="0" smtClean="0">
+            <a:endParaRPr lang="en-CA" sz="1200" b="0" i="0" kern="1200" baseline="0" dirty="0">
               <a:solidFill>
                 <a:schemeClr val="tx1"/>
               </a:solidFill>
@@ -4664,7 +4612,7 @@
               <a:tabLst/>
               <a:defRPr/>
             </a:pPr>
-            <a:endParaRPr lang="en-CA" sz="1200" b="0" i="0" kern="1200" baseline="0" dirty="0" smtClean="0">
+            <a:endParaRPr lang="en-CA" sz="1200" b="0" i="0" kern="1200" baseline="0" dirty="0">
               <a:solidFill>
                 <a:schemeClr val="tx1"/>
               </a:solidFill>
@@ -4691,7 +4639,7 @@
               <a:tabLst/>
               <a:defRPr/>
             </a:pPr>
-            <a:endParaRPr lang="en-CA" sz="1200" b="0" i="0" kern="1200" dirty="0" smtClean="0">
+            <a:endParaRPr lang="en-CA" sz="1200" b="0" i="0" kern="1200" dirty="0">
               <a:solidFill>
                 <a:schemeClr val="tx1"/>
               </a:solidFill>
@@ -4804,7 +4752,7 @@
               <a:defRPr/>
             </a:pPr>
             <a:r>
-              <a:rPr lang="en-CA" sz="1200" kern="1200" dirty="0" smtClean="0">
+              <a:rPr lang="en-CA" sz="1200" kern="1200" dirty="0">
                 <a:solidFill>
                   <a:schemeClr val="tx1"/>
                 </a:solidFill>
@@ -4816,7 +4764,7 @@
               <a:t>GATT (</a:t>
             </a:r>
             <a:r>
-              <a:rPr lang="en-CA" sz="1200" b="1" kern="1200" dirty="0" smtClean="0">
+              <a:rPr lang="en-CA" sz="1200" b="1" kern="1200" dirty="0">
                 <a:solidFill>
                   <a:schemeClr val="tx1"/>
                 </a:solidFill>
@@ -4828,7 +4776,7 @@
               <a:t>Generic Attribute Profile</a:t>
             </a:r>
             <a:r>
-              <a:rPr lang="en-CA" sz="1200" kern="1200" dirty="0" smtClean="0">
+              <a:rPr lang="en-CA" sz="1200" kern="1200" dirty="0">
                 <a:solidFill>
                   <a:schemeClr val="tx1"/>
                 </a:solidFill>
@@ -4859,7 +4807,7 @@
               <a:defRPr/>
             </a:pPr>
             <a:r>
-              <a:rPr lang="en-CA" sz="1200" kern="1200" dirty="0" smtClean="0">
+              <a:rPr lang="en-CA" sz="1200" kern="1200" dirty="0">
                 <a:solidFill>
                   <a:schemeClr val="tx1"/>
                 </a:solidFill>
@@ -4890,7 +4838,7 @@
               <a:defRPr/>
             </a:pPr>
             <a:r>
-              <a:rPr lang="en-CA" sz="1200" kern="1200" dirty="0" smtClean="0">
+              <a:rPr lang="en-CA" sz="1200" kern="1200" dirty="0">
                 <a:solidFill>
                   <a:schemeClr val="tx1"/>
                 </a:solidFill>
@@ -4902,7 +4850,7 @@
               <a:t>For a characteristic, there are three types of attributes </a:t>
             </a:r>
             <a:r>
-              <a:rPr lang="en-CA" sz="1200" b="1" i="0" kern="1200" dirty="0" smtClean="0">
+              <a:rPr lang="en-CA" sz="1200" b="1" i="0" kern="1200" dirty="0">
                 <a:solidFill>
                   <a:schemeClr val="tx1"/>
                 </a:solidFill>
@@ -4914,7 +4862,7 @@
               <a:t>property</a:t>
             </a:r>
             <a:r>
-              <a:rPr lang="en-CA" sz="1200" kern="1200" dirty="0" smtClean="0">
+              <a:rPr lang="en-CA" sz="1200" kern="1200" dirty="0">
                 <a:solidFill>
                   <a:schemeClr val="tx1"/>
                 </a:solidFill>
@@ -4926,7 +4874,7 @@
               <a:t>, </a:t>
             </a:r>
             <a:r>
-              <a:rPr lang="en-CA" sz="1200" b="1" kern="1200" dirty="0" smtClean="0">
+              <a:rPr lang="en-CA" sz="1200" b="1" kern="1200" dirty="0">
                 <a:solidFill>
                   <a:schemeClr val="tx1"/>
                 </a:solidFill>
@@ -4938,7 +4886,7 @@
               <a:t>value</a:t>
             </a:r>
             <a:r>
-              <a:rPr lang="en-CA" sz="1200" kern="1200" dirty="0" smtClean="0">
+              <a:rPr lang="en-CA" sz="1200" kern="1200" dirty="0">
                 <a:solidFill>
                   <a:schemeClr val="tx1"/>
                 </a:solidFill>
@@ -4950,7 +4898,7 @@
               <a:t> and </a:t>
             </a:r>
             <a:r>
-              <a:rPr lang="en-CA" sz="1200" b="1" kern="1200" dirty="0" smtClean="0">
+              <a:rPr lang="en-CA" sz="1200" b="1" kern="1200" dirty="0">
                 <a:solidFill>
                   <a:schemeClr val="tx1"/>
                 </a:solidFill>
@@ -4980,7 +4928,7 @@
               <a:tabLst/>
               <a:defRPr/>
             </a:pPr>
-            <a:endParaRPr lang="en-CA" sz="1200" b="1" kern="1200" dirty="0" smtClean="0">
+            <a:endParaRPr lang="en-CA" sz="1200" b="1" kern="1200" dirty="0">
               <a:solidFill>
                 <a:schemeClr val="tx1"/>
               </a:solidFill>
@@ -5009,7 +4957,7 @@
               <a:defRPr/>
             </a:pPr>
             <a:r>
-              <a:rPr lang="en-CA" sz="1200" b="0" i="0" kern="1200" dirty="0" smtClean="0">
+              <a:rPr lang="en-CA" sz="1200" b="0" i="0" kern="1200" dirty="0">
                 <a:solidFill>
                   <a:schemeClr val="tx1"/>
                 </a:solidFill>
@@ -5021,7 +4969,7 @@
               <a:t>ATT (</a:t>
             </a:r>
             <a:r>
-              <a:rPr lang="en-CA" sz="1200" b="1" i="0" kern="1200" dirty="0" smtClean="0">
+              <a:rPr lang="en-CA" sz="1200" b="1" i="0" kern="1200" dirty="0">
                 <a:solidFill>
                   <a:schemeClr val="tx1"/>
                 </a:solidFill>
@@ -5033,7 +4981,7 @@
               <a:t>Attribute Protocol</a:t>
             </a:r>
             <a:r>
-              <a:rPr lang="en-CA" sz="1200" b="0" i="0" kern="1200" dirty="0" smtClean="0">
+              <a:rPr lang="en-CA" sz="1200" b="0" i="0" kern="1200" dirty="0">
                 <a:solidFill>
                   <a:schemeClr val="tx1"/>
                 </a:solidFill>
@@ -5045,7 +4993,7 @@
               <a:t>): "This specification defines the Attribute Protocol; </a:t>
             </a:r>
             <a:r>
-              <a:rPr lang="en-CA" sz="1200" b="1" i="0" kern="1200" dirty="0" smtClean="0">
+              <a:rPr lang="en-CA" sz="1200" b="1" i="0" kern="1200" dirty="0">
                 <a:solidFill>
                   <a:schemeClr val="tx1"/>
                 </a:solidFill>
@@ -5057,7 +5005,7 @@
               <a:t>a protocol for discovering, reading, and writing attributes on a peer device.</a:t>
             </a:r>
             <a:r>
-              <a:rPr lang="en-CA" sz="1200" b="0" i="0" kern="1200" dirty="0" smtClean="0">
+              <a:rPr lang="en-CA" sz="1200" b="0" i="0" kern="1200" dirty="0">
                 <a:solidFill>
                   <a:schemeClr val="tx1"/>
                 </a:solidFill>
@@ -5087,7 +5035,7 @@
               <a:tabLst/>
               <a:defRPr/>
             </a:pPr>
-            <a:endParaRPr lang="en-CA" sz="1200" b="1" kern="1200" dirty="0" smtClean="0">
+            <a:endParaRPr lang="en-CA" sz="1200" b="1" kern="1200" dirty="0">
               <a:solidFill>
                 <a:schemeClr val="tx1"/>
               </a:solidFill>
@@ -5115,7 +5063,7 @@
               <a:tabLst/>
               <a:defRPr/>
             </a:pPr>
-            <a:endParaRPr lang="en-CA" sz="1200" b="1" kern="1200" dirty="0" smtClean="0">
+            <a:endParaRPr lang="en-CA" sz="1200" b="1" kern="1200" dirty="0">
               <a:solidFill>
                 <a:schemeClr val="tx1"/>
               </a:solidFill>
@@ -5144,7 +5092,7 @@
               <a:defRPr/>
             </a:pPr>
             <a:r>
-              <a:rPr lang="en-CA" sz="1200" b="0" i="0" kern="1200" dirty="0" smtClean="0">
+              <a:rPr lang="en-CA" sz="1200" b="0" i="0" kern="1200" dirty="0">
                 <a:solidFill>
                   <a:schemeClr val="tx1"/>
                 </a:solidFill>
@@ -5156,7 +5104,7 @@
               <a:t>GAP(</a:t>
             </a:r>
             <a:r>
-              <a:rPr lang="en-CA" sz="1200" b="1" i="0" kern="1200" dirty="0" smtClean="0">
+              <a:rPr lang="en-CA" sz="1200" b="1" i="0" kern="1200" dirty="0">
                 <a:solidFill>
                   <a:schemeClr val="tx1"/>
                 </a:solidFill>
@@ -5168,7 +5116,7 @@
               <a:t>General</a:t>
             </a:r>
             <a:r>
-              <a:rPr lang="en-CA" sz="1200" b="1" i="0" kern="1200" baseline="0" dirty="0" smtClean="0">
+              <a:rPr lang="en-CA" sz="1200" b="1" i="0" kern="1200" baseline="0" dirty="0">
                 <a:solidFill>
                   <a:schemeClr val="tx1"/>
                 </a:solidFill>
@@ -5180,7 +5128,7 @@
               <a:t> access protocol</a:t>
             </a:r>
             <a:r>
-              <a:rPr lang="en-CA" sz="1200" b="0" i="0" kern="1200" dirty="0" smtClean="0">
+              <a:rPr lang="en-CA" sz="1200" b="0" i="0" kern="1200" dirty="0">
                 <a:solidFill>
                   <a:schemeClr val="tx1"/>
                 </a:solidFill>
@@ -5192,7 +5140,7 @@
               <a:t>) defines various roles for devices, but the two key concepts to keep in mind are </a:t>
             </a:r>
             <a:r>
-              <a:rPr lang="en-CA" sz="1200" b="1" i="0" kern="1200" dirty="0" smtClean="0">
+              <a:rPr lang="en-CA" sz="1200" b="1" i="0" kern="1200" dirty="0">
                 <a:solidFill>
                   <a:schemeClr val="tx1"/>
                 </a:solidFill>
@@ -5204,7 +5152,7 @@
               <a:t>Central</a:t>
             </a:r>
             <a:r>
-              <a:rPr lang="en-CA" sz="1200" b="0" i="0" kern="1200" dirty="0" smtClean="0">
+              <a:rPr lang="en-CA" sz="1200" b="0" i="0" kern="1200" dirty="0">
                 <a:solidFill>
                   <a:schemeClr val="tx1"/>
                 </a:solidFill>
@@ -5216,7 +5164,7 @@
               <a:t> devices and </a:t>
             </a:r>
             <a:r>
-              <a:rPr lang="en-CA" sz="1200" b="1" i="0" kern="1200" dirty="0" smtClean="0">
+              <a:rPr lang="en-CA" sz="1200" b="1" i="0" kern="1200" dirty="0">
                 <a:solidFill>
                   <a:schemeClr val="tx1"/>
                 </a:solidFill>
@@ -5228,7 +5176,7 @@
               <a:t>Peripheral </a:t>
             </a:r>
             <a:r>
-              <a:rPr lang="en-CA" sz="1200" b="0" i="0" kern="1200" dirty="0" smtClean="0">
+              <a:rPr lang="en-CA" sz="1200" b="0" i="0" kern="1200" dirty="0">
                 <a:solidFill>
                   <a:schemeClr val="tx1"/>
                 </a:solidFill>
@@ -5240,7 +5188,7 @@
               <a:t>devices. it controls </a:t>
             </a:r>
             <a:r>
-              <a:rPr lang="en-CA" sz="1200" b="1" i="0" kern="1200" dirty="0" smtClean="0">
+              <a:rPr lang="en-CA" sz="1200" b="1" i="0" kern="1200" dirty="0">
                 <a:solidFill>
                   <a:schemeClr val="tx1"/>
                 </a:solidFill>
@@ -5252,7 +5200,7 @@
               <a:t>connections and advertising </a:t>
             </a:r>
             <a:r>
-              <a:rPr lang="en-CA" sz="1200" b="0" i="0" kern="1200" dirty="0" smtClean="0">
+              <a:rPr lang="en-CA" sz="1200" b="0" i="0" kern="1200" dirty="0">
                 <a:solidFill>
                   <a:schemeClr val="tx1"/>
                 </a:solidFill>
@@ -5282,7 +5230,7 @@
               <a:tabLst/>
               <a:defRPr/>
             </a:pPr>
-            <a:endParaRPr lang="en-CA" sz="1200" b="0" i="0" kern="1200" dirty="0" smtClean="0">
+            <a:endParaRPr lang="en-CA" sz="1200" b="0" i="0" kern="1200" dirty="0">
               <a:solidFill>
                 <a:schemeClr val="tx1"/>
               </a:solidFill>
@@ -5311,7 +5259,7 @@
               <a:defRPr/>
             </a:pPr>
             <a:r>
-              <a:rPr lang="en-CA" sz="1200" b="0" i="0" kern="1200" dirty="0" smtClean="0">
+              <a:rPr lang="en-CA" sz="1200" b="0" i="0" kern="1200" dirty="0">
                 <a:solidFill>
                   <a:schemeClr val="tx1"/>
                 </a:solidFill>
@@ -5323,7 +5271,7 @@
               <a:t>6LoWPAN encapsulate</a:t>
             </a:r>
             <a:r>
-              <a:rPr lang="en-CA" sz="1200" b="0" i="0" kern="1200" baseline="0" dirty="0" smtClean="0">
+              <a:rPr lang="en-CA" sz="1200" b="0" i="0" kern="1200" baseline="0" dirty="0">
                 <a:solidFill>
                   <a:schemeClr val="tx1"/>
                 </a:solidFill>
@@ -5335,19 +5283,19 @@
               <a:t> IPV6 header.</a:t>
             </a:r>
             <a:r>
-              <a:rPr lang="en-CA" sz="1200" dirty="0" smtClean="0"/>
+              <a:rPr lang="en-CA" sz="1200" dirty="0"/>
               <a:t> (MTU size shall be 1280 or higher by </a:t>
             </a:r>
             <a:r>
-              <a:rPr lang="en-CA" sz="1200" dirty="0" err="1" smtClean="0"/>
+              <a:rPr lang="en-CA" sz="1200" dirty="0" err="1"/>
               <a:t>adop</a:t>
             </a:r>
             <a:r>
-              <a:rPr lang="en-CA" sz="1200" baseline="0" dirty="0" smtClean="0"/>
+              <a:rPr lang="en-CA" sz="1200" baseline="0" dirty="0"/>
               <a:t> 6lowpan</a:t>
             </a:r>
             <a:r>
-              <a:rPr lang="en-CA" sz="1200" dirty="0" smtClean="0"/>
+              <a:rPr lang="en-CA" sz="1200" dirty="0"/>
               <a:t>)</a:t>
             </a:r>
           </a:p>
@@ -5369,7 +5317,7 @@
               <a:tabLst/>
               <a:defRPr/>
             </a:pPr>
-            <a:endParaRPr lang="en-CA" sz="1200" b="0" i="0" kern="1200" dirty="0" smtClean="0">
+            <a:endParaRPr lang="en-CA" sz="1200" b="0" i="0" kern="1200" dirty="0">
               <a:solidFill>
                 <a:schemeClr val="tx1"/>
               </a:solidFill>
@@ -5398,7 +5346,7 @@
               <a:defRPr/>
             </a:pPr>
             <a:r>
-              <a:rPr lang="en-CA" sz="1200" b="0" i="0" kern="1200" dirty="0" smtClean="0">
+              <a:rPr lang="en-CA" sz="1200" b="0" i="0" kern="1200" dirty="0">
                 <a:solidFill>
                   <a:schemeClr val="tx1"/>
                 </a:solidFill>
@@ -5409,7 +5357,7 @@
               </a:rPr>
               <a:t> </a:t>
             </a:r>
-            <a:endParaRPr lang="en-CA" sz="1200" b="0" i="0" kern="1200" baseline="0" dirty="0" smtClean="0">
+            <a:endParaRPr lang="en-CA" sz="1200" b="0" i="0" kern="1200" baseline="0" dirty="0">
               <a:solidFill>
                 <a:schemeClr val="tx1"/>
               </a:solidFill>
@@ -5437,7 +5385,7 @@
               <a:defRPr/>
             </a:pPr>
             <a:r>
-              <a:rPr lang="en-CA" sz="1200" b="0" i="0" kern="1200" dirty="0" smtClean="0">
+              <a:rPr lang="en-CA" sz="1200" b="0" i="0" kern="1200" dirty="0">
                 <a:solidFill>
                   <a:schemeClr val="tx1"/>
                 </a:solidFill>
@@ -5449,7 +5397,7 @@
               <a:t>The 6LoWPAN group has defined encapsulation and header compression mechanisms that allow IPv6 packets to be sent and received over </a:t>
             </a:r>
             <a:r>
-              <a:rPr lang="en-CA" sz="1200" b="0" i="0" u="none" strike="noStrike" kern="1200" dirty="0" smtClean="0">
+              <a:rPr lang="en-CA" sz="1200" b="0" i="0" u="none" strike="noStrike" kern="1200" dirty="0">
                 <a:solidFill>
                   <a:schemeClr val="tx1"/>
                 </a:solidFill>
@@ -5462,7 +5410,7 @@
               <a:t>IEEE 802.15.4</a:t>
             </a:r>
             <a:r>
-              <a:rPr lang="en-CA" sz="1200" b="0" i="0" kern="1200" dirty="0" smtClean="0">
+              <a:rPr lang="en-CA" sz="1200" b="0" i="0" kern="1200" dirty="0">
                 <a:solidFill>
                   <a:schemeClr val="tx1"/>
                 </a:solidFill>
@@ -5493,7 +5441,7 @@
               <a:defRPr/>
             </a:pPr>
             <a:r>
-              <a:rPr lang="en-CA" sz="1200" b="0" i="0" kern="1200" dirty="0" smtClean="0">
+              <a:rPr lang="en-CA" sz="1200" b="0" i="0" kern="1200" dirty="0">
                 <a:solidFill>
                   <a:schemeClr val="tx1"/>
                 </a:solidFill>
@@ -5505,7 +5453,7 @@
               <a:t>//The fixed header of an IPv6 packet consists of its first 40 </a:t>
             </a:r>
             <a:r>
-              <a:rPr lang="en-CA" sz="1200" b="0" i="0" u="none" strike="noStrike" kern="1200" dirty="0" smtClean="0">
+              <a:rPr lang="en-CA" sz="1200" b="0" i="0" u="none" strike="noStrike" kern="1200" dirty="0">
                 <a:solidFill>
                   <a:schemeClr val="tx1"/>
                 </a:solidFill>
@@ -5517,7 +5465,7 @@
               <a:t>bytes</a:t>
             </a:r>
             <a:r>
-              <a:rPr lang="en-CA" sz="1200" b="0" i="0" kern="1200" dirty="0" smtClean="0">
+              <a:rPr lang="en-CA" sz="1200" b="0" i="0" kern="1200" dirty="0">
                 <a:solidFill>
                   <a:schemeClr val="tx1"/>
                 </a:solidFill>
@@ -5529,7 +5477,7 @@
               <a:t> (320 </a:t>
             </a:r>
             <a:r>
-              <a:rPr lang="en-CA" sz="1200" b="0" i="0" u="none" strike="noStrike" kern="1200" dirty="0" smtClean="0">
+              <a:rPr lang="en-CA" sz="1200" b="0" i="0" u="none" strike="noStrike" kern="1200" dirty="0">
                 <a:solidFill>
                   <a:schemeClr val="tx1"/>
                 </a:solidFill>
@@ -5542,7 +5490,7 @@
               <a:t>bits</a:t>
             </a:r>
             <a:r>
-              <a:rPr lang="en-CA" sz="1200" b="0" i="0" kern="1200" dirty="0" smtClean="0">
+              <a:rPr lang="en-CA" sz="1200" b="0" i="0" kern="1200" dirty="0">
                 <a:solidFill>
                   <a:schemeClr val="tx1"/>
                 </a:solidFill>
@@ -5573,7 +5521,7 @@
               <a:defRPr/>
             </a:pPr>
             <a:r>
-              <a:rPr lang="en-CA" sz="1200" b="0" i="0" kern="1200" dirty="0" smtClean="0">
+              <a:rPr lang="en-CA" sz="1200" b="0" i="0" kern="1200" dirty="0">
                 <a:solidFill>
                   <a:schemeClr val="tx1"/>
                 </a:solidFill>
@@ -5603,7 +5551,7 @@
               <a:tabLst/>
               <a:defRPr/>
             </a:pPr>
-            <a:endParaRPr lang="en-CA" sz="1200" b="0" i="0" kern="1200" dirty="0" smtClean="0">
+            <a:endParaRPr lang="en-CA" sz="1200" b="0" i="0" kern="1200" dirty="0">
               <a:solidFill>
                 <a:schemeClr val="tx1"/>
               </a:solidFill>
@@ -5631,7 +5579,7 @@
               <a:tabLst/>
               <a:defRPr/>
             </a:pPr>
-            <a:endParaRPr lang="en-CA" sz="1200" b="0" i="0" kern="1200" dirty="0" smtClean="0">
+            <a:endParaRPr lang="en-CA" sz="1200" b="0" i="0" kern="1200" dirty="0">
               <a:solidFill>
                 <a:schemeClr val="tx1"/>
               </a:solidFill>
@@ -5659,7 +5607,7 @@
               <a:tabLst/>
               <a:defRPr/>
             </a:pPr>
-            <a:endParaRPr lang="en-CA" sz="1200" b="0" i="0" kern="1200" dirty="0" smtClean="0">
+            <a:endParaRPr lang="en-CA" sz="1200" b="0" i="0" kern="1200" dirty="0">
               <a:solidFill>
                 <a:schemeClr val="tx1"/>
               </a:solidFill>
@@ -5688,7 +5636,7 @@
               <a:defRPr/>
             </a:pPr>
             <a:r>
-              <a:rPr lang="en-CA" sz="1200" b="0" i="0" kern="1200" dirty="0" smtClean="0">
+              <a:rPr lang="en-CA" sz="1200" b="0" i="0" kern="1200" dirty="0">
                 <a:solidFill>
                   <a:schemeClr val="tx1"/>
                 </a:solidFill>
@@ -5718,7 +5666,7 @@
               <a:tabLst/>
               <a:defRPr/>
             </a:pPr>
-            <a:endParaRPr lang="en-CA" sz="1200" b="0" i="0" kern="1200" dirty="0" smtClean="0">
+            <a:endParaRPr lang="en-CA" sz="1200" b="0" i="0" kern="1200" dirty="0">
               <a:solidFill>
                 <a:schemeClr val="tx1"/>
               </a:solidFill>
@@ -5729,7 +5677,7 @@
             </a:endParaRPr>
           </a:p>
           <a:p>
-            <a:endParaRPr lang="en-CA" sz="1200" b="0" i="0" kern="1200" dirty="0" smtClean="0">
+            <a:endParaRPr lang="en-CA" sz="1200" b="0" i="0" kern="1200" dirty="0">
               <a:solidFill>
                 <a:schemeClr val="tx1"/>
               </a:solidFill>
@@ -5740,7 +5688,7 @@
             </a:endParaRPr>
           </a:p>
           <a:p>
-            <a:endParaRPr lang="en-CA" sz="1200" b="0" i="0" kern="1200" dirty="0" smtClean="0">
+            <a:endParaRPr lang="en-CA" sz="1200" b="0" i="0" kern="1200" dirty="0">
               <a:solidFill>
                 <a:schemeClr val="tx1"/>
               </a:solidFill>
@@ -5751,7 +5699,7 @@
             </a:endParaRPr>
           </a:p>
           <a:p>
-            <a:endParaRPr lang="en-CA" sz="1200" b="0" i="0" kern="1200" dirty="0" smtClean="0">
+            <a:endParaRPr lang="en-CA" sz="1200" b="0" i="0" kern="1200" dirty="0">
               <a:solidFill>
                 <a:schemeClr val="tx1"/>
               </a:solidFill>
@@ -5763,7 +5711,7 @@
           </a:p>
           <a:p>
             <a:r>
-              <a:rPr lang="en-CA" sz="1200" b="0" i="0" kern="1200" dirty="0" smtClean="0">
+              <a:rPr lang="en-CA" sz="1200" b="0" i="0" kern="1200" dirty="0">
                 <a:solidFill>
                   <a:schemeClr val="tx1"/>
                 </a:solidFill>
@@ -5775,7 +5723,7 @@
               <a:t>GATT (page 2207): "This specification defines the Generic Attribute Profile that describes a service framework using the Attribute Protocol for </a:t>
             </a:r>
             <a:r>
-              <a:rPr lang="en-CA" sz="1200" b="1" i="0" kern="1200" dirty="0" smtClean="0">
+              <a:rPr lang="en-CA" sz="1200" b="1" i="0" kern="1200" dirty="0">
                 <a:solidFill>
                   <a:schemeClr val="tx1"/>
                 </a:solidFill>
@@ -5787,7 +5735,7 @@
               <a:t>discovering services, and for reading and writing characteristic values on a peer device</a:t>
             </a:r>
             <a:r>
-              <a:rPr lang="en-CA" sz="1200" b="0" i="0" kern="1200" dirty="0" smtClean="0">
+              <a:rPr lang="en-CA" sz="1200" b="0" i="0" kern="1200" dirty="0">
                 <a:solidFill>
                   <a:schemeClr val="tx1"/>
                 </a:solidFill>
@@ -5817,7 +5765,7 @@
               <a:tabLst/>
               <a:defRPr/>
             </a:pPr>
-            <a:endParaRPr lang="en-CA" sz="1200" b="0" i="0" kern="1200" dirty="0" smtClean="0">
+            <a:endParaRPr lang="en-CA" sz="1200" b="0" i="0" kern="1200" dirty="0">
               <a:solidFill>
                 <a:schemeClr val="tx1"/>
               </a:solidFill>
@@ -5845,7 +5793,7 @@
               <a:tabLst/>
               <a:defRPr/>
             </a:pPr>
-            <a:endParaRPr lang="en-CA" sz="1200" b="0" i="0" kern="1200" dirty="0" smtClean="0">
+            <a:endParaRPr lang="en-CA" sz="1200" b="0" i="0" kern="1200" dirty="0">
               <a:solidFill>
                 <a:schemeClr val="tx1"/>
               </a:solidFill>
@@ -5857,7 +5805,7 @@
           </a:p>
           <a:p>
             <a:r>
-              <a:rPr lang="en-CA" sz="1200" b="0" i="0" u="none" strike="noStrike" kern="1200" baseline="0" dirty="0" smtClean="0">
+              <a:rPr lang="en-CA" sz="1200" b="0" i="0" u="none" strike="noStrike" kern="1200" baseline="0" dirty="0">
                 <a:solidFill>
                   <a:schemeClr val="tx1"/>
                 </a:solidFill>
@@ -5870,7 +5818,7 @@
           </a:p>
           <a:p>
             <a:r>
-              <a:rPr lang="en-CA" sz="1200" b="0" i="0" u="none" strike="noStrike" kern="1200" baseline="0" dirty="0" smtClean="0">
+              <a:rPr lang="en-CA" sz="1200" b="0" i="0" u="none" strike="noStrike" kern="1200" baseline="0" dirty="0">
                 <a:solidFill>
                   <a:schemeClr val="tx1"/>
                 </a:solidFill>
@@ -5883,7 +5831,7 @@
           </a:p>
           <a:p>
             <a:r>
-              <a:rPr lang="en-CA" sz="1200" b="0" i="0" u="none" strike="noStrike" kern="1200" baseline="0" dirty="0" smtClean="0">
+              <a:rPr lang="en-CA" sz="1200" b="0" i="0" u="none" strike="noStrike" kern="1200" baseline="0" dirty="0">
                 <a:solidFill>
                   <a:schemeClr val="tx1"/>
                 </a:solidFill>
@@ -5893,7 +5841,7 @@
               </a:rPr>
               <a:t>The Node role is used for devices that can only originate or consume IPv6 application packets. Additionally, the Node role has a special function in Bluetooth service discovery; an instance of the IPSS (Internet Protocol Support Service) that allows router devices to discover it (over GATT). </a:t>
             </a:r>
-            <a:endParaRPr lang="en-CA" sz="1200" b="1" kern="1200" dirty="0" smtClean="0">
+            <a:endParaRPr lang="en-CA" sz="1200" b="1" kern="1200" dirty="0">
               <a:solidFill>
                 <a:schemeClr val="tx1"/>
               </a:solidFill>
@@ -5987,42 +5935,37 @@
           <a:lstStyle/>
           <a:p>
             <a:r>
-              <a:rPr lang="en-CA" sz="1200" dirty="0" smtClean="0"/>
-              <a:t>It </a:t>
-            </a:r>
-            <a:r>
-              <a:rPr lang="en-CA" sz="1200" dirty="0" smtClean="0"/>
-              <a:t>provides instructions and URI format for SMS, </a:t>
-            </a:r>
-            <a:r>
-              <a:rPr lang="en-CA" sz="1200" dirty="0" err="1" smtClean="0"/>
+              <a:rPr lang="en-CA" sz="1200" dirty="0"/>
+              <a:t>It provides instructions and URI format for SMS, </a:t>
+            </a:r>
+            <a:r>
+              <a:rPr lang="en-CA" sz="1200" dirty="0" err="1"/>
               <a:t>Websocket</a:t>
             </a:r>
             <a:r>
-              <a:rPr lang="en-CA" sz="1200" dirty="0" smtClean="0"/>
+              <a:rPr lang="en-CA" sz="1200" dirty="0"/>
               <a:t> and  TCP. </a:t>
             </a:r>
-            <a:endParaRPr lang="en-CA" sz="1200" dirty="0" smtClean="0"/>
-          </a:p>
-          <a:p>
-            <a:endParaRPr lang="en-CA" sz="1200" dirty="0" smtClean="0"/>
-          </a:p>
-          <a:p>
-            <a:r>
-              <a:rPr lang="en-CA" dirty="0" err="1" smtClean="0"/>
+          </a:p>
+          <a:p>
+            <a:endParaRPr lang="en-CA" sz="1200" dirty="0"/>
+          </a:p>
+          <a:p>
+            <a:r>
+              <a:rPr lang="en-CA" dirty="0" err="1"/>
               <a:t>CoRE</a:t>
             </a:r>
             <a:r>
-              <a:rPr lang="en-CA" dirty="0" smtClean="0"/>
+              <a:rPr lang="en-CA" dirty="0"/>
               <a:t> Working Group(Informational document) Internet-Draft </a:t>
             </a:r>
-            <a:endParaRPr lang="en-CA" sz="1200" dirty="0" smtClean="0"/>
-          </a:p>
-          <a:p>
-            <a:endParaRPr lang="en-CA" sz="1200" dirty="0" smtClean="0"/>
-          </a:p>
-          <a:p>
-            <a:endParaRPr lang="en-CA" sz="1200" dirty="0" smtClean="0"/>
+            <a:endParaRPr lang="en-CA" sz="1200" dirty="0"/>
+          </a:p>
+          <a:p>
+            <a:endParaRPr lang="en-CA" sz="1200" dirty="0"/>
+          </a:p>
+          <a:p>
+            <a:endParaRPr lang="en-CA" sz="1200" dirty="0"/>
           </a:p>
           <a:p>
             <a:endParaRPr lang="en-CA" dirty="0"/>
@@ -6118,14 +6061,14 @@
           </a:ln>
           <a:extLst>
             <a:ext uri="{909E8E84-426E-40dd-AFC4-6F175D3DCCD1}">
-              <a14:hiddenFill xmlns="" xmlns:a14="http://schemas.microsoft.com/office/drawing/2010/main">
+              <a14:hiddenFill xmlns:a14="http://schemas.microsoft.com/office/drawing/2010/main" xmlns="">
                 <a:solidFill>
                   <a:srgbClr val="FFFFFF"/>
                 </a:solidFill>
               </a14:hiddenFill>
             </a:ext>
             <a:ext uri="{91240B29-F687-4f45-9708-019B960494DF}">
-              <a14:hiddenLine xmlns="" xmlns:a14="http://schemas.microsoft.com/office/drawing/2010/main" w="9525">
+              <a14:hiddenLine xmlns:a14="http://schemas.microsoft.com/office/drawing/2010/main" xmlns="" w="9525">
                 <a:solidFill>
                   <a:srgbClr val="000000"/>
                 </a:solidFill>
@@ -6213,14 +6156,14 @@
           </a:ln>
           <a:extLst>
             <a:ext uri="{909E8E84-426E-40dd-AFC4-6F175D3DCCD1}">
-              <a14:hiddenFill xmlns="" xmlns:a14="http://schemas.microsoft.com/office/drawing/2010/main">
+              <a14:hiddenFill xmlns:a14="http://schemas.microsoft.com/office/drawing/2010/main" xmlns="">
                 <a:solidFill>
                   <a:srgbClr val="FFFFFF"/>
                 </a:solidFill>
               </a14:hiddenFill>
             </a:ext>
             <a:ext uri="{91240B29-F687-4f45-9708-019B960494DF}">
-              <a14:hiddenLine xmlns="" xmlns:a14="http://schemas.microsoft.com/office/drawing/2010/main" w="9525">
+              <a14:hiddenLine xmlns:a14="http://schemas.microsoft.com/office/drawing/2010/main" xmlns="" w="9525">
                 <a:solidFill>
                   <a:srgbClr val="000000"/>
                 </a:solidFill>
@@ -6359,7 +6302,7 @@
           <a:lstStyle/>
           <a:p>
             <a:r>
-              <a:rPr lang="en-CA" smtClean="0"/>
+              <a:rPr lang="en-CA"/>
               <a:t>Click to edit Master title style</a:t>
             </a:r>
             <a:endParaRPr lang="en-US"/>
@@ -6383,35 +6326,35 @@
           <a:p>
             <a:pPr lvl="0"/>
             <a:r>
-              <a:rPr lang="en-CA" smtClean="0"/>
+              <a:rPr lang="en-CA"/>
               <a:t>Click to edit Master text styles</a:t>
             </a:r>
           </a:p>
           <a:p>
             <a:pPr lvl="1"/>
             <a:r>
-              <a:rPr lang="en-CA" smtClean="0"/>
+              <a:rPr lang="en-CA"/>
               <a:t>Second level</a:t>
             </a:r>
           </a:p>
           <a:p>
             <a:pPr lvl="2"/>
             <a:r>
-              <a:rPr lang="en-CA" smtClean="0"/>
+              <a:rPr lang="en-CA"/>
               <a:t>Third level</a:t>
             </a:r>
           </a:p>
           <a:p>
             <a:pPr lvl="3"/>
             <a:r>
-              <a:rPr lang="en-CA" smtClean="0"/>
+              <a:rPr lang="en-CA"/>
               <a:t>Fourth level</a:t>
             </a:r>
           </a:p>
           <a:p>
             <a:pPr lvl="4"/>
             <a:r>
-              <a:rPr lang="en-CA" smtClean="0"/>
+              <a:rPr lang="en-CA"/>
               <a:t>Fifth level</a:t>
             </a:r>
             <a:endParaRPr lang="en-US"/>
@@ -6469,7 +6412,7 @@
           <a:lstStyle/>
           <a:p>
             <a:r>
-              <a:rPr lang="en-CA" smtClean="0"/>
+              <a:rPr lang="en-CA"/>
               <a:t>Click to edit Master title style</a:t>
             </a:r>
             <a:endParaRPr lang="en-US"/>
@@ -6498,35 +6441,35 @@
           <a:p>
             <a:pPr lvl="0"/>
             <a:r>
-              <a:rPr lang="en-CA" smtClean="0"/>
+              <a:rPr lang="en-CA"/>
               <a:t>Click to edit Master text styles</a:t>
             </a:r>
           </a:p>
           <a:p>
             <a:pPr lvl="1"/>
             <a:r>
-              <a:rPr lang="en-CA" smtClean="0"/>
+              <a:rPr lang="en-CA"/>
               <a:t>Second level</a:t>
             </a:r>
           </a:p>
           <a:p>
             <a:pPr lvl="2"/>
             <a:r>
-              <a:rPr lang="en-CA" smtClean="0"/>
+              <a:rPr lang="en-CA"/>
               <a:t>Third level</a:t>
             </a:r>
           </a:p>
           <a:p>
             <a:pPr lvl="3"/>
             <a:r>
-              <a:rPr lang="en-CA" smtClean="0"/>
+              <a:rPr lang="en-CA"/>
               <a:t>Fourth level</a:t>
             </a:r>
           </a:p>
           <a:p>
             <a:pPr lvl="4"/>
             <a:r>
-              <a:rPr lang="en-CA" smtClean="0"/>
+              <a:rPr lang="en-CA"/>
               <a:t>Fifth level</a:t>
             </a:r>
             <a:endParaRPr lang="en-US"/>
@@ -6579,7 +6522,7 @@
           <a:lstStyle/>
           <a:p>
             <a:r>
-              <a:rPr lang="en-CA" smtClean="0"/>
+              <a:rPr lang="en-CA"/>
               <a:t>Click to edit Master title style</a:t>
             </a:r>
             <a:endParaRPr lang="en-US"/>
@@ -6608,35 +6551,35 @@
           <a:p>
             <a:pPr lvl="0"/>
             <a:r>
-              <a:rPr lang="en-CA" dirty="0" smtClean="0"/>
+              <a:rPr lang="en-CA" dirty="0"/>
               <a:t>Click to edit Master text styles</a:t>
             </a:r>
           </a:p>
           <a:p>
             <a:pPr lvl="1"/>
             <a:r>
-              <a:rPr lang="en-CA" dirty="0" smtClean="0"/>
+              <a:rPr lang="en-CA" dirty="0"/>
               <a:t>Second level</a:t>
             </a:r>
           </a:p>
           <a:p>
             <a:pPr lvl="2"/>
             <a:r>
-              <a:rPr lang="en-CA" dirty="0" smtClean="0"/>
+              <a:rPr lang="en-CA" dirty="0"/>
               <a:t>Third level</a:t>
             </a:r>
           </a:p>
           <a:p>
             <a:pPr lvl="3"/>
             <a:r>
-              <a:rPr lang="en-CA" dirty="0" smtClean="0"/>
+              <a:rPr lang="en-CA" dirty="0"/>
               <a:t>Fourth level</a:t>
             </a:r>
           </a:p>
           <a:p>
             <a:pPr lvl="4"/>
             <a:r>
-              <a:rPr lang="en-CA" dirty="0" smtClean="0"/>
+              <a:rPr lang="en-CA" dirty="0"/>
               <a:t>Fifth level</a:t>
             </a:r>
             <a:endParaRPr lang="en-US" dirty="0"/>
@@ -6698,7 +6641,7 @@
           </a:lstStyle>
           <a:p>
             <a:r>
-              <a:rPr lang="en-CA" smtClean="0"/>
+              <a:rPr lang="en-CA"/>
               <a:t>Click to edit Master title style</a:t>
             </a:r>
             <a:endParaRPr lang="en-US"/>
@@ -6764,7 +6707,7 @@
           <a:p>
             <a:pPr lvl="0"/>
             <a:r>
-              <a:rPr lang="en-CA" smtClean="0"/>
+              <a:rPr lang="en-CA"/>
               <a:t>Click to edit Master text styles</a:t>
             </a:r>
           </a:p>
@@ -6850,35 +6793,35 @@
           <a:p>
             <a:pPr lvl="0"/>
             <a:r>
-              <a:rPr lang="en-CA" smtClean="0"/>
+              <a:rPr lang="en-CA"/>
               <a:t>Click to edit Master text styles</a:t>
             </a:r>
           </a:p>
           <a:p>
             <a:pPr lvl="1"/>
             <a:r>
-              <a:rPr lang="en-CA" smtClean="0"/>
+              <a:rPr lang="en-CA"/>
               <a:t>Second level</a:t>
             </a:r>
           </a:p>
           <a:p>
             <a:pPr lvl="2"/>
             <a:r>
-              <a:rPr lang="en-CA" smtClean="0"/>
+              <a:rPr lang="en-CA"/>
               <a:t>Third level</a:t>
             </a:r>
           </a:p>
           <a:p>
             <a:pPr lvl="3"/>
             <a:r>
-              <a:rPr lang="en-CA" smtClean="0"/>
+              <a:rPr lang="en-CA"/>
               <a:t>Fourth level</a:t>
             </a:r>
           </a:p>
           <a:p>
             <a:pPr lvl="4"/>
             <a:r>
-              <a:rPr lang="en-CA" smtClean="0"/>
+              <a:rPr lang="en-CA"/>
               <a:t>Fifth level</a:t>
             </a:r>
             <a:endParaRPr lang="en-US"/>
@@ -6935,35 +6878,35 @@
           <a:p>
             <a:pPr lvl="0"/>
             <a:r>
-              <a:rPr lang="en-CA" smtClean="0"/>
+              <a:rPr lang="en-CA"/>
               <a:t>Click to edit Master text styles</a:t>
             </a:r>
           </a:p>
           <a:p>
             <a:pPr lvl="1"/>
             <a:r>
-              <a:rPr lang="en-CA" smtClean="0"/>
+              <a:rPr lang="en-CA"/>
               <a:t>Second level</a:t>
             </a:r>
           </a:p>
           <a:p>
             <a:pPr lvl="2"/>
             <a:r>
-              <a:rPr lang="en-CA" smtClean="0"/>
+              <a:rPr lang="en-CA"/>
               <a:t>Third level</a:t>
             </a:r>
           </a:p>
           <a:p>
             <a:pPr lvl="3"/>
             <a:r>
-              <a:rPr lang="en-CA" smtClean="0"/>
+              <a:rPr lang="en-CA"/>
               <a:t>Fourth level</a:t>
             </a:r>
           </a:p>
           <a:p>
             <a:pPr lvl="4"/>
             <a:r>
-              <a:rPr lang="en-CA" smtClean="0"/>
+              <a:rPr lang="en-CA"/>
               <a:t>Fifth level</a:t>
             </a:r>
             <a:endParaRPr lang="en-US"/>
@@ -6995,7 +6938,7 @@
           </a:lstStyle>
           <a:p>
             <a:r>
-              <a:rPr lang="en-CA" smtClean="0"/>
+              <a:rPr lang="en-CA"/>
               <a:t>Click to edit Master title style</a:t>
             </a:r>
             <a:endParaRPr lang="en-US"/>
@@ -7057,7 +7000,7 @@
           </a:lstStyle>
           <a:p>
             <a:r>
-              <a:rPr lang="en-CA" smtClean="0"/>
+              <a:rPr lang="en-CA"/>
               <a:t>Click to edit Master title style</a:t>
             </a:r>
             <a:endParaRPr lang="en-US"/>
@@ -7123,7 +7066,7 @@
           <a:p>
             <a:pPr lvl="0"/>
             <a:r>
-              <a:rPr lang="en-CA" dirty="0" smtClean="0"/>
+              <a:rPr lang="en-CA" dirty="0"/>
               <a:t>Click to edit Master text styles</a:t>
             </a:r>
           </a:p>
@@ -7179,35 +7122,35 @@
           <a:p>
             <a:pPr lvl="0"/>
             <a:r>
-              <a:rPr lang="en-CA" smtClean="0"/>
+              <a:rPr lang="en-CA"/>
               <a:t>Click to edit Master text styles</a:t>
             </a:r>
           </a:p>
           <a:p>
             <a:pPr lvl="1"/>
             <a:r>
-              <a:rPr lang="en-CA" smtClean="0"/>
+              <a:rPr lang="en-CA"/>
               <a:t>Second level</a:t>
             </a:r>
           </a:p>
           <a:p>
             <a:pPr lvl="2"/>
             <a:r>
-              <a:rPr lang="en-CA" smtClean="0"/>
+              <a:rPr lang="en-CA"/>
               <a:t>Third level</a:t>
             </a:r>
           </a:p>
           <a:p>
             <a:pPr lvl="3"/>
             <a:r>
-              <a:rPr lang="en-CA" smtClean="0"/>
+              <a:rPr lang="en-CA"/>
               <a:t>Fourth level</a:t>
             </a:r>
           </a:p>
           <a:p>
             <a:pPr lvl="4"/>
             <a:r>
-              <a:rPr lang="en-CA" smtClean="0"/>
+              <a:rPr lang="en-CA"/>
               <a:t>Fifth level</a:t>
             </a:r>
             <a:endParaRPr lang="en-US"/>
@@ -7273,7 +7216,7 @@
           <a:p>
             <a:pPr lvl="0"/>
             <a:r>
-              <a:rPr lang="en-CA" dirty="0" smtClean="0"/>
+              <a:rPr lang="en-CA" dirty="0"/>
               <a:t>Click to edit Master text styles</a:t>
             </a:r>
           </a:p>
@@ -7329,35 +7272,35 @@
           <a:p>
             <a:pPr lvl="0"/>
             <a:r>
-              <a:rPr lang="en-CA" smtClean="0"/>
+              <a:rPr lang="en-CA"/>
               <a:t>Click to edit Master text styles</a:t>
             </a:r>
           </a:p>
           <a:p>
             <a:pPr lvl="1"/>
             <a:r>
-              <a:rPr lang="en-CA" smtClean="0"/>
+              <a:rPr lang="en-CA"/>
               <a:t>Second level</a:t>
             </a:r>
           </a:p>
           <a:p>
             <a:pPr lvl="2"/>
             <a:r>
-              <a:rPr lang="en-CA" smtClean="0"/>
+              <a:rPr lang="en-CA"/>
               <a:t>Third level</a:t>
             </a:r>
           </a:p>
           <a:p>
             <a:pPr lvl="3"/>
             <a:r>
-              <a:rPr lang="en-CA" smtClean="0"/>
+              <a:rPr lang="en-CA"/>
               <a:t>Fourth level</a:t>
             </a:r>
           </a:p>
           <a:p>
             <a:pPr lvl="4"/>
             <a:r>
-              <a:rPr lang="en-CA" smtClean="0"/>
+              <a:rPr lang="en-CA"/>
               <a:t>Fifth level</a:t>
             </a:r>
             <a:endParaRPr lang="en-US"/>
@@ -7410,7 +7353,7 @@
           <a:lstStyle/>
           <a:p>
             <a:r>
-              <a:rPr lang="en-CA" smtClean="0"/>
+              <a:rPr lang="en-CA"/>
               <a:t>Click to edit Master title style</a:t>
             </a:r>
             <a:endParaRPr lang="en-US"/>
@@ -7502,7 +7445,7 @@
           </a:lstStyle>
           <a:p>
             <a:r>
-              <a:rPr lang="en-CA" dirty="0" smtClean="0"/>
+              <a:rPr lang="en-CA" dirty="0"/>
               <a:t>Click to edit Master title style</a:t>
             </a:r>
             <a:endParaRPr lang="en-US" dirty="0"/>
@@ -7559,35 +7502,35 @@
           <a:p>
             <a:pPr lvl="0"/>
             <a:r>
-              <a:rPr lang="en-CA" smtClean="0"/>
+              <a:rPr lang="en-CA"/>
               <a:t>Click to edit Master text styles</a:t>
             </a:r>
           </a:p>
           <a:p>
             <a:pPr lvl="1"/>
             <a:r>
-              <a:rPr lang="en-CA" smtClean="0"/>
+              <a:rPr lang="en-CA"/>
               <a:t>Second level</a:t>
             </a:r>
           </a:p>
           <a:p>
             <a:pPr lvl="2"/>
             <a:r>
-              <a:rPr lang="en-CA" smtClean="0"/>
+              <a:rPr lang="en-CA"/>
               <a:t>Third level</a:t>
             </a:r>
           </a:p>
           <a:p>
             <a:pPr lvl="3"/>
             <a:r>
-              <a:rPr lang="en-CA" smtClean="0"/>
+              <a:rPr lang="en-CA"/>
               <a:t>Fourth level</a:t>
             </a:r>
           </a:p>
           <a:p>
             <a:pPr lvl="4"/>
             <a:r>
-              <a:rPr lang="en-CA" smtClean="0"/>
+              <a:rPr lang="en-CA"/>
               <a:t>Fifth level</a:t>
             </a:r>
             <a:endParaRPr lang="en-US"/>
@@ -7653,7 +7596,7 @@
           <a:p>
             <a:pPr lvl="0"/>
             <a:r>
-              <a:rPr lang="en-CA" smtClean="0"/>
+              <a:rPr lang="en-CA"/>
               <a:t>Click to edit Master text styles</a:t>
             </a:r>
           </a:p>
@@ -7714,7 +7657,7 @@
           </a:lstStyle>
           <a:p>
             <a:r>
-              <a:rPr lang="en-CA" smtClean="0"/>
+              <a:rPr lang="en-CA"/>
               <a:t>Click to edit Master title style</a:t>
             </a:r>
             <a:endParaRPr lang="en-US"/>
@@ -7779,7 +7722,7 @@
           </a:lstStyle>
           <a:p>
             <a:pPr lvl="0"/>
-            <a:endParaRPr lang="en-US" noProof="0" dirty="0" smtClean="0"/>
+            <a:endParaRPr lang="en-US" noProof="0" dirty="0"/>
           </a:p>
         </p:txBody>
       </p:sp>
@@ -7842,7 +7785,7 @@
           <a:p>
             <a:pPr lvl="0"/>
             <a:r>
-              <a:rPr lang="en-CA" smtClean="0"/>
+              <a:rPr lang="en-CA"/>
               <a:t>Click to edit Master text styles</a:t>
             </a:r>
           </a:p>
@@ -7921,14 +7864,14 @@
           </a:ln>
           <a:extLst>
             <a:ext uri="{909E8E84-426E-40dd-AFC4-6F175D3DCCD1}">
-              <a14:hiddenFill xmlns="" xmlns:a14="http://schemas.microsoft.com/office/drawing/2010/main">
+              <a14:hiddenFill xmlns:a14="http://schemas.microsoft.com/office/drawing/2010/main" xmlns="">
                 <a:solidFill>
                   <a:srgbClr val="FFFFFF"/>
                 </a:solidFill>
               </a14:hiddenFill>
             </a:ext>
             <a:ext uri="{91240B29-F687-4f45-9708-019B960494DF}">
-              <a14:hiddenLine xmlns="" xmlns:a14="http://schemas.microsoft.com/office/drawing/2010/main" w="9525">
+              <a14:hiddenLine xmlns:a14="http://schemas.microsoft.com/office/drawing/2010/main" xmlns="" w="9525">
                 <a:solidFill>
                   <a:srgbClr val="000000"/>
                 </a:solidFill>
@@ -7975,14 +7918,14 @@
           </a:ln>
           <a:extLst>
             <a:ext uri="{909E8E84-426E-40dd-AFC4-6F175D3DCCD1}">
-              <a14:hiddenFill xmlns="" xmlns:a14="http://schemas.microsoft.com/office/drawing/2010/main">
+              <a14:hiddenFill xmlns:a14="http://schemas.microsoft.com/office/drawing/2010/main" xmlns="">
                 <a:solidFill>
                   <a:srgbClr val="FFFFFF"/>
                 </a:solidFill>
               </a14:hiddenFill>
             </a:ext>
             <a:ext uri="{91240B29-F687-4f45-9708-019B960494DF}">
-              <a14:hiddenLine xmlns="" xmlns:a14="http://schemas.microsoft.com/office/drawing/2010/main" w="9525">
+              <a14:hiddenLine xmlns:a14="http://schemas.microsoft.com/office/drawing/2010/main" xmlns="" w="9525">
                 <a:solidFill>
                   <a:srgbClr val="000000"/>
                 </a:solidFill>
@@ -8018,14 +7961,14 @@
           </a:ln>
           <a:extLst>
             <a:ext uri="{909E8E84-426E-40dd-AFC4-6F175D3DCCD1}">
-              <a14:hiddenFill xmlns="" xmlns:a14="http://schemas.microsoft.com/office/drawing/2010/main">
+              <a14:hiddenFill xmlns:a14="http://schemas.microsoft.com/office/drawing/2010/main" xmlns="">
                 <a:solidFill>
                   <a:srgbClr val="FFFFFF"/>
                 </a:solidFill>
               </a14:hiddenFill>
             </a:ext>
             <a:ext uri="{91240B29-F687-4f45-9708-019B960494DF}">
-              <a14:hiddenLine xmlns="" xmlns:a14="http://schemas.microsoft.com/office/drawing/2010/main" w="9525">
+              <a14:hiddenLine xmlns:a14="http://schemas.microsoft.com/office/drawing/2010/main" xmlns="" w="9525">
                 <a:solidFill>
                   <a:srgbClr val="000000"/>
                 </a:solidFill>
@@ -8035,7 +7978,7 @@
               </a14:hiddenLine>
             </a:ext>
             <a:ext uri="{FAA26D3D-D897-4be2-8F04-BA451C77F1D7}">
-              <ma14:placeholderFlag xmlns="" xmlns:ma14="http://schemas.microsoft.com/office/mac/drawingml/2011/main" val="1"/>
+              <ma14:placeholderFlag xmlns:ma14="http://schemas.microsoft.com/office/mac/drawingml/2011/main" xmlns="" val="1"/>
             </a:ext>
           </a:extLst>
         </p:spPr>
@@ -8079,14 +8022,14 @@
           </a:ln>
           <a:extLst>
             <a:ext uri="{909E8E84-426E-40dd-AFC4-6F175D3DCCD1}">
-              <a14:hiddenFill xmlns="" xmlns:a14="http://schemas.microsoft.com/office/drawing/2010/main">
+              <a14:hiddenFill xmlns:a14="http://schemas.microsoft.com/office/drawing/2010/main" xmlns="">
                 <a:solidFill>
                   <a:srgbClr val="FFFFFF"/>
                 </a:solidFill>
               </a14:hiddenFill>
             </a:ext>
             <a:ext uri="{91240B29-F687-4f45-9708-019B960494DF}">
-              <a14:hiddenLine xmlns="" xmlns:a14="http://schemas.microsoft.com/office/drawing/2010/main" w="9525">
+              <a14:hiddenLine xmlns:a14="http://schemas.microsoft.com/office/drawing/2010/main" xmlns="" w="9525">
                 <a:solidFill>
                   <a:srgbClr val="000000"/>
                 </a:solidFill>
@@ -8096,7 +8039,7 @@
               </a14:hiddenLine>
             </a:ext>
             <a:ext uri="{FAA26D3D-D897-4be2-8F04-BA451C77F1D7}">
-              <ma14:placeholderFlag xmlns="" xmlns:ma14="http://schemas.microsoft.com/office/mac/drawingml/2011/main" val="1"/>
+              <ma14:placeholderFlag xmlns:ma14="http://schemas.microsoft.com/office/mac/drawingml/2011/main" xmlns="" val="1"/>
             </a:ext>
           </a:extLst>
         </p:spPr>
@@ -8232,14 +8175,14 @@
           </a:ln>
           <a:extLst>
             <a:ext uri="{909E8E84-426E-40dd-AFC4-6F175D3DCCD1}">
-              <a14:hiddenFill xmlns="" xmlns:a14="http://schemas.microsoft.com/office/drawing/2010/main">
+              <a14:hiddenFill xmlns:a14="http://schemas.microsoft.com/office/drawing/2010/main" xmlns="">
                 <a:solidFill>
                   <a:srgbClr val="FFFFFF"/>
                 </a:solidFill>
               </a14:hiddenFill>
             </a:ext>
             <a:ext uri="{91240B29-F687-4f45-9708-019B960494DF}">
-              <a14:hiddenLine xmlns="" xmlns:a14="http://schemas.microsoft.com/office/drawing/2010/main" w="9525">
+              <a14:hiddenLine xmlns:a14="http://schemas.microsoft.com/office/drawing/2010/main" xmlns="" w="9525">
                 <a:solidFill>
                   <a:srgbClr val="000000"/>
                 </a:solidFill>
@@ -8713,14 +8656,14 @@
           </a:ln>
           <a:extLst>
             <a:ext uri="{909E8E84-426E-40dd-AFC4-6F175D3DCCD1}">
-              <a14:hiddenFill xmlns="" xmlns:a14="http://schemas.microsoft.com/office/drawing/2010/main">
+              <a14:hiddenFill xmlns:a14="http://schemas.microsoft.com/office/drawing/2010/main" xmlns="">
                 <a:solidFill>
                   <a:srgbClr val="FFFFFF"/>
                 </a:solidFill>
               </a14:hiddenFill>
             </a:ext>
             <a:ext uri="{91240B29-F687-4f45-9708-019B960494DF}">
-              <a14:hiddenLine xmlns="" xmlns:a14="http://schemas.microsoft.com/office/drawing/2010/main" w="9525">
+              <a14:hiddenLine xmlns:a14="http://schemas.microsoft.com/office/drawing/2010/main" xmlns="" w="9525">
                 <a:solidFill>
                   <a:srgbClr val="000000"/>
                 </a:solidFill>
@@ -8760,12 +8703,8 @@
               <a:defRPr/>
             </a:pPr>
             <a:r>
-              <a:rPr lang="en-CA" sz="3600" dirty="0" smtClean="0"/>
-              <a:t>Bluetooth Low Energy </a:t>
-            </a:r>
-            <a:r>
               <a:rPr lang="en-CA" sz="3600" dirty="0"/>
-              <a:t>Based CoAP Communication in IoT</a:t>
+              <a:t>Bluetooth Low Energy Based CoAP Communication in IoT</a:t>
             </a:r>
             <a:endParaRPr lang="en-US" sz="3600" dirty="0"/>
           </a:p>
@@ -8796,28 +8735,7 @@
                 <a:latin typeface="Calibri" charset="0"/>
                 <a:ea typeface="ＭＳ Ｐゴシック" charset="0"/>
               </a:rPr>
-              <a:t>---- CoAPNonIP: An Architecture </a:t>
-            </a:r>
-            <a:r>
-              <a:rPr lang="en-CA" dirty="0" smtClean="0">
-                <a:latin typeface="Calibri" charset="0"/>
-                <a:ea typeface="ＭＳ Ｐゴシック" charset="0"/>
-              </a:rPr>
-              <a:t>Grants </a:t>
-            </a:r>
-            <a:r>
-              <a:rPr lang="en-CA" dirty="0">
-                <a:latin typeface="Calibri" charset="0"/>
-                <a:ea typeface="ＭＳ Ｐゴシック" charset="0"/>
-              </a:rPr>
-              <a:t>CoAP in </a:t>
-            </a:r>
-            <a:r>
-              <a:rPr lang="en-CA" dirty="0" smtClean="0">
-                <a:latin typeface="Calibri" charset="0"/>
-                <a:ea typeface="ＭＳ Ｐゴシック" charset="0"/>
-              </a:rPr>
-              <a:t>WPAN </a:t>
+              <a:t>---- CoAPNonIP: An Architecture Grants CoAP in WPAN </a:t>
             </a:r>
             <a:endParaRPr lang="en-US" dirty="0">
               <a:latin typeface="Calibri" charset="0"/>
@@ -8867,10 +8785,9 @@
           <a:lstStyle/>
           <a:p>
             <a:r>
-              <a:rPr lang="en-CA" dirty="0" smtClean="0"/>
+              <a:rPr lang="en-CA" dirty="0"/>
               <a:t>Related work</a:t>
             </a:r>
-            <a:endParaRPr lang="en-CA" dirty="0"/>
           </a:p>
         </p:txBody>
       </p:sp>
@@ -8898,34 +8815,17 @@
               <a:buNone/>
             </a:pPr>
             <a:r>
-              <a:rPr lang="en-CA" sz="2400" dirty="0" smtClean="0"/>
-              <a:t>Since </a:t>
-            </a:r>
-            <a:r>
-              <a:rPr lang="en-CA" sz="2400" dirty="0" smtClean="0"/>
-              <a:t>2013[6], </a:t>
-            </a:r>
-            <a:r>
-              <a:rPr lang="en-CA" sz="2400" dirty="0" err="1" smtClean="0"/>
+              <a:rPr lang="en-CA" sz="2400" dirty="0"/>
+              <a:t>Since 2013[6], </a:t>
+            </a:r>
+            <a:r>
+              <a:rPr lang="en-CA" sz="2400" dirty="0" err="1"/>
               <a:t>CoRE</a:t>
             </a:r>
             <a:r>
-              <a:rPr lang="en-CA" sz="2400" dirty="0" smtClean="0"/>
-              <a:t> working group maintains a Internet-Draft: </a:t>
-            </a:r>
-            <a:r>
-              <a:rPr lang="en-CA" sz="2400" dirty="0" smtClean="0"/>
-              <a:t>CoAP Communication </a:t>
-            </a:r>
-            <a:r>
-              <a:rPr lang="en-CA" sz="2400" dirty="0" smtClean="0"/>
-              <a:t>with Alternative Transports</a:t>
-            </a:r>
-            <a:r>
-              <a:rPr lang="en-CA" sz="2400" dirty="0" smtClean="0"/>
-              <a:t>.</a:t>
-            </a:r>
-            <a:endParaRPr lang="en-CA" sz="2400" dirty="0" smtClean="0"/>
+              <a:rPr lang="en-CA" sz="2400" dirty="0"/>
+              <a:t> working group maintains a Internet-Draft: CoAP Communication with Alternative Transports.</a:t>
+            </a:r>
           </a:p>
         </p:txBody>
       </p:sp>
@@ -8951,14 +8851,14 @@
           </a:ln>
           <a:extLst>
             <a:ext uri="{909E8E84-426E-40dd-AFC4-6F175D3DCCD1}">
-              <a14:hiddenFill xmlns="" xmlns:a14="http://schemas.microsoft.com/office/drawing/2010/main">
+              <a14:hiddenFill xmlns:a14="http://schemas.microsoft.com/office/drawing/2010/main" xmlns="">
                 <a:solidFill>
                   <a:srgbClr val="FFFFFF"/>
                 </a:solidFill>
               </a14:hiddenFill>
             </a:ext>
             <a:ext uri="{91240B29-F687-4f45-9708-019B960494DF}">
-              <a14:hiddenLine xmlns="" xmlns:a14="http://schemas.microsoft.com/office/drawing/2010/main" w="9525">
+              <a14:hiddenLine xmlns:a14="http://schemas.microsoft.com/office/drawing/2010/main" xmlns="" w="9525">
                 <a:solidFill>
                   <a:srgbClr val="000000"/>
                 </a:solidFill>
@@ -8968,7 +8868,7 @@
               </a14:hiddenLine>
             </a:ext>
             <a:ext uri="{FAA26D3D-D897-4be2-8F04-BA451C77F1D7}">
-              <ma14:placeholderFlag xmlns="" xmlns:ma14="http://schemas.microsoft.com/office/mac/drawingml/2011/main" val="1"/>
+              <ma14:placeholderFlag xmlns:ma14="http://schemas.microsoft.com/office/mac/drawingml/2011/main" xmlns="" val="1"/>
             </a:ext>
           </a:extLst>
         </p:spPr>
@@ -9153,10 +9053,9 @@
               <a:buNone/>
             </a:pPr>
             <a:r>
-              <a:rPr lang="en-CA" sz="2000" kern="0" dirty="0" smtClean="0"/>
+              <a:rPr lang="en-CA" sz="2000" kern="0" dirty="0"/>
               <a:t>2.Alternative transports</a:t>
             </a:r>
-            <a:endParaRPr lang="en-CA" sz="2000" kern="0" dirty="0"/>
           </a:p>
         </p:txBody>
       </p:sp>
@@ -9366,7 +9265,7 @@
           <a:p>
             <a:pPr algn="ctr"/>
             <a:r>
-              <a:rPr lang="en-US" altLang="zh-CN" sz="1600" dirty="0" smtClean="0">
+              <a:rPr lang="en-US" altLang="zh-CN" sz="1600" dirty="0">
                 <a:solidFill>
                   <a:schemeClr val="tx1"/>
                 </a:solidFill>
@@ -9426,7 +9325,7 @@
           <a:p>
             <a:pPr algn="ctr"/>
             <a:r>
-              <a:rPr lang="en-US" altLang="zh-CN" sz="1600" dirty="0" smtClean="0">
+              <a:rPr lang="en-US" altLang="zh-CN" sz="1600" dirty="0">
                 <a:solidFill>
                   <a:schemeClr val="tx1"/>
                 </a:solidFill>
@@ -9522,7 +9421,7 @@
           <a:p>
             <a:pPr algn="ctr"/>
             <a:r>
-              <a:rPr lang="en-US" altLang="zh-CN" sz="1600" dirty="0" smtClean="0">
+              <a:rPr lang="en-US" altLang="zh-CN" sz="1600" dirty="0">
                 <a:solidFill>
                   <a:schemeClr val="tx1"/>
                 </a:solidFill>
@@ -9582,7 +9481,7 @@
           <a:p>
             <a:pPr algn="ctr"/>
             <a:r>
-              <a:rPr lang="en-US" altLang="zh-CN" sz="1600" dirty="0" smtClean="0">
+              <a:rPr lang="en-US" altLang="zh-CN" sz="1600" dirty="0">
                 <a:solidFill>
                   <a:schemeClr val="tx1"/>
                 </a:solidFill>
@@ -9620,10 +9519,9 @@
           <a:lstStyle/>
           <a:p>
             <a:r>
-              <a:rPr lang="en-CA" sz="1200" dirty="0" smtClean="0"/>
+              <a:rPr lang="en-CA" sz="1200" dirty="0"/>
               <a:t>CoAP request</a:t>
             </a:r>
-            <a:endParaRPr lang="en-CA" sz="1200" dirty="0"/>
           </a:p>
         </p:txBody>
       </p:sp>
@@ -9687,13 +9585,8 @@
           <a:p>
             <a:r>
               <a:rPr lang="en-CA" sz="1200" dirty="0"/>
-              <a:t>CoAP </a:t>
-            </a:r>
-            <a:r>
-              <a:rPr lang="en-CA" sz="1200" dirty="0" smtClean="0"/>
-              <a:t> response</a:t>
-            </a:r>
-            <a:endParaRPr lang="en-CA" sz="1200" dirty="0"/>
+              <a:t>CoAP  response</a:t>
+            </a:r>
           </a:p>
         </p:txBody>
       </p:sp>
@@ -9720,10 +9613,9 @@
           <a:lstStyle/>
           <a:p>
             <a:r>
-              <a:rPr lang="en-CA" sz="1200" dirty="0" smtClean="0"/>
+              <a:rPr lang="en-CA" sz="1200" dirty="0"/>
               <a:t>CoAP request</a:t>
             </a:r>
-            <a:endParaRPr lang="en-CA" sz="1200" dirty="0"/>
           </a:p>
         </p:txBody>
       </p:sp>
@@ -9786,10 +9678,9 @@
           <a:lstStyle/>
           <a:p>
             <a:r>
-              <a:rPr lang="en-CA" sz="1200" dirty="0" smtClean="0"/>
+              <a:rPr lang="en-CA" sz="1200" dirty="0"/>
               <a:t>BLE packets</a:t>
             </a:r>
-            <a:endParaRPr lang="en-CA" sz="1200" dirty="0"/>
           </a:p>
         </p:txBody>
       </p:sp>
@@ -9816,10 +9707,9 @@
           <a:lstStyle/>
           <a:p>
             <a:r>
-              <a:rPr lang="en-CA" sz="1200" dirty="0" smtClean="0"/>
+              <a:rPr lang="en-CA" sz="1200" dirty="0"/>
               <a:t>BLE packets</a:t>
             </a:r>
-            <a:endParaRPr lang="en-CA" sz="1200" dirty="0"/>
           </a:p>
         </p:txBody>
       </p:sp>
@@ -9919,13 +9809,8 @@
           <a:p>
             <a:r>
               <a:rPr lang="en-CA" sz="1200" dirty="0"/>
-              <a:t>CoAP </a:t>
-            </a:r>
-            <a:r>
-              <a:rPr lang="en-CA" sz="1200" dirty="0" smtClean="0"/>
-              <a:t> response</a:t>
-            </a:r>
-            <a:endParaRPr lang="en-CA" sz="1200" dirty="0"/>
+              <a:t>CoAP  response</a:t>
+            </a:r>
           </a:p>
         </p:txBody>
       </p:sp>
@@ -9988,10 +9873,9 @@
           <a:lstStyle/>
           <a:p>
             <a:r>
-              <a:rPr lang="en-CA" sz="1600" dirty="0" smtClean="0"/>
+              <a:rPr lang="en-CA" sz="1600" dirty="0"/>
               <a:t>BLE device</a:t>
             </a:r>
-            <a:endParaRPr lang="en-CA" sz="1600" dirty="0"/>
           </a:p>
         </p:txBody>
       </p:sp>
@@ -10018,10 +9902,9 @@
           <a:lstStyle/>
           <a:p>
             <a:r>
-              <a:rPr lang="en-CA" sz="1600" dirty="0" smtClean="0"/>
+              <a:rPr lang="en-CA" sz="1600" dirty="0"/>
               <a:t>BLE device</a:t>
             </a:r>
-            <a:endParaRPr lang="en-CA" sz="1600" dirty="0"/>
           </a:p>
         </p:txBody>
       </p:sp>
@@ -10048,7 +9931,7 @@
           <a:lstStyle/>
           <a:p>
             <a:r>
-              <a:rPr lang="en-US" altLang="zh-CN" sz="1200" dirty="0" smtClean="0"/>
+              <a:rPr lang="en-US" altLang="zh-CN" sz="1200" dirty="0"/>
               <a:t>Figure 6 : Architecture overview</a:t>
             </a:r>
             <a:endParaRPr lang="en-CA" sz="1200" dirty="0"/>
@@ -10077,14 +9960,14 @@
           </a:ln>
           <a:extLst>
             <a:ext uri="{909E8E84-426E-40dd-AFC4-6F175D3DCCD1}">
-              <a14:hiddenFill xmlns="" xmlns:a14="http://schemas.microsoft.com/office/drawing/2010/main">
+              <a14:hiddenFill xmlns:a14="http://schemas.microsoft.com/office/drawing/2010/main" xmlns="">
                 <a:solidFill>
                   <a:srgbClr val="FFFFFF"/>
                 </a:solidFill>
               </a14:hiddenFill>
             </a:ext>
             <a:ext uri="{91240B29-F687-4f45-9708-019B960494DF}">
-              <a14:hiddenLine xmlns="" xmlns:a14="http://schemas.microsoft.com/office/drawing/2010/main" w="9525">
+              <a14:hiddenLine xmlns:a14="http://schemas.microsoft.com/office/drawing/2010/main" xmlns="" w="9525">
                 <a:solidFill>
                   <a:srgbClr val="000000"/>
                 </a:solidFill>
@@ -10094,7 +9977,7 @@
               </a14:hiddenLine>
             </a:ext>
             <a:ext uri="{FAA26D3D-D897-4be2-8F04-BA451C77F1D7}">
-              <ma14:placeholderFlag xmlns="" xmlns:ma14="http://schemas.microsoft.com/office/mac/drawingml/2011/main" val="1"/>
+              <ma14:placeholderFlag xmlns:ma14="http://schemas.microsoft.com/office/mac/drawingml/2011/main" xmlns="" val="1"/>
             </a:ext>
           </a:extLst>
         </p:spPr>
@@ -10279,10 +10162,9 @@
               <a:buNone/>
             </a:pPr>
             <a:r>
-              <a:rPr lang="en-CA" sz="2000" kern="0" dirty="0" smtClean="0"/>
+              <a:rPr lang="en-CA" sz="2000" kern="0" dirty="0"/>
               <a:t>1.Summary </a:t>
             </a:r>
-            <a:endParaRPr lang="en-CA" sz="2000" kern="0" dirty="0"/>
           </a:p>
         </p:txBody>
       </p:sp>
@@ -10340,7 +10222,6 @@
               <a:rPr lang="en-CA" dirty="0"/>
               <a:t>Architecture </a:t>
             </a:r>
-            <a:endParaRPr lang="en-CA" dirty="0"/>
           </a:p>
         </p:txBody>
       </p:sp>
@@ -10419,7 +10300,7 @@
           <a:lstStyle/>
           <a:p>
             <a:r>
-              <a:rPr lang="en-US" altLang="zh-CN" sz="2000" dirty="0" smtClean="0"/>
+              <a:rPr lang="en-US" altLang="zh-CN" sz="2000" dirty="0"/>
               <a:t>Application Layer</a:t>
             </a:r>
             <a:endParaRPr lang="en-CA" sz="2000" dirty="0"/>
@@ -10449,7 +10330,7 @@
           <a:lstStyle/>
           <a:p>
             <a:r>
-              <a:rPr lang="en-US" altLang="zh-CN" sz="2000" dirty="0" smtClean="0"/>
+              <a:rPr lang="en-US" altLang="zh-CN" sz="2000" dirty="0"/>
               <a:t>Transport  Layer</a:t>
             </a:r>
             <a:endParaRPr lang="en-CA" sz="2000" dirty="0"/>
@@ -11518,7 +11399,7 @@
           <a:p>
             <a:pPr algn="ctr"/>
             <a:r>
-              <a:rPr lang="en-US" altLang="zh-CN" sz="1600" dirty="0" smtClean="0">
+              <a:rPr lang="en-US" altLang="zh-CN" sz="1600" dirty="0">
                 <a:solidFill>
                   <a:schemeClr val="tx1"/>
                 </a:solidFill>
@@ -11529,7 +11410,7 @@
           <a:p>
             <a:pPr algn="ctr"/>
             <a:r>
-              <a:rPr lang="en-US" altLang="zh-CN" sz="1600" dirty="0" smtClean="0">
+              <a:rPr lang="en-US" altLang="zh-CN" sz="1600" dirty="0">
                 <a:solidFill>
                   <a:schemeClr val="tx1"/>
                 </a:solidFill>
@@ -11589,7 +11470,7 @@
           <a:p>
             <a:pPr algn="ctr"/>
             <a:r>
-              <a:rPr lang="en-US" altLang="zh-CN" sz="1600" dirty="0" smtClean="0">
+              <a:rPr lang="en-US" altLang="zh-CN" sz="1600" dirty="0">
                 <a:solidFill>
                   <a:schemeClr val="tx1"/>
                 </a:solidFill>
@@ -11600,7 +11481,7 @@
           <a:p>
             <a:pPr algn="ctr"/>
             <a:r>
-              <a:rPr lang="en-US" altLang="zh-CN" sz="1600" dirty="0" smtClean="0">
+              <a:rPr lang="en-US" altLang="zh-CN" sz="1600" dirty="0">
                 <a:solidFill>
                   <a:schemeClr val="tx1"/>
                 </a:solidFill>
@@ -11639,10 +11520,9 @@
           <a:p>
             <a:pPr algn="ctr"/>
             <a:r>
-              <a:rPr lang="en-CA" sz="1400" dirty="0" smtClean="0"/>
+              <a:rPr lang="en-CA" sz="1400" dirty="0"/>
               <a:t>Message management</a:t>
             </a:r>
-            <a:endParaRPr lang="en-CA" sz="1400" dirty="0"/>
           </a:p>
         </p:txBody>
       </p:sp>
@@ -11670,10 +11550,9 @@
           <a:p>
             <a:pPr algn="ctr"/>
             <a:r>
-              <a:rPr lang="en-CA" sz="1400" dirty="0" smtClean="0"/>
+              <a:rPr lang="en-CA" sz="1400" dirty="0"/>
               <a:t>Interpret actions to lower level function call  </a:t>
             </a:r>
-            <a:endParaRPr lang="en-CA" sz="1400" dirty="0"/>
           </a:p>
         </p:txBody>
       </p:sp>
@@ -11701,10 +11580,9 @@
           <a:p>
             <a:pPr algn="ctr"/>
             <a:r>
-              <a:rPr lang="en-CA" sz="1400" dirty="0" smtClean="0"/>
+              <a:rPr lang="en-CA" sz="1400" dirty="0"/>
               <a:t>BLE communication management </a:t>
             </a:r>
-            <a:endParaRPr lang="en-CA" sz="1400" dirty="0"/>
           </a:p>
         </p:txBody>
       </p:sp>
@@ -11731,20 +11609,8 @@
           <a:lstStyle/>
           <a:p>
             <a:r>
-              <a:rPr lang="en-US" altLang="zh-CN" sz="1200" dirty="0" smtClean="0"/>
-              <a:t>Figure </a:t>
-            </a:r>
-            <a:r>
-              <a:rPr lang="en-US" altLang="zh-CN" sz="1200" dirty="0" smtClean="0"/>
-              <a:t>7 : </a:t>
-            </a:r>
-            <a:r>
-              <a:rPr lang="en-US" altLang="zh-CN" sz="1200" dirty="0" smtClean="0"/>
-              <a:t>Architecture </a:t>
-            </a:r>
-            <a:r>
-              <a:rPr lang="en-US" altLang="zh-CN" sz="1200" dirty="0" smtClean="0"/>
-              <a:t>Detail</a:t>
+              <a:rPr lang="en-US" altLang="zh-CN" sz="1200" dirty="0"/>
+              <a:t>Figure 7 : Architecture Detail</a:t>
             </a:r>
             <a:endParaRPr lang="en-CA" sz="1200" dirty="0"/>
           </a:p>
@@ -11774,10 +11640,9 @@
               <a:buNone/>
             </a:pPr>
             <a:r>
-              <a:rPr lang="en-CA" sz="2000" dirty="0" smtClean="0"/>
+              <a:rPr lang="en-CA" sz="2000" dirty="0"/>
               <a:t>2.Detail </a:t>
             </a:r>
-            <a:endParaRPr lang="en-CA" sz="2000" dirty="0"/>
           </a:p>
         </p:txBody>
       </p:sp>
@@ -11832,10 +11697,9 @@
           <a:lstStyle/>
           <a:p>
             <a:r>
-              <a:rPr lang="en-CA" dirty="0" smtClean="0"/>
+              <a:rPr lang="en-CA" dirty="0"/>
               <a:t>Architecture</a:t>
             </a:r>
-            <a:endParaRPr lang="en-CA" dirty="0"/>
           </a:p>
         </p:txBody>
       </p:sp>
@@ -11863,30 +11727,9 @@
               <a:buNone/>
             </a:pPr>
             <a:r>
-              <a:rPr lang="en-CA" sz="2000" dirty="0" smtClean="0"/>
-              <a:t>MTU(maximum </a:t>
-            </a:r>
-            <a:r>
-              <a:rPr lang="en-CA" sz="2000" dirty="0" smtClean="0"/>
-              <a:t>transmission unit) </a:t>
-            </a:r>
-            <a:r>
-              <a:rPr lang="en-CA" sz="2000" dirty="0" smtClean="0"/>
-              <a:t>of BLE is 23 </a:t>
-            </a:r>
-            <a:r>
               <a:rPr lang="en-CA" sz="2000" dirty="0"/>
-              <a:t>by </a:t>
-            </a:r>
-            <a:r>
-              <a:rPr lang="en-CA" sz="2000" dirty="0" smtClean="0"/>
-              <a:t>default and only 20 bytes are available to carry payload, we proposed a 20 bytes protocol </a:t>
-            </a:r>
-            <a:r>
-              <a:rPr lang="en-CA" sz="2000" dirty="0" smtClean="0"/>
-              <a:t>to support proposed architecture.</a:t>
-            </a:r>
-            <a:endParaRPr lang="en-CA" sz="2000" dirty="0"/>
+              <a:t>MTU(maximum transmission unit) of BLE is 23 by default and only 20 bytes are available to carry payload, we proposed a 20 bytes protocol to support proposed architecture.</a:t>
+            </a:r>
           </a:p>
         </p:txBody>
       </p:sp>
@@ -11937,24 +11780,8 @@
           <a:lstStyle/>
           <a:p>
             <a:r>
-              <a:rPr lang="en-US" altLang="zh-CN" sz="1200" dirty="0" smtClean="0"/>
-              <a:t>Figure </a:t>
-            </a:r>
-            <a:r>
               <a:rPr lang="en-US" altLang="zh-CN" sz="1200" dirty="0"/>
-              <a:t>8</a:t>
-            </a:r>
-            <a:r>
-              <a:rPr lang="en-US" altLang="zh-CN" sz="1200" dirty="0" smtClean="0"/>
-              <a:t> </a:t>
-            </a:r>
-            <a:r>
-              <a:rPr lang="en-US" altLang="zh-CN" sz="1200" dirty="0" smtClean="0"/>
-              <a:t>: </a:t>
-            </a:r>
-            <a:r>
-              <a:rPr lang="en-US" altLang="zh-CN" sz="1200" dirty="0" smtClean="0"/>
-              <a:t>Packet format</a:t>
+              <a:t>Figure 8 : Packet format</a:t>
             </a:r>
             <a:endParaRPr lang="en-CA" sz="1200" dirty="0"/>
           </a:p>
@@ -11982,14 +11809,14 @@
           </a:ln>
           <a:extLst>
             <a:ext uri="{909E8E84-426E-40dd-AFC4-6F175D3DCCD1}">
-              <a14:hiddenFill xmlns="" xmlns:a14="http://schemas.microsoft.com/office/drawing/2010/main">
+              <a14:hiddenFill xmlns:a14="http://schemas.microsoft.com/office/drawing/2010/main" xmlns="">
                 <a:solidFill>
                   <a:srgbClr val="FFFFFF"/>
                 </a:solidFill>
               </a14:hiddenFill>
             </a:ext>
             <a:ext uri="{91240B29-F687-4f45-9708-019B960494DF}">
-              <a14:hiddenLine xmlns="" xmlns:a14="http://schemas.microsoft.com/office/drawing/2010/main" w="9525">
+              <a14:hiddenLine xmlns:a14="http://schemas.microsoft.com/office/drawing/2010/main" xmlns="" w="9525">
                 <a:solidFill>
                   <a:srgbClr val="000000"/>
                 </a:solidFill>
@@ -11999,7 +11826,7 @@
               </a14:hiddenLine>
             </a:ext>
             <a:ext uri="{FAA26D3D-D897-4be2-8F04-BA451C77F1D7}">
-              <ma14:placeholderFlag xmlns="" xmlns:ma14="http://schemas.microsoft.com/office/mac/drawingml/2011/main" val="1"/>
+              <ma14:placeholderFlag xmlns:ma14="http://schemas.microsoft.com/office/mac/drawingml/2011/main" xmlns="" val="1"/>
             </a:ext>
           </a:extLst>
         </p:spPr>
@@ -12184,10 +12011,9 @@
               <a:buNone/>
             </a:pPr>
             <a:r>
-              <a:rPr lang="en-CA" sz="2000" kern="0" dirty="0" smtClean="0"/>
+              <a:rPr lang="en-CA" sz="2000" kern="0" dirty="0"/>
               <a:t>3.Packet format</a:t>
             </a:r>
-            <a:endParaRPr lang="en-CA" sz="2000" kern="0" dirty="0"/>
           </a:p>
         </p:txBody>
       </p:sp>
@@ -12242,10 +12068,9 @@
           <a:lstStyle/>
           <a:p>
             <a:r>
-              <a:rPr lang="en-CA" dirty="0" smtClean="0"/>
+              <a:rPr lang="en-CA" dirty="0"/>
               <a:t>Architecture</a:t>
             </a:r>
-            <a:endParaRPr lang="en-CA" dirty="0"/>
           </a:p>
         </p:txBody>
       </p:sp>
@@ -12273,16 +12098,12 @@
               <a:buNone/>
             </a:pPr>
             <a:r>
-              <a:rPr lang="en-CA" altLang="zh-CN" sz="2000" dirty="0" smtClean="0"/>
+              <a:rPr lang="en-CA" altLang="zh-CN" sz="2000" dirty="0"/>
               <a:t>Before data transfer, the architecture need to exchange announcement to get information of </a:t>
             </a:r>
             <a:r>
-              <a:rPr lang="en-CA" altLang="zh-CN" sz="2000" smtClean="0"/>
-              <a:t>remote side</a:t>
-            </a:r>
-            <a:r>
-              <a:rPr lang="en-CA" altLang="zh-CN" sz="2000" smtClean="0"/>
-              <a:t>. </a:t>
+              <a:rPr lang="en-CA" altLang="zh-CN" sz="2000"/>
+              <a:t>remote side. </a:t>
             </a:r>
             <a:endParaRPr lang="en-CA" sz="2000" dirty="0"/>
           </a:p>
@@ -12335,20 +12156,8 @@
           <a:lstStyle/>
           <a:p>
             <a:r>
-              <a:rPr lang="en-US" altLang="zh-CN" sz="1200" dirty="0" smtClean="0"/>
-              <a:t>Figure </a:t>
-            </a:r>
-            <a:r>
-              <a:rPr lang="en-US" altLang="zh-CN" sz="1200" dirty="0" smtClean="0"/>
-              <a:t>9 </a:t>
-            </a:r>
-            <a:r>
-              <a:rPr lang="en-US" altLang="zh-CN" sz="1200" dirty="0" smtClean="0"/>
-              <a:t>: </a:t>
-            </a:r>
-            <a:r>
-              <a:rPr lang="en-US" altLang="zh-CN" sz="1200" dirty="0" smtClean="0"/>
-              <a:t>Communication mechanism</a:t>
+              <a:rPr lang="en-US" altLang="zh-CN" sz="1200" dirty="0"/>
+              <a:t>Figure 9 : Communication mechanism</a:t>
             </a:r>
             <a:endParaRPr lang="en-CA" sz="1200" dirty="0"/>
           </a:p>
@@ -12376,14 +12185,14 @@
           </a:ln>
           <a:extLst>
             <a:ext uri="{909E8E84-426E-40dd-AFC4-6F175D3DCCD1}">
-              <a14:hiddenFill xmlns="" xmlns:a14="http://schemas.microsoft.com/office/drawing/2010/main">
+              <a14:hiddenFill xmlns:a14="http://schemas.microsoft.com/office/drawing/2010/main" xmlns="">
                 <a:solidFill>
                   <a:srgbClr val="FFFFFF"/>
                 </a:solidFill>
               </a14:hiddenFill>
             </a:ext>
             <a:ext uri="{91240B29-F687-4f45-9708-019B960494DF}">
-              <a14:hiddenLine xmlns="" xmlns:a14="http://schemas.microsoft.com/office/drawing/2010/main" w="9525">
+              <a14:hiddenLine xmlns:a14="http://schemas.microsoft.com/office/drawing/2010/main" xmlns="" w="9525">
                 <a:solidFill>
                   <a:srgbClr val="000000"/>
                 </a:solidFill>
@@ -12393,7 +12202,7 @@
               </a14:hiddenLine>
             </a:ext>
             <a:ext uri="{FAA26D3D-D897-4be2-8F04-BA451C77F1D7}">
-              <ma14:placeholderFlag xmlns="" xmlns:ma14="http://schemas.microsoft.com/office/mac/drawingml/2011/main" val="1"/>
+              <ma14:placeholderFlag xmlns:ma14="http://schemas.microsoft.com/office/mac/drawingml/2011/main" xmlns="" val="1"/>
             </a:ext>
           </a:extLst>
         </p:spPr>
@@ -12578,18 +12387,9 @@
               <a:buNone/>
             </a:pPr>
             <a:r>
-              <a:rPr lang="en-CA" sz="2000" kern="0" dirty="0" smtClean="0"/>
-              <a:t>4.Communication </a:t>
-            </a:r>
-            <a:r>
               <a:rPr lang="en-CA" sz="2000" kern="0" dirty="0"/>
-              <a:t>m</a:t>
-            </a:r>
-            <a:r>
-              <a:rPr lang="en-CA" sz="2000" kern="0" dirty="0" smtClean="0"/>
-              <a:t>echanism</a:t>
-            </a:r>
-            <a:endParaRPr lang="en-CA" sz="2000" kern="0" dirty="0"/>
+              <a:t>4.Communication mechanism</a:t>
+            </a:r>
           </a:p>
         </p:txBody>
       </p:sp>
@@ -12705,14 +12505,14 @@
           </a:ln>
           <a:extLst>
             <a:ext uri="{909E8E84-426E-40dd-AFC4-6F175D3DCCD1}">
-              <a14:hiddenFill xmlns="" xmlns:a14="http://schemas.microsoft.com/office/drawing/2010/main">
+              <a14:hiddenFill xmlns:a14="http://schemas.microsoft.com/office/drawing/2010/main" xmlns="">
                 <a:solidFill>
                   <a:srgbClr val="FFFFFF"/>
                 </a:solidFill>
               </a14:hiddenFill>
             </a:ext>
             <a:ext uri="{91240B29-F687-4f45-9708-019B960494DF}">
-              <a14:hiddenLine xmlns="" xmlns:a14="http://schemas.microsoft.com/office/drawing/2010/main" w="9525">
+              <a14:hiddenLine xmlns:a14="http://schemas.microsoft.com/office/drawing/2010/main" xmlns="" w="9525">
                 <a:solidFill>
                   <a:srgbClr val="000000"/>
                 </a:solidFill>
@@ -12722,7 +12522,7 @@
               </a14:hiddenLine>
             </a:ext>
             <a:ext uri="{FAA26D3D-D897-4be2-8F04-BA451C77F1D7}">
-              <ma14:placeholderFlag xmlns="" xmlns:ma14="http://schemas.microsoft.com/office/mac/drawingml/2011/main" val="1"/>
+              <ma14:placeholderFlag xmlns:ma14="http://schemas.microsoft.com/office/mac/drawingml/2011/main" xmlns="" val="1"/>
             </a:ext>
           </a:extLst>
         </p:spPr>
@@ -12908,13 +12708,8 @@
             </a:pPr>
             <a:r>
               <a:rPr lang="en-CA" sz="2000" kern="0" dirty="0"/>
-              <a:t>5</a:t>
-            </a:r>
-            <a:r>
-              <a:rPr lang="en-CA" sz="2000" kern="0" dirty="0" smtClean="0"/>
-              <a:t>.Virtual resource</a:t>
-            </a:r>
-            <a:endParaRPr lang="en-CA" sz="2000" kern="0" dirty="0"/>
+              <a:t>5.Virtual resource</a:t>
+            </a:r>
           </a:p>
         </p:txBody>
       </p:sp>
@@ -12941,20 +12736,8 @@
           <a:lstStyle/>
           <a:p>
             <a:r>
-              <a:rPr lang="en-US" altLang="zh-CN" sz="1200" dirty="0" smtClean="0"/>
-              <a:t>Figure </a:t>
-            </a:r>
-            <a:r>
-              <a:rPr lang="en-US" altLang="zh-CN" sz="1200" dirty="0" smtClean="0"/>
-              <a:t>10 </a:t>
-            </a:r>
-            <a:r>
-              <a:rPr lang="en-US" altLang="zh-CN" sz="1200" dirty="0" smtClean="0"/>
-              <a:t>: </a:t>
-            </a:r>
-            <a:r>
-              <a:rPr lang="en-US" altLang="zh-CN" sz="1200" dirty="0" smtClean="0"/>
-              <a:t>Virtual resource</a:t>
+              <a:rPr lang="en-US" altLang="zh-CN" sz="1200" dirty="0"/>
+              <a:t>Figure 10 : Virtual resource</a:t>
             </a:r>
             <a:endParaRPr lang="en-CA" sz="1200" dirty="0"/>
           </a:p>
@@ -13011,10 +12794,9 @@
           <a:lstStyle/>
           <a:p>
             <a:r>
-              <a:rPr lang="en-CA" dirty="0" smtClean="0"/>
+              <a:rPr lang="en-CA" dirty="0"/>
               <a:t>Experiment</a:t>
             </a:r>
-            <a:endParaRPr lang="en-CA" dirty="0"/>
           </a:p>
         </p:txBody>
       </p:sp>
@@ -13042,12 +12824,8 @@
               <a:buNone/>
             </a:pPr>
             <a:r>
-              <a:rPr lang="en-CA" altLang="zh-CN" sz="2000" dirty="0" smtClean="0"/>
-              <a:t>1.Experiment </a:t>
-            </a:r>
-            <a:r>
-              <a:rPr lang="en-CA" altLang="zh-CN" sz="2000" dirty="0" smtClean="0"/>
-              <a:t>Setup:</a:t>
+              <a:rPr lang="en-CA" altLang="zh-CN" sz="2000" dirty="0"/>
+              <a:t>1.Experiment Setup:</a:t>
             </a:r>
           </a:p>
           <a:p>
@@ -13056,13 +12834,8 @@
             </a:pPr>
             <a:r>
               <a:rPr lang="en-CA" sz="2000" dirty="0"/>
-              <a:t>We use two HTC Nexus 9 to do experiments</a:t>
-            </a:r>
-            <a:r>
-              <a:rPr lang="en-CA" sz="2000" dirty="0" smtClean="0"/>
-              <a:t>.</a:t>
-            </a:r>
-            <a:endParaRPr lang="en-CA" sz="2000" dirty="0"/>
+              <a:t>We use two HTC Nexus 9 to do experiments.</a:t>
+            </a:r>
           </a:p>
         </p:txBody>
       </p:sp>
@@ -13082,7 +12855,7 @@
         </p:nvGraphicFramePr>
         <p:xfrm>
           <a:off x="1865312" y="2638425"/>
-          <a:ext cx="5276850" cy="1872935"/>
+          <a:ext cx="5276850" cy="2038350"/>
         </p:xfrm>
         <a:graphic>
           <a:graphicData uri="http://schemas.openxmlformats.org/drawingml/2006/table">
@@ -13458,16 +13231,8 @@
           <a:lstStyle/>
           <a:p>
             <a:r>
-              <a:rPr lang="en-US" altLang="zh-CN" sz="1200" dirty="0" smtClean="0"/>
-              <a:t>Table </a:t>
-            </a:r>
-            <a:r>
               <a:rPr lang="en-US" altLang="zh-CN" sz="1200" dirty="0"/>
-              <a:t>1</a:t>
-            </a:r>
-            <a:r>
-              <a:rPr lang="en-US" altLang="zh-CN" sz="1200" dirty="0" smtClean="0"/>
-              <a:t> :Experiment setup</a:t>
+              <a:t>Table 1 :Experiment setup</a:t>
             </a:r>
             <a:endParaRPr lang="en-CA" sz="1200" dirty="0"/>
           </a:p>
@@ -13524,10 +13289,9 @@
           <a:lstStyle/>
           <a:p>
             <a:r>
-              <a:rPr lang="en-CA" dirty="0" smtClean="0"/>
+              <a:rPr lang="en-CA" dirty="0"/>
               <a:t>Experiment</a:t>
             </a:r>
-            <a:endParaRPr lang="en-CA" dirty="0"/>
           </a:p>
         </p:txBody>
       </p:sp>
@@ -13556,24 +13320,8 @@
               <a:buNone/>
             </a:pPr>
             <a:r>
-              <a:rPr lang="en-CA" sz="2000" dirty="0" smtClean="0"/>
-              <a:t>Result: We </a:t>
-            </a:r>
-            <a:r>
               <a:rPr lang="en-CA" sz="2000" dirty="0"/>
-              <a:t>have </a:t>
-            </a:r>
-            <a:r>
-              <a:rPr lang="en-CA" sz="2000" dirty="0" smtClean="0"/>
-              <a:t>10*20=200 </a:t>
-            </a:r>
-            <a:r>
-              <a:rPr lang="en-CA" sz="2000" dirty="0"/>
-              <a:t>byte/s data </a:t>
-            </a:r>
-            <a:r>
-              <a:rPr lang="en-CA" sz="2000" dirty="0" smtClean="0"/>
-              <a:t>rate (1 BLE packet per 100ms). </a:t>
+              <a:t>Result: We have 10*20=200 byte/s data rate (1 BLE packet per 100ms). </a:t>
             </a:r>
             <a:endParaRPr lang="en-CA" sz="2000" dirty="0">
               <a:latin typeface="Calibri" panose="020F0502020204030204" pitchFamily="34" charset="0"/>
@@ -13638,12 +13386,8 @@
               <a:buNone/>
             </a:pPr>
             <a:r>
-              <a:rPr lang="en-CA" sz="2000" dirty="0" smtClean="0"/>
-              <a:t>2.Data </a:t>
-            </a:r>
-            <a:r>
-              <a:rPr lang="en-CA" sz="2000" dirty="0" smtClean="0"/>
-              <a:t>Rate</a:t>
+              <a:rPr lang="en-CA" sz="2000" dirty="0"/>
+              <a:t>2.Data Rate</a:t>
             </a:r>
           </a:p>
           <a:p>
@@ -13677,28 +13421,8 @@
           <a:lstStyle/>
           <a:p>
             <a:r>
-              <a:rPr lang="en-US" altLang="zh-CN" sz="1200" dirty="0" smtClean="0"/>
-              <a:t>Figure </a:t>
-            </a:r>
-            <a:r>
-              <a:rPr lang="en-US" altLang="zh-CN" sz="1200" dirty="0" smtClean="0"/>
-              <a:t>11</a:t>
-            </a:r>
-            <a:r>
-              <a:rPr lang="en-US" altLang="zh-CN" sz="1200" dirty="0" smtClean="0"/>
-              <a:t> </a:t>
-            </a:r>
-            <a:r>
-              <a:rPr lang="en-US" altLang="zh-CN" sz="1200" dirty="0" smtClean="0"/>
-              <a:t>: </a:t>
-            </a:r>
-            <a:r>
               <a:rPr lang="en-US" altLang="zh-CN" sz="1200" dirty="0"/>
-              <a:t>E</a:t>
-            </a:r>
-            <a:r>
-              <a:rPr lang="en-US" altLang="zh-CN" sz="1200" dirty="0" smtClean="0"/>
-              <a:t>xperiment of data rate</a:t>
+              <a:t>Figure 11 : Experiment of data rate</a:t>
             </a:r>
             <a:endParaRPr lang="en-CA" sz="1200" dirty="0"/>
           </a:p>
@@ -13755,10 +13479,9 @@
           <a:lstStyle/>
           <a:p>
             <a:r>
-              <a:rPr lang="en-CA" dirty="0" smtClean="0"/>
+              <a:rPr lang="en-CA" dirty="0"/>
               <a:t>Experiment</a:t>
             </a:r>
-            <a:endParaRPr lang="en-CA" dirty="0"/>
           </a:p>
         </p:txBody>
       </p:sp>
@@ -13787,7 +13510,7 @@
               <a:buNone/>
             </a:pPr>
             <a:r>
-              <a:rPr lang="en-CA" sz="2000" dirty="0" smtClean="0"/>
+              <a:rPr lang="en-CA" sz="2000" dirty="0"/>
               <a:t>Result: </a:t>
             </a:r>
             <a:r>
@@ -13797,16 +13520,10 @@
               <a:t>H</a:t>
             </a:r>
             <a:r>
-              <a:rPr lang="en-CA" altLang="zh-CN" sz="2000" dirty="0" smtClean="0">
+              <a:rPr lang="en-CA" altLang="zh-CN" sz="2000" dirty="0">
                 <a:latin typeface="Calibri" panose="020F0502020204030204" pitchFamily="34" charset="0"/>
               </a:rPr>
-              <a:t>eartbeat-like </a:t>
-            </a:r>
-            <a:r>
-              <a:rPr lang="en-CA" altLang="zh-CN" sz="2000" dirty="0" smtClean="0">
-                <a:latin typeface="Calibri" panose="020F0502020204030204" pitchFamily="34" charset="0"/>
-              </a:rPr>
-              <a:t>pattern and random fluctuation</a:t>
+              <a:t>eartbeat-like pattern and random fluctuation</a:t>
             </a:r>
             <a:endParaRPr lang="en-CA" sz="2000" dirty="0">
               <a:latin typeface="Calibri" panose="020F0502020204030204" pitchFamily="34" charset="0"/>
@@ -13838,10 +13555,9 @@
               <a:buNone/>
             </a:pPr>
             <a:r>
-              <a:rPr lang="en-CA" sz="2000" dirty="0" smtClean="0"/>
+              <a:rPr lang="en-CA" sz="2000" dirty="0"/>
               <a:t>3.Latency</a:t>
             </a:r>
-            <a:endParaRPr lang="en-CA" sz="2000" dirty="0" smtClean="0"/>
           </a:p>
           <a:p>
             <a:pPr marL="0" indent="0">
@@ -13907,28 +13623,8 @@
           <a:lstStyle/>
           <a:p>
             <a:r>
-              <a:rPr lang="en-US" altLang="zh-CN" sz="1200" dirty="0" smtClean="0"/>
-              <a:t>Figure </a:t>
-            </a:r>
-            <a:r>
-              <a:rPr lang="en-US" altLang="zh-CN" sz="1200" dirty="0" smtClean="0"/>
-              <a:t>12</a:t>
-            </a:r>
-            <a:r>
-              <a:rPr lang="en-US" altLang="zh-CN" sz="1200" dirty="0" smtClean="0"/>
-              <a:t> </a:t>
-            </a:r>
-            <a:r>
-              <a:rPr lang="en-US" altLang="zh-CN" sz="1200" dirty="0" smtClean="0"/>
-              <a:t>: </a:t>
-            </a:r>
-            <a:r>
               <a:rPr lang="en-US" altLang="zh-CN" sz="1200" dirty="0"/>
-              <a:t>E</a:t>
-            </a:r>
-            <a:r>
-              <a:rPr lang="en-US" altLang="zh-CN" sz="1200" dirty="0" smtClean="0"/>
-              <a:t>xperiment of latency</a:t>
+              <a:t>Figure 12 : Experiment of latency</a:t>
             </a:r>
             <a:endParaRPr lang="en-CA" sz="1200" dirty="0"/>
           </a:p>
@@ -13985,10 +13681,9 @@
           <a:lstStyle/>
           <a:p>
             <a:r>
-              <a:rPr lang="en-CA" dirty="0" smtClean="0"/>
+              <a:rPr lang="en-CA" dirty="0"/>
               <a:t>Experiment</a:t>
             </a:r>
-            <a:endParaRPr lang="en-CA" dirty="0"/>
           </a:p>
         </p:txBody>
       </p:sp>
@@ -14017,34 +13712,14 @@
               <a:buNone/>
             </a:pPr>
             <a:r>
-              <a:rPr lang="en-CA" sz="2000" dirty="0" smtClean="0">
+              <a:rPr lang="en-CA" sz="2000" dirty="0">
                 <a:latin typeface="Calibri" panose="020F0502020204030204" pitchFamily="34" charset="0"/>
               </a:rPr>
               <a:t>Result: </a:t>
             </a:r>
             <a:r>
-              <a:rPr lang="en-CA" sz="2000" dirty="0" smtClean="0"/>
-              <a:t>Performance </a:t>
-            </a:r>
-            <a:r>
-              <a:rPr lang="en-CA" sz="2000" dirty="0" smtClean="0"/>
-              <a:t>only</a:t>
-            </a:r>
-            <a:r>
-              <a:rPr lang="en-CA" sz="2000" dirty="0" smtClean="0"/>
-              <a:t> </a:t>
-            </a:r>
-            <a:r>
-              <a:rPr lang="en-CA" sz="2000" dirty="0" smtClean="0"/>
-              <a:t>guaranteed </a:t>
-            </a:r>
-            <a:r>
-              <a:rPr lang="en-CA" sz="2000" dirty="0" smtClean="0"/>
-              <a:t>within </a:t>
-            </a:r>
-            <a:r>
-              <a:rPr lang="en-CA" sz="2000" dirty="0" smtClean="0"/>
-              <a:t>10 meters</a:t>
+              <a:rPr lang="en-CA" sz="2000" dirty="0"/>
+              <a:t>Performance only guaranteed within 10 meters</a:t>
             </a:r>
             <a:endParaRPr lang="en-CA" sz="2000" dirty="0">
               <a:latin typeface="Calibri" panose="020F0502020204030204" pitchFamily="34" charset="0"/>
@@ -14076,12 +13751,8 @@
               <a:buNone/>
             </a:pPr>
             <a:r>
-              <a:rPr lang="en-US" altLang="zh-CN" sz="2000" dirty="0" smtClean="0"/>
-              <a:t>4.Performance </a:t>
-            </a:r>
-            <a:r>
-              <a:rPr lang="en-US" altLang="zh-CN" sz="2000" dirty="0" smtClean="0"/>
-              <a:t>with different distance</a:t>
+              <a:rPr lang="en-US" altLang="zh-CN" sz="2000" dirty="0"/>
+              <a:t>4.Performance with different distance</a:t>
             </a:r>
             <a:endParaRPr lang="en-CA" sz="2000" dirty="0"/>
           </a:p>
@@ -14134,28 +13805,8 @@
           <a:lstStyle/>
           <a:p>
             <a:r>
-              <a:rPr lang="en-US" altLang="zh-CN" sz="1200" dirty="0" smtClean="0"/>
-              <a:t>Figure </a:t>
-            </a:r>
-            <a:r>
-              <a:rPr lang="en-US" altLang="zh-CN" sz="1200" dirty="0" smtClean="0"/>
-              <a:t>13</a:t>
-            </a:r>
-            <a:r>
-              <a:rPr lang="en-US" altLang="zh-CN" sz="1200" dirty="0" smtClean="0"/>
-              <a:t> </a:t>
-            </a:r>
-            <a:r>
-              <a:rPr lang="en-US" altLang="zh-CN" sz="1200" dirty="0" smtClean="0"/>
-              <a:t>: </a:t>
-            </a:r>
-            <a:r>
               <a:rPr lang="en-US" altLang="zh-CN" sz="1200" dirty="0"/>
-              <a:t>E</a:t>
-            </a:r>
-            <a:r>
-              <a:rPr lang="en-US" altLang="zh-CN" sz="1200" dirty="0" smtClean="0"/>
-              <a:t>xperiment of distance</a:t>
+              <a:t>Figure 13 : Experiment of distance</a:t>
             </a:r>
             <a:endParaRPr lang="en-CA" sz="1200" dirty="0"/>
           </a:p>
@@ -14232,52 +13883,43 @@
           <a:lstStyle/>
           <a:p>
             <a:r>
-              <a:rPr lang="en-CA" dirty="0" smtClean="0"/>
+              <a:rPr lang="en-CA" dirty="0"/>
               <a:t>Introduction</a:t>
             </a:r>
-            <a:endParaRPr lang="en-CA" dirty="0"/>
-          </a:p>
-          <a:p>
-            <a:r>
-              <a:rPr lang="en-CA" dirty="0" smtClean="0"/>
+          </a:p>
+          <a:p>
+            <a:r>
+              <a:rPr lang="en-CA" dirty="0"/>
               <a:t>Problem Definition</a:t>
             </a:r>
-            <a:endParaRPr lang="en-CA" dirty="0"/>
-          </a:p>
-          <a:p>
-            <a:r>
-              <a:rPr lang="en-CA" dirty="0" smtClean="0"/>
+          </a:p>
+          <a:p>
+            <a:r>
+              <a:rPr lang="en-CA" dirty="0"/>
               <a:t>Related Work</a:t>
             </a:r>
-            <a:endParaRPr lang="en-CA" dirty="0"/>
-          </a:p>
-          <a:p>
-            <a:r>
-              <a:rPr lang="en-CA" dirty="0" smtClean="0"/>
+          </a:p>
+          <a:p>
+            <a:r>
+              <a:rPr lang="en-CA" dirty="0"/>
               <a:t>Architecture </a:t>
             </a:r>
-            <a:endParaRPr lang="en-CA" dirty="0"/>
-          </a:p>
-          <a:p>
-            <a:r>
-              <a:rPr lang="en-CA" dirty="0" smtClean="0"/>
+          </a:p>
+          <a:p>
+            <a:r>
+              <a:rPr lang="en-CA" dirty="0"/>
               <a:t>Experiment</a:t>
             </a:r>
           </a:p>
           <a:p>
             <a:r>
               <a:rPr lang="en-CA" dirty="0"/>
-              <a:t>Future </a:t>
-            </a:r>
-            <a:r>
-              <a:rPr lang="en-CA" dirty="0" smtClean="0"/>
-              <a:t>Work</a:t>
-            </a:r>
-            <a:endParaRPr lang="en-CA" dirty="0"/>
-          </a:p>
-          <a:p>
-            <a:r>
-              <a:rPr lang="en-CA" dirty="0" smtClean="0"/>
+              <a:t>Future Work</a:t>
+            </a:r>
+          </a:p>
+          <a:p>
+            <a:r>
+              <a:rPr lang="en-CA" dirty="0"/>
               <a:t>Summary</a:t>
             </a:r>
             <a:endParaRPr lang="en-US" dirty="0">
@@ -14333,10 +13975,9 @@
           <a:lstStyle/>
           <a:p>
             <a:r>
-              <a:rPr lang="en-CA" dirty="0" smtClean="0"/>
+              <a:rPr lang="en-CA" dirty="0"/>
               <a:t>Future Work</a:t>
             </a:r>
-            <a:endParaRPr lang="en-CA" dirty="0"/>
           </a:p>
         </p:txBody>
       </p:sp>
@@ -14364,7 +14005,7 @@
               <a:buNone/>
             </a:pPr>
             <a:r>
-              <a:rPr lang="en-CA" sz="2000" dirty="0" smtClean="0"/>
+              <a:rPr lang="en-CA" sz="2000" dirty="0"/>
               <a:t>1. Improve performance.</a:t>
             </a:r>
           </a:p>
@@ -14373,20 +14014,8 @@
               <a:buNone/>
             </a:pPr>
             <a:r>
-              <a:rPr lang="en-CA" sz="2000" dirty="0" smtClean="0"/>
-              <a:t>2. Explore </a:t>
-            </a:r>
-            <a:r>
               <a:rPr lang="en-CA" sz="2000" dirty="0"/>
-              <a:t>S</a:t>
-            </a:r>
-            <a:r>
-              <a:rPr lang="en-CA" sz="2000" dirty="0" smtClean="0"/>
-              <a:t>olution </a:t>
-            </a:r>
-            <a:r>
-              <a:rPr lang="en-CA" sz="2000" dirty="0" smtClean="0"/>
-              <a:t>for multi-node communication.</a:t>
+              <a:t>2. Explore Solution for multi-node communication.</a:t>
             </a:r>
           </a:p>
           <a:p>
@@ -14394,18 +14023,9 @@
               <a:buNone/>
             </a:pPr>
             <a:r>
-              <a:rPr lang="en-CA" sz="2000" dirty="0" smtClean="0"/>
-              <a:t>3. Implement other </a:t>
-            </a:r>
-            <a:r>
-              <a:rPr lang="en-CA" sz="2000" dirty="0" smtClean="0"/>
-              <a:t>wireless </a:t>
-            </a:r>
-            <a:r>
-              <a:rPr lang="en-CA" sz="2000" dirty="0" smtClean="0"/>
-              <a:t>protocols</a:t>
-            </a:r>
-            <a:endParaRPr lang="en-CA" sz="2000" dirty="0"/>
+              <a:rPr lang="en-CA" sz="2000" dirty="0"/>
+              <a:t>3. Implement other wireless protocols</a:t>
+            </a:r>
           </a:p>
         </p:txBody>
       </p:sp>
@@ -14431,14 +14051,14 @@
           </a:ln>
           <a:extLst>
             <a:ext uri="{909E8E84-426E-40dd-AFC4-6F175D3DCCD1}">
-              <a14:hiddenFill xmlns="" xmlns:a14="http://schemas.microsoft.com/office/drawing/2010/main">
+              <a14:hiddenFill xmlns:a14="http://schemas.microsoft.com/office/drawing/2010/main" xmlns="">
                 <a:solidFill>
                   <a:srgbClr val="FFFFFF"/>
                 </a:solidFill>
               </a14:hiddenFill>
             </a:ext>
             <a:ext uri="{91240B29-F687-4f45-9708-019B960494DF}">
-              <a14:hiddenLine xmlns="" xmlns:a14="http://schemas.microsoft.com/office/drawing/2010/main" w="9525">
+              <a14:hiddenLine xmlns:a14="http://schemas.microsoft.com/office/drawing/2010/main" xmlns="" w="9525">
                 <a:solidFill>
                   <a:srgbClr val="000000"/>
                 </a:solidFill>
@@ -14448,7 +14068,7 @@
               </a14:hiddenLine>
             </a:ext>
             <a:ext uri="{FAA26D3D-D897-4be2-8F04-BA451C77F1D7}">
-              <ma14:placeholderFlag xmlns="" xmlns:ma14="http://schemas.microsoft.com/office/mac/drawingml/2011/main" val="1"/>
+              <ma14:placeholderFlag xmlns:ma14="http://schemas.microsoft.com/office/mac/drawingml/2011/main" xmlns="" val="1"/>
             </a:ext>
           </a:extLst>
         </p:spPr>
@@ -14598,10 +14218,9 @@
           </a:lstStyle>
           <a:p>
             <a:r>
-              <a:rPr lang="en-CA" kern="0" dirty="0" smtClean="0"/>
+              <a:rPr lang="en-CA" kern="0" dirty="0"/>
               <a:t>Summary</a:t>
             </a:r>
-            <a:endParaRPr lang="en-CA" kern="0" dirty="0"/>
           </a:p>
         </p:txBody>
       </p:sp>
@@ -14627,14 +14246,14 @@
           </a:ln>
           <a:extLst>
             <a:ext uri="{909E8E84-426E-40dd-AFC4-6F175D3DCCD1}">
-              <a14:hiddenFill xmlns="" xmlns:a14="http://schemas.microsoft.com/office/drawing/2010/main">
+              <a14:hiddenFill xmlns:a14="http://schemas.microsoft.com/office/drawing/2010/main" xmlns="">
                 <a:solidFill>
                   <a:srgbClr val="FFFFFF"/>
                 </a:solidFill>
               </a14:hiddenFill>
             </a:ext>
             <a:ext uri="{91240B29-F687-4f45-9708-019B960494DF}">
-              <a14:hiddenLine xmlns="" xmlns:a14="http://schemas.microsoft.com/office/drawing/2010/main" w="9525">
+              <a14:hiddenLine xmlns:a14="http://schemas.microsoft.com/office/drawing/2010/main" xmlns="" w="9525">
                 <a:solidFill>
                   <a:srgbClr val="000000"/>
                 </a:solidFill>
@@ -14644,7 +14263,7 @@
               </a14:hiddenLine>
             </a:ext>
             <a:ext uri="{FAA26D3D-D897-4be2-8F04-BA451C77F1D7}">
-              <ma14:placeholderFlag xmlns="" xmlns:ma14="http://schemas.microsoft.com/office/mac/drawingml/2011/main" val="1"/>
+              <ma14:placeholderFlag xmlns:ma14="http://schemas.microsoft.com/office/mac/drawingml/2011/main" xmlns="" val="1"/>
             </a:ext>
           </a:extLst>
         </p:spPr>
@@ -14829,10 +14448,9 @@
               <a:buNone/>
             </a:pPr>
             <a:r>
-              <a:rPr lang="en-CA" sz="2000" kern="0" dirty="0" smtClean="0"/>
+              <a:rPr lang="en-CA" sz="2000" kern="0" dirty="0"/>
               <a:t>We successfully implemented the proposed architecture in Android. Meanwhile, there is great room to improve our implementation.</a:t>
             </a:r>
-            <a:endParaRPr lang="en-CA" sz="2000" kern="0" dirty="0"/>
           </a:p>
         </p:txBody>
       </p:sp>
@@ -14882,10 +14500,9 @@
           <a:lstStyle/>
           <a:p>
             <a:r>
-              <a:rPr lang="en-CA" dirty="0" smtClean="0"/>
+              <a:rPr lang="en-CA" dirty="0"/>
               <a:t>Reference</a:t>
             </a:r>
-            <a:endParaRPr lang="en-CA" dirty="0"/>
           </a:p>
         </p:txBody>
       </p:sp>
@@ -14914,79 +14531,30 @@
                 <a:latin typeface="Times New Roman" panose="02020603050405020304" pitchFamily="18" charset="0"/>
                 <a:cs typeface="Times New Roman" panose="02020603050405020304" pitchFamily="18" charset="0"/>
               </a:rPr>
-              <a:t>[</a:t>
-            </a:r>
-            <a:r>
-              <a:rPr lang="en-CA" sz="2000" dirty="0" smtClean="0">
+              <a:t>[1]Barrett J, (2012, Oct 5). The Internet of </a:t>
+            </a:r>
+            <a:r>
+              <a:rPr lang="en-CA" sz="2000" dirty="0" err="1">
                 <a:latin typeface="Times New Roman" panose="02020603050405020304" pitchFamily="18" charset="0"/>
                 <a:cs typeface="Times New Roman" panose="02020603050405020304" pitchFamily="18" charset="0"/>
               </a:rPr>
-              <a:t>1]Barrett J, </a:t>
+              <a:t>Things.Youtube</a:t>
             </a:r>
             <a:r>
               <a:rPr lang="en-CA" sz="2000" dirty="0">
                 <a:latin typeface="Times New Roman" panose="02020603050405020304" pitchFamily="18" charset="0"/>
                 <a:cs typeface="Times New Roman" panose="02020603050405020304" pitchFamily="18" charset="0"/>
               </a:rPr>
-              <a:t>(2012, Oct 5</a:t>
-            </a:r>
-            <a:r>
-              <a:rPr lang="en-CA" sz="2000" dirty="0" smtClean="0">
-                <a:latin typeface="Times New Roman" panose="02020603050405020304" pitchFamily="18" charset="0"/>
-                <a:cs typeface="Times New Roman" panose="02020603050405020304" pitchFamily="18" charset="0"/>
-              </a:rPr>
-              <a:t>). </a:t>
-            </a:r>
+              <a:t> 2016.URL: https://www.youtube.com/watch?v=QaTIt1C5R-M</a:t>
+            </a:r>
+          </a:p>
+          <a:p>
             <a:r>
               <a:rPr lang="en-CA" sz="2000" dirty="0">
                 <a:latin typeface="Times New Roman" panose="02020603050405020304" pitchFamily="18" charset="0"/>
                 <a:cs typeface="Times New Roman" panose="02020603050405020304" pitchFamily="18" charset="0"/>
               </a:rPr>
-              <a:t>The Internet of </a:t>
-            </a:r>
-            <a:r>
-              <a:rPr lang="en-CA" sz="2000" dirty="0" err="1" smtClean="0">
-                <a:latin typeface="Times New Roman" panose="02020603050405020304" pitchFamily="18" charset="0"/>
-                <a:cs typeface="Times New Roman" panose="02020603050405020304" pitchFamily="18" charset="0"/>
-              </a:rPr>
-              <a:t>Things.Youtube</a:t>
-            </a:r>
-            <a:r>
-              <a:rPr lang="en-CA" sz="2000" dirty="0" smtClean="0">
-                <a:latin typeface="Times New Roman" panose="02020603050405020304" pitchFamily="18" charset="0"/>
-                <a:cs typeface="Times New Roman" panose="02020603050405020304" pitchFamily="18" charset="0"/>
-              </a:rPr>
-              <a:t> 2016.URL</a:t>
-            </a:r>
-            <a:r>
-              <a:rPr lang="en-CA" sz="2000" dirty="0">
-                <a:latin typeface="Times New Roman" panose="02020603050405020304" pitchFamily="18" charset="0"/>
-                <a:cs typeface="Times New Roman" panose="02020603050405020304" pitchFamily="18" charset="0"/>
-              </a:rPr>
-              <a:t>: https://</a:t>
-            </a:r>
-            <a:r>
-              <a:rPr lang="en-CA" sz="2000" dirty="0" smtClean="0">
-                <a:latin typeface="Times New Roman" panose="02020603050405020304" pitchFamily="18" charset="0"/>
-                <a:cs typeface="Times New Roman" panose="02020603050405020304" pitchFamily="18" charset="0"/>
-              </a:rPr>
-              <a:t>www.youtube.com/watch?v=QaTIt1C5R-M</a:t>
-            </a:r>
-          </a:p>
-          <a:p>
-            <a:r>
-              <a:rPr lang="en-CA" sz="2000" dirty="0" smtClean="0">
-                <a:latin typeface="Times New Roman" panose="02020603050405020304" pitchFamily="18" charset="0"/>
-                <a:cs typeface="Times New Roman" panose="02020603050405020304" pitchFamily="18" charset="0"/>
-              </a:rPr>
-              <a:t>[2]Shelby</a:t>
-            </a:r>
-            <a:r>
-              <a:rPr lang="en-CA" sz="2000" dirty="0">
-                <a:latin typeface="Times New Roman" panose="02020603050405020304" pitchFamily="18" charset="0"/>
-                <a:cs typeface="Times New Roman" panose="02020603050405020304" pitchFamily="18" charset="0"/>
-              </a:rPr>
-              <a:t>, Z., </a:t>
+              <a:t>[2]Shelby, Z., </a:t>
             </a:r>
             <a:r>
               <a:rPr lang="en-CA" sz="2000" dirty="0" err="1">
@@ -15005,62 +14573,37 @@
           </a:p>
           <a:p>
             <a:r>
-              <a:rPr lang="en-CA" sz="2000" dirty="0" smtClean="0">
-                <a:latin typeface="Times New Roman" panose="02020603050405020304" pitchFamily="18" charset="0"/>
-                <a:cs typeface="Times New Roman" panose="02020603050405020304" pitchFamily="18" charset="0"/>
-              </a:rPr>
-              <a:t>[3]Shelby</a:t>
-            </a:r>
-            <a:r>
               <a:rPr lang="en-CA" sz="2000" dirty="0">
                 <a:latin typeface="Times New Roman" panose="02020603050405020304" pitchFamily="18" charset="0"/>
                 <a:cs typeface="Times New Roman" panose="02020603050405020304" pitchFamily="18" charset="0"/>
               </a:rPr>
-              <a:t>, Z</a:t>
-            </a:r>
-            <a:r>
-              <a:rPr lang="en-CA" sz="2000" dirty="0" smtClean="0">
-                <a:latin typeface="Times New Roman" panose="02020603050405020304" pitchFamily="18" charset="0"/>
-                <a:cs typeface="Times New Roman" panose="02020603050405020304" pitchFamily="18" charset="0"/>
-              </a:rPr>
-              <a:t>, (2014, April 30). CoAP: The Web of Things Protocol [</a:t>
-            </a:r>
-            <a:r>
-              <a:rPr lang="en-CA" sz="2000" dirty="0" err="1" smtClean="0">
+              <a:t>[3]Shelby, Z, (2014, April 30). CoAP: The Web of Things Protocol [</a:t>
+            </a:r>
+            <a:r>
+              <a:rPr lang="en-CA" sz="2000" dirty="0" err="1">
                 <a:latin typeface="Times New Roman" panose="02020603050405020304" pitchFamily="18" charset="0"/>
                 <a:cs typeface="Times New Roman" panose="02020603050405020304" pitchFamily="18" charset="0"/>
               </a:rPr>
               <a:t>Powerpoint</a:t>
             </a:r>
             <a:r>
-              <a:rPr lang="en-CA" sz="2000" dirty="0" smtClean="0">
-                <a:latin typeface="Times New Roman" panose="02020603050405020304" pitchFamily="18" charset="0"/>
-                <a:cs typeface="Times New Roman" panose="02020603050405020304" pitchFamily="18" charset="0"/>
-              </a:rPr>
-              <a:t> </a:t>
-            </a:r>
-            <a:r>
               <a:rPr lang="en-CA" sz="2000" dirty="0">
                 <a:latin typeface="Times New Roman" panose="02020603050405020304" pitchFamily="18" charset="0"/>
                 <a:cs typeface="Times New Roman" panose="02020603050405020304" pitchFamily="18" charset="0"/>
               </a:rPr>
-              <a:t>slides]. Retrieved from http://www.slideshare.net/zdshelby/coap-tutorial</a:t>
-            </a:r>
-            <a:endParaRPr lang="en-CA" sz="2000" dirty="0" smtClean="0">
-              <a:latin typeface="Times New Roman" panose="02020603050405020304" pitchFamily="18" charset="0"/>
-              <a:cs typeface="Times New Roman" panose="02020603050405020304" pitchFamily="18" charset="0"/>
-            </a:endParaRPr>
-          </a:p>
-          <a:p>
-            <a:r>
-              <a:rPr lang="en-CA" sz="2000" dirty="0" smtClean="0">
+              <a:t> slides]. Retrieved from http://www.slideshare.net/zdshelby/coap-tutorial</a:t>
+            </a:r>
+          </a:p>
+          <a:p>
+            <a:r>
+              <a:rPr lang="en-CA" sz="2000" dirty="0">
                 <a:latin typeface="Times New Roman" panose="02020603050405020304" pitchFamily="18" charset="0"/>
                 <a:cs typeface="Times New Roman" panose="02020603050405020304" pitchFamily="18" charset="0"/>
               </a:rPr>
               <a:t>[4]</a:t>
             </a:r>
             <a:r>
-              <a:rPr lang="en-CA" sz="2000" dirty="0" err="1" smtClean="0">
+              <a:rPr lang="en-CA" sz="2000" dirty="0" err="1">
                 <a:latin typeface="Times New Roman" panose="02020603050405020304" pitchFamily="18" charset="0"/>
                 <a:cs typeface="Times New Roman" panose="02020603050405020304" pitchFamily="18" charset="0"/>
               </a:rPr>
@@ -15099,67 +14642,28 @@
                 <a:latin typeface="Times New Roman" panose="02020603050405020304" pitchFamily="18" charset="0"/>
                 <a:cs typeface="Times New Roman" panose="02020603050405020304" pitchFamily="18" charset="0"/>
               </a:rPr>
-              <a:t>, </a:t>
-            </a:r>
-            <a:r>
-              <a:rPr lang="en-CA" sz="2000" dirty="0" smtClean="0">
-                <a:latin typeface="Times New Roman" panose="02020603050405020304" pitchFamily="18" charset="0"/>
-                <a:cs typeface="Times New Roman" panose="02020603050405020304" pitchFamily="18" charset="0"/>
-              </a:rPr>
-              <a:t>J (2011). </a:t>
-            </a:r>
+              <a:t>, J (2011). Connecting BT-LE sensors to the Internet using Ipv6.</a:t>
+            </a:r>
+          </a:p>
+          <a:p>
             <a:r>
               <a:rPr lang="en-CA" sz="2000" dirty="0">
                 <a:latin typeface="Times New Roman" panose="02020603050405020304" pitchFamily="18" charset="0"/>
                 <a:cs typeface="Times New Roman" panose="02020603050405020304" pitchFamily="18" charset="0"/>
               </a:rPr>
-              <a:t>Connecting BT-LE sensors to the Internet using Ipv6</a:t>
-            </a:r>
-            <a:r>
-              <a:rPr lang="en-CA" sz="2000" dirty="0" smtClean="0">
-                <a:latin typeface="Times New Roman" panose="02020603050405020304" pitchFamily="18" charset="0"/>
-                <a:cs typeface="Times New Roman" panose="02020603050405020304" pitchFamily="18" charset="0"/>
-              </a:rPr>
-              <a:t>.</a:t>
-            </a:r>
-            <a:endParaRPr lang="en-CA" sz="2000" dirty="0">
-              <a:latin typeface="Times New Roman" panose="02020603050405020304" pitchFamily="18" charset="0"/>
-              <a:cs typeface="Times New Roman" panose="02020603050405020304" pitchFamily="18" charset="0"/>
-            </a:endParaRPr>
-          </a:p>
-          <a:p>
-            <a:r>
-              <a:rPr lang="en-CA" sz="2000" dirty="0" smtClean="0">
-                <a:latin typeface="Times New Roman" panose="02020603050405020304" pitchFamily="18" charset="0"/>
-                <a:cs typeface="Times New Roman" panose="02020603050405020304" pitchFamily="18" charset="0"/>
-              </a:rPr>
-              <a:t>[5]Internet WG, (2014, Dec 16). </a:t>
-            </a:r>
-            <a:r>
-              <a:rPr lang="en-CA" sz="2000" dirty="0" smtClean="0">
-                <a:latin typeface="Times New Roman" panose="02020603050405020304" pitchFamily="18" charset="0"/>
-                <a:cs typeface="Times New Roman" panose="02020603050405020304" pitchFamily="18" charset="0"/>
-              </a:rPr>
-              <a:t>Internet Protocol Support </a:t>
-            </a:r>
-            <a:r>
-              <a:rPr lang="en-CA" sz="2000" dirty="0" smtClean="0">
-                <a:latin typeface="Times New Roman" panose="02020603050405020304" pitchFamily="18" charset="0"/>
-                <a:cs typeface="Times New Roman" panose="02020603050405020304" pitchFamily="18" charset="0"/>
-              </a:rPr>
-              <a:t>Profile</a:t>
-            </a:r>
-          </a:p>
-          <a:p>
-            <a:r>
-              <a:rPr lang="en-CA" sz="2000" dirty="0" smtClean="0">
+              <a:t>[5]Internet WG, (2014, Dec 16). Internet Protocol Support Profile</a:t>
+            </a:r>
+          </a:p>
+          <a:p>
+            <a:r>
+              <a:rPr lang="en-CA" sz="2000" dirty="0">
                 <a:latin typeface="Times New Roman" panose="02020603050405020304" pitchFamily="18" charset="0"/>
                 <a:cs typeface="Times New Roman" panose="02020603050405020304" pitchFamily="18" charset="0"/>
               </a:rPr>
               <a:t>[6]</a:t>
             </a:r>
             <a:r>
-              <a:rPr lang="en-CA" sz="2000" dirty="0" err="1" smtClean="0">
+              <a:rPr lang="en-CA" sz="2000" dirty="0" err="1">
                 <a:latin typeface="Times New Roman" panose="02020603050405020304" pitchFamily="18" charset="0"/>
                 <a:cs typeface="Times New Roman" panose="02020603050405020304" pitchFamily="18" charset="0"/>
               </a:rPr>
@@ -15186,10 +14690,6 @@
               </a:rPr>
               <a:t>, T. (2013). CoAP Communication with Alternative Transports. ID: draft-silverajan-core-coap-alternative-transports-01.</a:t>
             </a:r>
-            <a:endParaRPr lang="en-CA" sz="2000" dirty="0">
-              <a:latin typeface="Times New Roman" panose="02020603050405020304" pitchFamily="18" charset="0"/>
-              <a:cs typeface="Times New Roman" panose="02020603050405020304" pitchFamily="18" charset="0"/>
-            </a:endParaRPr>
           </a:p>
         </p:txBody>
       </p:sp>
@@ -15246,10 +14746,9 @@
           <a:lstStyle/>
           <a:p>
             <a:r>
-              <a:rPr lang="en-CA" dirty="0" smtClean="0"/>
+              <a:rPr lang="en-CA" dirty="0"/>
               <a:t>Thank you</a:t>
             </a:r>
-            <a:endParaRPr lang="en-CA" dirty="0"/>
           </a:p>
         </p:txBody>
       </p:sp>
@@ -15299,10 +14798,9 @@
           <a:lstStyle/>
           <a:p>
             <a:r>
-              <a:rPr lang="en-CA" dirty="0" smtClean="0"/>
+              <a:rPr lang="en-CA" dirty="0"/>
               <a:t>Introduction</a:t>
             </a:r>
-            <a:endParaRPr lang="en-CA" dirty="0"/>
           </a:p>
         </p:txBody>
       </p:sp>
@@ -15329,10 +14827,9 @@
           <a:lstStyle/>
           <a:p>
             <a:r>
-              <a:rPr lang="en-CA" dirty="0" smtClean="0"/>
+              <a:rPr lang="en-CA" dirty="0"/>
               <a:t>IoT aims to make every physical object tangible in virtual world.</a:t>
             </a:r>
-            <a:endParaRPr lang="en-CA" dirty="0"/>
           </a:p>
         </p:txBody>
       </p:sp>
@@ -15383,7 +14880,7 @@
           <a:lstStyle/>
           <a:p>
             <a:r>
-              <a:rPr lang="en-US" altLang="zh-CN" sz="1200" dirty="0" smtClean="0"/>
+              <a:rPr lang="en-US" altLang="zh-CN" sz="1200" dirty="0"/>
               <a:t>Figure 1 [1]: 4 steps towards CoAP</a:t>
             </a:r>
             <a:endParaRPr lang="en-CA" sz="1200" dirty="0"/>
@@ -15412,14 +14909,14 @@
           </a:ln>
           <a:extLst>
             <a:ext uri="{909E8E84-426E-40dd-AFC4-6F175D3DCCD1}">
-              <a14:hiddenFill xmlns="" xmlns:a14="http://schemas.microsoft.com/office/drawing/2010/main">
+              <a14:hiddenFill xmlns:a14="http://schemas.microsoft.com/office/drawing/2010/main" xmlns="">
                 <a:solidFill>
                   <a:srgbClr val="FFFFFF"/>
                 </a:solidFill>
               </a14:hiddenFill>
             </a:ext>
             <a:ext uri="{91240B29-F687-4f45-9708-019B960494DF}">
-              <a14:hiddenLine xmlns="" xmlns:a14="http://schemas.microsoft.com/office/drawing/2010/main" w="9525">
+              <a14:hiddenLine xmlns:a14="http://schemas.microsoft.com/office/drawing/2010/main" xmlns="" w="9525">
                 <a:solidFill>
                   <a:srgbClr val="000000"/>
                 </a:solidFill>
@@ -15429,7 +14926,7 @@
               </a14:hiddenLine>
             </a:ext>
             <a:ext uri="{FAA26D3D-D897-4be2-8F04-BA451C77F1D7}">
-              <ma14:placeholderFlag xmlns="" xmlns:ma14="http://schemas.microsoft.com/office/mac/drawingml/2011/main" val="1"/>
+              <ma14:placeholderFlag xmlns:ma14="http://schemas.microsoft.com/office/mac/drawingml/2011/main" xmlns="" val="1"/>
             </a:ext>
           </a:extLst>
         </p:spPr>
@@ -15614,10 +15111,9 @@
               <a:buNone/>
             </a:pPr>
             <a:r>
-              <a:rPr lang="en-CA" sz="2000" kern="0" dirty="0" smtClean="0"/>
+              <a:rPr lang="en-CA" sz="2000" kern="0" dirty="0"/>
               <a:t>1.IoT </a:t>
             </a:r>
-            <a:endParaRPr lang="en-CA" sz="2000" kern="0" dirty="0"/>
           </a:p>
         </p:txBody>
       </p:sp>
@@ -15667,10 +15163,9 @@
           <a:lstStyle/>
           <a:p>
             <a:r>
-              <a:rPr lang="en-CA" dirty="0" smtClean="0"/>
+              <a:rPr lang="en-CA" dirty="0"/>
               <a:t>Introduction</a:t>
             </a:r>
-            <a:endParaRPr lang="en-CA" dirty="0"/>
           </a:p>
         </p:txBody>
       </p:sp>
@@ -15697,14 +15192,9 @@
           <a:lstStyle/>
           <a:p>
             <a:r>
-              <a:rPr lang="en-CA" dirty="0" smtClean="0"/>
-              <a:t>CoAP[2] </a:t>
-            </a:r>
-            <a:r>
-              <a:rPr lang="en-CA" dirty="0" smtClean="0"/>
-              <a:t>is designed for constrained networks. It can easily be translated into HTTP while meeting multicast, low overhead and simplicity.</a:t>
-            </a:r>
-            <a:endParaRPr lang="en-CA" dirty="0"/>
+              <a:rPr lang="en-CA" dirty="0"/>
+              <a:t>CoAP[2] is designed for constrained networks. It can easily be translated into HTTP while meeting multicast, low overhead and simplicity.</a:t>
+            </a:r>
           </a:p>
         </p:txBody>
       </p:sp>
@@ -15764,16 +15254,8 @@
           <a:lstStyle/>
           <a:p>
             <a:r>
-              <a:rPr lang="en-US" altLang="zh-CN" sz="1200" dirty="0" smtClean="0"/>
-              <a:t>Figure 2 </a:t>
-            </a:r>
-            <a:r>
-              <a:rPr lang="en-US" altLang="zh-CN" sz="1200" dirty="0" smtClean="0"/>
-              <a:t>[3]: Using Context </a:t>
-            </a:r>
-            <a:r>
-              <a:rPr lang="en-US" altLang="zh-CN" sz="1200" dirty="0" smtClean="0"/>
-              <a:t>of CoAP</a:t>
+              <a:rPr lang="en-US" altLang="zh-CN" sz="1200" dirty="0"/>
+              <a:t>Figure 2 [3]: Using Context of CoAP</a:t>
             </a:r>
             <a:endParaRPr lang="en-CA" sz="1200" dirty="0"/>
           </a:p>
@@ -15801,14 +15283,14 @@
           </a:ln>
           <a:extLst>
             <a:ext uri="{909E8E84-426E-40dd-AFC4-6F175D3DCCD1}">
-              <a14:hiddenFill xmlns="" xmlns:a14="http://schemas.microsoft.com/office/drawing/2010/main">
+              <a14:hiddenFill xmlns:a14="http://schemas.microsoft.com/office/drawing/2010/main" xmlns="">
                 <a:solidFill>
                   <a:srgbClr val="FFFFFF"/>
                 </a:solidFill>
               </a14:hiddenFill>
             </a:ext>
             <a:ext uri="{91240B29-F687-4f45-9708-019B960494DF}">
-              <a14:hiddenLine xmlns="" xmlns:a14="http://schemas.microsoft.com/office/drawing/2010/main" w="9525">
+              <a14:hiddenLine xmlns:a14="http://schemas.microsoft.com/office/drawing/2010/main" xmlns="" w="9525">
                 <a:solidFill>
                   <a:srgbClr val="000000"/>
                 </a:solidFill>
@@ -15818,7 +15300,7 @@
               </a14:hiddenLine>
             </a:ext>
             <a:ext uri="{FAA26D3D-D897-4be2-8F04-BA451C77F1D7}">
-              <ma14:placeholderFlag xmlns="" xmlns:ma14="http://schemas.microsoft.com/office/mac/drawingml/2011/main" val="1"/>
+              <ma14:placeholderFlag xmlns:ma14="http://schemas.microsoft.com/office/mac/drawingml/2011/main" xmlns="" val="1"/>
             </a:ext>
           </a:extLst>
         </p:spPr>
@@ -16003,10 +15485,9 @@
               <a:buNone/>
             </a:pPr>
             <a:r>
-              <a:rPr lang="en-CA" sz="2000" kern="0" dirty="0" smtClean="0"/>
+              <a:rPr lang="en-CA" sz="2000" kern="0" dirty="0"/>
               <a:t>2.CoAP </a:t>
             </a:r>
-            <a:endParaRPr lang="en-CA" sz="2000" kern="0" dirty="0"/>
           </a:p>
         </p:txBody>
       </p:sp>
@@ -16085,22 +15566,9 @@
           <a:lstStyle/>
           <a:p>
             <a:r>
-              <a:rPr lang="en-CA" dirty="0" smtClean="0"/>
-              <a:t>BLE is popular in constrained devices. However, it is not easily to merge it </a:t>
-            </a:r>
-            <a:r>
-              <a:rPr lang="en-CA" dirty="0" smtClean="0"/>
-              <a:t>with </a:t>
-            </a:r>
-            <a:r>
-              <a:rPr lang="en-CA" dirty="0" smtClean="0"/>
-              <a:t>existing </a:t>
-            </a:r>
-            <a:r>
-              <a:rPr lang="en-CA" dirty="0" smtClean="0"/>
-              <a:t>Internet.</a:t>
-            </a:r>
-            <a:endParaRPr lang="en-CA" dirty="0"/>
+              <a:rPr lang="en-CA" dirty="0"/>
+              <a:t>BLE is popular in constrained devices. However, it is not easily to merge it with existing Internet.</a:t>
+            </a:r>
           </a:p>
         </p:txBody>
       </p:sp>
@@ -16149,7 +15617,7 @@
           <a:p>
             <a:pPr algn="ctr"/>
             <a:r>
-              <a:rPr lang="en-US" altLang="zh-CN" sz="1600" dirty="0" smtClean="0">
+              <a:rPr lang="en-US" altLang="zh-CN" sz="1600" dirty="0">
                 <a:solidFill>
                   <a:schemeClr val="tx1"/>
                 </a:solidFill>
@@ -16354,10 +15822,9 @@
           <a:lstStyle/>
           <a:p>
             <a:r>
-              <a:rPr lang="en-CA" sz="1600" dirty="0" smtClean="0"/>
+              <a:rPr lang="en-CA" sz="1600" dirty="0"/>
               <a:t>Sensor</a:t>
             </a:r>
-            <a:endParaRPr lang="en-CA" sz="1600" dirty="0"/>
           </a:p>
         </p:txBody>
       </p:sp>
@@ -16384,10 +15851,9 @@
           <a:lstStyle/>
           <a:p>
             <a:r>
-              <a:rPr lang="en-CA" sz="1200" dirty="0" smtClean="0"/>
+              <a:rPr lang="en-CA" sz="1200" dirty="0"/>
               <a:t>BLE communication</a:t>
             </a:r>
-            <a:endParaRPr lang="en-CA" sz="1200" dirty="0"/>
           </a:p>
         </p:txBody>
       </p:sp>
@@ -16471,7 +15937,7 @@
                   <a:defRPr/>
                 </a:pPr>
                 <a:r>
-                  <a:rPr kumimoji="0" lang="en-US" altLang="zh-CN" sz="1200" b="0" i="0" u="none" strike="noStrike" kern="0" cap="none" spc="0" normalizeH="0" baseline="0" noProof="0" dirty="0" smtClean="0">
+                  <a:rPr kumimoji="0" lang="en-US" altLang="zh-CN" sz="1200" b="0" i="0" u="none" strike="noStrike" kern="0" cap="none" spc="0" normalizeH="0" baseline="0" noProof="0" dirty="0">
                     <a:ln>
                       <a:noFill/>
                     </a:ln>
@@ -16487,7 +15953,7 @@
                   </a:rPr>
                   <a:t>Internet</a:t>
                 </a:r>
-                <a:endParaRPr kumimoji="0" lang="en-CA" sz="1200" b="0" i="0" u="none" strike="noStrike" kern="0" cap="none" spc="0" normalizeH="0" baseline="0" noProof="0" dirty="0" smtClean="0">
+                <a:endParaRPr kumimoji="0" lang="en-CA" sz="1200" b="0" i="0" u="none" strike="noStrike" kern="0" cap="none" spc="0" normalizeH="0" baseline="0" noProof="0" dirty="0">
                   <a:ln>
                     <a:noFill/>
                   </a:ln>
@@ -16550,7 +16016,7 @@
                   <a:tabLst/>
                   <a:defRPr/>
                 </a:pPr>
-                <a:endParaRPr kumimoji="0" lang="en-CA" sz="1800" b="0" i="0" u="none" strike="noStrike" kern="0" cap="none" spc="0" normalizeH="0" baseline="0" noProof="0" dirty="0" smtClean="0">
+                <a:endParaRPr kumimoji="0" lang="en-CA" sz="1800" b="0" i="0" u="none" strike="noStrike" kern="0" cap="none" spc="0" normalizeH="0" baseline="0" noProof="0" dirty="0">
                   <a:ln>
                     <a:noFill/>
                   </a:ln>
@@ -16614,7 +16080,7 @@
                 <a:tabLst/>
                 <a:defRPr/>
               </a:pPr>
-              <a:endParaRPr kumimoji="0" lang="en-CA" sz="1800" b="0" i="0" u="none" strike="noStrike" kern="0" cap="none" spc="0" normalizeH="0" baseline="0" noProof="0" dirty="0" smtClean="0">
+              <a:endParaRPr kumimoji="0" lang="en-CA" sz="1800" b="0" i="0" u="none" strike="noStrike" kern="0" cap="none" spc="0" normalizeH="0" baseline="0" noProof="0" dirty="0">
                 <a:ln>
                   <a:noFill/>
                 </a:ln>
@@ -16727,10 +16193,9 @@
           <a:lstStyle/>
           <a:p>
             <a:r>
-              <a:rPr lang="en-CA" sz="1200" dirty="0" smtClean="0"/>
+              <a:rPr lang="en-CA" sz="1200" dirty="0"/>
               <a:t>HTTP Request</a:t>
             </a:r>
-            <a:endParaRPr lang="en-CA" sz="1200" dirty="0"/>
           </a:p>
         </p:txBody>
       </p:sp>
@@ -16757,16 +16222,8 @@
           <a:lstStyle/>
           <a:p>
             <a:r>
-              <a:rPr lang="en-US" altLang="zh-CN" sz="1200" dirty="0" smtClean="0"/>
-              <a:t>Figure </a:t>
-            </a:r>
-            <a:r>
               <a:rPr lang="en-US" altLang="zh-CN" sz="1200" dirty="0"/>
-              <a:t>3</a:t>
-            </a:r>
-            <a:r>
-              <a:rPr lang="en-US" altLang="zh-CN" sz="1200" dirty="0" smtClean="0"/>
-              <a:t>: Standard way of sending message </a:t>
+              <a:t>Figure 3: Standard way of sending message </a:t>
             </a:r>
             <a:endParaRPr lang="en-CA" sz="1200" dirty="0"/>
           </a:p>
@@ -16794,14 +16251,14 @@
           </a:ln>
           <a:extLst>
             <a:ext uri="{909E8E84-426E-40dd-AFC4-6F175D3DCCD1}">
-              <a14:hiddenFill xmlns="" xmlns:a14="http://schemas.microsoft.com/office/drawing/2010/main">
+              <a14:hiddenFill xmlns:a14="http://schemas.microsoft.com/office/drawing/2010/main" xmlns="">
                 <a:solidFill>
                   <a:srgbClr val="FFFFFF"/>
                 </a:solidFill>
               </a14:hiddenFill>
             </a:ext>
             <a:ext uri="{91240B29-F687-4f45-9708-019B960494DF}">
-              <a14:hiddenLine xmlns="" xmlns:a14="http://schemas.microsoft.com/office/drawing/2010/main" w="9525">
+              <a14:hiddenLine xmlns:a14="http://schemas.microsoft.com/office/drawing/2010/main" xmlns="" w="9525">
                 <a:solidFill>
                   <a:srgbClr val="000000"/>
                 </a:solidFill>
@@ -16811,7 +16268,7 @@
               </a14:hiddenLine>
             </a:ext>
             <a:ext uri="{FAA26D3D-D897-4be2-8F04-BA451C77F1D7}">
-              <ma14:placeholderFlag xmlns="" xmlns:ma14="http://schemas.microsoft.com/office/mac/drawingml/2011/main" val="1"/>
+              <ma14:placeholderFlag xmlns:ma14="http://schemas.microsoft.com/office/mac/drawingml/2011/main" xmlns="" val="1"/>
             </a:ext>
           </a:extLst>
         </p:spPr>
@@ -16997,13 +16454,8 @@
             </a:pPr>
             <a:r>
               <a:rPr lang="en-CA" sz="2000" kern="0" dirty="0"/>
-              <a:t>3</a:t>
-            </a:r>
-            <a:r>
-              <a:rPr lang="en-CA" sz="2000" kern="0" dirty="0" smtClean="0"/>
-              <a:t>.BLE </a:t>
-            </a:r>
-            <a:endParaRPr lang="en-CA" sz="2000" kern="0" dirty="0"/>
+              <a:t>3.BLE </a:t>
+            </a:r>
           </a:p>
         </p:txBody>
       </p:sp>
@@ -17053,10 +16505,9 @@
           <a:lstStyle/>
           <a:p>
             <a:r>
-              <a:rPr lang="en-CA" dirty="0" smtClean="0"/>
+              <a:rPr lang="en-CA" dirty="0"/>
               <a:t>Problem Definition</a:t>
             </a:r>
-            <a:endParaRPr lang="en-CA" dirty="0"/>
           </a:p>
         </p:txBody>
       </p:sp>
@@ -17083,12 +16534,8 @@
           <a:lstStyle/>
           <a:p>
             <a:r>
-              <a:rPr lang="en-US" altLang="zh-CN" sz="1200" dirty="0" smtClean="0"/>
-              <a:t>Figure 4: </a:t>
-            </a:r>
-            <a:r>
               <a:rPr lang="en-US" altLang="zh-CN" sz="1200" dirty="0"/>
-              <a:t>Standard way of sending message </a:t>
+              <a:t>Figure 4: Standard way of sending message </a:t>
             </a:r>
             <a:endParaRPr lang="en-CA" sz="1200" dirty="0"/>
           </a:p>
@@ -17139,7 +16586,7 @@
           <a:p>
             <a:pPr algn="ctr"/>
             <a:r>
-              <a:rPr lang="en-US" altLang="zh-CN" sz="1600" dirty="0" smtClean="0">
+              <a:rPr lang="en-US" altLang="zh-CN" sz="1600" dirty="0">
                 <a:solidFill>
                   <a:schemeClr val="tx1"/>
                 </a:solidFill>
@@ -17150,7 +16597,7 @@
           <a:p>
             <a:pPr algn="ctr"/>
             <a:r>
-              <a:rPr lang="en-US" altLang="zh-CN" sz="1600" dirty="0" smtClean="0">
+              <a:rPr lang="en-US" altLang="zh-CN" sz="1600" dirty="0">
                 <a:solidFill>
                   <a:schemeClr val="tx1"/>
                 </a:solidFill>
@@ -17355,10 +16802,9 @@
           <a:lstStyle/>
           <a:p>
             <a:r>
-              <a:rPr lang="en-CA" sz="1600" dirty="0" smtClean="0"/>
+              <a:rPr lang="en-CA" sz="1600" dirty="0"/>
               <a:t>Sensor</a:t>
             </a:r>
-            <a:endParaRPr lang="en-CA" sz="1600" dirty="0"/>
           </a:p>
         </p:txBody>
       </p:sp>
@@ -17385,18 +16831,9 @@
           <a:lstStyle/>
           <a:p>
             <a:r>
-              <a:rPr lang="en-CA" sz="1200" dirty="0" smtClean="0"/>
-              <a:t>BLE based </a:t>
-            </a:r>
-            <a:r>
-              <a:rPr lang="en-CA" sz="1200" dirty="0" smtClean="0"/>
-              <a:t>CoAP </a:t>
-            </a:r>
-            <a:r>
-              <a:rPr lang="en-CA" sz="1200" dirty="0" smtClean="0"/>
-              <a:t>communication</a:t>
-            </a:r>
-            <a:endParaRPr lang="en-CA" sz="1200" dirty="0"/>
+              <a:rPr lang="en-CA" sz="1200" dirty="0"/>
+              <a:t>BLE based CoAP communication</a:t>
+            </a:r>
           </a:p>
         </p:txBody>
       </p:sp>
@@ -17480,7 +16917,7 @@
                   <a:defRPr/>
                 </a:pPr>
                 <a:r>
-                  <a:rPr kumimoji="0" lang="en-US" altLang="zh-CN" sz="1200" b="0" i="0" u="none" strike="noStrike" kern="0" cap="none" spc="0" normalizeH="0" baseline="0" noProof="0" dirty="0" smtClean="0">
+                  <a:rPr kumimoji="0" lang="en-US" altLang="zh-CN" sz="1200" b="0" i="0" u="none" strike="noStrike" kern="0" cap="none" spc="0" normalizeH="0" baseline="0" noProof="0" dirty="0">
                     <a:ln>
                       <a:noFill/>
                     </a:ln>
@@ -17496,7 +16933,7 @@
                   </a:rPr>
                   <a:t>Internet</a:t>
                 </a:r>
-                <a:endParaRPr kumimoji="0" lang="en-CA" sz="1200" b="0" i="0" u="none" strike="noStrike" kern="0" cap="none" spc="0" normalizeH="0" baseline="0" noProof="0" dirty="0" smtClean="0">
+                <a:endParaRPr kumimoji="0" lang="en-CA" sz="1200" b="0" i="0" u="none" strike="noStrike" kern="0" cap="none" spc="0" normalizeH="0" baseline="0" noProof="0" dirty="0">
                   <a:ln>
                     <a:noFill/>
                   </a:ln>
@@ -17559,7 +16996,7 @@
                   <a:tabLst/>
                   <a:defRPr/>
                 </a:pPr>
-                <a:endParaRPr kumimoji="0" lang="en-CA" sz="1800" b="0" i="0" u="none" strike="noStrike" kern="0" cap="none" spc="0" normalizeH="0" baseline="0" noProof="0" dirty="0" smtClean="0">
+                <a:endParaRPr kumimoji="0" lang="en-CA" sz="1800" b="0" i="0" u="none" strike="noStrike" kern="0" cap="none" spc="0" normalizeH="0" baseline="0" noProof="0" dirty="0">
                   <a:ln>
                     <a:noFill/>
                   </a:ln>
@@ -17623,7 +17060,7 @@
                 <a:tabLst/>
                 <a:defRPr/>
               </a:pPr>
-              <a:endParaRPr kumimoji="0" lang="en-CA" sz="1800" b="0" i="0" u="none" strike="noStrike" kern="0" cap="none" spc="0" normalizeH="0" baseline="0" noProof="0" dirty="0" smtClean="0">
+              <a:endParaRPr kumimoji="0" lang="en-CA" sz="1800" b="0" i="0" u="none" strike="noStrike" kern="0" cap="none" spc="0" normalizeH="0" baseline="0" noProof="0" dirty="0">
                 <a:ln>
                   <a:noFill/>
                 </a:ln>
@@ -17736,10 +17173,9 @@
           <a:lstStyle/>
           <a:p>
             <a:r>
-              <a:rPr lang="en-CA" sz="1200" dirty="0" smtClean="0"/>
+              <a:rPr lang="en-CA" sz="1200" dirty="0"/>
               <a:t>HTTP Request</a:t>
             </a:r>
-            <a:endParaRPr lang="en-CA" sz="1200" dirty="0"/>
           </a:p>
         </p:txBody>
       </p:sp>
@@ -17767,13 +17203,8 @@
           <a:p>
             <a:r>
               <a:rPr lang="en-CA" dirty="0"/>
-              <a:t>Sine </a:t>
-            </a:r>
-            <a:r>
-              <a:rPr lang="en-CA" dirty="0" smtClean="0"/>
-              <a:t>CoAP is a widely adopted HTTP like protocol. We want to explore the possibility of using CoAP in BLE</a:t>
-            </a:r>
-            <a:endParaRPr lang="en-CA" dirty="0"/>
+              <a:t>Sine CoAP is a widely adopted HTTP like protocol. We want to explore the possibility of using CoAP in BLE</a:t>
+            </a:r>
           </a:p>
         </p:txBody>
       </p:sp>
@@ -17799,14 +17230,14 @@
           </a:ln>
           <a:extLst>
             <a:ext uri="{909E8E84-426E-40dd-AFC4-6F175D3DCCD1}">
-              <a14:hiddenFill xmlns="" xmlns:a14="http://schemas.microsoft.com/office/drawing/2010/main">
+              <a14:hiddenFill xmlns:a14="http://schemas.microsoft.com/office/drawing/2010/main" xmlns="">
                 <a:solidFill>
                   <a:srgbClr val="FFFFFF"/>
                 </a:solidFill>
               </a14:hiddenFill>
             </a:ext>
             <a:ext uri="{91240B29-F687-4f45-9708-019B960494DF}">
-              <a14:hiddenLine xmlns="" xmlns:a14="http://schemas.microsoft.com/office/drawing/2010/main" w="9525">
+              <a14:hiddenLine xmlns:a14="http://schemas.microsoft.com/office/drawing/2010/main" xmlns="" w="9525">
                 <a:solidFill>
                   <a:srgbClr val="000000"/>
                 </a:solidFill>
@@ -17816,7 +17247,7 @@
               </a14:hiddenLine>
             </a:ext>
             <a:ext uri="{FAA26D3D-D897-4be2-8F04-BA451C77F1D7}">
-              <ma14:placeholderFlag xmlns="" xmlns:ma14="http://schemas.microsoft.com/office/mac/drawingml/2011/main" val="1"/>
+              <ma14:placeholderFlag xmlns:ma14="http://schemas.microsoft.com/office/mac/drawingml/2011/main" xmlns="" val="1"/>
             </a:ext>
           </a:extLst>
         </p:spPr>
@@ -18001,10 +17432,9 @@
               <a:buNone/>
             </a:pPr>
             <a:r>
-              <a:rPr lang="en-CA" sz="2000" kern="0" dirty="0" smtClean="0"/>
+              <a:rPr lang="en-CA" sz="2000" kern="0" dirty="0"/>
               <a:t>1.Summary </a:t>
             </a:r>
-            <a:endParaRPr lang="en-CA" sz="2000" kern="0" dirty="0"/>
           </a:p>
         </p:txBody>
       </p:sp>
@@ -18054,10 +17484,9 @@
           <a:lstStyle/>
           <a:p>
             <a:r>
-              <a:rPr lang="en-CA" dirty="0" smtClean="0"/>
+              <a:rPr lang="en-CA" dirty="0"/>
               <a:t>Problem Definition</a:t>
             </a:r>
-            <a:endParaRPr lang="en-CA" dirty="0"/>
           </a:p>
         </p:txBody>
       </p:sp>
@@ -18082,83 +17511,31 @@
           <a:lstStyle/>
           <a:p>
             <a:r>
-              <a:rPr lang="en-CA" sz="2400" dirty="0" smtClean="0"/>
-              <a:t>Construct </a:t>
-            </a:r>
-            <a:r>
               <a:rPr lang="en-CA" sz="2400" dirty="0"/>
-              <a:t>an architecture to </a:t>
-            </a:r>
-            <a:r>
-              <a:rPr lang="en-CA" sz="2400" dirty="0" smtClean="0"/>
-              <a:t>achieve </a:t>
-            </a:r>
-            <a:r>
-              <a:rPr lang="en-CA" sz="2400" dirty="0"/>
-              <a:t>CoAP communication in </a:t>
-            </a:r>
-            <a:r>
-              <a:rPr lang="en-CA" sz="2400" dirty="0" smtClean="0"/>
-              <a:t>BLE and supports customize </a:t>
-            </a:r>
-            <a:r>
-              <a:rPr lang="en-CA" sz="2400" dirty="0"/>
-              <a:t>WPAN solutions for CoAP</a:t>
-            </a:r>
-            <a:r>
-              <a:rPr lang="en-CA" sz="2400" dirty="0" smtClean="0"/>
-              <a:t>.</a:t>
+              <a:t>Construct an architecture to achieve CoAP communication in BLE and supports customize WPAN solutions for CoAP.</a:t>
             </a:r>
           </a:p>
           <a:p>
             <a:pPr marL="0" indent="0">
               <a:buNone/>
             </a:pPr>
-            <a:endParaRPr lang="en-CA" sz="2400" dirty="0" smtClean="0"/>
-          </a:p>
-          <a:p>
-            <a:r>
-              <a:rPr lang="en-CA" sz="2400" dirty="0" smtClean="0"/>
-              <a:t>Enable </a:t>
-            </a:r>
+            <a:endParaRPr lang="en-CA" sz="2400" dirty="0"/>
+          </a:p>
+          <a:p>
             <a:r>
               <a:rPr lang="en-CA" sz="2400" dirty="0"/>
-              <a:t>CoAP </a:t>
-            </a:r>
-            <a:r>
-              <a:rPr lang="en-CA" sz="2400" dirty="0" smtClean="0"/>
-              <a:t>communication </a:t>
-            </a:r>
-            <a:r>
-              <a:rPr lang="en-CA" sz="2400" dirty="0" smtClean="0"/>
-              <a:t>in multiple </a:t>
-            </a:r>
-            <a:r>
-              <a:rPr lang="en-CA" sz="2400" dirty="0"/>
-              <a:t>applications </a:t>
-            </a:r>
-            <a:r>
-              <a:rPr lang="en-CA" sz="2400" dirty="0" smtClean="0"/>
-              <a:t>of </a:t>
-            </a:r>
-            <a:r>
-              <a:rPr lang="en-CA" sz="2400" dirty="0"/>
-              <a:t>one physical </a:t>
-            </a:r>
-            <a:r>
-              <a:rPr lang="en-CA" sz="2400" dirty="0" smtClean="0"/>
-              <a:t>device.</a:t>
+              <a:t>Enable CoAP communication in multiple applications of one physical device.</a:t>
             </a:r>
           </a:p>
           <a:p>
             <a:pPr marL="0" indent="0">
               <a:buNone/>
             </a:pPr>
-            <a:endParaRPr lang="en-CA" sz="2400" dirty="0" smtClean="0"/>
-          </a:p>
-          <a:p>
-            <a:r>
-              <a:rPr lang="en-CA" sz="2400" dirty="0" smtClean="0"/>
+            <a:endParaRPr lang="en-CA" sz="2400" dirty="0"/>
+          </a:p>
+          <a:p>
+            <a:r>
+              <a:rPr lang="en-CA" sz="2400" dirty="0"/>
               <a:t>Integrate same data from multiple devices at center node.</a:t>
             </a:r>
             <a:endParaRPr lang="en-CA" dirty="0"/>
@@ -18187,14 +17564,14 @@
           </a:ln>
           <a:extLst>
             <a:ext uri="{909E8E84-426E-40dd-AFC4-6F175D3DCCD1}">
-              <a14:hiddenFill xmlns="" xmlns:a14="http://schemas.microsoft.com/office/drawing/2010/main">
+              <a14:hiddenFill xmlns:a14="http://schemas.microsoft.com/office/drawing/2010/main" xmlns="">
                 <a:solidFill>
                   <a:srgbClr val="FFFFFF"/>
                 </a:solidFill>
               </a14:hiddenFill>
             </a:ext>
             <a:ext uri="{91240B29-F687-4f45-9708-019B960494DF}">
-              <a14:hiddenLine xmlns="" xmlns:a14="http://schemas.microsoft.com/office/drawing/2010/main" w="9525">
+              <a14:hiddenLine xmlns:a14="http://schemas.microsoft.com/office/drawing/2010/main" xmlns="" w="9525">
                 <a:solidFill>
                   <a:srgbClr val="000000"/>
                 </a:solidFill>
@@ -18204,7 +17581,7 @@
               </a14:hiddenLine>
             </a:ext>
             <a:ext uri="{FAA26D3D-D897-4be2-8F04-BA451C77F1D7}">
-              <ma14:placeholderFlag xmlns="" xmlns:ma14="http://schemas.microsoft.com/office/mac/drawingml/2011/main" val="1"/>
+              <ma14:placeholderFlag xmlns:ma14="http://schemas.microsoft.com/office/mac/drawingml/2011/main" xmlns="" val="1"/>
             </a:ext>
           </a:extLst>
         </p:spPr>
@@ -18389,10 +17766,9 @@
               <a:buNone/>
             </a:pPr>
             <a:r>
-              <a:rPr lang="en-CA" sz="2000" kern="0" dirty="0" smtClean="0"/>
+              <a:rPr lang="en-CA" sz="2000" kern="0" dirty="0"/>
               <a:t>2.Detail </a:t>
             </a:r>
-            <a:endParaRPr lang="en-CA" sz="2000" kern="0" dirty="0"/>
           </a:p>
         </p:txBody>
       </p:sp>
@@ -18442,10 +17818,9 @@
           <a:lstStyle/>
           <a:p>
             <a:r>
-              <a:rPr lang="en-CA" dirty="0" smtClean="0"/>
+              <a:rPr lang="en-CA" dirty="0"/>
               <a:t>Related Work</a:t>
             </a:r>
-            <a:endParaRPr lang="en-CA" dirty="0"/>
           </a:p>
         </p:txBody>
       </p:sp>
@@ -18473,24 +17848,8 @@
               <a:buNone/>
             </a:pPr>
             <a:r>
-              <a:rPr lang="en-CA" sz="2400" dirty="0" smtClean="0"/>
-              <a:t>In December 2014, Low-power </a:t>
-            </a:r>
-            <a:r>
-              <a:rPr lang="en-CA" sz="2400" dirty="0" smtClean="0"/>
-              <a:t>IP(6LoWPAN[4]) </a:t>
-            </a:r>
-            <a:r>
-              <a:rPr lang="en-CA" sz="2400" dirty="0" smtClean="0"/>
-              <a:t>is adopted by Bluetooth4.2</a:t>
-            </a:r>
-            <a:r>
               <a:rPr lang="en-CA" sz="2400" dirty="0"/>
-              <a:t> </a:t>
-            </a:r>
-            <a:r>
-              <a:rPr lang="en-CA" sz="2400" dirty="0" smtClean="0"/>
-              <a:t>which provides another way to achieve CoAP in BLE.</a:t>
+              <a:t>In December 2014, Low-power IP(6LoWPAN[4]) is adopted by Bluetooth4.2 which provides another way to achieve CoAP in BLE.</a:t>
             </a:r>
           </a:p>
         </p:txBody>
@@ -18517,14 +17876,14 @@
           </a:ln>
           <a:extLst>
             <a:ext uri="{909E8E84-426E-40dd-AFC4-6F175D3DCCD1}">
-              <a14:hiddenFill xmlns="" xmlns:a14="http://schemas.microsoft.com/office/drawing/2010/main">
+              <a14:hiddenFill xmlns:a14="http://schemas.microsoft.com/office/drawing/2010/main" xmlns="">
                 <a:solidFill>
                   <a:srgbClr val="FFFFFF"/>
                 </a:solidFill>
               </a14:hiddenFill>
             </a:ext>
             <a:ext uri="{91240B29-F687-4f45-9708-019B960494DF}">
-              <a14:hiddenLine xmlns="" xmlns:a14="http://schemas.microsoft.com/office/drawing/2010/main" w="9525">
+              <a14:hiddenLine xmlns:a14="http://schemas.microsoft.com/office/drawing/2010/main" xmlns="" w="9525">
                 <a:solidFill>
                   <a:srgbClr val="000000"/>
                 </a:solidFill>
@@ -18534,7 +17893,7 @@
               </a14:hiddenLine>
             </a:ext>
             <a:ext uri="{FAA26D3D-D897-4be2-8F04-BA451C77F1D7}">
-              <ma14:placeholderFlag xmlns="" xmlns:ma14="http://schemas.microsoft.com/office/mac/drawingml/2011/main" val="1"/>
+              <ma14:placeholderFlag xmlns:ma14="http://schemas.microsoft.com/office/mac/drawingml/2011/main" xmlns="" val="1"/>
             </a:ext>
           </a:extLst>
         </p:spPr>
@@ -18719,10 +18078,9 @@
               <a:buNone/>
             </a:pPr>
             <a:r>
-              <a:rPr lang="en-CA" sz="2000" kern="0" dirty="0" smtClean="0"/>
+              <a:rPr lang="en-CA" sz="2000" kern="0" dirty="0"/>
               <a:t>1.6LoWPAN</a:t>
             </a:r>
-            <a:endParaRPr lang="en-CA" sz="2000" kern="0" dirty="0"/>
           </a:p>
         </p:txBody>
       </p:sp>
@@ -18825,20 +18183,16 @@
           <a:lstStyle/>
           <a:p>
             <a:r>
-              <a:rPr lang="en-US" altLang="zh-CN" sz="1200" dirty="0" smtClean="0"/>
+              <a:rPr lang="en-US" altLang="zh-CN" sz="1200" dirty="0"/>
               <a:t>Figure 5 </a:t>
             </a:r>
             <a:r>
-              <a:rPr lang="en-CA" altLang="zh-CN" sz="1200" dirty="0" smtClean="0"/>
+              <a:rPr lang="en-CA" altLang="zh-CN" sz="1200" dirty="0"/>
               <a:t>[5]</a:t>
             </a:r>
             <a:r>
-              <a:rPr lang="en-US" altLang="zh-CN" sz="1200" dirty="0" smtClean="0"/>
-              <a:t>: </a:t>
-            </a:r>
-            <a:r>
-              <a:rPr lang="en-US" altLang="zh-CN" sz="1200" dirty="0" smtClean="0"/>
-              <a:t> </a:t>
+              <a:rPr lang="en-US" altLang="zh-CN" sz="1200" dirty="0"/>
+              <a:t>:  </a:t>
             </a:r>
             <a:r>
               <a:rPr lang="en-CA" altLang="zh-CN" sz="1200" dirty="0"/>
@@ -18870,14 +18224,14 @@
           </a:ln>
           <a:extLst>
             <a:ext uri="{909E8E84-426E-40dd-AFC4-6F175D3DCCD1}">
-              <a14:hiddenFill xmlns="" xmlns:a14="http://schemas.microsoft.com/office/drawing/2010/main">
+              <a14:hiddenFill xmlns:a14="http://schemas.microsoft.com/office/drawing/2010/main" xmlns="">
                 <a:solidFill>
                   <a:srgbClr val="FFFFFF"/>
                 </a:solidFill>
               </a14:hiddenFill>
             </a:ext>
             <a:ext uri="{91240B29-F687-4f45-9708-019B960494DF}">
-              <a14:hiddenLine xmlns="" xmlns:a14="http://schemas.microsoft.com/office/drawing/2010/main" w="9525">
+              <a14:hiddenLine xmlns:a14="http://schemas.microsoft.com/office/drawing/2010/main" xmlns="" w="9525">
                 <a:solidFill>
                   <a:srgbClr val="000000"/>
                 </a:solidFill>
@@ -18887,7 +18241,7 @@
               </a14:hiddenLine>
             </a:ext>
             <a:ext uri="{FAA26D3D-D897-4be2-8F04-BA451C77F1D7}">
-              <ma14:placeholderFlag xmlns="" xmlns:ma14="http://schemas.microsoft.com/office/mac/drawingml/2011/main" val="1"/>
+              <ma14:placeholderFlag xmlns:ma14="http://schemas.microsoft.com/office/mac/drawingml/2011/main" xmlns="" val="1"/>
             </a:ext>
           </a:extLst>
         </p:spPr>
@@ -19073,13 +18427,8 @@
             </a:pPr>
             <a:r>
               <a:rPr lang="en-CA" sz="2000" kern="0" dirty="0"/>
-              <a:t>1</a:t>
-            </a:r>
-            <a:r>
-              <a:rPr lang="en-CA" sz="2000" kern="0" dirty="0" smtClean="0"/>
-              <a:t>.6LoWPAN detail</a:t>
-            </a:r>
-            <a:endParaRPr lang="en-CA" sz="2000" kern="0" dirty="0"/>
+              <a:t>1.6LoWPAN detail</a:t>
+            </a:r>
           </a:p>
         </p:txBody>
       </p:sp>

--- a/ThesisPresentationV1.pptx
+++ b/ThesisPresentationV1.pptx
@@ -5,10 +5,10 @@
     <p:sldMasterId id="2147483648" r:id="rId1"/>
   </p:sldMasterIdLst>
   <p:notesMasterIdLst>
-    <p:notesMasterId r:id="rId24"/>
+    <p:notesMasterId r:id="rId22"/>
   </p:notesMasterIdLst>
   <p:handoutMasterIdLst>
-    <p:handoutMasterId r:id="rId25"/>
+    <p:handoutMasterId r:id="rId23"/>
   </p:handoutMasterIdLst>
   <p:sldIdLst>
     <p:sldId id="261" r:id="rId2"/>
@@ -19,20 +19,18 @@
     <p:sldId id="267" r:id="rId7"/>
     <p:sldId id="265" r:id="rId8"/>
     <p:sldId id="268" r:id="rId9"/>
-    <p:sldId id="270" r:id="rId10"/>
-    <p:sldId id="271" r:id="rId11"/>
-    <p:sldId id="272" r:id="rId12"/>
-    <p:sldId id="273" r:id="rId13"/>
-    <p:sldId id="274" r:id="rId14"/>
-    <p:sldId id="275" r:id="rId15"/>
-    <p:sldId id="284" r:id="rId16"/>
-    <p:sldId id="276" r:id="rId17"/>
-    <p:sldId id="278" r:id="rId18"/>
-    <p:sldId id="280" r:id="rId19"/>
-    <p:sldId id="279" r:id="rId20"/>
-    <p:sldId id="281" r:id="rId21"/>
-    <p:sldId id="269" r:id="rId22"/>
-    <p:sldId id="283" r:id="rId23"/>
+    <p:sldId id="271" r:id="rId10"/>
+    <p:sldId id="272" r:id="rId11"/>
+    <p:sldId id="273" r:id="rId12"/>
+    <p:sldId id="274" r:id="rId13"/>
+    <p:sldId id="275" r:id="rId14"/>
+    <p:sldId id="276" r:id="rId15"/>
+    <p:sldId id="278" r:id="rId16"/>
+    <p:sldId id="280" r:id="rId17"/>
+    <p:sldId id="279" r:id="rId18"/>
+    <p:sldId id="281" r:id="rId19"/>
+    <p:sldId id="269" r:id="rId20"/>
+    <p:sldId id="283" r:id="rId21"/>
   </p:sldIdLst>
   <p:sldSz cx="9144000" cy="6858000" type="screen4x3"/>
   <p:notesSz cx="6761163" cy="9942513"/>
@@ -1424,14 +1422,14 @@
           </a:ln>
           <a:extLst>
             <a:ext uri="{909E8E84-426E-40dd-AFC4-6F175D3DCCD1}">
-              <a14:hiddenFill xmlns:a14="http://schemas.microsoft.com/office/drawing/2010/main" xmlns="">
+              <a14:hiddenFill xmlns="" xmlns:a14="http://schemas.microsoft.com/office/drawing/2010/main">
                 <a:solidFill>
                   <a:srgbClr val="FFFFFF"/>
                 </a:solidFill>
               </a14:hiddenFill>
             </a:ext>
             <a:ext uri="{FAA26D3D-D897-4be2-8F04-BA451C77F1D7}">
-              <ma14:placeholderFlag xmlns:ma14="http://schemas.microsoft.com/office/mac/drawingml/2011/main" xmlns="" val="1"/>
+              <ma14:placeholderFlag xmlns="" xmlns:ma14="http://schemas.microsoft.com/office/mac/drawingml/2011/main" val="1"/>
             </a:ext>
           </a:extLst>
         </p:spPr>
@@ -1769,14 +1767,14 @@
           <a:ln/>
           <a:extLst>
             <a:ext uri="{909E8E84-426E-40dd-AFC4-6F175D3DCCD1}">
-              <a14:hiddenFill xmlns:a14="http://schemas.microsoft.com/office/drawing/2010/main" xmlns="">
+              <a14:hiddenFill xmlns="" xmlns:a14="http://schemas.microsoft.com/office/drawing/2010/main">
                 <a:solidFill>
                   <a:srgbClr val="FFFFFF"/>
                 </a:solidFill>
               </a14:hiddenFill>
             </a:ext>
             <a:ext uri="{91240B29-F687-4f45-9708-019B960494DF}">
-              <a14:hiddenLine xmlns:a14="http://schemas.microsoft.com/office/drawing/2010/main" xmlns="" w="9525">
+              <a14:hiddenLine xmlns="" xmlns:a14="http://schemas.microsoft.com/office/drawing/2010/main" w="9525">
                 <a:solidFill>
                   <a:srgbClr val="000000"/>
                 </a:solidFill>
@@ -1936,14 +1934,14 @@
           <a:ln/>
           <a:extLst>
             <a:ext uri="{909E8E84-426E-40dd-AFC4-6F175D3DCCD1}">
-              <a14:hiddenFill xmlns:a14="http://schemas.microsoft.com/office/drawing/2010/main" xmlns="">
+              <a14:hiddenFill xmlns="" xmlns:a14="http://schemas.microsoft.com/office/drawing/2010/main">
                 <a:solidFill>
                   <a:srgbClr val="FFFFFF"/>
                 </a:solidFill>
               </a14:hiddenFill>
             </a:ext>
             <a:ext uri="{91240B29-F687-4f45-9708-019B960494DF}">
-              <a14:hiddenLine xmlns:a14="http://schemas.microsoft.com/office/drawing/2010/main" xmlns="" w="9525">
+              <a14:hiddenLine xmlns="" xmlns:a14="http://schemas.microsoft.com/office/drawing/2010/main" w="9525">
                 <a:solidFill>
                   <a:srgbClr val="000000"/>
                 </a:solidFill>
@@ -1953,7 +1951,7 @@
               </a14:hiddenLine>
             </a:ext>
             <a:ext uri="{FAA26D3D-D897-4be2-8F04-BA451C77F1D7}">
-              <ma14:placeholderFlag xmlns:ma14="http://schemas.microsoft.com/office/mac/drawingml/2011/main" xmlns="" val="1"/>
+              <ma14:placeholderFlag xmlns="" xmlns:ma14="http://schemas.microsoft.com/office/mac/drawingml/2011/main" val="1"/>
             </a:ext>
           </a:extLst>
         </p:spPr>
@@ -2024,13 +2022,8 @@
           <a:p>
             <a:r>
               <a:rPr lang="en-CA" dirty="0"/>
-              <a:t>Aims</a:t>
-            </a:r>
-            <a:r>
-              <a:rPr lang="en-CA" baseline="0" dirty="0"/>
-              <a:t> to make the CoAP been able to server one or more applications.</a:t>
-            </a:r>
-            <a:endParaRPr lang="en-CA" dirty="0"/>
+              <a:t>Architecture of CoAPNonIP </a:t>
+            </a:r>
           </a:p>
         </p:txBody>
       </p:sp>
@@ -2061,7 +2054,7 @@
     </p:spTree>
     <p:extLst>
       <p:ext uri="{BB962C8B-B14F-4D97-AF65-F5344CB8AC3E}">
-        <p14:creationId xmlns:p14="http://schemas.microsoft.com/office/powerpoint/2010/main" val="4084966679"/>
+        <p14:creationId xmlns:p14="http://schemas.microsoft.com/office/powerpoint/2010/main" val="756541702"/>
       </p:ext>
     </p:extLst>
   </p:cSld>
@@ -2117,8 +2110,45 @@
           <a:p>
             <a:r>
               <a:rPr lang="en-CA" dirty="0"/>
-              <a:t>Architecture of CoAPNonIP </a:t>
-            </a:r>
+              <a:t>20</a:t>
+            </a:r>
+            <a:r>
+              <a:rPr lang="en-CA" baseline="0" dirty="0"/>
+              <a:t> bytes available.</a:t>
+            </a:r>
+          </a:p>
+          <a:p>
+            <a:endParaRPr lang="en-CA" baseline="0" dirty="0"/>
+          </a:p>
+          <a:p>
+            <a:r>
+              <a:rPr lang="en-CA" baseline="0" dirty="0"/>
+              <a:t>4 bytes header: 2+14+16=32 bits</a:t>
+            </a:r>
+          </a:p>
+          <a:p>
+            <a:r>
+              <a:rPr lang="en-CA" baseline="0" dirty="0"/>
+              <a:t>Payload: 16 bytes</a:t>
+            </a:r>
+          </a:p>
+          <a:p>
+            <a:r>
+              <a:rPr lang="en-CA" baseline="0" dirty="0"/>
+              <a:t>CoAP header: 4 bytes and 1 byte indicate payload. 1024 bytes for payload maximum</a:t>
+            </a:r>
+          </a:p>
+          <a:p>
+            <a:endParaRPr lang="en-CA" baseline="0" dirty="0"/>
+          </a:p>
+          <a:p>
+            <a:r>
+              <a:rPr lang="en-CA" baseline="0" dirty="0"/>
+              <a:t>For first BLE packet we have 20-4-5=11 bytes to carry payload.</a:t>
+            </a:r>
+          </a:p>
+          <a:p>
+            <a:endParaRPr lang="en-CA" baseline="0" dirty="0"/>
           </a:p>
         </p:txBody>
       </p:sp>
@@ -2149,7 +2179,7 @@
     </p:spTree>
     <p:extLst>
       <p:ext uri="{BB962C8B-B14F-4D97-AF65-F5344CB8AC3E}">
-        <p14:creationId xmlns:p14="http://schemas.microsoft.com/office/powerpoint/2010/main" val="756541702"/>
+        <p14:creationId xmlns:p14="http://schemas.microsoft.com/office/powerpoint/2010/main" val="727259346"/>
       </p:ext>
     </p:extLst>
   </p:cSld>
@@ -2205,45 +2235,19 @@
           <a:p>
             <a:r>
               <a:rPr lang="en-CA" dirty="0"/>
-              <a:t>20</a:t>
+              <a:t>Who</a:t>
             </a:r>
             <a:r>
               <a:rPr lang="en-CA" baseline="0" dirty="0"/>
-              <a:t> bytes available.</a:t>
-            </a:r>
-          </a:p>
-          <a:p>
-            <a:endParaRPr lang="en-CA" baseline="0" dirty="0"/>
+              <a:t> searching nodes to connect with is Client.</a:t>
+            </a:r>
           </a:p>
           <a:p>
             <a:r>
               <a:rPr lang="en-CA" baseline="0" dirty="0"/>
-              <a:t>4 bytes header: 2+14+16=32 bits</a:t>
-            </a:r>
-          </a:p>
-          <a:p>
-            <a:r>
-              <a:rPr lang="en-CA" baseline="0" dirty="0"/>
-              <a:t>Payload: 16 bytes</a:t>
-            </a:r>
-          </a:p>
-          <a:p>
-            <a:r>
-              <a:rPr lang="en-CA" baseline="0" dirty="0"/>
-              <a:t>CoAP header: 4 bytes and 1 byte indicate payload. 1024 bytes for payload maximum</a:t>
-            </a:r>
-          </a:p>
-          <a:p>
-            <a:endParaRPr lang="en-CA" baseline="0" dirty="0"/>
-          </a:p>
-          <a:p>
-            <a:r>
-              <a:rPr lang="en-CA" baseline="0" dirty="0"/>
-              <a:t>For first BLE packet we have 20-4-5=11 bytes to carry payload.</a:t>
-            </a:r>
-          </a:p>
-          <a:p>
-            <a:endParaRPr lang="en-CA" baseline="0" dirty="0"/>
+              <a:t>Who waiting connection is Server.</a:t>
+            </a:r>
+            <a:endParaRPr lang="en-CA" dirty="0"/>
           </a:p>
         </p:txBody>
       </p:sp>
@@ -2274,7 +2278,7 @@
     </p:spTree>
     <p:extLst>
       <p:ext uri="{BB962C8B-B14F-4D97-AF65-F5344CB8AC3E}">
-        <p14:creationId xmlns:p14="http://schemas.microsoft.com/office/powerpoint/2010/main" val="727259346"/>
+        <p14:creationId xmlns:p14="http://schemas.microsoft.com/office/powerpoint/2010/main" val="2989889379"/>
       </p:ext>
     </p:extLst>
   </p:cSld>
@@ -2329,18 +2333,12 @@
           <a:lstStyle/>
           <a:p>
             <a:r>
-              <a:rPr lang="en-CA" dirty="0"/>
-              <a:t>Who</a:t>
-            </a:r>
-            <a:r>
-              <a:rPr lang="en-CA" baseline="0" dirty="0"/>
-              <a:t> searching nodes to connect with is Client.</a:t>
-            </a:r>
-          </a:p>
-          <a:p>
-            <a:r>
-              <a:rPr lang="en-CA" baseline="0" dirty="0"/>
-              <a:t>Who waiting connection is Server.</a:t>
+              <a:rPr lang="en-CA" sz="1200" dirty="0"/>
+              <a:t>Two</a:t>
+            </a:r>
+            <a:r>
+              <a:rPr lang="en-CA" sz="1200" baseline="0" dirty="0"/>
+              <a:t> tablets</a:t>
             </a:r>
             <a:endParaRPr lang="en-CA" dirty="0"/>
           </a:p>
@@ -2373,7 +2371,7 @@
     </p:spTree>
     <p:extLst>
       <p:ext uri="{BB962C8B-B14F-4D97-AF65-F5344CB8AC3E}">
-        <p14:creationId xmlns:p14="http://schemas.microsoft.com/office/powerpoint/2010/main" val="2989889379"/>
+        <p14:creationId xmlns:p14="http://schemas.microsoft.com/office/powerpoint/2010/main" val="2187107037"/>
       </p:ext>
     </p:extLst>
   </p:cSld>
@@ -2428,19 +2426,42 @@
           <a:lstStyle/>
           <a:p>
             <a:r>
-              <a:rPr lang="en-CA" dirty="0"/>
-              <a:t>Who</a:t>
-            </a:r>
-            <a:r>
-              <a:rPr lang="en-CA" baseline="0" dirty="0"/>
-              <a:t> searching nodes to connect with is Client.</a:t>
-            </a:r>
-          </a:p>
-          <a:p>
-            <a:r>
-              <a:rPr lang="en-CA" baseline="0" dirty="0"/>
-              <a:t>Who waiting connection is Server.</a:t>
-            </a:r>
+              <a:rPr lang="en-CA" sz="1200" dirty="0"/>
+              <a:t>1.Start sample program scan and create connection between two devices.</a:t>
+            </a:r>
+          </a:p>
+          <a:p>
+            <a:r>
+              <a:rPr lang="en-CA" sz="1200" b="1" dirty="0">
+                <a:solidFill>
+                  <a:srgbClr val="FF0000"/>
+                </a:solidFill>
+              </a:rPr>
+              <a:t>2.Send CoAP message with payload 4 (1 packet), 12 (2 packets),28 (3 packets), 44 (4 packets), 60(5 packets), 76 (6 packets) and 92(7 packets) 100 times respectively (0 interval time).</a:t>
+            </a:r>
+          </a:p>
+          <a:p>
+            <a:r>
+              <a:rPr lang="en-CA" sz="1200" dirty="0"/>
+              <a:t>3.Record receive time when received response from connected device.</a:t>
+            </a:r>
+          </a:p>
+          <a:p>
+            <a:r>
+              <a:rPr lang="en-CA" sz="1200" dirty="0"/>
+              <a:t>4.Calculate transfer time according to time gap between message been received.</a:t>
+            </a:r>
+          </a:p>
+          <a:p>
+            <a:pPr marL="0" indent="0">
+              <a:buNone/>
+            </a:pPr>
+            <a:r>
+              <a:rPr lang="en-CA" sz="1200" dirty="0"/>
+              <a:t> </a:t>
+            </a:r>
+          </a:p>
+          <a:p>
             <a:endParaRPr lang="en-CA" dirty="0"/>
           </a:p>
         </p:txBody>
@@ -2472,7 +2493,7 @@
     </p:spTree>
     <p:extLst>
       <p:ext uri="{BB962C8B-B14F-4D97-AF65-F5344CB8AC3E}">
-        <p14:creationId xmlns:p14="http://schemas.microsoft.com/office/powerpoint/2010/main" val="2083797243"/>
+        <p14:creationId xmlns:p14="http://schemas.microsoft.com/office/powerpoint/2010/main" val="1317554021"/>
       </p:ext>
     </p:extLst>
   </p:cSld>
@@ -2526,15 +2547,170 @@
           <a:bodyPr/>
           <a:lstStyle/>
           <a:p>
+            <a:pPr lvl="0"/>
+            <a:endParaRPr lang="en-CA" sz="1200" dirty="0"/>
+          </a:p>
+          <a:p>
+            <a:pPr lvl="0"/>
             <a:r>
               <a:rPr lang="en-CA" sz="1200" dirty="0"/>
-              <a:t>Two</a:t>
+              <a:t>Connection</a:t>
             </a:r>
             <a:r>
               <a:rPr lang="en-CA" sz="1200" baseline="0" dirty="0"/>
-              <a:t> tablets</a:t>
-            </a:r>
-            <a:endParaRPr lang="en-CA" dirty="0"/>
+              <a:t> interval,</a:t>
+            </a:r>
+          </a:p>
+          <a:p>
+            <a:pPr lvl="0"/>
+            <a:r>
+              <a:rPr lang="en-CA" sz="1200" baseline="0" dirty="0"/>
+              <a:t>BLE</a:t>
+            </a:r>
+            <a:endParaRPr lang="en-CA" sz="1200" dirty="0"/>
+          </a:p>
+          <a:p>
+            <a:pPr lvl="0"/>
+            <a:endParaRPr lang="en-CA" sz="1200" dirty="0"/>
+          </a:p>
+          <a:p>
+            <a:pPr lvl="0"/>
+            <a:endParaRPr lang="en-CA" sz="1200" dirty="0"/>
+          </a:p>
+          <a:p>
+            <a:pPr lvl="0"/>
+            <a:r>
+              <a:rPr lang="en-CA" sz="1200" dirty="0"/>
+              <a:t>Start sample program scan and create connection between two devices.</a:t>
+            </a:r>
+          </a:p>
+          <a:p>
+            <a:pPr marL="0" marR="0" lvl="0" indent="0" algn="l" defTabSz="914400" rtl="0" eaLnBrk="0" fontAlgn="base" latinLnBrk="0" hangingPunct="0">
+              <a:lnSpc>
+                <a:spcPct val="100000"/>
+              </a:lnSpc>
+              <a:spcBef>
+                <a:spcPct val="30000"/>
+              </a:spcBef>
+              <a:spcAft>
+                <a:spcPct val="0"/>
+              </a:spcAft>
+              <a:buClrTx/>
+              <a:buSzTx/>
+              <a:buFontTx/>
+              <a:buNone/>
+              <a:tabLst/>
+              <a:defRPr/>
+            </a:pPr>
+            <a:r>
+              <a:rPr lang="en-CA" sz="1200" dirty="0"/>
+              <a:t>Record received time at sender side</a:t>
+            </a:r>
+          </a:p>
+          <a:p>
+            <a:pPr marL="0" marR="0" lvl="0" indent="0" algn="l" defTabSz="914400" rtl="0" eaLnBrk="0" fontAlgn="base" latinLnBrk="0" hangingPunct="0">
+              <a:lnSpc>
+                <a:spcPct val="100000"/>
+              </a:lnSpc>
+              <a:spcBef>
+                <a:spcPct val="30000"/>
+              </a:spcBef>
+              <a:spcAft>
+                <a:spcPct val="0"/>
+              </a:spcAft>
+              <a:buClrTx/>
+              <a:buSzTx/>
+              <a:buFontTx/>
+              <a:buNone/>
+              <a:tabLst/>
+              <a:defRPr/>
+            </a:pPr>
+            <a:endParaRPr lang="en-CA" sz="1200" dirty="0"/>
+          </a:p>
+          <a:p>
+            <a:pPr marL="0" marR="0" lvl="0" indent="0" algn="l" defTabSz="914400" rtl="0" eaLnBrk="0" fontAlgn="base" latinLnBrk="0" hangingPunct="0">
+              <a:lnSpc>
+                <a:spcPct val="100000"/>
+              </a:lnSpc>
+              <a:spcBef>
+                <a:spcPct val="30000"/>
+              </a:spcBef>
+              <a:spcAft>
+                <a:spcPct val="0"/>
+              </a:spcAft>
+              <a:buClrTx/>
+              <a:buSzTx/>
+              <a:buFontTx/>
+              <a:buNone/>
+              <a:tabLst/>
+              <a:defRPr/>
+            </a:pPr>
+            <a:r>
+              <a:rPr lang="en-CA" sz="1200" b="1" dirty="0"/>
+              <a:t>Send 4-bytesheader 100 times to remote device with 0,50,100,150,200,250,300,350,400,450ms interval respectively.</a:t>
+            </a:r>
+          </a:p>
+          <a:p>
+            <a:pPr marL="0" marR="0" lvl="0" indent="0" algn="l" defTabSz="914400" rtl="0" eaLnBrk="0" fontAlgn="base" latinLnBrk="0" hangingPunct="0">
+              <a:lnSpc>
+                <a:spcPct val="100000"/>
+              </a:lnSpc>
+              <a:spcBef>
+                <a:spcPct val="30000"/>
+              </a:spcBef>
+              <a:spcAft>
+                <a:spcPct val="0"/>
+              </a:spcAft>
+              <a:buClrTx/>
+              <a:buSzTx/>
+              <a:buFontTx/>
+              <a:buNone/>
+              <a:tabLst/>
+              <a:defRPr/>
+            </a:pPr>
+            <a:endParaRPr lang="en-CA" sz="1200" b="1" dirty="0"/>
+          </a:p>
+          <a:p>
+            <a:pPr marL="0" marR="0" lvl="0" indent="0" algn="l" defTabSz="914400" rtl="0" eaLnBrk="0" fontAlgn="base" latinLnBrk="0" hangingPunct="0">
+              <a:lnSpc>
+                <a:spcPct val="100000"/>
+              </a:lnSpc>
+              <a:spcBef>
+                <a:spcPct val="30000"/>
+              </a:spcBef>
+              <a:spcAft>
+                <a:spcPct val="0"/>
+              </a:spcAft>
+              <a:buClrTx/>
+              <a:buSzTx/>
+              <a:buFontTx/>
+              <a:buNone/>
+              <a:tabLst/>
+              <a:defRPr/>
+            </a:pPr>
+            <a:r>
+              <a:rPr lang="en-CA" sz="1200" b="1" dirty="0"/>
+              <a:t>(because of</a:t>
+            </a:r>
+            <a:r>
+              <a:rPr lang="en-CA" sz="1200" b="1" baseline="0" dirty="0"/>
+              <a:t> data send queue, the first 3 lines are at 100ms</a:t>
+            </a:r>
+            <a:r>
+              <a:rPr lang="en-CA" sz="1200" b="1" dirty="0"/>
+              <a:t>)</a:t>
+            </a:r>
+          </a:p>
+          <a:p>
+            <a:pPr lvl="0"/>
+            <a:endParaRPr lang="en-CA" sz="1200" dirty="0"/>
+          </a:p>
+          <a:p>
+            <a:pPr lvl="0"/>
+            <a:r>
+              <a:rPr lang="en-CA" sz="1200" dirty="0"/>
+              <a:t>Calculate transfer time according to time gap between message been received</a:t>
+            </a:r>
           </a:p>
         </p:txBody>
       </p:sp>
@@ -2565,7 +2741,7 @@
     </p:spTree>
     <p:extLst>
       <p:ext uri="{BB962C8B-B14F-4D97-AF65-F5344CB8AC3E}">
-        <p14:creationId xmlns:p14="http://schemas.microsoft.com/office/powerpoint/2010/main" val="2187107037"/>
+        <p14:creationId xmlns:p14="http://schemas.microsoft.com/office/powerpoint/2010/main" val="413046538"/>
       </p:ext>
     </p:extLst>
   </p:cSld>
@@ -2620,42 +2796,26 @@
           <a:lstStyle/>
           <a:p>
             <a:r>
-              <a:rPr lang="en-CA" sz="1200" dirty="0"/>
-              <a:t>1.Start sample program scan and create connection between two devices.</a:t>
-            </a:r>
-          </a:p>
-          <a:p>
-            <a:r>
-              <a:rPr lang="en-CA" sz="1200" b="1" dirty="0">
-                <a:solidFill>
-                  <a:srgbClr val="FF0000"/>
-                </a:solidFill>
-              </a:rPr>
-              <a:t>2.Send CoAP message with payload 4 (1 packet), 12 (2 packets),28 (3 packets), 44 (4 packets), 60(5 packets), 76 (6 packets) and 92(7 packets) 100 times respectively (0 interval time).</a:t>
-            </a:r>
-          </a:p>
-          <a:p>
-            <a:r>
-              <a:rPr lang="en-CA" sz="1200" dirty="0"/>
-              <a:t>3.Record receive time when received response from connected device.</a:t>
-            </a:r>
-          </a:p>
-          <a:p>
-            <a:r>
-              <a:rPr lang="en-CA" sz="1200" dirty="0"/>
-              <a:t>4.Calculate transfer time according to time gap between message been received.</a:t>
-            </a:r>
-          </a:p>
-          <a:p>
-            <a:pPr marL="0" indent="0">
-              <a:buNone/>
-            </a:pPr>
-            <a:r>
-              <a:rPr lang="en-CA" sz="1200" dirty="0"/>
-              <a:t> </a:t>
-            </a:r>
-          </a:p>
-          <a:p>
+              <a:rPr lang="en-CA" dirty="0"/>
+              <a:t>Send 4</a:t>
+            </a:r>
+            <a:r>
+              <a:rPr lang="en-CA" baseline="0" dirty="0"/>
+              <a:t> bytes header CoAP message and receive callback from remote device(100 times to calculate average) with different distance.</a:t>
+            </a:r>
+          </a:p>
+          <a:p>
+            <a:endParaRPr lang="en-CA" baseline="0" dirty="0"/>
+          </a:p>
+          <a:p>
+            <a:r>
+              <a:rPr lang="en-CA" dirty="0"/>
+              <a:t>dotted line</a:t>
+            </a:r>
+            <a:r>
+              <a:rPr lang="en-CA" baseline="0" dirty="0"/>
+              <a:t> is tread.</a:t>
+            </a:r>
             <a:endParaRPr lang="en-CA" dirty="0"/>
           </a:p>
         </p:txBody>
@@ -2687,7 +2847,7 @@
     </p:spTree>
     <p:extLst>
       <p:ext uri="{BB962C8B-B14F-4D97-AF65-F5344CB8AC3E}">
-        <p14:creationId xmlns:p14="http://schemas.microsoft.com/office/powerpoint/2010/main" val="1317554021"/>
+        <p14:creationId xmlns:p14="http://schemas.microsoft.com/office/powerpoint/2010/main" val="2627955580"/>
       </p:ext>
     </p:extLst>
   </p:cSld>
@@ -2741,170 +2901,7 @@
           <a:bodyPr/>
           <a:lstStyle/>
           <a:p>
-            <a:pPr lvl="0"/>
-            <a:endParaRPr lang="en-CA" sz="1200" dirty="0"/>
-          </a:p>
-          <a:p>
-            <a:pPr lvl="0"/>
-            <a:r>
-              <a:rPr lang="en-CA" sz="1200" dirty="0"/>
-              <a:t>Connection</a:t>
-            </a:r>
-            <a:r>
-              <a:rPr lang="en-CA" sz="1200" baseline="0" dirty="0"/>
-              <a:t> interval,</a:t>
-            </a:r>
-          </a:p>
-          <a:p>
-            <a:pPr lvl="0"/>
-            <a:r>
-              <a:rPr lang="en-CA" sz="1200" baseline="0" dirty="0"/>
-              <a:t>BLE</a:t>
-            </a:r>
-            <a:endParaRPr lang="en-CA" sz="1200" dirty="0"/>
-          </a:p>
-          <a:p>
-            <a:pPr lvl="0"/>
-            <a:endParaRPr lang="en-CA" sz="1200" dirty="0"/>
-          </a:p>
-          <a:p>
-            <a:pPr lvl="0"/>
-            <a:endParaRPr lang="en-CA" sz="1200" dirty="0"/>
-          </a:p>
-          <a:p>
-            <a:pPr lvl="0"/>
-            <a:r>
-              <a:rPr lang="en-CA" sz="1200" dirty="0"/>
-              <a:t>Start sample program scan and create connection between two devices.</a:t>
-            </a:r>
-          </a:p>
-          <a:p>
-            <a:pPr marL="0" marR="0" lvl="0" indent="0" algn="l" defTabSz="914400" rtl="0" eaLnBrk="0" fontAlgn="base" latinLnBrk="0" hangingPunct="0">
-              <a:lnSpc>
-                <a:spcPct val="100000"/>
-              </a:lnSpc>
-              <a:spcBef>
-                <a:spcPct val="30000"/>
-              </a:spcBef>
-              <a:spcAft>
-                <a:spcPct val="0"/>
-              </a:spcAft>
-              <a:buClrTx/>
-              <a:buSzTx/>
-              <a:buFontTx/>
-              <a:buNone/>
-              <a:tabLst/>
-              <a:defRPr/>
-            </a:pPr>
-            <a:r>
-              <a:rPr lang="en-CA" sz="1200" dirty="0"/>
-              <a:t>Record received time at sender side</a:t>
-            </a:r>
-          </a:p>
-          <a:p>
-            <a:pPr marL="0" marR="0" lvl="0" indent="0" algn="l" defTabSz="914400" rtl="0" eaLnBrk="0" fontAlgn="base" latinLnBrk="0" hangingPunct="0">
-              <a:lnSpc>
-                <a:spcPct val="100000"/>
-              </a:lnSpc>
-              <a:spcBef>
-                <a:spcPct val="30000"/>
-              </a:spcBef>
-              <a:spcAft>
-                <a:spcPct val="0"/>
-              </a:spcAft>
-              <a:buClrTx/>
-              <a:buSzTx/>
-              <a:buFontTx/>
-              <a:buNone/>
-              <a:tabLst/>
-              <a:defRPr/>
-            </a:pPr>
-            <a:endParaRPr lang="en-CA" sz="1200" dirty="0"/>
-          </a:p>
-          <a:p>
-            <a:pPr marL="0" marR="0" lvl="0" indent="0" algn="l" defTabSz="914400" rtl="0" eaLnBrk="0" fontAlgn="base" latinLnBrk="0" hangingPunct="0">
-              <a:lnSpc>
-                <a:spcPct val="100000"/>
-              </a:lnSpc>
-              <a:spcBef>
-                <a:spcPct val="30000"/>
-              </a:spcBef>
-              <a:spcAft>
-                <a:spcPct val="0"/>
-              </a:spcAft>
-              <a:buClrTx/>
-              <a:buSzTx/>
-              <a:buFontTx/>
-              <a:buNone/>
-              <a:tabLst/>
-              <a:defRPr/>
-            </a:pPr>
-            <a:r>
-              <a:rPr lang="en-CA" sz="1200" b="1" dirty="0"/>
-              <a:t>Send 4-bytesheader 100 times to remote device with 0,50,100,150,200,250,300,350,400,450ms interval respectively.</a:t>
-            </a:r>
-          </a:p>
-          <a:p>
-            <a:pPr marL="0" marR="0" lvl="0" indent="0" algn="l" defTabSz="914400" rtl="0" eaLnBrk="0" fontAlgn="base" latinLnBrk="0" hangingPunct="0">
-              <a:lnSpc>
-                <a:spcPct val="100000"/>
-              </a:lnSpc>
-              <a:spcBef>
-                <a:spcPct val="30000"/>
-              </a:spcBef>
-              <a:spcAft>
-                <a:spcPct val="0"/>
-              </a:spcAft>
-              <a:buClrTx/>
-              <a:buSzTx/>
-              <a:buFontTx/>
-              <a:buNone/>
-              <a:tabLst/>
-              <a:defRPr/>
-            </a:pPr>
-            <a:endParaRPr lang="en-CA" sz="1200" b="1" dirty="0"/>
-          </a:p>
-          <a:p>
-            <a:pPr marL="0" marR="0" lvl="0" indent="0" algn="l" defTabSz="914400" rtl="0" eaLnBrk="0" fontAlgn="base" latinLnBrk="0" hangingPunct="0">
-              <a:lnSpc>
-                <a:spcPct val="100000"/>
-              </a:lnSpc>
-              <a:spcBef>
-                <a:spcPct val="30000"/>
-              </a:spcBef>
-              <a:spcAft>
-                <a:spcPct val="0"/>
-              </a:spcAft>
-              <a:buClrTx/>
-              <a:buSzTx/>
-              <a:buFontTx/>
-              <a:buNone/>
-              <a:tabLst/>
-              <a:defRPr/>
-            </a:pPr>
-            <a:r>
-              <a:rPr lang="en-CA" sz="1200" b="1" dirty="0"/>
-              <a:t>(because of</a:t>
-            </a:r>
-            <a:r>
-              <a:rPr lang="en-CA" sz="1200" b="1" baseline="0" dirty="0"/>
-              <a:t> data send queue, the first 3 lines are at 100ms</a:t>
-            </a:r>
-            <a:r>
-              <a:rPr lang="en-CA" sz="1200" b="1" dirty="0"/>
-              <a:t>)</a:t>
-            </a:r>
-          </a:p>
-          <a:p>
-            <a:pPr lvl="0"/>
-            <a:endParaRPr lang="en-CA" sz="1200" dirty="0"/>
-          </a:p>
-          <a:p>
-            <a:pPr lvl="0"/>
-            <a:r>
-              <a:rPr lang="en-CA" sz="1200" dirty="0"/>
-              <a:t>Calculate transfer time according to time gap between message been received</a:t>
-            </a:r>
+            <a:endParaRPr lang="en-CA" dirty="0"/>
           </a:p>
         </p:txBody>
       </p:sp>
@@ -2935,7 +2932,7 @@
     </p:spTree>
     <p:extLst>
       <p:ext uri="{BB962C8B-B14F-4D97-AF65-F5344CB8AC3E}">
-        <p14:creationId xmlns:p14="http://schemas.microsoft.com/office/powerpoint/2010/main" val="413046538"/>
+        <p14:creationId xmlns:p14="http://schemas.microsoft.com/office/powerpoint/2010/main" val="2679151374"/>
       </p:ext>
     </p:extLst>
   </p:cSld>
@@ -2989,28 +2986,31 @@
           <a:bodyPr/>
           <a:lstStyle/>
           <a:p>
-            <a:r>
-              <a:rPr lang="en-CA" dirty="0"/>
-              <a:t>Send 4</a:t>
-            </a:r>
-            <a:r>
-              <a:rPr lang="en-CA" baseline="0" dirty="0"/>
-              <a:t> bytes header CoAP message and receive callback from remote device(100 times to calculate average) with different distance.</a:t>
-            </a:r>
-          </a:p>
-          <a:p>
-            <a:endParaRPr lang="en-CA" baseline="0" dirty="0"/>
-          </a:p>
-          <a:p>
-            <a:r>
-              <a:rPr lang="en-CA" dirty="0"/>
-              <a:t>dotted line</a:t>
-            </a:r>
-            <a:r>
-              <a:rPr lang="en-CA" baseline="0" dirty="0"/>
-              <a:t> is tread.</a:t>
-            </a:r>
-            <a:endParaRPr lang="en-CA" dirty="0"/>
+            <a:pPr marL="0" marR="0" indent="0" algn="l" defTabSz="914400" rtl="0" eaLnBrk="0" fontAlgn="base" latinLnBrk="0" hangingPunct="0">
+              <a:lnSpc>
+                <a:spcPct val="100000"/>
+              </a:lnSpc>
+              <a:spcBef>
+                <a:spcPct val="30000"/>
+              </a:spcBef>
+              <a:spcAft>
+                <a:spcPct val="0"/>
+              </a:spcAft>
+              <a:buClrTx/>
+              <a:buSzTx/>
+              <a:buFontTx/>
+              <a:buNone/>
+              <a:tabLst/>
+              <a:defRPr/>
+            </a:pPr>
+            <a:endParaRPr lang="en-CA" sz="1200" b="0" i="0" kern="1200" dirty="0">
+              <a:solidFill>
+                <a:schemeClr val="tx1"/>
+              </a:solidFill>
+              <a:effectLst/>
+              <a:latin typeface="Times" pitchFamily="-108" charset="0"/>
+              <a:ea typeface="ＭＳ Ｐゴシック" pitchFamily="-108" charset="-128"/>
+            </a:endParaRPr>
           </a:p>
         </p:txBody>
       </p:sp>
@@ -3041,92 +3041,7 @@
     </p:spTree>
     <p:extLst>
       <p:ext uri="{BB962C8B-B14F-4D97-AF65-F5344CB8AC3E}">
-        <p14:creationId xmlns:p14="http://schemas.microsoft.com/office/powerpoint/2010/main" val="2627955580"/>
-      </p:ext>
-    </p:extLst>
-  </p:cSld>
-  <p:clrMapOvr>
-    <a:masterClrMapping/>
-  </p:clrMapOvr>
-</p:notes>
-</file>
-
-<file path=ppt/notesSlides/notesSlide19.xml><?xml version="1.0" encoding="utf-8"?>
-<p:notes xmlns:a="http://schemas.openxmlformats.org/drawingml/2006/main" xmlns:r="http://schemas.openxmlformats.org/officeDocument/2006/relationships" xmlns:p="http://schemas.openxmlformats.org/presentationml/2006/main">
-  <p:cSld>
-    <p:spTree>
-      <p:nvGrpSpPr>
-        <p:cNvPr id="1" name=""/>
-        <p:cNvGrpSpPr/>
-        <p:nvPr/>
-      </p:nvGrpSpPr>
-      <p:grpSpPr>
-        <a:xfrm>
-          <a:off x="0" y="0"/>
-          <a:ext cx="0" cy="0"/>
-          <a:chOff x="0" y="0"/>
-          <a:chExt cx="0" cy="0"/>
-        </a:xfrm>
-      </p:grpSpPr>
-      <p:sp>
-        <p:nvSpPr>
-          <p:cNvPr id="2" name="Slide Image Placeholder 1"/>
-          <p:cNvSpPr>
-            <a:spLocks noGrp="1" noRot="1" noChangeAspect="1"/>
-          </p:cNvSpPr>
-          <p:nvPr>
-            <p:ph type="sldImg"/>
-          </p:nvPr>
-        </p:nvSpPr>
-        <p:spPr/>
-      </p:sp>
-      <p:sp>
-        <p:nvSpPr>
-          <p:cNvPr id="3" name="Notes Placeholder 2"/>
-          <p:cNvSpPr>
-            <a:spLocks noGrp="1"/>
-          </p:cNvSpPr>
-          <p:nvPr>
-            <p:ph type="body" idx="1"/>
-          </p:nvPr>
-        </p:nvSpPr>
-        <p:spPr/>
-        <p:txBody>
-          <a:bodyPr/>
-          <a:lstStyle/>
-          <a:p>
-            <a:endParaRPr lang="en-CA" dirty="0"/>
-          </a:p>
-        </p:txBody>
-      </p:sp>
-      <p:sp>
-        <p:nvSpPr>
-          <p:cNvPr id="4" name="Slide Number Placeholder 3"/>
-          <p:cNvSpPr>
-            <a:spLocks noGrp="1"/>
-          </p:cNvSpPr>
-          <p:nvPr>
-            <p:ph type="sldNum" sz="quarter" idx="10"/>
-          </p:nvPr>
-        </p:nvSpPr>
-        <p:spPr/>
-        <p:txBody>
-          <a:bodyPr/>
-          <a:lstStyle/>
-          <a:p>
-            <a:fld id="{0508EDAF-2046-0C41-8DCB-CB2CB6C57C7A}" type="slidenum">
-              <a:rPr lang="en-US" smtClean="0"/>
-              <a:pPr/>
-              <a:t>20</a:t>
-            </a:fld>
-            <a:endParaRPr lang="en-US"/>
-          </a:p>
-        </p:txBody>
-      </p:sp>
-    </p:spTree>
-    <p:extLst>
-      <p:ext uri="{BB962C8B-B14F-4D97-AF65-F5344CB8AC3E}">
-        <p14:creationId xmlns:p14="http://schemas.microsoft.com/office/powerpoint/2010/main" val="2679151374"/>
+        <p14:creationId xmlns:p14="http://schemas.microsoft.com/office/powerpoint/2010/main" val="701144692"/>
       </p:ext>
     </p:extLst>
   </p:cSld>
@@ -3180,126 +3095,6 @@
           <a:bodyPr/>
           <a:lstStyle/>
           <a:p>
-            <a:pPr marL="0" marR="0" indent="0" algn="l" defTabSz="914400" rtl="0" eaLnBrk="0" fontAlgn="base" latinLnBrk="0" hangingPunct="0">
-              <a:lnSpc>
-                <a:spcPct val="100000"/>
-              </a:lnSpc>
-              <a:spcBef>
-                <a:spcPct val="30000"/>
-              </a:spcBef>
-              <a:spcAft>
-                <a:spcPct val="0"/>
-              </a:spcAft>
-              <a:buClrTx/>
-              <a:buSzTx/>
-              <a:buFontTx/>
-              <a:buNone/>
-              <a:tabLst/>
-              <a:defRPr/>
-            </a:pPr>
-            <a:r>
-              <a:rPr lang="en-CA" sz="1200" dirty="0"/>
-              <a:t>The Internet of Things allows objects to be sensed and controlled remotely across existing network infrastructure.</a:t>
-            </a:r>
-          </a:p>
-          <a:p>
-            <a:pPr marL="0" indent="0">
-              <a:buNone/>
-            </a:pPr>
-            <a:endParaRPr lang="en-CA" sz="1200" dirty="0"/>
-          </a:p>
-          <a:p>
-            <a:pPr marL="0" indent="0">
-              <a:buNone/>
-            </a:pPr>
-            <a:r>
-              <a:rPr lang="en-CA" sz="1200" dirty="0"/>
-              <a:t>According to Dr. John Barrett ’s presentation in TED[</a:t>
-            </a:r>
-            <a:r>
-              <a:rPr lang="en-CA" sz="1200" dirty="0">
-                <a:latin typeface="Times New Roman" panose="02020603050405020304" pitchFamily="18" charset="0"/>
-                <a:cs typeface="Times New Roman" panose="02020603050405020304" pitchFamily="18" charset="0"/>
-              </a:rPr>
-              <a:t>2012</a:t>
-            </a:r>
-            <a:r>
-              <a:rPr lang="en-CA" sz="1200" dirty="0"/>
-              <a:t>]. There are 4 things we need to do:</a:t>
-            </a:r>
-          </a:p>
-          <a:p>
-            <a:pPr marL="514350" indent="-514350">
-              <a:buAutoNum type="arabicPeriod"/>
-            </a:pPr>
-            <a:r>
-              <a:rPr lang="en-CA" sz="1200" dirty="0"/>
-              <a:t>Tagging an object.</a:t>
-            </a:r>
-          </a:p>
-          <a:p>
-            <a:pPr marL="514350" indent="-514350">
-              <a:buAutoNum type="arabicPeriod"/>
-            </a:pPr>
-            <a:r>
-              <a:rPr lang="en-CA" sz="1200" dirty="0"/>
-              <a:t>Grant objects communication ability.</a:t>
-            </a:r>
-          </a:p>
-          <a:p>
-            <a:pPr marL="514350" indent="-514350">
-              <a:buAutoNum type="arabicPeriod"/>
-            </a:pPr>
-            <a:r>
-              <a:rPr lang="en-CA" sz="1200" dirty="0"/>
-              <a:t>Grant sense to objects.</a:t>
-            </a:r>
-          </a:p>
-          <a:p>
-            <a:pPr marL="514350" indent="-514350">
-              <a:buAutoNum type="arabicPeriod"/>
-            </a:pPr>
-            <a:r>
-              <a:rPr lang="en-CA" sz="1200" dirty="0"/>
-              <a:t>Remote control</a:t>
-            </a:r>
-          </a:p>
-          <a:p>
-            <a:endParaRPr lang="en-CA" dirty="0"/>
-          </a:p>
-          <a:p>
-            <a:pPr marL="0" marR="0" indent="0" algn="l" defTabSz="914400" rtl="0" eaLnBrk="0" fontAlgn="base" latinLnBrk="0" hangingPunct="0">
-              <a:lnSpc>
-                <a:spcPct val="100000"/>
-              </a:lnSpc>
-              <a:spcBef>
-                <a:spcPct val="30000"/>
-              </a:spcBef>
-              <a:spcAft>
-                <a:spcPct val="0"/>
-              </a:spcAft>
-              <a:buClrTx/>
-              <a:buSzTx/>
-              <a:buFontTx/>
-              <a:buNone/>
-              <a:tabLst/>
-              <a:defRPr/>
-            </a:pPr>
-            <a:r>
-              <a:rPr lang="en-CA" sz="1200" b="0" i="0" kern="1200" dirty="0">
-                <a:solidFill>
-                  <a:schemeClr val="tx1"/>
-                </a:solidFill>
-                <a:effectLst/>
-                <a:latin typeface="Times" pitchFamily="-108" charset="0"/>
-                <a:ea typeface="ＭＳ Ｐゴシック" pitchFamily="-108" charset="-128"/>
-                <a:cs typeface="ＭＳ Ｐゴシック" pitchFamily="-108" charset="-128"/>
-              </a:rPr>
-              <a:t>Dr. John Barrett is Head of Academic Studies at the Nimbus Centre for Embedded Systems Research at Cork Institute of Technology (CIT) </a:t>
-            </a:r>
-            <a:endParaRPr lang="en-CA" dirty="0"/>
-          </a:p>
-          <a:p>
             <a:endParaRPr lang="en-CA" dirty="0"/>
           </a:p>
         </p:txBody>
@@ -3332,115 +3127,6 @@
     <p:extLst>
       <p:ext uri="{BB962C8B-B14F-4D97-AF65-F5344CB8AC3E}">
         <p14:creationId xmlns:p14="http://schemas.microsoft.com/office/powerpoint/2010/main" val="3299874116"/>
-      </p:ext>
-    </p:extLst>
-  </p:cSld>
-  <p:clrMapOvr>
-    <a:masterClrMapping/>
-  </p:clrMapOvr>
-</p:notes>
-</file>
-
-<file path=ppt/notesSlides/notesSlide20.xml><?xml version="1.0" encoding="utf-8"?>
-<p:notes xmlns:a="http://schemas.openxmlformats.org/drawingml/2006/main" xmlns:r="http://schemas.openxmlformats.org/officeDocument/2006/relationships" xmlns:p="http://schemas.openxmlformats.org/presentationml/2006/main">
-  <p:cSld>
-    <p:spTree>
-      <p:nvGrpSpPr>
-        <p:cNvPr id="1" name=""/>
-        <p:cNvGrpSpPr/>
-        <p:nvPr/>
-      </p:nvGrpSpPr>
-      <p:grpSpPr>
-        <a:xfrm>
-          <a:off x="0" y="0"/>
-          <a:ext cx="0" cy="0"/>
-          <a:chOff x="0" y="0"/>
-          <a:chExt cx="0" cy="0"/>
-        </a:xfrm>
-      </p:grpSpPr>
-      <p:sp>
-        <p:nvSpPr>
-          <p:cNvPr id="2" name="Slide Image Placeholder 1"/>
-          <p:cNvSpPr>
-            <a:spLocks noGrp="1" noRot="1" noChangeAspect="1"/>
-          </p:cNvSpPr>
-          <p:nvPr>
-            <p:ph type="sldImg"/>
-          </p:nvPr>
-        </p:nvSpPr>
-        <p:spPr/>
-      </p:sp>
-      <p:sp>
-        <p:nvSpPr>
-          <p:cNvPr id="3" name="Notes Placeholder 2"/>
-          <p:cNvSpPr>
-            <a:spLocks noGrp="1"/>
-          </p:cNvSpPr>
-          <p:nvPr>
-            <p:ph type="body" idx="1"/>
-          </p:nvPr>
-        </p:nvSpPr>
-        <p:spPr/>
-        <p:txBody>
-          <a:bodyPr/>
-          <a:lstStyle/>
-          <a:p>
-            <a:pPr marL="0" marR="0" indent="0" algn="l" defTabSz="914400" rtl="0" eaLnBrk="0" fontAlgn="base" latinLnBrk="0" hangingPunct="0">
-              <a:lnSpc>
-                <a:spcPct val="100000"/>
-              </a:lnSpc>
-              <a:spcBef>
-                <a:spcPct val="30000"/>
-              </a:spcBef>
-              <a:spcAft>
-                <a:spcPct val="0"/>
-              </a:spcAft>
-              <a:buClrTx/>
-              <a:buSzTx/>
-              <a:buFontTx/>
-              <a:buNone/>
-              <a:tabLst/>
-              <a:defRPr/>
-            </a:pPr>
-            <a:endParaRPr lang="en-CA" sz="1200" b="0" i="0" kern="1200" dirty="0">
-              <a:solidFill>
-                <a:schemeClr val="tx1"/>
-              </a:solidFill>
-              <a:effectLst/>
-              <a:latin typeface="Times" pitchFamily="-108" charset="0"/>
-              <a:ea typeface="ＭＳ Ｐゴシック" pitchFamily="-108" charset="-128"/>
-            </a:endParaRPr>
-          </a:p>
-        </p:txBody>
-      </p:sp>
-      <p:sp>
-        <p:nvSpPr>
-          <p:cNvPr id="4" name="Slide Number Placeholder 3"/>
-          <p:cNvSpPr>
-            <a:spLocks noGrp="1"/>
-          </p:cNvSpPr>
-          <p:nvPr>
-            <p:ph type="sldNum" sz="quarter" idx="10"/>
-          </p:nvPr>
-        </p:nvSpPr>
-        <p:spPr/>
-        <p:txBody>
-          <a:bodyPr/>
-          <a:lstStyle/>
-          <a:p>
-            <a:fld id="{0508EDAF-2046-0C41-8DCB-CB2CB6C57C7A}" type="slidenum">
-              <a:rPr lang="en-US" smtClean="0"/>
-              <a:pPr/>
-              <a:t>21</a:t>
-            </a:fld>
-            <a:endParaRPr lang="en-US"/>
-          </a:p>
-        </p:txBody>
-      </p:sp>
-    </p:spTree>
-    <p:extLst>
-      <p:ext uri="{BB962C8B-B14F-4D97-AF65-F5344CB8AC3E}">
-        <p14:creationId xmlns:p14="http://schemas.microsoft.com/office/powerpoint/2010/main" val="701144692"/>
       </p:ext>
     </p:extLst>
   </p:cSld>
@@ -4127,63 +3813,13 @@
             </a:pPr>
             <a:r>
               <a:rPr lang="en-CA" sz="1200" dirty="0"/>
-              <a:t>The</a:t>
+              <a:t>sensor cloud ---- None-IP</a:t>
             </a:r>
             <a:r>
               <a:rPr lang="en-CA" sz="1200" baseline="0" dirty="0"/>
-              <a:t> problem we facing are </a:t>
-            </a:r>
-            <a:r>
-              <a:rPr lang="en-CA" sz="1200" baseline="0" dirty="0" err="1"/>
-              <a:t>obvioius</a:t>
-            </a:r>
-            <a:r>
-              <a:rPr lang="en-CA" sz="1200" baseline="0" dirty="0"/>
-              <a:t>. The first thing is proposed an architecture. Then we need to make it be come an underline service to support multiple applications.</a:t>
+              <a:t> based environment</a:t>
             </a:r>
             <a:endParaRPr lang="en-CA" sz="1200" dirty="0"/>
-          </a:p>
-          <a:p>
-            <a:pPr marL="0" indent="0">
-              <a:buNone/>
-            </a:pPr>
-            <a:endParaRPr lang="en-CA" sz="1200" dirty="0"/>
-          </a:p>
-          <a:p>
-            <a:pPr marL="0" indent="0">
-              <a:buNone/>
-            </a:pPr>
-            <a:r>
-              <a:rPr lang="en-CA" sz="1200" dirty="0"/>
-              <a:t>1. We proposed a CoAPNonIP architecture to support CoAP communication in BLE.</a:t>
-            </a:r>
-          </a:p>
-          <a:p>
-            <a:pPr marL="0" indent="0">
-              <a:buNone/>
-            </a:pPr>
-            <a:r>
-              <a:rPr lang="en-CA" sz="1200" dirty="0"/>
-              <a:t>We separated the architecture into two layers: Application layer and Network layer to grant flexible to the architecture. In this way, communication control and underline communication details are separated.</a:t>
-            </a:r>
-          </a:p>
-          <a:p>
-            <a:pPr marL="0" indent="0">
-              <a:buNone/>
-            </a:pPr>
-            <a:r>
-              <a:rPr lang="en-CA" sz="1200" dirty="0"/>
-              <a:t>2. Inspired by Apple’s iBeacon, we adopt USERID and APPID at Application layer to indicate app and its user. Those two ids help APPs to filter messages.</a:t>
-            </a:r>
-          </a:p>
-          <a:p>
-            <a:pPr marL="0" indent="0">
-              <a:buNone/>
-            </a:pPr>
-            <a:r>
-              <a:rPr lang="en-CA" sz="1200" dirty="0"/>
-              <a:t>3. We introduced virtual resource concept to integrate data in a center node of sensors. </a:t>
-            </a:r>
           </a:p>
         </p:txBody>
       </p:sp>
@@ -4734,1122 +4370,41 @@
           <a:bodyPr/>
           <a:lstStyle/>
           <a:p>
-            <a:pPr marL="0" marR="0" indent="0" algn="l" defTabSz="914400" rtl="0" eaLnBrk="0" fontAlgn="base" latinLnBrk="0" hangingPunct="0">
-              <a:lnSpc>
-                <a:spcPct val="100000"/>
-              </a:lnSpc>
-              <a:spcBef>
-                <a:spcPct val="30000"/>
-              </a:spcBef>
-              <a:spcAft>
-                <a:spcPct val="0"/>
-              </a:spcAft>
-              <a:buClrTx/>
-              <a:buSzTx/>
-              <a:buFontTx/>
-              <a:buNone/>
-              <a:tabLst/>
-              <a:defRPr/>
-            </a:pPr>
-            <a:r>
-              <a:rPr lang="en-CA" sz="1200" kern="1200" dirty="0">
-                <a:solidFill>
-                  <a:schemeClr val="tx1"/>
-                </a:solidFill>
-                <a:effectLst/>
-                <a:latin typeface="Times" pitchFamily="-108" charset="0"/>
-                <a:ea typeface="ＭＳ Ｐゴシック" pitchFamily="-108" charset="-128"/>
-                <a:cs typeface="ＭＳ Ｐゴシック" pitchFamily="-108" charset="-128"/>
-              </a:rPr>
-              <a:t>GATT (</a:t>
-            </a:r>
-            <a:r>
-              <a:rPr lang="en-CA" sz="1200" b="1" kern="1200" dirty="0">
-                <a:solidFill>
-                  <a:schemeClr val="tx1"/>
-                </a:solidFill>
-                <a:effectLst/>
-                <a:latin typeface="Times" pitchFamily="-108" charset="0"/>
-                <a:ea typeface="ＭＳ Ｐゴシック" pitchFamily="-108" charset="-128"/>
-                <a:cs typeface="ＭＳ Ｐゴシック" pitchFamily="-108" charset="-128"/>
-              </a:rPr>
-              <a:t>Generic Attribute Profile</a:t>
-            </a:r>
-            <a:r>
-              <a:rPr lang="en-CA" sz="1200" kern="1200" dirty="0">
-                <a:solidFill>
-                  <a:schemeClr val="tx1"/>
-                </a:solidFill>
-                <a:effectLst/>
-                <a:latin typeface="Times" pitchFamily="-108" charset="0"/>
-                <a:ea typeface="ＭＳ Ｐゴシック" pitchFamily="-108" charset="-128"/>
-                <a:cs typeface="ＭＳ Ｐゴシック" pitchFamily="-108" charset="-128"/>
-              </a:rPr>
-              <a:t>) </a:t>
-            </a:r>
-          </a:p>
-          <a:p>
-            <a:pPr marL="0" marR="0" indent="0" algn="l" defTabSz="914400" rtl="0" eaLnBrk="0" fontAlgn="base" latinLnBrk="0" hangingPunct="0">
-              <a:lnSpc>
-                <a:spcPct val="100000"/>
-              </a:lnSpc>
-              <a:spcBef>
-                <a:spcPct val="30000"/>
-              </a:spcBef>
-              <a:spcAft>
-                <a:spcPct val="0"/>
-              </a:spcAft>
-              <a:buClrTx/>
-              <a:buSzTx/>
-              <a:buFontTx/>
-              <a:buNone/>
-              <a:tabLst/>
-              <a:defRPr/>
-            </a:pPr>
-            <a:r>
-              <a:rPr lang="en-CA" sz="1200" kern="1200" dirty="0">
-                <a:solidFill>
-                  <a:schemeClr val="tx1"/>
-                </a:solidFill>
-                <a:effectLst/>
-                <a:latin typeface="Times" pitchFamily="-108" charset="0"/>
-                <a:ea typeface="ＭＳ Ｐゴシック" pitchFamily="-108" charset="-128"/>
-                <a:cs typeface="ＭＳ Ｐゴシック" pitchFamily="-108" charset="-128"/>
-              </a:rPr>
-              <a:t>The GATT server sends responses to requests and when configured, sends indication and notifications asynchronously to the GATT client when specified events occur on the GATT server</a:t>
-            </a:r>
-          </a:p>
-          <a:p>
-            <a:pPr marL="0" marR="0" indent="0" algn="l" defTabSz="914400" rtl="0" eaLnBrk="0" fontAlgn="base" latinLnBrk="0" hangingPunct="0">
-              <a:lnSpc>
-                <a:spcPct val="100000"/>
-              </a:lnSpc>
-              <a:spcBef>
-                <a:spcPct val="30000"/>
-              </a:spcBef>
-              <a:spcAft>
-                <a:spcPct val="0"/>
-              </a:spcAft>
-              <a:buClrTx/>
-              <a:buSzTx/>
-              <a:buFontTx/>
-              <a:buNone/>
-              <a:tabLst/>
-              <a:defRPr/>
-            </a:pPr>
-            <a:r>
-              <a:rPr lang="en-CA" sz="1200" kern="1200" dirty="0">
-                <a:solidFill>
-                  <a:schemeClr val="tx1"/>
-                </a:solidFill>
-                <a:effectLst/>
-                <a:latin typeface="Times" pitchFamily="-108" charset="0"/>
-                <a:ea typeface="ＭＳ Ｐゴシック" pitchFamily="-108" charset="-128"/>
-                <a:cs typeface="ＭＳ Ｐゴシック" pitchFamily="-108" charset="-128"/>
-              </a:rPr>
-              <a:t>For a characteristic, there are three types of attributes </a:t>
-            </a:r>
-            <a:r>
-              <a:rPr lang="en-CA" sz="1200" b="1" i="0" kern="1200" dirty="0">
-                <a:solidFill>
-                  <a:schemeClr val="tx1"/>
-                </a:solidFill>
-                <a:effectLst/>
-                <a:latin typeface="Times" pitchFamily="-108" charset="0"/>
-                <a:ea typeface="ＭＳ Ｐゴシック" pitchFamily="-108" charset="-128"/>
-                <a:cs typeface="ＭＳ Ｐゴシック" pitchFamily="-108" charset="-128"/>
-              </a:rPr>
-              <a:t>property</a:t>
-            </a:r>
-            <a:r>
-              <a:rPr lang="en-CA" sz="1200" kern="1200" dirty="0">
-                <a:solidFill>
-                  <a:schemeClr val="tx1"/>
-                </a:solidFill>
-                <a:effectLst/>
-                <a:latin typeface="Times" pitchFamily="-108" charset="0"/>
-                <a:ea typeface="ＭＳ Ｐゴシック" pitchFamily="-108" charset="-128"/>
-                <a:cs typeface="ＭＳ Ｐゴシック" pitchFamily="-108" charset="-128"/>
-              </a:rPr>
-              <a:t>, </a:t>
-            </a:r>
-            <a:r>
-              <a:rPr lang="en-CA" sz="1200" b="1" kern="1200" dirty="0">
-                <a:solidFill>
-                  <a:schemeClr val="tx1"/>
-                </a:solidFill>
-                <a:effectLst/>
-                <a:latin typeface="Times" pitchFamily="-108" charset="0"/>
-                <a:ea typeface="ＭＳ Ｐゴシック" pitchFamily="-108" charset="-128"/>
-                <a:cs typeface="ＭＳ Ｐゴシック" pitchFamily="-108" charset="-128"/>
-              </a:rPr>
-              <a:t>value</a:t>
-            </a:r>
-            <a:r>
-              <a:rPr lang="en-CA" sz="1200" kern="1200" dirty="0">
-                <a:solidFill>
-                  <a:schemeClr val="tx1"/>
-                </a:solidFill>
-                <a:effectLst/>
-                <a:latin typeface="Times" pitchFamily="-108" charset="0"/>
-                <a:ea typeface="ＭＳ Ｐゴシック" pitchFamily="-108" charset="-128"/>
-                <a:cs typeface="ＭＳ Ｐゴシック" pitchFamily="-108" charset="-128"/>
-              </a:rPr>
-              <a:t> and </a:t>
-            </a:r>
-            <a:r>
-              <a:rPr lang="en-CA" sz="1200" b="1" kern="1200" dirty="0">
-                <a:solidFill>
-                  <a:schemeClr val="tx1"/>
-                </a:solidFill>
-                <a:effectLst/>
-                <a:latin typeface="Times" pitchFamily="-108" charset="0"/>
-                <a:ea typeface="ＭＳ Ｐゴシック" pitchFamily="-108" charset="-128"/>
-                <a:cs typeface="ＭＳ Ｐゴシック" pitchFamily="-108" charset="-128"/>
-              </a:rPr>
-              <a:t>descriptor</a:t>
-            </a:r>
-          </a:p>
-          <a:p>
-            <a:pPr marL="0" marR="0" indent="0" algn="l" defTabSz="914400" rtl="0" eaLnBrk="0" fontAlgn="base" latinLnBrk="0" hangingPunct="0">
-              <a:lnSpc>
-                <a:spcPct val="100000"/>
-              </a:lnSpc>
-              <a:spcBef>
-                <a:spcPct val="30000"/>
-              </a:spcBef>
-              <a:spcAft>
-                <a:spcPct val="0"/>
-              </a:spcAft>
-              <a:buClrTx/>
-              <a:buSzTx/>
-              <a:buFontTx/>
-              <a:buNone/>
-              <a:tabLst/>
-              <a:defRPr/>
-            </a:pPr>
-            <a:endParaRPr lang="en-CA" sz="1200" b="1" kern="1200" dirty="0">
-              <a:solidFill>
-                <a:schemeClr val="tx1"/>
-              </a:solidFill>
-              <a:effectLst/>
-              <a:latin typeface="Times" pitchFamily="-108" charset="0"/>
-              <a:ea typeface="ＭＳ Ｐゴシック" pitchFamily="-108" charset="-128"/>
-              <a:cs typeface="ＭＳ Ｐゴシック" pitchFamily="-108" charset="-128"/>
-            </a:endParaRPr>
-          </a:p>
-          <a:p>
-            <a:pPr marL="0" marR="0" indent="0" algn="l" defTabSz="914400" rtl="0" eaLnBrk="0" fontAlgn="base" latinLnBrk="0" hangingPunct="0">
-              <a:lnSpc>
-                <a:spcPct val="100000"/>
-              </a:lnSpc>
-              <a:spcBef>
-                <a:spcPct val="30000"/>
-              </a:spcBef>
-              <a:spcAft>
-                <a:spcPct val="0"/>
-              </a:spcAft>
-              <a:buClrTx/>
-              <a:buSzTx/>
-              <a:buFontTx/>
-              <a:buNone/>
-              <a:tabLst/>
-              <a:defRPr/>
-            </a:pPr>
-            <a:r>
-              <a:rPr lang="en-CA" sz="1200" b="0" i="0" kern="1200" dirty="0">
-                <a:solidFill>
-                  <a:schemeClr val="tx1"/>
-                </a:solidFill>
-                <a:effectLst/>
-                <a:latin typeface="Times" pitchFamily="-108" charset="0"/>
-                <a:ea typeface="ＭＳ Ｐゴシック" pitchFamily="-108" charset="-128"/>
-                <a:cs typeface="ＭＳ Ｐゴシック" pitchFamily="-108" charset="-128"/>
-              </a:rPr>
-              <a:t>ATT (</a:t>
-            </a:r>
-            <a:r>
-              <a:rPr lang="en-CA" sz="1200" b="1" i="0" kern="1200" dirty="0">
-                <a:solidFill>
-                  <a:schemeClr val="tx1"/>
-                </a:solidFill>
-                <a:effectLst/>
-                <a:latin typeface="Times" pitchFamily="-108" charset="0"/>
-                <a:ea typeface="ＭＳ Ｐゴシック" pitchFamily="-108" charset="-128"/>
-                <a:cs typeface="ＭＳ Ｐゴシック" pitchFamily="-108" charset="-128"/>
-              </a:rPr>
-              <a:t>Attribute Protocol</a:t>
-            </a:r>
-            <a:r>
-              <a:rPr lang="en-CA" sz="1200" b="0" i="0" kern="1200" dirty="0">
-                <a:solidFill>
-                  <a:schemeClr val="tx1"/>
-                </a:solidFill>
-                <a:effectLst/>
-                <a:latin typeface="Times" pitchFamily="-108" charset="0"/>
-                <a:ea typeface="ＭＳ Ｐゴシック" pitchFamily="-108" charset="-128"/>
-                <a:cs typeface="ＭＳ Ｐゴシック" pitchFamily="-108" charset="-128"/>
-              </a:rPr>
-              <a:t>): "This specification defines the Attribute Protocol; </a:t>
-            </a:r>
-            <a:r>
-              <a:rPr lang="en-CA" sz="1200" b="1" i="0" kern="1200" dirty="0">
-                <a:solidFill>
-                  <a:schemeClr val="tx1"/>
-                </a:solidFill>
-                <a:effectLst/>
-                <a:latin typeface="Times" pitchFamily="-108" charset="0"/>
-                <a:ea typeface="ＭＳ Ｐゴシック" pitchFamily="-108" charset="-128"/>
-                <a:cs typeface="ＭＳ Ｐゴシック" pitchFamily="-108" charset="-128"/>
-              </a:rPr>
-              <a:t>a protocol for discovering, reading, and writing attributes on a peer device.</a:t>
-            </a:r>
-            <a:r>
-              <a:rPr lang="en-CA" sz="1200" b="0" i="0" kern="1200" dirty="0">
-                <a:solidFill>
-                  <a:schemeClr val="tx1"/>
-                </a:solidFill>
-                <a:effectLst/>
-                <a:latin typeface="Times" pitchFamily="-108" charset="0"/>
-                <a:ea typeface="ＭＳ Ｐゴシック" pitchFamily="-108" charset="-128"/>
-                <a:cs typeface="ＭＳ Ｐゴシック" pitchFamily="-108" charset="-128"/>
-              </a:rPr>
-              <a:t>“</a:t>
-            </a:r>
-          </a:p>
-          <a:p>
-            <a:pPr marL="0" marR="0" indent="0" algn="l" defTabSz="914400" rtl="0" eaLnBrk="0" fontAlgn="base" latinLnBrk="0" hangingPunct="0">
-              <a:lnSpc>
-                <a:spcPct val="100000"/>
-              </a:lnSpc>
-              <a:spcBef>
-                <a:spcPct val="30000"/>
-              </a:spcBef>
-              <a:spcAft>
-                <a:spcPct val="0"/>
-              </a:spcAft>
-              <a:buClrTx/>
-              <a:buSzTx/>
-              <a:buFontTx/>
-              <a:buNone/>
-              <a:tabLst/>
-              <a:defRPr/>
-            </a:pPr>
-            <a:endParaRPr lang="en-CA" sz="1200" b="1" kern="1200" dirty="0">
-              <a:solidFill>
-                <a:schemeClr val="tx1"/>
-              </a:solidFill>
-              <a:effectLst/>
-              <a:latin typeface="Times" pitchFamily="-108" charset="0"/>
-              <a:ea typeface="ＭＳ Ｐゴシック" pitchFamily="-108" charset="-128"/>
-              <a:cs typeface="ＭＳ Ｐゴシック" pitchFamily="-108" charset="-128"/>
-            </a:endParaRPr>
-          </a:p>
-          <a:p>
-            <a:pPr marL="0" marR="0" indent="0" algn="l" defTabSz="914400" rtl="0" eaLnBrk="0" fontAlgn="base" latinLnBrk="0" hangingPunct="0">
-              <a:lnSpc>
-                <a:spcPct val="100000"/>
-              </a:lnSpc>
-              <a:spcBef>
-                <a:spcPct val="30000"/>
-              </a:spcBef>
-              <a:spcAft>
-                <a:spcPct val="0"/>
-              </a:spcAft>
-              <a:buClrTx/>
-              <a:buSzTx/>
-              <a:buFontTx/>
-              <a:buNone/>
-              <a:tabLst/>
-              <a:defRPr/>
-            </a:pPr>
-            <a:endParaRPr lang="en-CA" sz="1200" b="1" kern="1200" dirty="0">
-              <a:solidFill>
-                <a:schemeClr val="tx1"/>
-              </a:solidFill>
-              <a:effectLst/>
-              <a:latin typeface="Times" pitchFamily="-108" charset="0"/>
-              <a:ea typeface="ＭＳ Ｐゴシック" pitchFamily="-108" charset="-128"/>
-              <a:cs typeface="ＭＳ Ｐゴシック" pitchFamily="-108" charset="-128"/>
-            </a:endParaRPr>
-          </a:p>
-          <a:p>
-            <a:pPr marL="0" marR="0" indent="0" algn="l" defTabSz="914400" rtl="0" eaLnBrk="0" fontAlgn="base" latinLnBrk="0" hangingPunct="0">
-              <a:lnSpc>
-                <a:spcPct val="100000"/>
-              </a:lnSpc>
-              <a:spcBef>
-                <a:spcPct val="30000"/>
-              </a:spcBef>
-              <a:spcAft>
-                <a:spcPct val="0"/>
-              </a:spcAft>
-              <a:buClrTx/>
-              <a:buSzTx/>
-              <a:buFontTx/>
-              <a:buNone/>
-              <a:tabLst/>
-              <a:defRPr/>
-            </a:pPr>
-            <a:r>
-              <a:rPr lang="en-CA" sz="1200" b="0" i="0" kern="1200" dirty="0">
-                <a:solidFill>
-                  <a:schemeClr val="tx1"/>
-                </a:solidFill>
-                <a:effectLst/>
-                <a:latin typeface="Times" pitchFamily="-108" charset="0"/>
-                <a:ea typeface="ＭＳ Ｐゴシック" pitchFamily="-108" charset="-128"/>
-                <a:cs typeface="ＭＳ Ｐゴシック" pitchFamily="-108" charset="-128"/>
-              </a:rPr>
-              <a:t>GAP(</a:t>
-            </a:r>
-            <a:r>
-              <a:rPr lang="en-CA" sz="1200" b="1" i="0" kern="1200" dirty="0">
-                <a:solidFill>
-                  <a:schemeClr val="tx1"/>
-                </a:solidFill>
-                <a:effectLst/>
-                <a:latin typeface="Times" pitchFamily="-108" charset="0"/>
-                <a:ea typeface="ＭＳ Ｐゴシック" pitchFamily="-108" charset="-128"/>
-                <a:cs typeface="ＭＳ Ｐゴシック" pitchFamily="-108" charset="-128"/>
-              </a:rPr>
-              <a:t>General</a:t>
-            </a:r>
-            <a:r>
-              <a:rPr lang="en-CA" sz="1200" b="1" i="0" kern="1200" baseline="0" dirty="0">
-                <a:solidFill>
-                  <a:schemeClr val="tx1"/>
-                </a:solidFill>
-                <a:effectLst/>
-                <a:latin typeface="Times" pitchFamily="-108" charset="0"/>
-                <a:ea typeface="ＭＳ Ｐゴシック" pitchFamily="-108" charset="-128"/>
-                <a:cs typeface="ＭＳ Ｐゴシック" pitchFamily="-108" charset="-128"/>
-              </a:rPr>
-              <a:t> access protocol</a:t>
-            </a:r>
-            <a:r>
-              <a:rPr lang="en-CA" sz="1200" b="0" i="0" kern="1200" dirty="0">
-                <a:solidFill>
-                  <a:schemeClr val="tx1"/>
-                </a:solidFill>
-                <a:effectLst/>
-                <a:latin typeface="Times" pitchFamily="-108" charset="0"/>
-                <a:ea typeface="ＭＳ Ｐゴシック" pitchFamily="-108" charset="-128"/>
-                <a:cs typeface="ＭＳ Ｐゴシック" pitchFamily="-108" charset="-128"/>
-              </a:rPr>
-              <a:t>) defines various roles for devices, but the two key concepts to keep in mind are </a:t>
-            </a:r>
-            <a:r>
-              <a:rPr lang="en-CA" sz="1200" b="1" i="0" kern="1200" dirty="0">
-                <a:solidFill>
-                  <a:schemeClr val="tx1"/>
-                </a:solidFill>
-                <a:effectLst/>
-                <a:latin typeface="Times" pitchFamily="-108" charset="0"/>
-                <a:ea typeface="ＭＳ Ｐゴシック" pitchFamily="-108" charset="-128"/>
-                <a:cs typeface="ＭＳ Ｐゴシック" pitchFamily="-108" charset="-128"/>
-              </a:rPr>
-              <a:t>Central</a:t>
-            </a:r>
-            <a:r>
-              <a:rPr lang="en-CA" sz="1200" b="0" i="0" kern="1200" dirty="0">
-                <a:solidFill>
-                  <a:schemeClr val="tx1"/>
-                </a:solidFill>
-                <a:effectLst/>
-                <a:latin typeface="Times" pitchFamily="-108" charset="0"/>
-                <a:ea typeface="ＭＳ Ｐゴシック" pitchFamily="-108" charset="-128"/>
-                <a:cs typeface="ＭＳ Ｐゴシック" pitchFamily="-108" charset="-128"/>
-              </a:rPr>
-              <a:t> devices and </a:t>
-            </a:r>
-            <a:r>
-              <a:rPr lang="en-CA" sz="1200" b="1" i="0" kern="1200" dirty="0">
-                <a:solidFill>
-                  <a:schemeClr val="tx1"/>
-                </a:solidFill>
-                <a:effectLst/>
-                <a:latin typeface="Times" pitchFamily="-108" charset="0"/>
-                <a:ea typeface="ＭＳ Ｐゴシック" pitchFamily="-108" charset="-128"/>
-                <a:cs typeface="ＭＳ Ｐゴシック" pitchFamily="-108" charset="-128"/>
-              </a:rPr>
-              <a:t>Peripheral </a:t>
-            </a:r>
-            <a:r>
-              <a:rPr lang="en-CA" sz="1200" b="0" i="0" kern="1200" dirty="0">
-                <a:solidFill>
-                  <a:schemeClr val="tx1"/>
-                </a:solidFill>
-                <a:effectLst/>
-                <a:latin typeface="Times" pitchFamily="-108" charset="0"/>
-                <a:ea typeface="ＭＳ Ｐゴシック" pitchFamily="-108" charset="-128"/>
-                <a:cs typeface="ＭＳ Ｐゴシック" pitchFamily="-108" charset="-128"/>
-              </a:rPr>
-              <a:t>devices. it controls </a:t>
-            </a:r>
-            <a:r>
-              <a:rPr lang="en-CA" sz="1200" b="1" i="0" kern="1200" dirty="0">
-                <a:solidFill>
-                  <a:schemeClr val="tx1"/>
-                </a:solidFill>
-                <a:effectLst/>
-                <a:latin typeface="Times" pitchFamily="-108" charset="0"/>
-                <a:ea typeface="ＭＳ Ｐゴシック" pitchFamily="-108" charset="-128"/>
-                <a:cs typeface="ＭＳ Ｐゴシック" pitchFamily="-108" charset="-128"/>
-              </a:rPr>
-              <a:t>connections and advertising </a:t>
-            </a:r>
-            <a:r>
-              <a:rPr lang="en-CA" sz="1200" b="0" i="0" kern="1200" dirty="0">
-                <a:solidFill>
-                  <a:schemeClr val="tx1"/>
-                </a:solidFill>
-                <a:effectLst/>
-                <a:latin typeface="Times" pitchFamily="-108" charset="0"/>
-                <a:ea typeface="ＭＳ Ｐゴシック" pitchFamily="-108" charset="-128"/>
-                <a:cs typeface="ＭＳ Ｐゴシック" pitchFamily="-108" charset="-128"/>
-              </a:rPr>
-              <a:t>in Bluetooth</a:t>
-            </a:r>
-          </a:p>
-          <a:p>
-            <a:pPr marL="0" marR="0" indent="0" algn="l" defTabSz="914400" rtl="0" eaLnBrk="0" fontAlgn="base" latinLnBrk="0" hangingPunct="0">
-              <a:lnSpc>
-                <a:spcPct val="100000"/>
-              </a:lnSpc>
-              <a:spcBef>
-                <a:spcPct val="30000"/>
-              </a:spcBef>
-              <a:spcAft>
-                <a:spcPct val="0"/>
-              </a:spcAft>
-              <a:buClrTx/>
-              <a:buSzTx/>
-              <a:buFontTx/>
-              <a:buNone/>
-              <a:tabLst/>
-              <a:defRPr/>
-            </a:pPr>
-            <a:endParaRPr lang="en-CA" sz="1200" b="0" i="0" kern="1200" dirty="0">
-              <a:solidFill>
-                <a:schemeClr val="tx1"/>
-              </a:solidFill>
-              <a:effectLst/>
-              <a:latin typeface="Times" pitchFamily="-108" charset="0"/>
-              <a:ea typeface="ＭＳ Ｐゴシック" pitchFamily="-108" charset="-128"/>
-              <a:cs typeface="ＭＳ Ｐゴシック" pitchFamily="-108" charset="-128"/>
-            </a:endParaRPr>
-          </a:p>
-          <a:p>
-            <a:pPr marL="0" marR="0" indent="0" algn="l" defTabSz="914400" rtl="0" eaLnBrk="0" fontAlgn="base" latinLnBrk="0" hangingPunct="0">
-              <a:lnSpc>
-                <a:spcPct val="100000"/>
-              </a:lnSpc>
-              <a:spcBef>
-                <a:spcPct val="30000"/>
-              </a:spcBef>
-              <a:spcAft>
-                <a:spcPct val="0"/>
-              </a:spcAft>
-              <a:buClrTx/>
-              <a:buSzTx/>
-              <a:buFontTx/>
-              <a:buNone/>
-              <a:tabLst/>
-              <a:defRPr/>
-            </a:pPr>
-            <a:r>
-              <a:rPr lang="en-CA" sz="1200" b="0" i="0" kern="1200" dirty="0">
-                <a:solidFill>
-                  <a:schemeClr val="tx1"/>
-                </a:solidFill>
-                <a:effectLst/>
-                <a:latin typeface="Times" pitchFamily="-108" charset="0"/>
-                <a:ea typeface="ＭＳ Ｐゴシック" pitchFamily="-108" charset="-128"/>
-                <a:cs typeface="ＭＳ Ｐゴシック" pitchFamily="-108" charset="-128"/>
-              </a:rPr>
-              <a:t>6LoWPAN encapsulate</a:t>
-            </a:r>
-            <a:r>
-              <a:rPr lang="en-CA" sz="1200" b="0" i="0" kern="1200" baseline="0" dirty="0">
-                <a:solidFill>
-                  <a:schemeClr val="tx1"/>
-                </a:solidFill>
-                <a:effectLst/>
-                <a:latin typeface="Times" pitchFamily="-108" charset="0"/>
-                <a:ea typeface="ＭＳ Ｐゴシック" pitchFamily="-108" charset="-128"/>
-                <a:cs typeface="ＭＳ Ｐゴシック" pitchFamily="-108" charset="-128"/>
-              </a:rPr>
-              <a:t> IPV6 header.</a:t>
-            </a:r>
             <a:r>
               <a:rPr lang="en-CA" sz="1200" dirty="0"/>
-              <a:t> (MTU size shall be 1280 or higher by </a:t>
+              <a:t>It provides instructions and URI format for SMS, </a:t>
             </a:r>
             <a:r>
               <a:rPr lang="en-CA" sz="1200" dirty="0" err="1"/>
-              <a:t>adop</a:t>
-            </a:r>
-            <a:r>
-              <a:rPr lang="en-CA" sz="1200" baseline="0" dirty="0"/>
-              <a:t> 6lowpan</a:t>
+              <a:t>Websocket</a:t>
             </a:r>
             <a:r>
               <a:rPr lang="en-CA" sz="1200" dirty="0"/>
-              <a:t>)</a:t>
-            </a:r>
-          </a:p>
-          <a:p>
-            <a:pPr marL="0" marR="0" indent="0" algn="l" defTabSz="914400" rtl="0" eaLnBrk="0" fontAlgn="base" latinLnBrk="0" hangingPunct="0">
-              <a:lnSpc>
-                <a:spcPct val="100000"/>
-              </a:lnSpc>
-              <a:spcBef>
-                <a:spcPct val="30000"/>
-              </a:spcBef>
-              <a:spcAft>
-                <a:spcPct val="0"/>
-              </a:spcAft>
-              <a:buClrTx/>
-              <a:buSzTx/>
-              <a:buFontTx/>
-              <a:buNone/>
-              <a:tabLst/>
-              <a:defRPr/>
-            </a:pPr>
-            <a:endParaRPr lang="en-CA" sz="1200" b="0" i="0" kern="1200" dirty="0">
-              <a:solidFill>
-                <a:schemeClr val="tx1"/>
-              </a:solidFill>
-              <a:effectLst/>
-              <a:latin typeface="Times" pitchFamily="-108" charset="0"/>
-              <a:ea typeface="ＭＳ Ｐゴシック" pitchFamily="-108" charset="-128"/>
-              <a:cs typeface="ＭＳ Ｐゴシック" pitchFamily="-108" charset="-128"/>
-            </a:endParaRPr>
-          </a:p>
-          <a:p>
-            <a:pPr marL="0" marR="0" indent="0" algn="l" defTabSz="914400" rtl="0" eaLnBrk="0" fontAlgn="base" latinLnBrk="0" hangingPunct="0">
-              <a:lnSpc>
-                <a:spcPct val="100000"/>
-              </a:lnSpc>
-              <a:spcBef>
-                <a:spcPct val="30000"/>
-              </a:spcBef>
-              <a:spcAft>
-                <a:spcPct val="0"/>
-              </a:spcAft>
-              <a:buClrTx/>
-              <a:buSzTx/>
-              <a:buFontTx/>
-              <a:buNone/>
-              <a:tabLst/>
-              <a:defRPr/>
-            </a:pPr>
-            <a:r>
-              <a:rPr lang="en-CA" sz="1200" b="0" i="0" kern="1200" dirty="0">
-                <a:solidFill>
-                  <a:schemeClr val="tx1"/>
-                </a:solidFill>
-                <a:effectLst/>
-                <a:latin typeface="Times" pitchFamily="-108" charset="0"/>
-                <a:ea typeface="ＭＳ Ｐゴシック" pitchFamily="-108" charset="-128"/>
-                <a:cs typeface="ＭＳ Ｐゴシック" pitchFamily="-108" charset="-128"/>
-              </a:rPr>
-              <a:t> </a:t>
-            </a:r>
-            <a:endParaRPr lang="en-CA" sz="1200" b="0" i="0" kern="1200" baseline="0" dirty="0">
-              <a:solidFill>
-                <a:schemeClr val="tx1"/>
-              </a:solidFill>
-              <a:effectLst/>
-              <a:latin typeface="Times" pitchFamily="-108" charset="0"/>
-              <a:ea typeface="ＭＳ Ｐゴシック" pitchFamily="-108" charset="-128"/>
-            </a:endParaRPr>
-          </a:p>
-          <a:p>
-            <a:pPr marL="0" marR="0" indent="0" algn="l" defTabSz="914400" rtl="0" eaLnBrk="0" fontAlgn="base" latinLnBrk="0" hangingPunct="0">
-              <a:lnSpc>
-                <a:spcPct val="100000"/>
-              </a:lnSpc>
-              <a:spcBef>
-                <a:spcPct val="30000"/>
-              </a:spcBef>
-              <a:spcAft>
-                <a:spcPct val="0"/>
-              </a:spcAft>
-              <a:buClrTx/>
-              <a:buSzTx/>
-              <a:buFontTx/>
-              <a:buNone/>
-              <a:tabLst/>
-              <a:defRPr/>
-            </a:pPr>
-            <a:r>
-              <a:rPr lang="en-CA" sz="1200" b="0" i="0" kern="1200" dirty="0">
-                <a:solidFill>
-                  <a:schemeClr val="tx1"/>
-                </a:solidFill>
-                <a:effectLst/>
-                <a:latin typeface="Times" pitchFamily="-108" charset="0"/>
-                <a:ea typeface="ＭＳ Ｐゴシック" pitchFamily="-108" charset="-128"/>
-                <a:cs typeface="ＭＳ Ｐゴシック" pitchFamily="-108" charset="-128"/>
-              </a:rPr>
-              <a:t>The 6LoWPAN group has defined encapsulation and header compression mechanisms that allow IPv6 packets to be sent and received over </a:t>
-            </a:r>
-            <a:r>
-              <a:rPr lang="en-CA" sz="1200" b="0" i="0" u="none" strike="noStrike" kern="1200" dirty="0">
-                <a:solidFill>
-                  <a:schemeClr val="tx1"/>
-                </a:solidFill>
-                <a:effectLst/>
-                <a:latin typeface="Times" pitchFamily="-108" charset="0"/>
-                <a:ea typeface="ＭＳ Ｐゴシック" pitchFamily="-108" charset="-128"/>
-                <a:cs typeface="ＭＳ Ｐゴシック" pitchFamily="-108" charset="-128"/>
-                <a:hlinkClick r:id="rId3" tooltip="IEEE 802.15.4"/>
-              </a:rPr>
-              <a:t>IEEE 802.15.4</a:t>
-            </a:r>
-            <a:r>
-              <a:rPr lang="en-CA" sz="1200" b="0" i="0" kern="1200" dirty="0">
-                <a:solidFill>
-                  <a:schemeClr val="tx1"/>
-                </a:solidFill>
-                <a:effectLst/>
-                <a:latin typeface="Times" pitchFamily="-108" charset="0"/>
-                <a:ea typeface="ＭＳ Ｐゴシック" pitchFamily="-108" charset="-128"/>
-                <a:cs typeface="ＭＳ Ｐゴシック" pitchFamily="-108" charset="-128"/>
-              </a:rPr>
-              <a:t> based networks.</a:t>
-            </a:r>
-          </a:p>
-          <a:p>
-            <a:pPr marL="0" marR="0" indent="0" algn="l" defTabSz="914400" rtl="0" eaLnBrk="0" fontAlgn="base" latinLnBrk="0" hangingPunct="0">
-              <a:lnSpc>
-                <a:spcPct val="100000"/>
-              </a:lnSpc>
-              <a:spcBef>
-                <a:spcPct val="30000"/>
-              </a:spcBef>
-              <a:spcAft>
-                <a:spcPct val="0"/>
-              </a:spcAft>
-              <a:buClrTx/>
-              <a:buSzTx/>
-              <a:buFontTx/>
-              <a:buNone/>
-              <a:tabLst/>
-              <a:defRPr/>
-            </a:pPr>
-            <a:r>
-              <a:rPr lang="en-CA" sz="1200" b="0" i="0" kern="1200" dirty="0">
-                <a:solidFill>
-                  <a:schemeClr val="tx1"/>
-                </a:solidFill>
-                <a:effectLst/>
-                <a:latin typeface="Times" pitchFamily="-108" charset="0"/>
-                <a:ea typeface="ＭＳ Ｐゴシック" pitchFamily="-108" charset="-128"/>
-                <a:cs typeface="ＭＳ Ｐゴシック" pitchFamily="-108" charset="-128"/>
-              </a:rPr>
-              <a:t>//The fixed header of an IPv6 packet consists of its first 40 </a:t>
-            </a:r>
-            <a:r>
-              <a:rPr lang="en-CA" sz="1200" b="0" i="0" u="none" strike="noStrike" kern="1200" dirty="0">
-                <a:solidFill>
-                  <a:schemeClr val="tx1"/>
-                </a:solidFill>
-                <a:effectLst/>
-                <a:latin typeface="Times" pitchFamily="-108" charset="0"/>
-                <a:ea typeface="ＭＳ Ｐゴシック" pitchFamily="-108" charset="-128"/>
-                <a:cs typeface="ＭＳ Ｐゴシック" pitchFamily="-108" charset="-128"/>
-              </a:rPr>
-              <a:t>bytes</a:t>
-            </a:r>
-            <a:r>
-              <a:rPr lang="en-CA" sz="1200" b="0" i="0" kern="1200" dirty="0">
-                <a:solidFill>
-                  <a:schemeClr val="tx1"/>
-                </a:solidFill>
-                <a:effectLst/>
-                <a:latin typeface="Times" pitchFamily="-108" charset="0"/>
-                <a:ea typeface="ＭＳ Ｐゴシック" pitchFamily="-108" charset="-128"/>
-                <a:cs typeface="ＭＳ Ｐゴシック" pitchFamily="-108" charset="-128"/>
-              </a:rPr>
-              <a:t> (320 </a:t>
-            </a:r>
-            <a:r>
-              <a:rPr lang="en-CA" sz="1200" b="0" i="0" u="none" strike="noStrike" kern="1200" dirty="0">
-                <a:solidFill>
-                  <a:schemeClr val="tx1"/>
-                </a:solidFill>
-                <a:effectLst/>
-                <a:latin typeface="Times" pitchFamily="-108" charset="0"/>
-                <a:ea typeface="ＭＳ Ｐゴシック" pitchFamily="-108" charset="-128"/>
-                <a:cs typeface="ＭＳ Ｐゴシック" pitchFamily="-108" charset="-128"/>
-                <a:hlinkClick r:id="rId4" tooltip="Bit"/>
-              </a:rPr>
-              <a:t>bits</a:t>
-            </a:r>
-            <a:r>
-              <a:rPr lang="en-CA" sz="1200" b="0" i="0" kern="1200" dirty="0">
-                <a:solidFill>
-                  <a:schemeClr val="tx1"/>
-                </a:solidFill>
-                <a:effectLst/>
-                <a:latin typeface="Times" pitchFamily="-108" charset="0"/>
-                <a:ea typeface="ＭＳ Ｐゴシック" pitchFamily="-108" charset="-128"/>
-                <a:cs typeface="ＭＳ Ｐゴシック" pitchFamily="-108" charset="-128"/>
-              </a:rPr>
-              <a:t>).</a:t>
-            </a:r>
-          </a:p>
-          <a:p>
-            <a:pPr marL="0" marR="0" indent="0" algn="l" defTabSz="914400" rtl="0" eaLnBrk="0" fontAlgn="base" latinLnBrk="0" hangingPunct="0">
-              <a:lnSpc>
-                <a:spcPct val="100000"/>
-              </a:lnSpc>
-              <a:spcBef>
-                <a:spcPct val="30000"/>
-              </a:spcBef>
-              <a:spcAft>
-                <a:spcPct val="0"/>
-              </a:spcAft>
-              <a:buClrTx/>
-              <a:buSzTx/>
-              <a:buFontTx/>
-              <a:buNone/>
-              <a:tabLst/>
-              <a:defRPr/>
-            </a:pPr>
-            <a:r>
-              <a:rPr lang="en-CA" sz="1200" b="0" i="0" kern="1200" dirty="0">
-                <a:solidFill>
-                  <a:schemeClr val="tx1"/>
-                </a:solidFill>
-                <a:effectLst/>
-                <a:latin typeface="Times" pitchFamily="-108" charset="0"/>
-                <a:ea typeface="ＭＳ Ｐゴシック" pitchFamily="-108" charset="-128"/>
-                <a:cs typeface="ＭＳ Ｐゴシック" pitchFamily="-108" charset="-128"/>
-              </a:rPr>
-              <a:t>The 802.15.4(MAC and PHY) category was developed for low-data-rate monitor and control applications and extended-life low-power-consumption uses.</a:t>
-            </a:r>
-          </a:p>
-          <a:p>
-            <a:pPr marL="0" marR="0" indent="0" algn="l" defTabSz="914400" rtl="0" eaLnBrk="0" fontAlgn="base" latinLnBrk="0" hangingPunct="0">
-              <a:lnSpc>
-                <a:spcPct val="100000"/>
-              </a:lnSpc>
-              <a:spcBef>
-                <a:spcPct val="30000"/>
-              </a:spcBef>
-              <a:spcAft>
-                <a:spcPct val="0"/>
-              </a:spcAft>
-              <a:buClrTx/>
-              <a:buSzTx/>
-              <a:buFontTx/>
-              <a:buNone/>
-              <a:tabLst/>
-              <a:defRPr/>
-            </a:pPr>
-            <a:endParaRPr lang="en-CA" sz="1200" b="0" i="0" kern="1200" dirty="0">
-              <a:solidFill>
-                <a:schemeClr val="tx1"/>
-              </a:solidFill>
-              <a:effectLst/>
-              <a:latin typeface="Times" pitchFamily="-108" charset="0"/>
-              <a:ea typeface="ＭＳ Ｐゴシック" pitchFamily="-108" charset="-128"/>
-              <a:cs typeface="ＭＳ Ｐゴシック" pitchFamily="-108" charset="-128"/>
-            </a:endParaRPr>
-          </a:p>
-          <a:p>
-            <a:pPr marL="0" marR="0" indent="0" algn="l" defTabSz="914400" rtl="0" eaLnBrk="0" fontAlgn="base" latinLnBrk="0" hangingPunct="0">
-              <a:lnSpc>
-                <a:spcPct val="100000"/>
-              </a:lnSpc>
-              <a:spcBef>
-                <a:spcPct val="30000"/>
-              </a:spcBef>
-              <a:spcAft>
-                <a:spcPct val="0"/>
-              </a:spcAft>
-              <a:buClrTx/>
-              <a:buSzTx/>
-              <a:buFontTx/>
-              <a:buNone/>
-              <a:tabLst/>
-              <a:defRPr/>
-            </a:pPr>
-            <a:endParaRPr lang="en-CA" sz="1200" b="0" i="0" kern="1200" dirty="0">
-              <a:solidFill>
-                <a:schemeClr val="tx1"/>
-              </a:solidFill>
-              <a:effectLst/>
-              <a:latin typeface="Times" pitchFamily="-108" charset="0"/>
-              <a:ea typeface="ＭＳ Ｐゴシック" pitchFamily="-108" charset="-128"/>
-              <a:cs typeface="ＭＳ Ｐゴシック" pitchFamily="-108" charset="-128"/>
-            </a:endParaRPr>
-          </a:p>
-          <a:p>
-            <a:pPr marL="0" marR="0" indent="0" algn="l" defTabSz="914400" rtl="0" eaLnBrk="0" fontAlgn="base" latinLnBrk="0" hangingPunct="0">
-              <a:lnSpc>
-                <a:spcPct val="100000"/>
-              </a:lnSpc>
-              <a:spcBef>
-                <a:spcPct val="30000"/>
-              </a:spcBef>
-              <a:spcAft>
-                <a:spcPct val="0"/>
-              </a:spcAft>
-              <a:buClrTx/>
-              <a:buSzTx/>
-              <a:buFontTx/>
-              <a:buNone/>
-              <a:tabLst/>
-              <a:defRPr/>
-            </a:pPr>
-            <a:endParaRPr lang="en-CA" sz="1200" b="0" i="0" kern="1200" dirty="0">
-              <a:solidFill>
-                <a:schemeClr val="tx1"/>
-              </a:solidFill>
-              <a:effectLst/>
-              <a:latin typeface="Times" pitchFamily="-108" charset="0"/>
-              <a:ea typeface="ＭＳ Ｐゴシック" pitchFamily="-108" charset="-128"/>
-              <a:cs typeface="ＭＳ Ｐゴシック" pitchFamily="-108" charset="-128"/>
-            </a:endParaRPr>
-          </a:p>
-          <a:p>
-            <a:pPr marL="0" marR="0" indent="0" algn="l" defTabSz="914400" rtl="0" eaLnBrk="0" fontAlgn="base" latinLnBrk="0" hangingPunct="0">
-              <a:lnSpc>
-                <a:spcPct val="100000"/>
-              </a:lnSpc>
-              <a:spcBef>
-                <a:spcPct val="30000"/>
-              </a:spcBef>
-              <a:spcAft>
-                <a:spcPct val="0"/>
-              </a:spcAft>
-              <a:buClrTx/>
-              <a:buSzTx/>
-              <a:buFontTx/>
-              <a:buNone/>
-              <a:tabLst/>
-              <a:defRPr/>
-            </a:pPr>
-            <a:r>
-              <a:rPr lang="en-CA" sz="1200" b="0" i="0" kern="1200" dirty="0">
-                <a:solidFill>
-                  <a:schemeClr val="tx1"/>
-                </a:solidFill>
-                <a:effectLst/>
-                <a:latin typeface="Times" pitchFamily="-108" charset="0"/>
-                <a:ea typeface="ＭＳ Ｐゴシック" pitchFamily="-108" charset="-128"/>
-                <a:cs typeface="ＭＳ Ｐゴシック" pitchFamily="-108" charset="-128"/>
-              </a:rPr>
-              <a:t>GATT is built on top of ATT and defines how higher level services are composed and the framework for operating on those services</a:t>
-            </a:r>
-          </a:p>
-          <a:p>
-            <a:pPr marL="0" marR="0" indent="0" algn="l" defTabSz="914400" rtl="0" eaLnBrk="0" fontAlgn="base" latinLnBrk="0" hangingPunct="0">
-              <a:lnSpc>
-                <a:spcPct val="100000"/>
-              </a:lnSpc>
-              <a:spcBef>
-                <a:spcPct val="30000"/>
-              </a:spcBef>
-              <a:spcAft>
-                <a:spcPct val="0"/>
-              </a:spcAft>
-              <a:buClrTx/>
-              <a:buSzTx/>
-              <a:buFontTx/>
-              <a:buNone/>
-              <a:tabLst/>
-              <a:defRPr/>
-            </a:pPr>
-            <a:endParaRPr lang="en-CA" sz="1200" b="0" i="0" kern="1200" dirty="0">
-              <a:solidFill>
-                <a:schemeClr val="tx1"/>
-              </a:solidFill>
-              <a:effectLst/>
-              <a:latin typeface="Times" pitchFamily="-108" charset="0"/>
-              <a:ea typeface="ＭＳ Ｐゴシック" pitchFamily="-108" charset="-128"/>
-              <a:cs typeface="ＭＳ Ｐゴシック" pitchFamily="-108" charset="-128"/>
-            </a:endParaRPr>
-          </a:p>
-          <a:p>
-            <a:endParaRPr lang="en-CA" sz="1200" b="0" i="0" kern="1200" dirty="0">
-              <a:solidFill>
-                <a:schemeClr val="tx1"/>
-              </a:solidFill>
-              <a:effectLst/>
-              <a:latin typeface="Times" pitchFamily="-108" charset="0"/>
-              <a:ea typeface="ＭＳ Ｐゴシック" pitchFamily="-108" charset="-128"/>
-              <a:cs typeface="ＭＳ Ｐゴシック" pitchFamily="-108" charset="-128"/>
-            </a:endParaRPr>
-          </a:p>
-          <a:p>
-            <a:endParaRPr lang="en-CA" sz="1200" b="0" i="0" kern="1200" dirty="0">
-              <a:solidFill>
-                <a:schemeClr val="tx1"/>
-              </a:solidFill>
-              <a:effectLst/>
-              <a:latin typeface="Times" pitchFamily="-108" charset="0"/>
-              <a:ea typeface="ＭＳ Ｐゴシック" pitchFamily="-108" charset="-128"/>
-              <a:cs typeface="ＭＳ Ｐゴシック" pitchFamily="-108" charset="-128"/>
-            </a:endParaRPr>
-          </a:p>
-          <a:p>
-            <a:endParaRPr lang="en-CA" sz="1200" b="0" i="0" kern="1200" dirty="0">
-              <a:solidFill>
-                <a:schemeClr val="tx1"/>
-              </a:solidFill>
-              <a:effectLst/>
-              <a:latin typeface="Times" pitchFamily="-108" charset="0"/>
-              <a:ea typeface="ＭＳ Ｐゴシック" pitchFamily="-108" charset="-128"/>
-              <a:cs typeface="ＭＳ Ｐゴシック" pitchFamily="-108" charset="-128"/>
-            </a:endParaRPr>
-          </a:p>
-          <a:p>
-            <a:r>
-              <a:rPr lang="en-CA" sz="1200" b="0" i="0" kern="1200" dirty="0">
-                <a:solidFill>
-                  <a:schemeClr val="tx1"/>
-                </a:solidFill>
-                <a:effectLst/>
-                <a:latin typeface="Times" pitchFamily="-108" charset="0"/>
-                <a:ea typeface="ＭＳ Ｐゴシック" pitchFamily="-108" charset="-128"/>
-                <a:cs typeface="ＭＳ Ｐゴシック" pitchFamily="-108" charset="-128"/>
-              </a:rPr>
-              <a:t>GATT (page 2207): "This specification defines the Generic Attribute Profile that describes a service framework using the Attribute Protocol for </a:t>
-            </a:r>
-            <a:r>
-              <a:rPr lang="en-CA" sz="1200" b="1" i="0" kern="1200" dirty="0">
-                <a:solidFill>
-                  <a:schemeClr val="tx1"/>
-                </a:solidFill>
-                <a:effectLst/>
-                <a:latin typeface="Times" pitchFamily="-108" charset="0"/>
-                <a:ea typeface="ＭＳ Ｐゴシック" pitchFamily="-108" charset="-128"/>
-                <a:cs typeface="ＭＳ Ｐゴシック" pitchFamily="-108" charset="-128"/>
-              </a:rPr>
-              <a:t>discovering services, and for reading and writing characteristic values on a peer device</a:t>
-            </a:r>
-            <a:r>
-              <a:rPr lang="en-CA" sz="1200" b="0" i="0" kern="1200" dirty="0">
-                <a:solidFill>
-                  <a:schemeClr val="tx1"/>
-                </a:solidFill>
-                <a:effectLst/>
-                <a:latin typeface="Times" pitchFamily="-108" charset="0"/>
-                <a:ea typeface="ＭＳ Ｐゴシック" pitchFamily="-108" charset="-128"/>
-                <a:cs typeface="ＭＳ Ｐゴシック" pitchFamily="-108" charset="-128"/>
-              </a:rPr>
-              <a:t>."</a:t>
-            </a:r>
-          </a:p>
-          <a:p>
-            <a:pPr marL="0" marR="0" indent="0" algn="l" defTabSz="914400" rtl="0" eaLnBrk="0" fontAlgn="base" latinLnBrk="0" hangingPunct="0">
-              <a:lnSpc>
-                <a:spcPct val="100000"/>
-              </a:lnSpc>
-              <a:spcBef>
-                <a:spcPct val="30000"/>
-              </a:spcBef>
-              <a:spcAft>
-                <a:spcPct val="0"/>
-              </a:spcAft>
-              <a:buClrTx/>
-              <a:buSzTx/>
-              <a:buFontTx/>
-              <a:buNone/>
-              <a:tabLst/>
-              <a:defRPr/>
-            </a:pPr>
-            <a:endParaRPr lang="en-CA" sz="1200" b="0" i="0" kern="1200" dirty="0">
-              <a:solidFill>
-                <a:schemeClr val="tx1"/>
-              </a:solidFill>
-              <a:effectLst/>
-              <a:latin typeface="Times" pitchFamily="-108" charset="0"/>
-              <a:ea typeface="ＭＳ Ｐゴシック" pitchFamily="-108" charset="-128"/>
-              <a:cs typeface="ＭＳ Ｐゴシック" pitchFamily="-108" charset="-128"/>
-            </a:endParaRPr>
-          </a:p>
-          <a:p>
-            <a:pPr marL="0" marR="0" indent="0" algn="l" defTabSz="914400" rtl="0" eaLnBrk="0" fontAlgn="base" latinLnBrk="0" hangingPunct="0">
-              <a:lnSpc>
-                <a:spcPct val="100000"/>
-              </a:lnSpc>
-              <a:spcBef>
-                <a:spcPct val="30000"/>
-              </a:spcBef>
-              <a:spcAft>
-                <a:spcPct val="0"/>
-              </a:spcAft>
-              <a:buClrTx/>
-              <a:buSzTx/>
-              <a:buFontTx/>
-              <a:buNone/>
-              <a:tabLst/>
-              <a:defRPr/>
-            </a:pPr>
-            <a:endParaRPr lang="en-CA" sz="1200" b="0" i="0" kern="1200" dirty="0">
-              <a:solidFill>
-                <a:schemeClr val="tx1"/>
-              </a:solidFill>
-              <a:effectLst/>
-              <a:latin typeface="Times" pitchFamily="-108" charset="0"/>
-              <a:ea typeface="ＭＳ Ｐゴシック" pitchFamily="-108" charset="-128"/>
-              <a:cs typeface="ＭＳ Ｐゴシック" pitchFamily="-108" charset="-128"/>
-            </a:endParaRPr>
-          </a:p>
-          <a:p>
-            <a:r>
-              <a:rPr lang="en-CA" sz="1200" b="0" i="0" u="none" strike="noStrike" kern="1200" baseline="0" dirty="0">
-                <a:solidFill>
-                  <a:schemeClr val="tx1"/>
-                </a:solidFill>
-                <a:latin typeface="Times" pitchFamily="-108" charset="0"/>
-                <a:ea typeface="ＭＳ Ｐゴシック" pitchFamily="-108" charset="-128"/>
-                <a:cs typeface="ＭＳ Ｐゴシック" pitchFamily="-108" charset="-128"/>
-              </a:rPr>
-              <a:t>The IPSP defines two roles – Node role and Router role. </a:t>
-            </a:r>
-          </a:p>
-          <a:p>
-            <a:r>
-              <a:rPr lang="en-CA" sz="1200" b="0" i="0" u="none" strike="noStrike" kern="1200" baseline="0" dirty="0">
-                <a:solidFill>
-                  <a:schemeClr val="tx1"/>
-                </a:solidFill>
-                <a:latin typeface="Times" pitchFamily="-108" charset="0"/>
-                <a:ea typeface="ＭＳ Ｐゴシック" pitchFamily="-108" charset="-128"/>
-                <a:cs typeface="ＭＳ Ｐゴシック" pitchFamily="-108" charset="-128"/>
-              </a:rPr>
-              <a:t>The Router role is used for devices that can route IPv6 packets. </a:t>
-            </a:r>
-          </a:p>
-          <a:p>
-            <a:r>
-              <a:rPr lang="en-CA" sz="1200" b="0" i="0" u="none" strike="noStrike" kern="1200" baseline="0" dirty="0">
-                <a:solidFill>
-                  <a:schemeClr val="tx1"/>
-                </a:solidFill>
-                <a:latin typeface="Times" pitchFamily="-108" charset="0"/>
-                <a:ea typeface="ＭＳ Ｐゴシック" pitchFamily="-108" charset="-128"/>
-                <a:cs typeface="ＭＳ Ｐゴシック" pitchFamily="-108" charset="-128"/>
-              </a:rPr>
-              <a:t>The Node role is used for devices that can only originate or consume IPv6 application packets. Additionally, the Node role has a special function in Bluetooth service discovery; an instance of the IPSS (Internet Protocol Support Service) that allows router devices to discover it (over GATT). </a:t>
-            </a:r>
-            <a:endParaRPr lang="en-CA" sz="1200" b="1" kern="1200" dirty="0">
-              <a:solidFill>
-                <a:schemeClr val="tx1"/>
-              </a:solidFill>
-              <a:effectLst/>
-              <a:latin typeface="Times" pitchFamily="-108" charset="0"/>
-              <a:ea typeface="ＭＳ Ｐゴシック" pitchFamily="-108" charset="-128"/>
-              <a:cs typeface="ＭＳ Ｐゴシック" pitchFamily="-108" charset="-128"/>
-            </a:endParaRPr>
+              <a:t> and  TCP. </a:t>
+            </a:r>
+          </a:p>
+          <a:p>
+            <a:endParaRPr lang="en-CA" sz="1200" dirty="0"/>
+          </a:p>
+          <a:p>
+            <a:r>
+              <a:rPr lang="en-CA" dirty="0" err="1"/>
+              <a:t>CoRE</a:t>
+            </a:r>
+            <a:r>
+              <a:rPr lang="en-CA" dirty="0"/>
+              <a:t> Working Group(Informational document) Internet-Draft </a:t>
+            </a:r>
+            <a:endParaRPr lang="en-CA" sz="1200" dirty="0"/>
+          </a:p>
+          <a:p>
+            <a:endParaRPr lang="en-CA" sz="1200" dirty="0"/>
+          </a:p>
+          <a:p>
+            <a:endParaRPr lang="en-CA" sz="1200" dirty="0"/>
+          </a:p>
+          <a:p>
+            <a:endParaRPr lang="en-CA" dirty="0"/>
           </a:p>
         </p:txBody>
       </p:sp>
@@ -5880,7 +4435,7 @@
     </p:spTree>
     <p:extLst>
       <p:ext uri="{BB962C8B-B14F-4D97-AF65-F5344CB8AC3E}">
-        <p14:creationId xmlns:p14="http://schemas.microsoft.com/office/powerpoint/2010/main" val="2404043196"/>
+        <p14:creationId xmlns:p14="http://schemas.microsoft.com/office/powerpoint/2010/main" val="1783628648"/>
       </p:ext>
     </p:extLst>
   </p:cSld>
@@ -5935,39 +4490,13 @@
           <a:lstStyle/>
           <a:p>
             <a:r>
-              <a:rPr lang="en-CA" sz="1200" dirty="0"/>
-              <a:t>It provides instructions and URI format for SMS, </a:t>
-            </a:r>
-            <a:r>
-              <a:rPr lang="en-CA" sz="1200" dirty="0" err="1"/>
-              <a:t>Websocket</a:t>
-            </a:r>
-            <a:r>
-              <a:rPr lang="en-CA" sz="1200" dirty="0"/>
-              <a:t> and  TCP. </a:t>
-            </a:r>
-          </a:p>
-          <a:p>
-            <a:endParaRPr lang="en-CA" sz="1200" dirty="0"/>
-          </a:p>
-          <a:p>
-            <a:r>
-              <a:rPr lang="en-CA" dirty="0" err="1"/>
-              <a:t>CoRE</a:t>
-            </a:r>
-            <a:r>
               <a:rPr lang="en-CA" dirty="0"/>
-              <a:t> Working Group(Informational document) Internet-Draft </a:t>
-            </a:r>
-            <a:endParaRPr lang="en-CA" sz="1200" dirty="0"/>
-          </a:p>
-          <a:p>
-            <a:endParaRPr lang="en-CA" sz="1200" dirty="0"/>
-          </a:p>
-          <a:p>
-            <a:endParaRPr lang="en-CA" sz="1200" dirty="0"/>
-          </a:p>
-          <a:p>
+              <a:t>Aims</a:t>
+            </a:r>
+            <a:r>
+              <a:rPr lang="en-CA" baseline="0" dirty="0"/>
+              <a:t> to make the CoAP been able to server one or more applications.</a:t>
+            </a:r>
             <a:endParaRPr lang="en-CA" dirty="0"/>
           </a:p>
         </p:txBody>
@@ -5999,7 +4528,7 @@
     </p:spTree>
     <p:extLst>
       <p:ext uri="{BB962C8B-B14F-4D97-AF65-F5344CB8AC3E}">
-        <p14:creationId xmlns:p14="http://schemas.microsoft.com/office/powerpoint/2010/main" val="1783628648"/>
+        <p14:creationId xmlns:p14="http://schemas.microsoft.com/office/powerpoint/2010/main" val="4084966679"/>
       </p:ext>
     </p:extLst>
   </p:cSld>
@@ -6061,14 +4590,14 @@
           </a:ln>
           <a:extLst>
             <a:ext uri="{909E8E84-426E-40dd-AFC4-6F175D3DCCD1}">
-              <a14:hiddenFill xmlns:a14="http://schemas.microsoft.com/office/drawing/2010/main" xmlns="">
+              <a14:hiddenFill xmlns="" xmlns:a14="http://schemas.microsoft.com/office/drawing/2010/main">
                 <a:solidFill>
                   <a:srgbClr val="FFFFFF"/>
                 </a:solidFill>
               </a14:hiddenFill>
             </a:ext>
             <a:ext uri="{91240B29-F687-4f45-9708-019B960494DF}">
-              <a14:hiddenLine xmlns:a14="http://schemas.microsoft.com/office/drawing/2010/main" xmlns="" w="9525">
+              <a14:hiddenLine xmlns="" xmlns:a14="http://schemas.microsoft.com/office/drawing/2010/main" w="9525">
                 <a:solidFill>
                   <a:srgbClr val="000000"/>
                 </a:solidFill>
@@ -6156,14 +4685,14 @@
           </a:ln>
           <a:extLst>
             <a:ext uri="{909E8E84-426E-40dd-AFC4-6F175D3DCCD1}">
-              <a14:hiddenFill xmlns:a14="http://schemas.microsoft.com/office/drawing/2010/main" xmlns="">
+              <a14:hiddenFill xmlns="" xmlns:a14="http://schemas.microsoft.com/office/drawing/2010/main">
                 <a:solidFill>
                   <a:srgbClr val="FFFFFF"/>
                 </a:solidFill>
               </a14:hiddenFill>
             </a:ext>
             <a:ext uri="{91240B29-F687-4f45-9708-019B960494DF}">
-              <a14:hiddenLine xmlns:a14="http://schemas.microsoft.com/office/drawing/2010/main" xmlns="" w="9525">
+              <a14:hiddenLine xmlns="" xmlns:a14="http://schemas.microsoft.com/office/drawing/2010/main" w="9525">
                 <a:solidFill>
                   <a:srgbClr val="000000"/>
                 </a:solidFill>
@@ -7864,14 +6393,14 @@
           </a:ln>
           <a:extLst>
             <a:ext uri="{909E8E84-426E-40dd-AFC4-6F175D3DCCD1}">
-              <a14:hiddenFill xmlns:a14="http://schemas.microsoft.com/office/drawing/2010/main" xmlns="">
+              <a14:hiddenFill xmlns="" xmlns:a14="http://schemas.microsoft.com/office/drawing/2010/main">
                 <a:solidFill>
                   <a:srgbClr val="FFFFFF"/>
                 </a:solidFill>
               </a14:hiddenFill>
             </a:ext>
             <a:ext uri="{91240B29-F687-4f45-9708-019B960494DF}">
-              <a14:hiddenLine xmlns:a14="http://schemas.microsoft.com/office/drawing/2010/main" xmlns="" w="9525">
+              <a14:hiddenLine xmlns="" xmlns:a14="http://schemas.microsoft.com/office/drawing/2010/main" w="9525">
                 <a:solidFill>
                   <a:srgbClr val="000000"/>
                 </a:solidFill>
@@ -7918,14 +6447,14 @@
           </a:ln>
           <a:extLst>
             <a:ext uri="{909E8E84-426E-40dd-AFC4-6F175D3DCCD1}">
-              <a14:hiddenFill xmlns:a14="http://schemas.microsoft.com/office/drawing/2010/main" xmlns="">
+              <a14:hiddenFill xmlns="" xmlns:a14="http://schemas.microsoft.com/office/drawing/2010/main">
                 <a:solidFill>
                   <a:srgbClr val="FFFFFF"/>
                 </a:solidFill>
               </a14:hiddenFill>
             </a:ext>
             <a:ext uri="{91240B29-F687-4f45-9708-019B960494DF}">
-              <a14:hiddenLine xmlns:a14="http://schemas.microsoft.com/office/drawing/2010/main" xmlns="" w="9525">
+              <a14:hiddenLine xmlns="" xmlns:a14="http://schemas.microsoft.com/office/drawing/2010/main" w="9525">
                 <a:solidFill>
                   <a:srgbClr val="000000"/>
                 </a:solidFill>
@@ -7961,14 +6490,14 @@
           </a:ln>
           <a:extLst>
             <a:ext uri="{909E8E84-426E-40dd-AFC4-6F175D3DCCD1}">
-              <a14:hiddenFill xmlns:a14="http://schemas.microsoft.com/office/drawing/2010/main" xmlns="">
+              <a14:hiddenFill xmlns="" xmlns:a14="http://schemas.microsoft.com/office/drawing/2010/main">
                 <a:solidFill>
                   <a:srgbClr val="FFFFFF"/>
                 </a:solidFill>
               </a14:hiddenFill>
             </a:ext>
             <a:ext uri="{91240B29-F687-4f45-9708-019B960494DF}">
-              <a14:hiddenLine xmlns:a14="http://schemas.microsoft.com/office/drawing/2010/main" xmlns="" w="9525">
+              <a14:hiddenLine xmlns="" xmlns:a14="http://schemas.microsoft.com/office/drawing/2010/main" w="9525">
                 <a:solidFill>
                   <a:srgbClr val="000000"/>
                 </a:solidFill>
@@ -7978,7 +6507,7 @@
               </a14:hiddenLine>
             </a:ext>
             <a:ext uri="{FAA26D3D-D897-4be2-8F04-BA451C77F1D7}">
-              <ma14:placeholderFlag xmlns:ma14="http://schemas.microsoft.com/office/mac/drawingml/2011/main" xmlns="" val="1"/>
+              <ma14:placeholderFlag xmlns="" xmlns:ma14="http://schemas.microsoft.com/office/mac/drawingml/2011/main" val="1"/>
             </a:ext>
           </a:extLst>
         </p:spPr>
@@ -8022,14 +6551,14 @@
           </a:ln>
           <a:extLst>
             <a:ext uri="{909E8E84-426E-40dd-AFC4-6F175D3DCCD1}">
-              <a14:hiddenFill xmlns:a14="http://schemas.microsoft.com/office/drawing/2010/main" xmlns="">
+              <a14:hiddenFill xmlns="" xmlns:a14="http://schemas.microsoft.com/office/drawing/2010/main">
                 <a:solidFill>
                   <a:srgbClr val="FFFFFF"/>
                 </a:solidFill>
               </a14:hiddenFill>
             </a:ext>
             <a:ext uri="{91240B29-F687-4f45-9708-019B960494DF}">
-              <a14:hiddenLine xmlns:a14="http://schemas.microsoft.com/office/drawing/2010/main" xmlns="" w="9525">
+              <a14:hiddenLine xmlns="" xmlns:a14="http://schemas.microsoft.com/office/drawing/2010/main" w="9525">
                 <a:solidFill>
                   <a:srgbClr val="000000"/>
                 </a:solidFill>
@@ -8039,7 +6568,7 @@
               </a14:hiddenLine>
             </a:ext>
             <a:ext uri="{FAA26D3D-D897-4be2-8F04-BA451C77F1D7}">
-              <ma14:placeholderFlag xmlns:ma14="http://schemas.microsoft.com/office/mac/drawingml/2011/main" xmlns="" val="1"/>
+              <ma14:placeholderFlag xmlns="" xmlns:ma14="http://schemas.microsoft.com/office/mac/drawingml/2011/main" val="1"/>
             </a:ext>
           </a:extLst>
         </p:spPr>
@@ -8175,14 +6704,14 @@
           </a:ln>
           <a:extLst>
             <a:ext uri="{909E8E84-426E-40dd-AFC4-6F175D3DCCD1}">
-              <a14:hiddenFill xmlns:a14="http://schemas.microsoft.com/office/drawing/2010/main" xmlns="">
+              <a14:hiddenFill xmlns="" xmlns:a14="http://schemas.microsoft.com/office/drawing/2010/main">
                 <a:solidFill>
                   <a:srgbClr val="FFFFFF"/>
                 </a:solidFill>
               </a14:hiddenFill>
             </a:ext>
             <a:ext uri="{91240B29-F687-4f45-9708-019B960494DF}">
-              <a14:hiddenLine xmlns:a14="http://schemas.microsoft.com/office/drawing/2010/main" xmlns="" w="9525">
+              <a14:hiddenLine xmlns="" xmlns:a14="http://schemas.microsoft.com/office/drawing/2010/main" w="9525">
                 <a:solidFill>
                   <a:srgbClr val="000000"/>
                 </a:solidFill>
@@ -8656,14 +7185,14 @@
           </a:ln>
           <a:extLst>
             <a:ext uri="{909E8E84-426E-40dd-AFC4-6F175D3DCCD1}">
-              <a14:hiddenFill xmlns:a14="http://schemas.microsoft.com/office/drawing/2010/main" xmlns="">
+              <a14:hiddenFill xmlns="" xmlns:a14="http://schemas.microsoft.com/office/drawing/2010/main">
                 <a:solidFill>
                   <a:srgbClr val="FFFFFF"/>
                 </a:solidFill>
               </a14:hiddenFill>
             </a:ext>
             <a:ext uri="{91240B29-F687-4f45-9708-019B960494DF}">
-              <a14:hiddenLine xmlns:a14="http://schemas.microsoft.com/office/drawing/2010/main" xmlns="" w="9525">
+              <a14:hiddenLine xmlns="" xmlns:a14="http://schemas.microsoft.com/office/drawing/2010/main" w="9525">
                 <a:solidFill>
                   <a:srgbClr val="000000"/>
                 </a:solidFill>
@@ -8771,430 +7300,6 @@
       </p:grpSpPr>
       <p:sp>
         <p:nvSpPr>
-          <p:cNvPr id="2" name="Title 1"/>
-          <p:cNvSpPr>
-            <a:spLocks noGrp="1"/>
-          </p:cNvSpPr>
-          <p:nvPr>
-            <p:ph type="title"/>
-          </p:nvPr>
-        </p:nvSpPr>
-        <p:spPr/>
-        <p:txBody>
-          <a:bodyPr/>
-          <a:lstStyle/>
-          <a:p>
-            <a:r>
-              <a:rPr lang="en-CA" dirty="0"/>
-              <a:t>Related work</a:t>
-            </a:r>
-          </a:p>
-        </p:txBody>
-      </p:sp>
-      <p:sp>
-        <p:nvSpPr>
-          <p:cNvPr id="4" name="Content Placeholder 2"/>
-          <p:cNvSpPr>
-            <a:spLocks noGrp="1"/>
-          </p:cNvSpPr>
-          <p:nvPr>
-            <p:ph idx="1"/>
-          </p:nvPr>
-        </p:nvSpPr>
-        <p:spPr>
-          <a:xfrm>
-            <a:off x="228598" y="1828800"/>
-            <a:ext cx="8550275" cy="4495800"/>
-          </a:xfrm>
-        </p:spPr>
-        <p:txBody>
-          <a:bodyPr/>
-          <a:lstStyle/>
-          <a:p>
-            <a:pPr marL="0" indent="0">
-              <a:buNone/>
-            </a:pPr>
-            <a:r>
-              <a:rPr lang="en-CA" sz="2400" dirty="0"/>
-              <a:t>Since 2013[6], </a:t>
-            </a:r>
-            <a:r>
-              <a:rPr lang="en-CA" sz="2400" dirty="0" err="1"/>
-              <a:t>CoRE</a:t>
-            </a:r>
-            <a:r>
-              <a:rPr lang="en-CA" sz="2400" dirty="0"/>
-              <a:t> working group maintains a Internet-Draft: CoAP Communication with Alternative Transports.</a:t>
-            </a:r>
-          </a:p>
-        </p:txBody>
-      </p:sp>
-      <p:sp>
-        <p:nvSpPr>
-          <p:cNvPr id="5" name="Content Placeholder 2"/>
-          <p:cNvSpPr txBox="1">
-            <a:spLocks/>
-          </p:cNvSpPr>
-          <p:nvPr/>
-        </p:nvSpPr>
-        <p:spPr bwMode="auto">
-          <a:xfrm>
-            <a:off x="228599" y="1416311"/>
-            <a:ext cx="8550275" cy="314616"/>
-          </a:xfrm>
-          <a:prstGeom prst="rect">
-            <a:avLst/>
-          </a:prstGeom>
-          <a:noFill/>
-          <a:ln>
-            <a:noFill/>
-          </a:ln>
-          <a:extLst>
-            <a:ext uri="{909E8E84-426E-40dd-AFC4-6F175D3DCCD1}">
-              <a14:hiddenFill xmlns:a14="http://schemas.microsoft.com/office/drawing/2010/main" xmlns="">
-                <a:solidFill>
-                  <a:srgbClr val="FFFFFF"/>
-                </a:solidFill>
-              </a14:hiddenFill>
-            </a:ext>
-            <a:ext uri="{91240B29-F687-4f45-9708-019B960494DF}">
-              <a14:hiddenLine xmlns:a14="http://schemas.microsoft.com/office/drawing/2010/main" xmlns="" w="9525">
-                <a:solidFill>
-                  <a:srgbClr val="000000"/>
-                </a:solidFill>
-                <a:miter lim="800000"/>
-                <a:headEnd/>
-                <a:tailEnd/>
-              </a14:hiddenLine>
-            </a:ext>
-            <a:ext uri="{FAA26D3D-D897-4be2-8F04-BA451C77F1D7}">
-              <ma14:placeholderFlag xmlns:ma14="http://schemas.microsoft.com/office/mac/drawingml/2011/main" xmlns="" val="1"/>
-            </a:ext>
-          </a:extLst>
-        </p:spPr>
-        <p:txBody>
-          <a:bodyPr vert="horz" wrap="square" lIns="91440" tIns="45720" rIns="91440" bIns="45720" numCol="1" anchor="t" anchorCtr="0" compatLnSpc="1">
-            <a:prstTxWarp prst="textNoShape">
-              <a:avLst/>
-            </a:prstTxWarp>
-          </a:bodyPr>
-          <a:lstStyle>
-            <a:lvl1pPr marL="269875" indent="-269875" algn="l" rtl="0" eaLnBrk="0" fontAlgn="base" hangingPunct="0">
-              <a:spcBef>
-                <a:spcPct val="20000"/>
-              </a:spcBef>
-              <a:spcAft>
-                <a:spcPct val="0"/>
-              </a:spcAft>
-              <a:buSzPct val="75000"/>
-              <a:buFont typeface="Wingdings" charset="0"/>
-              <a:buChar char="§"/>
-              <a:defRPr sz="3200">
-                <a:solidFill>
-                  <a:srgbClr val="000000"/>
-                </a:solidFill>
-                <a:latin typeface="Calibri"/>
-                <a:ea typeface="ＭＳ Ｐゴシック" pitchFamily="-108" charset="-128"/>
-                <a:cs typeface="Calibri"/>
-              </a:defRPr>
-            </a:lvl1pPr>
-            <a:lvl2pPr marL="914400" indent="-457200" algn="l" rtl="0" eaLnBrk="0" fontAlgn="base" hangingPunct="0">
-              <a:spcBef>
-                <a:spcPct val="20000"/>
-              </a:spcBef>
-              <a:spcAft>
-                <a:spcPct val="0"/>
-              </a:spcAft>
-              <a:buClrTx/>
-              <a:buSzPct val="100000"/>
-              <a:buFont typeface="Arial"/>
-              <a:buChar char="•"/>
-              <a:defRPr sz="2800">
-                <a:solidFill>
-                  <a:srgbClr val="000000"/>
-                </a:solidFill>
-                <a:latin typeface="Calibri"/>
-                <a:ea typeface="ＭＳ Ｐゴシック" pitchFamily="-108" charset="-128"/>
-                <a:cs typeface="Calibri"/>
-              </a:defRPr>
-            </a:lvl2pPr>
-            <a:lvl3pPr marL="1371600" indent="-457200" algn="l" rtl="0" eaLnBrk="0" fontAlgn="base" hangingPunct="0">
-              <a:spcBef>
-                <a:spcPct val="20000"/>
-              </a:spcBef>
-              <a:spcAft>
-                <a:spcPct val="0"/>
-              </a:spcAft>
-              <a:buClrTx/>
-              <a:buSzPct val="100000"/>
-              <a:buFont typeface="Arial"/>
-              <a:buChar char="•"/>
-              <a:defRPr sz="2400">
-                <a:solidFill>
-                  <a:srgbClr val="000000"/>
-                </a:solidFill>
-                <a:latin typeface="Calibri"/>
-                <a:ea typeface="ＭＳ Ｐゴシック" pitchFamily="-108" charset="-128"/>
-                <a:cs typeface="Calibri"/>
-              </a:defRPr>
-            </a:lvl3pPr>
-            <a:lvl4pPr marL="1752600" indent="-381000" algn="l" rtl="0" eaLnBrk="0" fontAlgn="base" hangingPunct="0">
-              <a:spcBef>
-                <a:spcPct val="20000"/>
-              </a:spcBef>
-              <a:spcAft>
-                <a:spcPct val="0"/>
-              </a:spcAft>
-              <a:buClrTx/>
-              <a:buSzPct val="100000"/>
-              <a:buFont typeface="Arial"/>
-              <a:buChar char="•"/>
-              <a:defRPr sz="2000">
-                <a:solidFill>
-                  <a:srgbClr val="000000"/>
-                </a:solidFill>
-                <a:latin typeface="Calibri"/>
-                <a:ea typeface="ＭＳ Ｐゴシック" pitchFamily="-108" charset="-128"/>
-                <a:cs typeface="Calibri"/>
-              </a:defRPr>
-            </a:lvl4pPr>
-            <a:lvl5pPr marL="2209800" indent="-381000" algn="l" rtl="0" eaLnBrk="0" fontAlgn="base" hangingPunct="0">
-              <a:spcBef>
-                <a:spcPct val="20000"/>
-              </a:spcBef>
-              <a:spcAft>
-                <a:spcPct val="0"/>
-              </a:spcAft>
-              <a:buClrTx/>
-              <a:buSzPct val="100000"/>
-              <a:buFont typeface="Arial"/>
-              <a:buChar char="•"/>
-              <a:defRPr sz="1800">
-                <a:solidFill>
-                  <a:srgbClr val="000000"/>
-                </a:solidFill>
-                <a:latin typeface="Calibri"/>
-                <a:ea typeface="ＭＳ Ｐゴシック" pitchFamily="-108" charset="-128"/>
-                <a:cs typeface="Calibri"/>
-              </a:defRPr>
-            </a:lvl5pPr>
-            <a:lvl6pPr marL="2667000" indent="-381000" algn="l" rtl="0" fontAlgn="base">
-              <a:spcBef>
-                <a:spcPct val="20000"/>
-              </a:spcBef>
-              <a:spcAft>
-                <a:spcPct val="0"/>
-              </a:spcAft>
-              <a:buFont typeface="Times" pitchFamily="-108" charset="0"/>
-              <a:buChar char="•"/>
-              <a:defRPr sz="2000">
-                <a:solidFill>
-                  <a:srgbClr val="FFFFFF"/>
-                </a:solidFill>
-                <a:latin typeface="Georgia" pitchFamily="-108" charset="0"/>
-                <a:ea typeface="ＭＳ Ｐゴシック" pitchFamily="-108" charset="-128"/>
-              </a:defRPr>
-            </a:lvl6pPr>
-            <a:lvl7pPr marL="3124200" indent="-381000" algn="l" rtl="0" fontAlgn="base">
-              <a:spcBef>
-                <a:spcPct val="20000"/>
-              </a:spcBef>
-              <a:spcAft>
-                <a:spcPct val="0"/>
-              </a:spcAft>
-              <a:buFont typeface="Times" pitchFamily="-108" charset="0"/>
-              <a:buChar char="•"/>
-              <a:defRPr sz="2000">
-                <a:solidFill>
-                  <a:srgbClr val="FFFFFF"/>
-                </a:solidFill>
-                <a:latin typeface="Georgia" pitchFamily="-108" charset="0"/>
-                <a:ea typeface="ＭＳ Ｐゴシック" pitchFamily="-108" charset="-128"/>
-              </a:defRPr>
-            </a:lvl7pPr>
-            <a:lvl8pPr marL="3581400" indent="-381000" algn="l" rtl="0" fontAlgn="base">
-              <a:spcBef>
-                <a:spcPct val="20000"/>
-              </a:spcBef>
-              <a:spcAft>
-                <a:spcPct val="0"/>
-              </a:spcAft>
-              <a:buFont typeface="Times" pitchFamily="-108" charset="0"/>
-              <a:buChar char="•"/>
-              <a:defRPr sz="2000">
-                <a:solidFill>
-                  <a:srgbClr val="FFFFFF"/>
-                </a:solidFill>
-                <a:latin typeface="Georgia" pitchFamily="-108" charset="0"/>
-                <a:ea typeface="ＭＳ Ｐゴシック" pitchFamily="-108" charset="-128"/>
-              </a:defRPr>
-            </a:lvl8pPr>
-            <a:lvl9pPr marL="4038600" indent="-381000" algn="l" rtl="0" fontAlgn="base">
-              <a:spcBef>
-                <a:spcPct val="20000"/>
-              </a:spcBef>
-              <a:spcAft>
-                <a:spcPct val="0"/>
-              </a:spcAft>
-              <a:buFont typeface="Times" pitchFamily="-108" charset="0"/>
-              <a:buChar char="•"/>
-              <a:defRPr sz="2000">
-                <a:solidFill>
-                  <a:srgbClr val="FFFFFF"/>
-                </a:solidFill>
-                <a:latin typeface="Georgia" pitchFamily="-108" charset="0"/>
-                <a:ea typeface="ＭＳ Ｐゴシック" pitchFamily="-108" charset="-128"/>
-              </a:defRPr>
-            </a:lvl9pPr>
-          </a:lstStyle>
-          <a:p>
-            <a:pPr marL="0" indent="0">
-              <a:buFont typeface="Wingdings" charset="0"/>
-              <a:buNone/>
-            </a:pPr>
-            <a:r>
-              <a:rPr lang="en-CA" sz="2000" kern="0" dirty="0"/>
-              <a:t>2.Alternative transports</a:t>
-            </a:r>
-          </a:p>
-        </p:txBody>
-      </p:sp>
-    </p:spTree>
-    <p:extLst>
-      <p:ext uri="{BB962C8B-B14F-4D97-AF65-F5344CB8AC3E}">
-        <p14:creationId xmlns:p14="http://schemas.microsoft.com/office/powerpoint/2010/main" val="3715438265"/>
-      </p:ext>
-    </p:extLst>
-  </p:cSld>
-  <p:clrMapOvr>
-    <a:masterClrMapping/>
-  </p:clrMapOvr>
-</p:sld>
-</file>
-
-<file path=ppt/slides/slide11.xml><?xml version="1.0" encoding="utf-8"?>
-<p:sld xmlns:a="http://schemas.openxmlformats.org/drawingml/2006/main" xmlns:r="http://schemas.openxmlformats.org/officeDocument/2006/relationships" xmlns:p="http://schemas.openxmlformats.org/presentationml/2006/main">
-  <p:cSld>
-    <p:spTree>
-      <p:nvGrpSpPr>
-        <p:cNvPr id="1" name=""/>
-        <p:cNvGrpSpPr/>
-        <p:nvPr/>
-      </p:nvGrpSpPr>
-      <p:grpSpPr>
-        <a:xfrm>
-          <a:off x="0" y="0"/>
-          <a:ext cx="0" cy="0"/>
-          <a:chOff x="0" y="0"/>
-          <a:chExt cx="0" cy="0"/>
-        </a:xfrm>
-      </p:grpSpPr>
-      <p:sp>
-        <p:nvSpPr>
-          <p:cNvPr id="20" name="矩形 2"/>
-          <p:cNvSpPr/>
-          <p:nvPr/>
-        </p:nvSpPr>
-        <p:spPr>
-          <a:xfrm>
-            <a:off x="5127167" y="1951044"/>
-            <a:ext cx="3875024" cy="3001956"/>
-          </a:xfrm>
-          <a:prstGeom prst="rect">
-            <a:avLst/>
-          </a:prstGeom>
-          <a:solidFill>
-            <a:srgbClr val="FFFFFF"/>
-          </a:solidFill>
-          <a:ln>
-            <a:solidFill>
-              <a:srgbClr val="0070C0"/>
-            </a:solidFill>
-          </a:ln>
-        </p:spPr>
-        <p:style>
-          <a:lnRef idx="2">
-            <a:schemeClr val="accent1">
-              <a:shade val="50000"/>
-            </a:schemeClr>
-          </a:lnRef>
-          <a:fillRef idx="1">
-            <a:schemeClr val="accent1"/>
-          </a:fillRef>
-          <a:effectRef idx="0">
-            <a:schemeClr val="accent1"/>
-          </a:effectRef>
-          <a:fontRef idx="minor">
-            <a:schemeClr val="lt1"/>
-          </a:fontRef>
-        </p:style>
-        <p:txBody>
-          <a:bodyPr rtlCol="0" anchor="ctr"/>
-          <a:lstStyle/>
-          <a:p>
-            <a:pPr algn="ctr"/>
-            <a:endParaRPr lang="zh-CN" altLang="en-US" sz="1600" dirty="0">
-              <a:solidFill>
-                <a:schemeClr val="tx1"/>
-              </a:solidFill>
-            </a:endParaRPr>
-          </a:p>
-        </p:txBody>
-      </p:sp>
-      <p:sp>
-        <p:nvSpPr>
-          <p:cNvPr id="19" name="矩形 2"/>
-          <p:cNvSpPr/>
-          <p:nvPr/>
-        </p:nvSpPr>
-        <p:spPr>
-          <a:xfrm>
-            <a:off x="76200" y="1951044"/>
-            <a:ext cx="3875024" cy="3001956"/>
-          </a:xfrm>
-          <a:prstGeom prst="rect">
-            <a:avLst/>
-          </a:prstGeom>
-          <a:solidFill>
-            <a:srgbClr val="FFFFFF"/>
-          </a:solidFill>
-          <a:ln>
-            <a:solidFill>
-              <a:srgbClr val="0070C0"/>
-            </a:solidFill>
-          </a:ln>
-        </p:spPr>
-        <p:style>
-          <a:lnRef idx="2">
-            <a:schemeClr val="accent1">
-              <a:shade val="50000"/>
-            </a:schemeClr>
-          </a:lnRef>
-          <a:fillRef idx="1">
-            <a:schemeClr val="accent1"/>
-          </a:fillRef>
-          <a:effectRef idx="0">
-            <a:schemeClr val="accent1"/>
-          </a:effectRef>
-          <a:fontRef idx="minor">
-            <a:schemeClr val="lt1"/>
-          </a:fontRef>
-        </p:style>
-        <p:txBody>
-          <a:bodyPr rtlCol="0" anchor="ctr"/>
-          <a:lstStyle/>
-          <a:p>
-            <a:pPr algn="ctr"/>
-            <a:endParaRPr lang="zh-CN" altLang="en-US" sz="1600" dirty="0">
-              <a:solidFill>
-                <a:schemeClr val="tx1"/>
-              </a:solidFill>
-            </a:endParaRPr>
-          </a:p>
-        </p:txBody>
-      </p:sp>
-      <p:sp>
-        <p:nvSpPr>
           <p:cNvPr id="5" name="Title 1"/>
           <p:cNvSpPr>
             <a:spLocks noGrp="1"/>
@@ -9216,694 +7321,6 @@
             <a:r>
               <a:rPr lang="en-CA" dirty="0"/>
               <a:t>Architecture</a:t>
-            </a:r>
-          </a:p>
-        </p:txBody>
-      </p:sp>
-      <p:sp>
-        <p:nvSpPr>
-          <p:cNvPr id="6" name="矩形 2"/>
-          <p:cNvSpPr/>
-          <p:nvPr/>
-        </p:nvSpPr>
-        <p:spPr>
-          <a:xfrm>
-            <a:off x="2510880" y="2362200"/>
-            <a:ext cx="1305679" cy="2173314"/>
-          </a:xfrm>
-          <a:prstGeom prst="rect">
-            <a:avLst/>
-          </a:prstGeom>
-          <a:solidFill>
-            <a:srgbClr val="FFFFFF"/>
-          </a:solidFill>
-          <a:ln>
-            <a:solidFill>
-              <a:srgbClr val="0070C0"/>
-            </a:solidFill>
-          </a:ln>
-        </p:spPr>
-        <p:style>
-          <a:lnRef idx="2">
-            <a:schemeClr val="accent1">
-              <a:shade val="50000"/>
-            </a:schemeClr>
-          </a:lnRef>
-          <a:fillRef idx="1">
-            <a:schemeClr val="accent1"/>
-          </a:fillRef>
-          <a:effectRef idx="0">
-            <a:schemeClr val="accent1"/>
-          </a:effectRef>
-          <a:fontRef idx="minor">
-            <a:schemeClr val="lt1"/>
-          </a:fontRef>
-        </p:style>
-        <p:txBody>
-          <a:bodyPr rtlCol="0" anchor="ctr"/>
-          <a:lstStyle/>
-          <a:p>
-            <a:pPr algn="ctr"/>
-            <a:r>
-              <a:rPr lang="en-US" altLang="zh-CN" sz="1600" dirty="0">
-                <a:solidFill>
-                  <a:schemeClr val="tx1"/>
-                </a:solidFill>
-              </a:rPr>
-              <a:t>CoAPNonIP</a:t>
-            </a:r>
-            <a:endParaRPr lang="zh-CN" altLang="en-US" sz="1600" dirty="0">
-              <a:solidFill>
-                <a:schemeClr val="tx1"/>
-              </a:solidFill>
-            </a:endParaRPr>
-          </a:p>
-        </p:txBody>
-      </p:sp>
-      <p:sp>
-        <p:nvSpPr>
-          <p:cNvPr id="7" name="矩形 2"/>
-          <p:cNvSpPr/>
-          <p:nvPr/>
-        </p:nvSpPr>
-        <p:spPr>
-          <a:xfrm>
-            <a:off x="5280388" y="2356244"/>
-            <a:ext cx="1323072" cy="2173314"/>
-          </a:xfrm>
-          <a:prstGeom prst="rect">
-            <a:avLst/>
-          </a:prstGeom>
-          <a:solidFill>
-            <a:srgbClr val="FFFFFF"/>
-          </a:solidFill>
-          <a:ln>
-            <a:solidFill>
-              <a:srgbClr val="0070C0"/>
-            </a:solidFill>
-          </a:ln>
-        </p:spPr>
-        <p:style>
-          <a:lnRef idx="2">
-            <a:schemeClr val="accent1">
-              <a:shade val="50000"/>
-            </a:schemeClr>
-          </a:lnRef>
-          <a:fillRef idx="1">
-            <a:schemeClr val="accent1"/>
-          </a:fillRef>
-          <a:effectRef idx="0">
-            <a:schemeClr val="accent1"/>
-          </a:effectRef>
-          <a:fontRef idx="minor">
-            <a:schemeClr val="lt1"/>
-          </a:fontRef>
-        </p:style>
-        <p:txBody>
-          <a:bodyPr rtlCol="0" anchor="ctr"/>
-          <a:lstStyle/>
-          <a:p>
-            <a:pPr algn="ctr"/>
-            <a:r>
-              <a:rPr lang="en-US" altLang="zh-CN" sz="1600" dirty="0">
-                <a:solidFill>
-                  <a:schemeClr val="tx1"/>
-                </a:solidFill>
-              </a:rPr>
-              <a:t>CoAPNonIP</a:t>
-            </a:r>
-            <a:endParaRPr lang="zh-CN" altLang="en-US" sz="1600" dirty="0">
-              <a:solidFill>
-                <a:schemeClr val="tx1"/>
-              </a:solidFill>
-            </a:endParaRPr>
-          </a:p>
-        </p:txBody>
-      </p:sp>
-      <p:cxnSp>
-        <p:nvCxnSpPr>
-          <p:cNvPr id="8" name="直接箭头连接符 7"/>
-          <p:cNvCxnSpPr/>
-          <p:nvPr/>
-        </p:nvCxnSpPr>
-        <p:spPr>
-          <a:xfrm>
-            <a:off x="4137538" y="3675070"/>
-            <a:ext cx="850345" cy="0"/>
-          </a:xfrm>
-          <a:prstGeom prst="straightConnector1">
-            <a:avLst/>
-          </a:prstGeom>
-          <a:ln>
-            <a:solidFill>
-              <a:srgbClr val="0070C0"/>
-            </a:solidFill>
-            <a:tailEnd type="arrow"/>
-          </a:ln>
-        </p:spPr>
-        <p:style>
-          <a:lnRef idx="1">
-            <a:schemeClr val="accent1"/>
-          </a:lnRef>
-          <a:fillRef idx="0">
-            <a:schemeClr val="accent1"/>
-          </a:fillRef>
-          <a:effectRef idx="0">
-            <a:schemeClr val="accent1"/>
-          </a:effectRef>
-          <a:fontRef idx="minor">
-            <a:schemeClr val="tx1"/>
-          </a:fontRef>
-        </p:style>
-      </p:cxnSp>
-      <p:sp>
-        <p:nvSpPr>
-          <p:cNvPr id="9" name="矩形 2"/>
-          <p:cNvSpPr/>
-          <p:nvPr/>
-        </p:nvSpPr>
-        <p:spPr>
-          <a:xfrm>
-            <a:off x="188789" y="3333248"/>
-            <a:ext cx="1276350" cy="533400"/>
-          </a:xfrm>
-          <a:prstGeom prst="rect">
-            <a:avLst/>
-          </a:prstGeom>
-          <a:solidFill>
-            <a:srgbClr val="FFFFFF"/>
-          </a:solidFill>
-          <a:ln>
-            <a:solidFill>
-              <a:srgbClr val="0070C0"/>
-            </a:solidFill>
-          </a:ln>
-        </p:spPr>
-        <p:style>
-          <a:lnRef idx="2">
-            <a:schemeClr val="accent1">
-              <a:shade val="50000"/>
-            </a:schemeClr>
-          </a:lnRef>
-          <a:fillRef idx="1">
-            <a:schemeClr val="accent1"/>
-          </a:fillRef>
-          <a:effectRef idx="0">
-            <a:schemeClr val="accent1"/>
-          </a:effectRef>
-          <a:fontRef idx="minor">
-            <a:schemeClr val="lt1"/>
-          </a:fontRef>
-        </p:style>
-        <p:txBody>
-          <a:bodyPr rtlCol="0" anchor="ctr"/>
-          <a:lstStyle/>
-          <a:p>
-            <a:pPr algn="ctr"/>
-            <a:r>
-              <a:rPr lang="en-US" altLang="zh-CN" sz="1600" dirty="0">
-                <a:solidFill>
-                  <a:schemeClr val="tx1"/>
-                </a:solidFill>
-              </a:rPr>
-              <a:t>Application</a:t>
-            </a:r>
-            <a:endParaRPr lang="zh-CN" altLang="en-US" sz="1600" dirty="0">
-              <a:solidFill>
-                <a:schemeClr val="tx1"/>
-              </a:solidFill>
-            </a:endParaRPr>
-          </a:p>
-        </p:txBody>
-      </p:sp>
-      <p:sp>
-        <p:nvSpPr>
-          <p:cNvPr id="10" name="矩形 2"/>
-          <p:cNvSpPr/>
-          <p:nvPr/>
-        </p:nvSpPr>
-        <p:spPr>
-          <a:xfrm>
-            <a:off x="7585438" y="3167208"/>
-            <a:ext cx="1276350" cy="533400"/>
-          </a:xfrm>
-          <a:prstGeom prst="rect">
-            <a:avLst/>
-          </a:prstGeom>
-          <a:solidFill>
-            <a:srgbClr val="FFFFFF"/>
-          </a:solidFill>
-          <a:ln>
-            <a:solidFill>
-              <a:srgbClr val="0070C0"/>
-            </a:solidFill>
-          </a:ln>
-        </p:spPr>
-        <p:style>
-          <a:lnRef idx="2">
-            <a:schemeClr val="accent1">
-              <a:shade val="50000"/>
-            </a:schemeClr>
-          </a:lnRef>
-          <a:fillRef idx="1">
-            <a:schemeClr val="accent1"/>
-          </a:fillRef>
-          <a:effectRef idx="0">
-            <a:schemeClr val="accent1"/>
-          </a:effectRef>
-          <a:fontRef idx="minor">
-            <a:schemeClr val="lt1"/>
-          </a:fontRef>
-        </p:style>
-        <p:txBody>
-          <a:bodyPr rtlCol="0" anchor="ctr"/>
-          <a:lstStyle/>
-          <a:p>
-            <a:pPr algn="ctr"/>
-            <a:r>
-              <a:rPr lang="en-US" altLang="zh-CN" sz="1600" dirty="0">
-                <a:solidFill>
-                  <a:schemeClr val="tx1"/>
-                </a:solidFill>
-              </a:rPr>
-              <a:t>Application</a:t>
-            </a:r>
-            <a:endParaRPr lang="zh-CN" altLang="en-US" sz="1600" dirty="0">
-              <a:solidFill>
-                <a:schemeClr val="tx1"/>
-              </a:solidFill>
-            </a:endParaRPr>
-          </a:p>
-        </p:txBody>
-      </p:sp>
-      <p:sp>
-        <p:nvSpPr>
-          <p:cNvPr id="11" name="TextBox 10"/>
-          <p:cNvSpPr txBox="1"/>
-          <p:nvPr/>
-        </p:nvSpPr>
-        <p:spPr>
-          <a:xfrm>
-            <a:off x="1435021" y="3124631"/>
-            <a:ext cx="1038169" cy="276999"/>
-          </a:xfrm>
-          <a:prstGeom prst="rect">
-            <a:avLst/>
-          </a:prstGeom>
-          <a:noFill/>
-        </p:spPr>
-        <p:txBody>
-          <a:bodyPr wrap="none" rtlCol="0">
-            <a:spAutoFit/>
-          </a:bodyPr>
-          <a:lstStyle/>
-          <a:p>
-            <a:r>
-              <a:rPr lang="en-CA" sz="1200" dirty="0"/>
-              <a:t>CoAP request</a:t>
-            </a:r>
-          </a:p>
-        </p:txBody>
-      </p:sp>
-      <p:cxnSp>
-        <p:nvCxnSpPr>
-          <p:cNvPr id="12" name="直接箭头连接符 7"/>
-          <p:cNvCxnSpPr/>
-          <p:nvPr/>
-        </p:nvCxnSpPr>
-        <p:spPr>
-          <a:xfrm flipH="1">
-            <a:off x="1561353" y="3584087"/>
-            <a:ext cx="814860" cy="0"/>
-          </a:xfrm>
-          <a:prstGeom prst="straightConnector1">
-            <a:avLst/>
-          </a:prstGeom>
-          <a:ln>
-            <a:solidFill>
-              <a:srgbClr val="0070C0"/>
-            </a:solidFill>
-            <a:tailEnd type="arrow"/>
-          </a:ln>
-        </p:spPr>
-        <p:style>
-          <a:lnRef idx="1">
-            <a:schemeClr val="accent1"/>
-          </a:lnRef>
-          <a:fillRef idx="0">
-            <a:schemeClr val="accent1"/>
-          </a:fillRef>
-          <a:effectRef idx="0">
-            <a:schemeClr val="accent1"/>
-          </a:effectRef>
-          <a:fontRef idx="minor">
-            <a:schemeClr val="tx1"/>
-          </a:fontRef>
-        </p:style>
-      </p:cxnSp>
-      <p:sp>
-        <p:nvSpPr>
-          <p:cNvPr id="13" name="TextBox 12"/>
-          <p:cNvSpPr txBox="1"/>
-          <p:nvPr/>
-        </p:nvSpPr>
-        <p:spPr>
-          <a:xfrm>
-            <a:off x="1403202" y="3823811"/>
-            <a:ext cx="1169616" cy="276999"/>
-          </a:xfrm>
-          <a:prstGeom prst="rect">
-            <a:avLst/>
-          </a:prstGeom>
-          <a:noFill/>
-        </p:spPr>
-        <p:txBody>
-          <a:bodyPr wrap="none" rtlCol="0">
-            <a:spAutoFit/>
-          </a:bodyPr>
-          <a:lstStyle/>
-          <a:p>
-            <a:r>
-              <a:rPr lang="en-CA" sz="1200" dirty="0"/>
-              <a:t>CoAP  response</a:t>
-            </a:r>
-          </a:p>
-        </p:txBody>
-      </p:sp>
-      <p:sp>
-        <p:nvSpPr>
-          <p:cNvPr id="15" name="TextBox 14"/>
-          <p:cNvSpPr txBox="1"/>
-          <p:nvPr/>
-        </p:nvSpPr>
-        <p:spPr>
-          <a:xfrm>
-            <a:off x="6575788" y="3037701"/>
-            <a:ext cx="1038169" cy="276999"/>
-          </a:xfrm>
-          <a:prstGeom prst="rect">
-            <a:avLst/>
-          </a:prstGeom>
-          <a:noFill/>
-        </p:spPr>
-        <p:txBody>
-          <a:bodyPr wrap="none" rtlCol="0">
-            <a:spAutoFit/>
-          </a:bodyPr>
-          <a:lstStyle/>
-          <a:p>
-            <a:r>
-              <a:rPr lang="en-CA" sz="1200" dirty="0"/>
-              <a:t>CoAP request</a:t>
-            </a:r>
-          </a:p>
-        </p:txBody>
-      </p:sp>
-      <p:cxnSp>
-        <p:nvCxnSpPr>
-          <p:cNvPr id="16" name="直接箭头连接符 7"/>
-          <p:cNvCxnSpPr/>
-          <p:nvPr/>
-        </p:nvCxnSpPr>
-        <p:spPr>
-          <a:xfrm flipH="1">
-            <a:off x="6705970" y="3472159"/>
-            <a:ext cx="814860" cy="0"/>
-          </a:xfrm>
-          <a:prstGeom prst="straightConnector1">
-            <a:avLst/>
-          </a:prstGeom>
-          <a:ln>
-            <a:solidFill>
-              <a:srgbClr val="0070C0"/>
-            </a:solidFill>
-            <a:tailEnd type="arrow"/>
-          </a:ln>
-        </p:spPr>
-        <p:style>
-          <a:lnRef idx="1">
-            <a:schemeClr val="accent1"/>
-          </a:lnRef>
-          <a:fillRef idx="0">
-            <a:schemeClr val="accent1"/>
-          </a:fillRef>
-          <a:effectRef idx="0">
-            <a:schemeClr val="accent1"/>
-          </a:effectRef>
-          <a:fontRef idx="minor">
-            <a:schemeClr val="tx1"/>
-          </a:fontRef>
-        </p:style>
-      </p:cxnSp>
-      <p:sp>
-        <p:nvSpPr>
-          <p:cNvPr id="17" name="TextBox 16"/>
-          <p:cNvSpPr txBox="1"/>
-          <p:nvPr/>
-        </p:nvSpPr>
-        <p:spPr>
-          <a:xfrm>
-            <a:off x="4073635" y="3096063"/>
-            <a:ext cx="978153" cy="276999"/>
-          </a:xfrm>
-          <a:prstGeom prst="rect">
-            <a:avLst/>
-          </a:prstGeom>
-          <a:noFill/>
-        </p:spPr>
-        <p:txBody>
-          <a:bodyPr wrap="none" rtlCol="0">
-            <a:spAutoFit/>
-          </a:bodyPr>
-          <a:lstStyle/>
-          <a:p>
-            <a:r>
-              <a:rPr lang="en-CA" sz="1200" dirty="0"/>
-              <a:t>BLE packets</a:t>
-            </a:r>
-          </a:p>
-        </p:txBody>
-      </p:sp>
-      <p:sp>
-        <p:nvSpPr>
-          <p:cNvPr id="18" name="TextBox 17"/>
-          <p:cNvSpPr txBox="1"/>
-          <p:nvPr/>
-        </p:nvSpPr>
-        <p:spPr>
-          <a:xfrm>
-            <a:off x="4073635" y="3665976"/>
-            <a:ext cx="978153" cy="276999"/>
-          </a:xfrm>
-          <a:prstGeom prst="rect">
-            <a:avLst/>
-          </a:prstGeom>
-          <a:noFill/>
-        </p:spPr>
-        <p:txBody>
-          <a:bodyPr wrap="none" rtlCol="0">
-            <a:spAutoFit/>
-          </a:bodyPr>
-          <a:lstStyle/>
-          <a:p>
-            <a:r>
-              <a:rPr lang="en-CA" sz="1200" dirty="0"/>
-              <a:t>BLE packets</a:t>
-            </a:r>
-          </a:p>
-        </p:txBody>
-      </p:sp>
-      <p:cxnSp>
-        <p:nvCxnSpPr>
-          <p:cNvPr id="25" name="直接箭头连接符 7"/>
-          <p:cNvCxnSpPr/>
-          <p:nvPr/>
-        </p:nvCxnSpPr>
-        <p:spPr>
-          <a:xfrm flipH="1">
-            <a:off x="4073635" y="3562216"/>
-            <a:ext cx="860864" cy="0"/>
-          </a:xfrm>
-          <a:prstGeom prst="straightConnector1">
-            <a:avLst/>
-          </a:prstGeom>
-          <a:ln>
-            <a:solidFill>
-              <a:srgbClr val="0070C0"/>
-            </a:solidFill>
-            <a:tailEnd type="arrow"/>
-          </a:ln>
-        </p:spPr>
-        <p:style>
-          <a:lnRef idx="1">
-            <a:schemeClr val="accent1"/>
-          </a:lnRef>
-          <a:fillRef idx="0">
-            <a:schemeClr val="accent1"/>
-          </a:fillRef>
-          <a:effectRef idx="0">
-            <a:schemeClr val="accent1"/>
-          </a:effectRef>
-          <a:fontRef idx="minor">
-            <a:schemeClr val="tx1"/>
-          </a:fontRef>
-        </p:style>
-      </p:cxnSp>
-      <p:cxnSp>
-        <p:nvCxnSpPr>
-          <p:cNvPr id="41" name="直接箭头连接符 7"/>
-          <p:cNvCxnSpPr/>
-          <p:nvPr/>
-        </p:nvCxnSpPr>
-        <p:spPr>
-          <a:xfrm>
-            <a:off x="1588539" y="3713136"/>
-            <a:ext cx="850345" cy="0"/>
-          </a:xfrm>
-          <a:prstGeom prst="straightConnector1">
-            <a:avLst/>
-          </a:prstGeom>
-          <a:ln>
-            <a:solidFill>
-              <a:srgbClr val="0070C0"/>
-            </a:solidFill>
-            <a:tailEnd type="arrow"/>
-          </a:ln>
-        </p:spPr>
-        <p:style>
-          <a:lnRef idx="1">
-            <a:schemeClr val="accent1"/>
-          </a:lnRef>
-          <a:fillRef idx="0">
-            <a:schemeClr val="accent1"/>
-          </a:fillRef>
-          <a:effectRef idx="0">
-            <a:schemeClr val="accent1"/>
-          </a:effectRef>
-          <a:fontRef idx="minor">
-            <a:schemeClr val="tx1"/>
-          </a:fontRef>
-        </p:style>
-      </p:cxnSp>
-      <p:sp>
-        <p:nvSpPr>
-          <p:cNvPr id="42" name="TextBox 41"/>
-          <p:cNvSpPr txBox="1"/>
-          <p:nvPr/>
-        </p:nvSpPr>
-        <p:spPr>
-          <a:xfrm>
-            <a:off x="6546334" y="3719900"/>
-            <a:ext cx="1169616" cy="276999"/>
-          </a:xfrm>
-          <a:prstGeom prst="rect">
-            <a:avLst/>
-          </a:prstGeom>
-          <a:noFill/>
-        </p:spPr>
-        <p:txBody>
-          <a:bodyPr wrap="none" rtlCol="0">
-            <a:spAutoFit/>
-          </a:bodyPr>
-          <a:lstStyle/>
-          <a:p>
-            <a:r>
-              <a:rPr lang="en-CA" sz="1200" dirty="0"/>
-              <a:t>CoAP  response</a:t>
-            </a:r>
-          </a:p>
-        </p:txBody>
-      </p:sp>
-      <p:cxnSp>
-        <p:nvCxnSpPr>
-          <p:cNvPr id="43" name="直接箭头连接符 7"/>
-          <p:cNvCxnSpPr/>
-          <p:nvPr/>
-        </p:nvCxnSpPr>
-        <p:spPr>
-          <a:xfrm>
-            <a:off x="6705970" y="3584087"/>
-            <a:ext cx="850345" cy="0"/>
-          </a:xfrm>
-          <a:prstGeom prst="straightConnector1">
-            <a:avLst/>
-          </a:prstGeom>
-          <a:ln>
-            <a:solidFill>
-              <a:srgbClr val="0070C0"/>
-            </a:solidFill>
-            <a:tailEnd type="arrow"/>
-          </a:ln>
-        </p:spPr>
-        <p:style>
-          <a:lnRef idx="1">
-            <a:schemeClr val="accent1"/>
-          </a:lnRef>
-          <a:fillRef idx="0">
-            <a:schemeClr val="accent1"/>
-          </a:fillRef>
-          <a:effectRef idx="0">
-            <a:schemeClr val="accent1"/>
-          </a:effectRef>
-          <a:fontRef idx="minor">
-            <a:schemeClr val="tx1"/>
-          </a:fontRef>
-        </p:style>
-      </p:cxnSp>
-      <p:sp>
-        <p:nvSpPr>
-          <p:cNvPr id="44" name="TextBox 43"/>
-          <p:cNvSpPr txBox="1"/>
-          <p:nvPr/>
-        </p:nvSpPr>
-        <p:spPr>
-          <a:xfrm>
-            <a:off x="1374459" y="4641485"/>
-            <a:ext cx="1159292" cy="338554"/>
-          </a:xfrm>
-          <a:prstGeom prst="rect">
-            <a:avLst/>
-          </a:prstGeom>
-          <a:noFill/>
-        </p:spPr>
-        <p:txBody>
-          <a:bodyPr wrap="none" rtlCol="0">
-            <a:spAutoFit/>
-          </a:bodyPr>
-          <a:lstStyle/>
-          <a:p>
-            <a:r>
-              <a:rPr lang="en-CA" sz="1600" dirty="0"/>
-              <a:t>BLE device</a:t>
-            </a:r>
-          </a:p>
-        </p:txBody>
-      </p:sp>
-      <p:sp>
-        <p:nvSpPr>
-          <p:cNvPr id="45" name="TextBox 44"/>
-          <p:cNvSpPr txBox="1"/>
-          <p:nvPr/>
-        </p:nvSpPr>
-        <p:spPr>
-          <a:xfrm>
-            <a:off x="6575788" y="4641485"/>
-            <a:ext cx="1159292" cy="338554"/>
-          </a:xfrm>
-          <a:prstGeom prst="rect">
-            <a:avLst/>
-          </a:prstGeom>
-          <a:noFill/>
-        </p:spPr>
-        <p:txBody>
-          <a:bodyPr wrap="none" rtlCol="0">
-            <a:spAutoFit/>
-          </a:bodyPr>
-          <a:lstStyle/>
-          <a:p>
-            <a:r>
-              <a:rPr lang="en-CA" sz="1600" dirty="0"/>
-              <a:t>BLE device</a:t>
             </a:r>
           </a:p>
         </p:txBody>
@@ -9940,230 +7357,29 @@
       </p:sp>
       <p:sp>
         <p:nvSpPr>
-          <p:cNvPr id="27" name="Content Placeholder 2"/>
-          <p:cNvSpPr txBox="1">
-            <a:spLocks/>
-          </p:cNvSpPr>
+          <p:cNvPr id="2" name="TextBox 1"/>
+          <p:cNvSpPr txBox="1"/>
           <p:nvPr/>
         </p:nvSpPr>
-        <p:spPr bwMode="auto">
+        <p:spPr>
           <a:xfrm>
-            <a:off x="228599" y="1416311"/>
-            <a:ext cx="8550275" cy="314616"/>
+            <a:off x="3628530" y="2991186"/>
+            <a:ext cx="2207464" cy="461665"/>
           </a:xfrm>
           <a:prstGeom prst="rect">
             <a:avLst/>
           </a:prstGeom>
           <a:noFill/>
-          <a:ln>
-            <a:noFill/>
-          </a:ln>
-          <a:extLst>
-            <a:ext uri="{909E8E84-426E-40dd-AFC4-6F175D3DCCD1}">
-              <a14:hiddenFill xmlns:a14="http://schemas.microsoft.com/office/drawing/2010/main" xmlns="">
-                <a:solidFill>
-                  <a:srgbClr val="FFFFFF"/>
-                </a:solidFill>
-              </a14:hiddenFill>
-            </a:ext>
-            <a:ext uri="{91240B29-F687-4f45-9708-019B960494DF}">
-              <a14:hiddenLine xmlns:a14="http://schemas.microsoft.com/office/drawing/2010/main" xmlns="" w="9525">
-                <a:solidFill>
-                  <a:srgbClr val="000000"/>
-                </a:solidFill>
-                <a:miter lim="800000"/>
-                <a:headEnd/>
-                <a:tailEnd/>
-              </a14:hiddenLine>
-            </a:ext>
-            <a:ext uri="{FAA26D3D-D897-4be2-8F04-BA451C77F1D7}">
-              <ma14:placeholderFlag xmlns:ma14="http://schemas.microsoft.com/office/mac/drawingml/2011/main" xmlns="" val="1"/>
-            </a:ext>
-          </a:extLst>
         </p:spPr>
         <p:txBody>
-          <a:bodyPr vert="horz" wrap="square" lIns="91440" tIns="45720" rIns="91440" bIns="45720" numCol="1" anchor="t" anchorCtr="0" compatLnSpc="1">
-            <a:prstTxWarp prst="textNoShape">
-              <a:avLst/>
-            </a:prstTxWarp>
+          <a:bodyPr wrap="none" rtlCol="0">
+            <a:spAutoFit/>
           </a:bodyPr>
-          <a:lstStyle>
-            <a:lvl1pPr marL="269875" indent="-269875" algn="l" rtl="0" eaLnBrk="0" fontAlgn="base" hangingPunct="0">
-              <a:spcBef>
-                <a:spcPct val="20000"/>
-              </a:spcBef>
-              <a:spcAft>
-                <a:spcPct val="0"/>
-              </a:spcAft>
-              <a:buSzPct val="75000"/>
-              <a:buFont typeface="Wingdings" charset="0"/>
-              <a:buChar char="§"/>
-              <a:defRPr sz="3200">
-                <a:solidFill>
-                  <a:srgbClr val="000000"/>
-                </a:solidFill>
-                <a:latin typeface="Calibri"/>
-                <a:ea typeface="ＭＳ Ｐゴシック" pitchFamily="-108" charset="-128"/>
-                <a:cs typeface="Calibri"/>
-              </a:defRPr>
-            </a:lvl1pPr>
-            <a:lvl2pPr marL="914400" indent="-457200" algn="l" rtl="0" eaLnBrk="0" fontAlgn="base" hangingPunct="0">
-              <a:spcBef>
-                <a:spcPct val="20000"/>
-              </a:spcBef>
-              <a:spcAft>
-                <a:spcPct val="0"/>
-              </a:spcAft>
-              <a:buClrTx/>
-              <a:buSzPct val="100000"/>
-              <a:buFont typeface="Arial"/>
-              <a:buChar char="•"/>
-              <a:defRPr sz="2800">
-                <a:solidFill>
-                  <a:srgbClr val="000000"/>
-                </a:solidFill>
-                <a:latin typeface="Calibri"/>
-                <a:ea typeface="ＭＳ Ｐゴシック" pitchFamily="-108" charset="-128"/>
-                <a:cs typeface="Calibri"/>
-              </a:defRPr>
-            </a:lvl2pPr>
-            <a:lvl3pPr marL="1371600" indent="-457200" algn="l" rtl="0" eaLnBrk="0" fontAlgn="base" hangingPunct="0">
-              <a:spcBef>
-                <a:spcPct val="20000"/>
-              </a:spcBef>
-              <a:spcAft>
-                <a:spcPct val="0"/>
-              </a:spcAft>
-              <a:buClrTx/>
-              <a:buSzPct val="100000"/>
-              <a:buFont typeface="Arial"/>
-              <a:buChar char="•"/>
-              <a:defRPr sz="2400">
-                <a:solidFill>
-                  <a:srgbClr val="000000"/>
-                </a:solidFill>
-                <a:latin typeface="Calibri"/>
-                <a:ea typeface="ＭＳ Ｐゴシック" pitchFamily="-108" charset="-128"/>
-                <a:cs typeface="Calibri"/>
-              </a:defRPr>
-            </a:lvl3pPr>
-            <a:lvl4pPr marL="1752600" indent="-381000" algn="l" rtl="0" eaLnBrk="0" fontAlgn="base" hangingPunct="0">
-              <a:spcBef>
-                <a:spcPct val="20000"/>
-              </a:spcBef>
-              <a:spcAft>
-                <a:spcPct val="0"/>
-              </a:spcAft>
-              <a:buClrTx/>
-              <a:buSzPct val="100000"/>
-              <a:buFont typeface="Arial"/>
-              <a:buChar char="•"/>
-              <a:defRPr sz="2000">
-                <a:solidFill>
-                  <a:srgbClr val="000000"/>
-                </a:solidFill>
-                <a:latin typeface="Calibri"/>
-                <a:ea typeface="ＭＳ Ｐゴシック" pitchFamily="-108" charset="-128"/>
-                <a:cs typeface="Calibri"/>
-              </a:defRPr>
-            </a:lvl4pPr>
-            <a:lvl5pPr marL="2209800" indent="-381000" algn="l" rtl="0" eaLnBrk="0" fontAlgn="base" hangingPunct="0">
-              <a:spcBef>
-                <a:spcPct val="20000"/>
-              </a:spcBef>
-              <a:spcAft>
-                <a:spcPct val="0"/>
-              </a:spcAft>
-              <a:buClrTx/>
-              <a:buSzPct val="100000"/>
-              <a:buFont typeface="Arial"/>
-              <a:buChar char="•"/>
-              <a:defRPr sz="1800">
-                <a:solidFill>
-                  <a:srgbClr val="000000"/>
-                </a:solidFill>
-                <a:latin typeface="Calibri"/>
-                <a:ea typeface="ＭＳ Ｐゴシック" pitchFamily="-108" charset="-128"/>
-                <a:cs typeface="Calibri"/>
-              </a:defRPr>
-            </a:lvl5pPr>
-            <a:lvl6pPr marL="2667000" indent="-381000" algn="l" rtl="0" fontAlgn="base">
-              <a:spcBef>
-                <a:spcPct val="20000"/>
-              </a:spcBef>
-              <a:spcAft>
-                <a:spcPct val="0"/>
-              </a:spcAft>
-              <a:buFont typeface="Times" pitchFamily="-108" charset="0"/>
-              <a:buChar char="•"/>
-              <a:defRPr sz="2000">
-                <a:solidFill>
-                  <a:srgbClr val="FFFFFF"/>
-                </a:solidFill>
-                <a:latin typeface="Georgia" pitchFamily="-108" charset="0"/>
-                <a:ea typeface="ＭＳ Ｐゴシック" pitchFamily="-108" charset="-128"/>
-              </a:defRPr>
-            </a:lvl6pPr>
-            <a:lvl7pPr marL="3124200" indent="-381000" algn="l" rtl="0" fontAlgn="base">
-              <a:spcBef>
-                <a:spcPct val="20000"/>
-              </a:spcBef>
-              <a:spcAft>
-                <a:spcPct val="0"/>
-              </a:spcAft>
-              <a:buFont typeface="Times" pitchFamily="-108" charset="0"/>
-              <a:buChar char="•"/>
-              <a:defRPr sz="2000">
-                <a:solidFill>
-                  <a:srgbClr val="FFFFFF"/>
-                </a:solidFill>
-                <a:latin typeface="Georgia" pitchFamily="-108" charset="0"/>
-                <a:ea typeface="ＭＳ Ｐゴシック" pitchFamily="-108" charset="-128"/>
-              </a:defRPr>
-            </a:lvl7pPr>
-            <a:lvl8pPr marL="3581400" indent="-381000" algn="l" rtl="0" fontAlgn="base">
-              <a:spcBef>
-                <a:spcPct val="20000"/>
-              </a:spcBef>
-              <a:spcAft>
-                <a:spcPct val="0"/>
-              </a:spcAft>
-              <a:buFont typeface="Times" pitchFamily="-108" charset="0"/>
-              <a:buChar char="•"/>
-              <a:defRPr sz="2000">
-                <a:solidFill>
-                  <a:srgbClr val="FFFFFF"/>
-                </a:solidFill>
-                <a:latin typeface="Georgia" pitchFamily="-108" charset="0"/>
-                <a:ea typeface="ＭＳ Ｐゴシック" pitchFamily="-108" charset="-128"/>
-              </a:defRPr>
-            </a:lvl8pPr>
-            <a:lvl9pPr marL="4038600" indent="-381000" algn="l" rtl="0" fontAlgn="base">
-              <a:spcBef>
-                <a:spcPct val="20000"/>
-              </a:spcBef>
-              <a:spcAft>
-                <a:spcPct val="0"/>
-              </a:spcAft>
-              <a:buFont typeface="Times" pitchFamily="-108" charset="0"/>
-              <a:buChar char="•"/>
-              <a:defRPr sz="2000">
-                <a:solidFill>
-                  <a:srgbClr val="FFFFFF"/>
-                </a:solidFill>
-                <a:latin typeface="Georgia" pitchFamily="-108" charset="0"/>
-                <a:ea typeface="ＭＳ Ｐゴシック" pitchFamily="-108" charset="-128"/>
-              </a:defRPr>
-            </a:lvl9pPr>
-          </a:lstStyle>
-          <a:p>
-            <a:pPr marL="0" indent="0">
-              <a:buFont typeface="Wingdings" charset="0"/>
-              <a:buNone/>
-            </a:pPr>
-            <a:r>
-              <a:rPr lang="en-CA" sz="2000" kern="0" dirty="0"/>
-              <a:t>1.Summary </a:t>
+          <a:lstStyle/>
+          <a:p>
+            <a:r>
+              <a:rPr lang="en-CA" dirty="0"/>
+              <a:t>CoAP over BLE</a:t>
             </a:r>
           </a:p>
         </p:txBody>
@@ -10181,7 +7397,7 @@
 </p:sld>
 </file>
 
-<file path=ppt/slides/slide12.xml><?xml version="1.0" encoding="utf-8"?>
+<file path=ppt/slides/slide11.xml><?xml version="1.0" encoding="utf-8"?>
 <p:sld xmlns:a="http://schemas.openxmlformats.org/drawingml/2006/main" xmlns:r="http://schemas.openxmlformats.org/officeDocument/2006/relationships" xmlns:p="http://schemas.openxmlformats.org/presentationml/2006/main">
   <p:cSld>
     <p:spTree>
@@ -11659,7 +8875,7 @@
 </p:sld>
 </file>
 
-<file path=ppt/slides/slide13.xml><?xml version="1.0" encoding="utf-8"?>
+<file path=ppt/slides/slide12.xml><?xml version="1.0" encoding="utf-8"?>
 <p:sld xmlns:a="http://schemas.openxmlformats.org/drawingml/2006/main" xmlns:r="http://schemas.openxmlformats.org/officeDocument/2006/relationships" xmlns:p="http://schemas.openxmlformats.org/presentationml/2006/main">
   <p:cSld>
     <p:spTree>
@@ -11809,14 +9025,14 @@
           </a:ln>
           <a:extLst>
             <a:ext uri="{909E8E84-426E-40dd-AFC4-6F175D3DCCD1}">
-              <a14:hiddenFill xmlns:a14="http://schemas.microsoft.com/office/drawing/2010/main" xmlns="">
+              <a14:hiddenFill xmlns="" xmlns:a14="http://schemas.microsoft.com/office/drawing/2010/main">
                 <a:solidFill>
                   <a:srgbClr val="FFFFFF"/>
                 </a:solidFill>
               </a14:hiddenFill>
             </a:ext>
             <a:ext uri="{91240B29-F687-4f45-9708-019B960494DF}">
-              <a14:hiddenLine xmlns:a14="http://schemas.microsoft.com/office/drawing/2010/main" xmlns="" w="9525">
+              <a14:hiddenLine xmlns="" xmlns:a14="http://schemas.microsoft.com/office/drawing/2010/main" w="9525">
                 <a:solidFill>
                   <a:srgbClr val="000000"/>
                 </a:solidFill>
@@ -11826,7 +9042,7 @@
               </a14:hiddenLine>
             </a:ext>
             <a:ext uri="{FAA26D3D-D897-4be2-8F04-BA451C77F1D7}">
-              <ma14:placeholderFlag xmlns:ma14="http://schemas.microsoft.com/office/mac/drawingml/2011/main" xmlns="" val="1"/>
+              <ma14:placeholderFlag xmlns="" xmlns:ma14="http://schemas.microsoft.com/office/mac/drawingml/2011/main" val="1"/>
             </a:ext>
           </a:extLst>
         </p:spPr>
@@ -12030,7 +9246,7 @@
 </p:sld>
 </file>
 
-<file path=ppt/slides/slide14.xml><?xml version="1.0" encoding="utf-8"?>
+<file path=ppt/slides/slide13.xml><?xml version="1.0" encoding="utf-8"?>
 <p:sld xmlns:a="http://schemas.openxmlformats.org/drawingml/2006/main" xmlns:r="http://schemas.openxmlformats.org/officeDocument/2006/relationships" xmlns:p="http://schemas.openxmlformats.org/presentationml/2006/main">
   <p:cSld>
     <p:spTree>
@@ -12074,41 +9290,6 @@
           </a:p>
         </p:txBody>
       </p:sp>
-      <p:sp>
-        <p:nvSpPr>
-          <p:cNvPr id="6" name="Content Placeholder 2"/>
-          <p:cNvSpPr>
-            <a:spLocks noGrp="1"/>
-          </p:cNvSpPr>
-          <p:nvPr>
-            <p:ph idx="1"/>
-          </p:nvPr>
-        </p:nvSpPr>
-        <p:spPr>
-          <a:xfrm>
-            <a:off x="223518" y="1730927"/>
-            <a:ext cx="8550275" cy="4365073"/>
-          </a:xfrm>
-        </p:spPr>
-        <p:txBody>
-          <a:bodyPr/>
-          <a:lstStyle/>
-          <a:p>
-            <a:pPr marL="0" indent="0">
-              <a:buNone/>
-            </a:pPr>
-            <a:r>
-              <a:rPr lang="en-CA" altLang="zh-CN" sz="2000" dirty="0"/>
-              <a:t>Before data transfer, the architecture need to exchange announcement to get information of </a:t>
-            </a:r>
-            <a:r>
-              <a:rPr lang="en-CA" altLang="zh-CN" sz="2000"/>
-              <a:t>remote side. </a:t>
-            </a:r>
-            <a:endParaRPr lang="en-CA" sz="2000" dirty="0"/>
-          </a:p>
-        </p:txBody>
-      </p:sp>
       <p:pic>
         <p:nvPicPr>
           <p:cNvPr id="7" name="Picture 6"/>
@@ -12125,8 +9306,8 @@
         </p:blipFill>
         <p:spPr>
           <a:xfrm>
-            <a:off x="4267200" y="2050623"/>
-            <a:ext cx="4724400" cy="3309937"/>
+            <a:off x="1608136" y="1526027"/>
+            <a:ext cx="5791200" cy="4057342"/>
           </a:xfrm>
           <a:prstGeom prst="rect">
             <a:avLst/>
@@ -12185,14 +9366,14 @@
           </a:ln>
           <a:extLst>
             <a:ext uri="{909E8E84-426E-40dd-AFC4-6F175D3DCCD1}">
-              <a14:hiddenFill xmlns:a14="http://schemas.microsoft.com/office/drawing/2010/main" xmlns="">
+              <a14:hiddenFill xmlns="" xmlns:a14="http://schemas.microsoft.com/office/drawing/2010/main">
                 <a:solidFill>
                   <a:srgbClr val="FFFFFF"/>
                 </a:solidFill>
               </a14:hiddenFill>
             </a:ext>
             <a:ext uri="{91240B29-F687-4f45-9708-019B960494DF}">
-              <a14:hiddenLine xmlns:a14="http://schemas.microsoft.com/office/drawing/2010/main" xmlns="" w="9525">
+              <a14:hiddenLine xmlns="" xmlns:a14="http://schemas.microsoft.com/office/drawing/2010/main" w="9525">
                 <a:solidFill>
                   <a:srgbClr val="000000"/>
                 </a:solidFill>
@@ -12202,7 +9383,7 @@
               </a14:hiddenLine>
             </a:ext>
             <a:ext uri="{FAA26D3D-D897-4be2-8F04-BA451C77F1D7}">
-              <ma14:placeholderFlag xmlns:ma14="http://schemas.microsoft.com/office/mac/drawingml/2011/main" xmlns="" val="1"/>
+              <ma14:placeholderFlag xmlns="" xmlns:ma14="http://schemas.microsoft.com/office/mac/drawingml/2011/main" val="1"/>
             </a:ext>
           </a:extLst>
         </p:spPr>
@@ -12406,357 +9587,7 @@
 </p:sld>
 </file>
 
-<file path=ppt/slides/slide15.xml><?xml version="1.0" encoding="utf-8"?>
-<p:sld xmlns:a="http://schemas.openxmlformats.org/drawingml/2006/main" xmlns:r="http://schemas.openxmlformats.org/officeDocument/2006/relationships" xmlns:p="http://schemas.openxmlformats.org/presentationml/2006/main">
-  <p:cSld>
-    <p:spTree>
-      <p:nvGrpSpPr>
-        <p:cNvPr id="1" name=""/>
-        <p:cNvGrpSpPr/>
-        <p:nvPr/>
-      </p:nvGrpSpPr>
-      <p:grpSpPr>
-        <a:xfrm>
-          <a:off x="0" y="0"/>
-          <a:ext cx="0" cy="0"/>
-          <a:chOff x="0" y="0"/>
-          <a:chExt cx="0" cy="0"/>
-        </a:xfrm>
-      </p:grpSpPr>
-      <p:sp>
-        <p:nvSpPr>
-          <p:cNvPr id="5" name="Title 1"/>
-          <p:cNvSpPr>
-            <a:spLocks noGrp="1"/>
-          </p:cNvSpPr>
-          <p:nvPr>
-            <p:ph type="title"/>
-          </p:nvPr>
-        </p:nvSpPr>
-        <p:spPr>
-          <a:xfrm>
-            <a:off x="228600" y="838200"/>
-            <a:ext cx="8550275" cy="609600"/>
-          </a:xfrm>
-        </p:spPr>
-        <p:txBody>
-          <a:bodyPr/>
-          <a:lstStyle/>
-          <a:p>
-            <a:r>
-              <a:rPr lang="en-CA" dirty="0"/>
-              <a:t>Architecture</a:t>
-            </a:r>
-          </a:p>
-        </p:txBody>
-      </p:sp>
-      <p:pic>
-        <p:nvPicPr>
-          <p:cNvPr id="9" name="Picture 8" descr="https://lh5.googleusercontent.com/WIVCmOtLHIA68eAJ5dt8CgukSyYJpJMrm-KCI_bNNhM9i0v5iB0kyoWgkLDdIWdaCJpJOm7aobvP_OsY4Vxw3RdN-A7dY6AaXQndZH84vSvxHsaqZFmzxE5BVUaFlfkUhWjwlexg"/>
-          <p:cNvPicPr/>
-          <p:nvPr/>
-        </p:nvPicPr>
-        <p:blipFill>
-          <a:blip r:embed="rId3">
-            <a:extLst>
-              <a:ext uri="{28A0092B-C50C-407E-A947-70E740481C1C}">
-                <a14:useLocalDpi xmlns:a14="http://schemas.microsoft.com/office/drawing/2010/main" val="0"/>
-              </a:ext>
-            </a:extLst>
-          </a:blip>
-          <a:srcRect/>
-          <a:stretch>
-            <a:fillRect/>
-          </a:stretch>
-        </p:blipFill>
-        <p:spPr bwMode="auto">
-          <a:xfrm>
-            <a:off x="1752600" y="1905000"/>
-            <a:ext cx="5364480" cy="3688080"/>
-          </a:xfrm>
-          <a:prstGeom prst="rect">
-            <a:avLst/>
-          </a:prstGeom>
-          <a:noFill/>
-          <a:ln>
-            <a:noFill/>
-          </a:ln>
-        </p:spPr>
-      </p:pic>
-      <p:sp>
-        <p:nvSpPr>
-          <p:cNvPr id="10" name="Content Placeholder 2"/>
-          <p:cNvSpPr txBox="1">
-            <a:spLocks/>
-          </p:cNvSpPr>
-          <p:nvPr/>
-        </p:nvSpPr>
-        <p:spPr bwMode="auto">
-          <a:xfrm>
-            <a:off x="228599" y="1416311"/>
-            <a:ext cx="8550275" cy="314616"/>
-          </a:xfrm>
-          <a:prstGeom prst="rect">
-            <a:avLst/>
-          </a:prstGeom>
-          <a:noFill/>
-          <a:ln>
-            <a:noFill/>
-          </a:ln>
-          <a:extLst>
-            <a:ext uri="{909E8E84-426E-40dd-AFC4-6F175D3DCCD1}">
-              <a14:hiddenFill xmlns:a14="http://schemas.microsoft.com/office/drawing/2010/main" xmlns="">
-                <a:solidFill>
-                  <a:srgbClr val="FFFFFF"/>
-                </a:solidFill>
-              </a14:hiddenFill>
-            </a:ext>
-            <a:ext uri="{91240B29-F687-4f45-9708-019B960494DF}">
-              <a14:hiddenLine xmlns:a14="http://schemas.microsoft.com/office/drawing/2010/main" xmlns="" w="9525">
-                <a:solidFill>
-                  <a:srgbClr val="000000"/>
-                </a:solidFill>
-                <a:miter lim="800000"/>
-                <a:headEnd/>
-                <a:tailEnd/>
-              </a14:hiddenLine>
-            </a:ext>
-            <a:ext uri="{FAA26D3D-D897-4be2-8F04-BA451C77F1D7}">
-              <ma14:placeholderFlag xmlns:ma14="http://schemas.microsoft.com/office/mac/drawingml/2011/main" xmlns="" val="1"/>
-            </a:ext>
-          </a:extLst>
-        </p:spPr>
-        <p:txBody>
-          <a:bodyPr vert="horz" wrap="square" lIns="91440" tIns="45720" rIns="91440" bIns="45720" numCol="1" anchor="t" anchorCtr="0" compatLnSpc="1">
-            <a:prstTxWarp prst="textNoShape">
-              <a:avLst/>
-            </a:prstTxWarp>
-          </a:bodyPr>
-          <a:lstStyle>
-            <a:lvl1pPr marL="269875" indent="-269875" algn="l" rtl="0" eaLnBrk="0" fontAlgn="base" hangingPunct="0">
-              <a:spcBef>
-                <a:spcPct val="20000"/>
-              </a:spcBef>
-              <a:spcAft>
-                <a:spcPct val="0"/>
-              </a:spcAft>
-              <a:buSzPct val="75000"/>
-              <a:buFont typeface="Wingdings" charset="0"/>
-              <a:buChar char="§"/>
-              <a:defRPr sz="3200">
-                <a:solidFill>
-                  <a:srgbClr val="000000"/>
-                </a:solidFill>
-                <a:latin typeface="Calibri"/>
-                <a:ea typeface="ＭＳ Ｐゴシック" pitchFamily="-108" charset="-128"/>
-                <a:cs typeface="Calibri"/>
-              </a:defRPr>
-            </a:lvl1pPr>
-            <a:lvl2pPr marL="914400" indent="-457200" algn="l" rtl="0" eaLnBrk="0" fontAlgn="base" hangingPunct="0">
-              <a:spcBef>
-                <a:spcPct val="20000"/>
-              </a:spcBef>
-              <a:spcAft>
-                <a:spcPct val="0"/>
-              </a:spcAft>
-              <a:buClrTx/>
-              <a:buSzPct val="100000"/>
-              <a:buFont typeface="Arial"/>
-              <a:buChar char="•"/>
-              <a:defRPr sz="2800">
-                <a:solidFill>
-                  <a:srgbClr val="000000"/>
-                </a:solidFill>
-                <a:latin typeface="Calibri"/>
-                <a:ea typeface="ＭＳ Ｐゴシック" pitchFamily="-108" charset="-128"/>
-                <a:cs typeface="Calibri"/>
-              </a:defRPr>
-            </a:lvl2pPr>
-            <a:lvl3pPr marL="1371600" indent="-457200" algn="l" rtl="0" eaLnBrk="0" fontAlgn="base" hangingPunct="0">
-              <a:spcBef>
-                <a:spcPct val="20000"/>
-              </a:spcBef>
-              <a:spcAft>
-                <a:spcPct val="0"/>
-              </a:spcAft>
-              <a:buClrTx/>
-              <a:buSzPct val="100000"/>
-              <a:buFont typeface="Arial"/>
-              <a:buChar char="•"/>
-              <a:defRPr sz="2400">
-                <a:solidFill>
-                  <a:srgbClr val="000000"/>
-                </a:solidFill>
-                <a:latin typeface="Calibri"/>
-                <a:ea typeface="ＭＳ Ｐゴシック" pitchFamily="-108" charset="-128"/>
-                <a:cs typeface="Calibri"/>
-              </a:defRPr>
-            </a:lvl3pPr>
-            <a:lvl4pPr marL="1752600" indent="-381000" algn="l" rtl="0" eaLnBrk="0" fontAlgn="base" hangingPunct="0">
-              <a:spcBef>
-                <a:spcPct val="20000"/>
-              </a:spcBef>
-              <a:spcAft>
-                <a:spcPct val="0"/>
-              </a:spcAft>
-              <a:buClrTx/>
-              <a:buSzPct val="100000"/>
-              <a:buFont typeface="Arial"/>
-              <a:buChar char="•"/>
-              <a:defRPr sz="2000">
-                <a:solidFill>
-                  <a:srgbClr val="000000"/>
-                </a:solidFill>
-                <a:latin typeface="Calibri"/>
-                <a:ea typeface="ＭＳ Ｐゴシック" pitchFamily="-108" charset="-128"/>
-                <a:cs typeface="Calibri"/>
-              </a:defRPr>
-            </a:lvl4pPr>
-            <a:lvl5pPr marL="2209800" indent="-381000" algn="l" rtl="0" eaLnBrk="0" fontAlgn="base" hangingPunct="0">
-              <a:spcBef>
-                <a:spcPct val="20000"/>
-              </a:spcBef>
-              <a:spcAft>
-                <a:spcPct val="0"/>
-              </a:spcAft>
-              <a:buClrTx/>
-              <a:buSzPct val="100000"/>
-              <a:buFont typeface="Arial"/>
-              <a:buChar char="•"/>
-              <a:defRPr sz="1800">
-                <a:solidFill>
-                  <a:srgbClr val="000000"/>
-                </a:solidFill>
-                <a:latin typeface="Calibri"/>
-                <a:ea typeface="ＭＳ Ｐゴシック" pitchFamily="-108" charset="-128"/>
-                <a:cs typeface="Calibri"/>
-              </a:defRPr>
-            </a:lvl5pPr>
-            <a:lvl6pPr marL="2667000" indent="-381000" algn="l" rtl="0" fontAlgn="base">
-              <a:spcBef>
-                <a:spcPct val="20000"/>
-              </a:spcBef>
-              <a:spcAft>
-                <a:spcPct val="0"/>
-              </a:spcAft>
-              <a:buFont typeface="Times" pitchFamily="-108" charset="0"/>
-              <a:buChar char="•"/>
-              <a:defRPr sz="2000">
-                <a:solidFill>
-                  <a:srgbClr val="FFFFFF"/>
-                </a:solidFill>
-                <a:latin typeface="Georgia" pitchFamily="-108" charset="0"/>
-                <a:ea typeface="ＭＳ Ｐゴシック" pitchFamily="-108" charset="-128"/>
-              </a:defRPr>
-            </a:lvl6pPr>
-            <a:lvl7pPr marL="3124200" indent="-381000" algn="l" rtl="0" fontAlgn="base">
-              <a:spcBef>
-                <a:spcPct val="20000"/>
-              </a:spcBef>
-              <a:spcAft>
-                <a:spcPct val="0"/>
-              </a:spcAft>
-              <a:buFont typeface="Times" pitchFamily="-108" charset="0"/>
-              <a:buChar char="•"/>
-              <a:defRPr sz="2000">
-                <a:solidFill>
-                  <a:srgbClr val="FFFFFF"/>
-                </a:solidFill>
-                <a:latin typeface="Georgia" pitchFamily="-108" charset="0"/>
-                <a:ea typeface="ＭＳ Ｐゴシック" pitchFamily="-108" charset="-128"/>
-              </a:defRPr>
-            </a:lvl7pPr>
-            <a:lvl8pPr marL="3581400" indent="-381000" algn="l" rtl="0" fontAlgn="base">
-              <a:spcBef>
-                <a:spcPct val="20000"/>
-              </a:spcBef>
-              <a:spcAft>
-                <a:spcPct val="0"/>
-              </a:spcAft>
-              <a:buFont typeface="Times" pitchFamily="-108" charset="0"/>
-              <a:buChar char="•"/>
-              <a:defRPr sz="2000">
-                <a:solidFill>
-                  <a:srgbClr val="FFFFFF"/>
-                </a:solidFill>
-                <a:latin typeface="Georgia" pitchFamily="-108" charset="0"/>
-                <a:ea typeface="ＭＳ Ｐゴシック" pitchFamily="-108" charset="-128"/>
-              </a:defRPr>
-            </a:lvl8pPr>
-            <a:lvl9pPr marL="4038600" indent="-381000" algn="l" rtl="0" fontAlgn="base">
-              <a:spcBef>
-                <a:spcPct val="20000"/>
-              </a:spcBef>
-              <a:spcAft>
-                <a:spcPct val="0"/>
-              </a:spcAft>
-              <a:buFont typeface="Times" pitchFamily="-108" charset="0"/>
-              <a:buChar char="•"/>
-              <a:defRPr sz="2000">
-                <a:solidFill>
-                  <a:srgbClr val="FFFFFF"/>
-                </a:solidFill>
-                <a:latin typeface="Georgia" pitchFamily="-108" charset="0"/>
-                <a:ea typeface="ＭＳ Ｐゴシック" pitchFamily="-108" charset="-128"/>
-              </a:defRPr>
-            </a:lvl9pPr>
-          </a:lstStyle>
-          <a:p>
-            <a:pPr marL="0" indent="0">
-              <a:buFont typeface="Wingdings" charset="0"/>
-              <a:buNone/>
-            </a:pPr>
-            <a:r>
-              <a:rPr lang="en-CA" sz="2000" kern="0" dirty="0"/>
-              <a:t>5.Virtual resource</a:t>
-            </a:r>
-          </a:p>
-        </p:txBody>
-      </p:sp>
-      <p:sp>
-        <p:nvSpPr>
-          <p:cNvPr id="11" name="TextBox 10"/>
-          <p:cNvSpPr txBox="1"/>
-          <p:nvPr/>
-        </p:nvSpPr>
-        <p:spPr>
-          <a:xfrm>
-            <a:off x="3553829" y="5490154"/>
-            <a:ext cx="1886286" cy="276999"/>
-          </a:xfrm>
-          <a:prstGeom prst="rect">
-            <a:avLst/>
-          </a:prstGeom>
-          <a:noFill/>
-        </p:spPr>
-        <p:txBody>
-          <a:bodyPr wrap="none" rtlCol="0">
-            <a:spAutoFit/>
-          </a:bodyPr>
-          <a:lstStyle/>
-          <a:p>
-            <a:r>
-              <a:rPr lang="en-US" altLang="zh-CN" sz="1200" dirty="0"/>
-              <a:t>Figure 10 : Virtual resource</a:t>
-            </a:r>
-            <a:endParaRPr lang="en-CA" sz="1200" dirty="0"/>
-          </a:p>
-        </p:txBody>
-      </p:sp>
-    </p:spTree>
-    <p:extLst>
-      <p:ext uri="{BB962C8B-B14F-4D97-AF65-F5344CB8AC3E}">
-        <p14:creationId xmlns:p14="http://schemas.microsoft.com/office/powerpoint/2010/main" val="1291633582"/>
-      </p:ext>
-    </p:extLst>
-  </p:cSld>
-  <p:clrMapOvr>
-    <a:masterClrMapping/>
-  </p:clrMapOvr>
-</p:sld>
-</file>
-
-<file path=ppt/slides/slide16.xml><?xml version="1.0" encoding="utf-8"?>
+<file path=ppt/slides/slide14.xml><?xml version="1.0" encoding="utf-8"?>
 <p:sld xmlns:a="http://schemas.openxmlformats.org/drawingml/2006/main" xmlns:r="http://schemas.openxmlformats.org/officeDocument/2006/relationships" xmlns:p="http://schemas.openxmlformats.org/presentationml/2006/main">
   <p:cSld>
     <p:spTree>
@@ -13251,7 +10082,7 @@
 </p:sld>
 </file>
 
-<file path=ppt/slides/slide17.xml><?xml version="1.0" encoding="utf-8"?>
+<file path=ppt/slides/slide15.xml><?xml version="1.0" encoding="utf-8"?>
 <p:sld xmlns:a="http://schemas.openxmlformats.org/drawingml/2006/main" xmlns:r="http://schemas.openxmlformats.org/officeDocument/2006/relationships" xmlns:p="http://schemas.openxmlformats.org/presentationml/2006/main">
   <p:cSld>
     <p:spTree>
@@ -13441,7 +10272,7 @@
 </p:sld>
 </file>
 
-<file path=ppt/slides/slide18.xml><?xml version="1.0" encoding="utf-8"?>
+<file path=ppt/slides/slide16.xml><?xml version="1.0" encoding="utf-8"?>
 <p:sld xmlns:a="http://schemas.openxmlformats.org/drawingml/2006/main" xmlns:r="http://schemas.openxmlformats.org/officeDocument/2006/relationships" xmlns:p="http://schemas.openxmlformats.org/presentationml/2006/main">
   <p:cSld>
     <p:spTree>
@@ -13643,7 +10474,7 @@
 </p:sld>
 </file>
 
-<file path=ppt/slides/slide19.xml><?xml version="1.0" encoding="utf-8"?>
+<file path=ppt/slides/slide17.xml><?xml version="1.0" encoding="utf-8"?>
 <p:sld xmlns:a="http://schemas.openxmlformats.org/drawingml/2006/main" xmlns:r="http://schemas.openxmlformats.org/officeDocument/2006/relationships" xmlns:p="http://schemas.openxmlformats.org/presentationml/2006/main">
   <p:cSld>
     <p:spTree>
@@ -13816,6 +10647,775 @@
     <p:extLst>
       <p:ext uri="{BB962C8B-B14F-4D97-AF65-F5344CB8AC3E}">
         <p14:creationId xmlns:p14="http://schemas.microsoft.com/office/powerpoint/2010/main" val="1483630485"/>
+      </p:ext>
+    </p:extLst>
+  </p:cSld>
+  <p:clrMapOvr>
+    <a:masterClrMapping/>
+  </p:clrMapOvr>
+</p:sld>
+</file>
+
+<file path=ppt/slides/slide18.xml><?xml version="1.0" encoding="utf-8"?>
+<p:sld xmlns:a="http://schemas.openxmlformats.org/drawingml/2006/main" xmlns:r="http://schemas.openxmlformats.org/officeDocument/2006/relationships" xmlns:p="http://schemas.openxmlformats.org/presentationml/2006/main">
+  <p:cSld>
+    <p:spTree>
+      <p:nvGrpSpPr>
+        <p:cNvPr id="1" name=""/>
+        <p:cNvGrpSpPr/>
+        <p:nvPr/>
+      </p:nvGrpSpPr>
+      <p:grpSpPr>
+        <a:xfrm>
+          <a:off x="0" y="0"/>
+          <a:ext cx="0" cy="0"/>
+          <a:chOff x="0" y="0"/>
+          <a:chExt cx="0" cy="0"/>
+        </a:xfrm>
+      </p:grpSpPr>
+      <p:sp>
+        <p:nvSpPr>
+          <p:cNvPr id="5" name="Title 1"/>
+          <p:cNvSpPr>
+            <a:spLocks noGrp="1"/>
+          </p:cNvSpPr>
+          <p:nvPr>
+            <p:ph type="title"/>
+          </p:nvPr>
+        </p:nvSpPr>
+        <p:spPr>
+          <a:xfrm>
+            <a:off x="228598" y="838200"/>
+            <a:ext cx="8550275" cy="609600"/>
+          </a:xfrm>
+        </p:spPr>
+        <p:txBody>
+          <a:bodyPr/>
+          <a:lstStyle/>
+          <a:p>
+            <a:r>
+              <a:rPr lang="en-CA" dirty="0"/>
+              <a:t>Future Work</a:t>
+            </a:r>
+          </a:p>
+        </p:txBody>
+      </p:sp>
+      <p:sp>
+        <p:nvSpPr>
+          <p:cNvPr id="11" name="Content Placeholder 2"/>
+          <p:cNvSpPr>
+            <a:spLocks noGrp="1"/>
+          </p:cNvSpPr>
+          <p:nvPr>
+            <p:ph idx="1"/>
+          </p:nvPr>
+        </p:nvSpPr>
+        <p:spPr>
+          <a:xfrm>
+            <a:off x="228600" y="1600200"/>
+            <a:ext cx="8550275" cy="1219200"/>
+          </a:xfrm>
+        </p:spPr>
+        <p:txBody>
+          <a:bodyPr/>
+          <a:lstStyle/>
+          <a:p>
+            <a:pPr marL="0" indent="0">
+              <a:buNone/>
+            </a:pPr>
+            <a:r>
+              <a:rPr lang="en-CA" sz="2000" dirty="0"/>
+              <a:t>1. Improve performance.</a:t>
+            </a:r>
+          </a:p>
+          <a:p>
+            <a:pPr marL="0" indent="0">
+              <a:buNone/>
+            </a:pPr>
+            <a:r>
+              <a:rPr lang="en-CA" sz="2000" dirty="0"/>
+              <a:t>2. Explore Solution for multi-node communication.</a:t>
+            </a:r>
+          </a:p>
+          <a:p>
+            <a:pPr marL="0" indent="0">
+              <a:buNone/>
+            </a:pPr>
+            <a:r>
+              <a:rPr lang="en-CA" sz="2000" dirty="0"/>
+              <a:t>3. Implement other wireless protocols</a:t>
+            </a:r>
+          </a:p>
+        </p:txBody>
+      </p:sp>
+      <p:sp>
+        <p:nvSpPr>
+          <p:cNvPr id="4" name="Title 1"/>
+          <p:cNvSpPr txBox="1">
+            <a:spLocks/>
+          </p:cNvSpPr>
+          <p:nvPr/>
+        </p:nvSpPr>
+        <p:spPr bwMode="auto">
+          <a:xfrm>
+            <a:off x="228599" y="3200400"/>
+            <a:ext cx="8550275" cy="609600"/>
+          </a:xfrm>
+          <a:prstGeom prst="rect">
+            <a:avLst/>
+          </a:prstGeom>
+          <a:noFill/>
+          <a:ln>
+            <a:noFill/>
+          </a:ln>
+          <a:extLst>
+            <a:ext uri="{909E8E84-426E-40dd-AFC4-6F175D3DCCD1}">
+              <a14:hiddenFill xmlns="" xmlns:a14="http://schemas.microsoft.com/office/drawing/2010/main">
+                <a:solidFill>
+                  <a:srgbClr val="FFFFFF"/>
+                </a:solidFill>
+              </a14:hiddenFill>
+            </a:ext>
+            <a:ext uri="{91240B29-F687-4f45-9708-019B960494DF}">
+              <a14:hiddenLine xmlns="" xmlns:a14="http://schemas.microsoft.com/office/drawing/2010/main" w="9525">
+                <a:solidFill>
+                  <a:srgbClr val="000000"/>
+                </a:solidFill>
+                <a:miter lim="800000"/>
+                <a:headEnd/>
+                <a:tailEnd/>
+              </a14:hiddenLine>
+            </a:ext>
+            <a:ext uri="{FAA26D3D-D897-4be2-8F04-BA451C77F1D7}">
+              <ma14:placeholderFlag xmlns="" xmlns:ma14="http://schemas.microsoft.com/office/mac/drawingml/2011/main" val="1"/>
+            </a:ext>
+          </a:extLst>
+        </p:spPr>
+        <p:txBody>
+          <a:bodyPr vert="horz" wrap="square" lIns="91440" tIns="45720" rIns="91440" bIns="45720" numCol="1" anchor="ctr" anchorCtr="0" compatLnSpc="1">
+            <a:prstTxWarp prst="textNoShape">
+              <a:avLst/>
+            </a:prstTxWarp>
+          </a:bodyPr>
+          <a:lstStyle>
+            <a:lvl1pPr algn="l" rtl="0" eaLnBrk="0" fontAlgn="base" hangingPunct="0">
+              <a:spcBef>
+                <a:spcPct val="0"/>
+              </a:spcBef>
+              <a:spcAft>
+                <a:spcPct val="0"/>
+              </a:spcAft>
+              <a:defRPr sz="4400">
+                <a:solidFill>
+                  <a:srgbClr val="595959"/>
+                </a:solidFill>
+                <a:latin typeface="Calibri"/>
+                <a:ea typeface="ＭＳ Ｐゴシック" pitchFamily="-108" charset="-128"/>
+                <a:cs typeface="Calibri"/>
+              </a:defRPr>
+            </a:lvl1pPr>
+            <a:lvl2pPr algn="l" rtl="0" eaLnBrk="0" fontAlgn="base" hangingPunct="0">
+              <a:spcBef>
+                <a:spcPct val="0"/>
+              </a:spcBef>
+              <a:spcAft>
+                <a:spcPct val="0"/>
+              </a:spcAft>
+              <a:defRPr sz="4400">
+                <a:solidFill>
+                  <a:srgbClr val="595959"/>
+                </a:solidFill>
+                <a:latin typeface="Calibri" pitchFamily="-108" charset="0"/>
+                <a:ea typeface="ＭＳ Ｐゴシック" pitchFamily="-108" charset="-128"/>
+                <a:cs typeface="ＭＳ Ｐゴシック" pitchFamily="-108" charset="-128"/>
+              </a:defRPr>
+            </a:lvl2pPr>
+            <a:lvl3pPr algn="l" rtl="0" eaLnBrk="0" fontAlgn="base" hangingPunct="0">
+              <a:spcBef>
+                <a:spcPct val="0"/>
+              </a:spcBef>
+              <a:spcAft>
+                <a:spcPct val="0"/>
+              </a:spcAft>
+              <a:defRPr sz="4400">
+                <a:solidFill>
+                  <a:srgbClr val="595959"/>
+                </a:solidFill>
+                <a:latin typeface="Calibri" pitchFamily="-108" charset="0"/>
+                <a:ea typeface="ＭＳ Ｐゴシック" pitchFamily="-108" charset="-128"/>
+                <a:cs typeface="ＭＳ Ｐゴシック" pitchFamily="-108" charset="-128"/>
+              </a:defRPr>
+            </a:lvl3pPr>
+            <a:lvl4pPr algn="l" rtl="0" eaLnBrk="0" fontAlgn="base" hangingPunct="0">
+              <a:spcBef>
+                <a:spcPct val="0"/>
+              </a:spcBef>
+              <a:spcAft>
+                <a:spcPct val="0"/>
+              </a:spcAft>
+              <a:defRPr sz="4400">
+                <a:solidFill>
+                  <a:srgbClr val="595959"/>
+                </a:solidFill>
+                <a:latin typeface="Calibri" pitchFamily="-108" charset="0"/>
+                <a:ea typeface="ＭＳ Ｐゴシック" pitchFamily="-108" charset="-128"/>
+                <a:cs typeface="ＭＳ Ｐゴシック" pitchFamily="-108" charset="-128"/>
+              </a:defRPr>
+            </a:lvl4pPr>
+            <a:lvl5pPr algn="l" rtl="0" eaLnBrk="0" fontAlgn="base" hangingPunct="0">
+              <a:spcBef>
+                <a:spcPct val="0"/>
+              </a:spcBef>
+              <a:spcAft>
+                <a:spcPct val="0"/>
+              </a:spcAft>
+              <a:defRPr sz="4400">
+                <a:solidFill>
+                  <a:srgbClr val="595959"/>
+                </a:solidFill>
+                <a:latin typeface="Calibri" pitchFamily="-108" charset="0"/>
+                <a:ea typeface="ＭＳ Ｐゴシック" pitchFamily="-108" charset="-128"/>
+                <a:cs typeface="ＭＳ Ｐゴシック" pitchFamily="-108" charset="-128"/>
+              </a:defRPr>
+            </a:lvl5pPr>
+            <a:lvl6pPr marL="457200" algn="l" rtl="0" fontAlgn="base">
+              <a:spcBef>
+                <a:spcPct val="0"/>
+              </a:spcBef>
+              <a:spcAft>
+                <a:spcPct val="0"/>
+              </a:spcAft>
+              <a:defRPr sz="3200" b="1">
+                <a:solidFill>
+                  <a:srgbClr val="FFFFFF"/>
+                </a:solidFill>
+                <a:latin typeface="Arial Black" pitchFamily="-108" charset="0"/>
+              </a:defRPr>
+            </a:lvl6pPr>
+            <a:lvl7pPr marL="914400" algn="l" rtl="0" fontAlgn="base">
+              <a:spcBef>
+                <a:spcPct val="0"/>
+              </a:spcBef>
+              <a:spcAft>
+                <a:spcPct val="0"/>
+              </a:spcAft>
+              <a:defRPr sz="3200" b="1">
+                <a:solidFill>
+                  <a:srgbClr val="FFFFFF"/>
+                </a:solidFill>
+                <a:latin typeface="Arial Black" pitchFamily="-108" charset="0"/>
+              </a:defRPr>
+            </a:lvl7pPr>
+            <a:lvl8pPr marL="1371600" algn="l" rtl="0" fontAlgn="base">
+              <a:spcBef>
+                <a:spcPct val="0"/>
+              </a:spcBef>
+              <a:spcAft>
+                <a:spcPct val="0"/>
+              </a:spcAft>
+              <a:defRPr sz="3200" b="1">
+                <a:solidFill>
+                  <a:srgbClr val="FFFFFF"/>
+                </a:solidFill>
+                <a:latin typeface="Arial Black" pitchFamily="-108" charset="0"/>
+              </a:defRPr>
+            </a:lvl8pPr>
+            <a:lvl9pPr marL="1828800" algn="l" rtl="0" fontAlgn="base">
+              <a:spcBef>
+                <a:spcPct val="0"/>
+              </a:spcBef>
+              <a:spcAft>
+                <a:spcPct val="0"/>
+              </a:spcAft>
+              <a:defRPr sz="3200" b="1">
+                <a:solidFill>
+                  <a:srgbClr val="FFFFFF"/>
+                </a:solidFill>
+                <a:latin typeface="Arial Black" pitchFamily="-108" charset="0"/>
+              </a:defRPr>
+            </a:lvl9pPr>
+          </a:lstStyle>
+          <a:p>
+            <a:r>
+              <a:rPr lang="en-CA" kern="0" dirty="0"/>
+              <a:t>Summary</a:t>
+            </a:r>
+          </a:p>
+        </p:txBody>
+      </p:sp>
+      <p:sp>
+        <p:nvSpPr>
+          <p:cNvPr id="6" name="Content Placeholder 2"/>
+          <p:cNvSpPr txBox="1">
+            <a:spLocks/>
+          </p:cNvSpPr>
+          <p:nvPr/>
+        </p:nvSpPr>
+        <p:spPr bwMode="auto">
+          <a:xfrm>
+            <a:off x="228600" y="3962400"/>
+            <a:ext cx="8550275" cy="762000"/>
+          </a:xfrm>
+          <a:prstGeom prst="rect">
+            <a:avLst/>
+          </a:prstGeom>
+          <a:noFill/>
+          <a:ln>
+            <a:noFill/>
+          </a:ln>
+          <a:extLst>
+            <a:ext uri="{909E8E84-426E-40dd-AFC4-6F175D3DCCD1}">
+              <a14:hiddenFill xmlns="" xmlns:a14="http://schemas.microsoft.com/office/drawing/2010/main">
+                <a:solidFill>
+                  <a:srgbClr val="FFFFFF"/>
+                </a:solidFill>
+              </a14:hiddenFill>
+            </a:ext>
+            <a:ext uri="{91240B29-F687-4f45-9708-019B960494DF}">
+              <a14:hiddenLine xmlns="" xmlns:a14="http://schemas.microsoft.com/office/drawing/2010/main" w="9525">
+                <a:solidFill>
+                  <a:srgbClr val="000000"/>
+                </a:solidFill>
+                <a:miter lim="800000"/>
+                <a:headEnd/>
+                <a:tailEnd/>
+              </a14:hiddenLine>
+            </a:ext>
+            <a:ext uri="{FAA26D3D-D897-4be2-8F04-BA451C77F1D7}">
+              <ma14:placeholderFlag xmlns="" xmlns:ma14="http://schemas.microsoft.com/office/mac/drawingml/2011/main" val="1"/>
+            </a:ext>
+          </a:extLst>
+        </p:spPr>
+        <p:txBody>
+          <a:bodyPr vert="horz" wrap="square" lIns="91440" tIns="45720" rIns="91440" bIns="45720" numCol="1" anchor="t" anchorCtr="0" compatLnSpc="1">
+            <a:prstTxWarp prst="textNoShape">
+              <a:avLst/>
+            </a:prstTxWarp>
+          </a:bodyPr>
+          <a:lstStyle>
+            <a:lvl1pPr marL="269875" indent="-269875" algn="l" rtl="0" eaLnBrk="0" fontAlgn="base" hangingPunct="0">
+              <a:spcBef>
+                <a:spcPct val="20000"/>
+              </a:spcBef>
+              <a:spcAft>
+                <a:spcPct val="0"/>
+              </a:spcAft>
+              <a:buSzPct val="75000"/>
+              <a:buFont typeface="Wingdings" charset="0"/>
+              <a:buChar char="§"/>
+              <a:defRPr sz="3200">
+                <a:solidFill>
+                  <a:srgbClr val="000000"/>
+                </a:solidFill>
+                <a:latin typeface="Calibri"/>
+                <a:ea typeface="ＭＳ Ｐゴシック" pitchFamily="-108" charset="-128"/>
+                <a:cs typeface="Calibri"/>
+              </a:defRPr>
+            </a:lvl1pPr>
+            <a:lvl2pPr marL="914400" indent="-457200" algn="l" rtl="0" eaLnBrk="0" fontAlgn="base" hangingPunct="0">
+              <a:spcBef>
+                <a:spcPct val="20000"/>
+              </a:spcBef>
+              <a:spcAft>
+                <a:spcPct val="0"/>
+              </a:spcAft>
+              <a:buClrTx/>
+              <a:buSzPct val="100000"/>
+              <a:buFont typeface="Arial"/>
+              <a:buChar char="•"/>
+              <a:defRPr sz="2800">
+                <a:solidFill>
+                  <a:srgbClr val="000000"/>
+                </a:solidFill>
+                <a:latin typeface="Calibri"/>
+                <a:ea typeface="ＭＳ Ｐゴシック" pitchFamily="-108" charset="-128"/>
+                <a:cs typeface="Calibri"/>
+              </a:defRPr>
+            </a:lvl2pPr>
+            <a:lvl3pPr marL="1371600" indent="-457200" algn="l" rtl="0" eaLnBrk="0" fontAlgn="base" hangingPunct="0">
+              <a:spcBef>
+                <a:spcPct val="20000"/>
+              </a:spcBef>
+              <a:spcAft>
+                <a:spcPct val="0"/>
+              </a:spcAft>
+              <a:buClrTx/>
+              <a:buSzPct val="100000"/>
+              <a:buFont typeface="Arial"/>
+              <a:buChar char="•"/>
+              <a:defRPr sz="2400">
+                <a:solidFill>
+                  <a:srgbClr val="000000"/>
+                </a:solidFill>
+                <a:latin typeface="Calibri"/>
+                <a:ea typeface="ＭＳ Ｐゴシック" pitchFamily="-108" charset="-128"/>
+                <a:cs typeface="Calibri"/>
+              </a:defRPr>
+            </a:lvl3pPr>
+            <a:lvl4pPr marL="1752600" indent="-381000" algn="l" rtl="0" eaLnBrk="0" fontAlgn="base" hangingPunct="0">
+              <a:spcBef>
+                <a:spcPct val="20000"/>
+              </a:spcBef>
+              <a:spcAft>
+                <a:spcPct val="0"/>
+              </a:spcAft>
+              <a:buClrTx/>
+              <a:buSzPct val="100000"/>
+              <a:buFont typeface="Arial"/>
+              <a:buChar char="•"/>
+              <a:defRPr sz="2000">
+                <a:solidFill>
+                  <a:srgbClr val="000000"/>
+                </a:solidFill>
+                <a:latin typeface="Calibri"/>
+                <a:ea typeface="ＭＳ Ｐゴシック" pitchFamily="-108" charset="-128"/>
+                <a:cs typeface="Calibri"/>
+              </a:defRPr>
+            </a:lvl4pPr>
+            <a:lvl5pPr marL="2209800" indent="-381000" algn="l" rtl="0" eaLnBrk="0" fontAlgn="base" hangingPunct="0">
+              <a:spcBef>
+                <a:spcPct val="20000"/>
+              </a:spcBef>
+              <a:spcAft>
+                <a:spcPct val="0"/>
+              </a:spcAft>
+              <a:buClrTx/>
+              <a:buSzPct val="100000"/>
+              <a:buFont typeface="Arial"/>
+              <a:buChar char="•"/>
+              <a:defRPr sz="1800">
+                <a:solidFill>
+                  <a:srgbClr val="000000"/>
+                </a:solidFill>
+                <a:latin typeface="Calibri"/>
+                <a:ea typeface="ＭＳ Ｐゴシック" pitchFamily="-108" charset="-128"/>
+                <a:cs typeface="Calibri"/>
+              </a:defRPr>
+            </a:lvl5pPr>
+            <a:lvl6pPr marL="2667000" indent="-381000" algn="l" rtl="0" fontAlgn="base">
+              <a:spcBef>
+                <a:spcPct val="20000"/>
+              </a:spcBef>
+              <a:spcAft>
+                <a:spcPct val="0"/>
+              </a:spcAft>
+              <a:buFont typeface="Times" pitchFamily="-108" charset="0"/>
+              <a:buChar char="•"/>
+              <a:defRPr sz="2000">
+                <a:solidFill>
+                  <a:srgbClr val="FFFFFF"/>
+                </a:solidFill>
+                <a:latin typeface="Georgia" pitchFamily="-108" charset="0"/>
+                <a:ea typeface="ＭＳ Ｐゴシック" pitchFamily="-108" charset="-128"/>
+              </a:defRPr>
+            </a:lvl6pPr>
+            <a:lvl7pPr marL="3124200" indent="-381000" algn="l" rtl="0" fontAlgn="base">
+              <a:spcBef>
+                <a:spcPct val="20000"/>
+              </a:spcBef>
+              <a:spcAft>
+                <a:spcPct val="0"/>
+              </a:spcAft>
+              <a:buFont typeface="Times" pitchFamily="-108" charset="0"/>
+              <a:buChar char="•"/>
+              <a:defRPr sz="2000">
+                <a:solidFill>
+                  <a:srgbClr val="FFFFFF"/>
+                </a:solidFill>
+                <a:latin typeface="Georgia" pitchFamily="-108" charset="0"/>
+                <a:ea typeface="ＭＳ Ｐゴシック" pitchFamily="-108" charset="-128"/>
+              </a:defRPr>
+            </a:lvl7pPr>
+            <a:lvl8pPr marL="3581400" indent="-381000" algn="l" rtl="0" fontAlgn="base">
+              <a:spcBef>
+                <a:spcPct val="20000"/>
+              </a:spcBef>
+              <a:spcAft>
+                <a:spcPct val="0"/>
+              </a:spcAft>
+              <a:buFont typeface="Times" pitchFamily="-108" charset="0"/>
+              <a:buChar char="•"/>
+              <a:defRPr sz="2000">
+                <a:solidFill>
+                  <a:srgbClr val="FFFFFF"/>
+                </a:solidFill>
+                <a:latin typeface="Georgia" pitchFamily="-108" charset="0"/>
+                <a:ea typeface="ＭＳ Ｐゴシック" pitchFamily="-108" charset="-128"/>
+              </a:defRPr>
+            </a:lvl8pPr>
+            <a:lvl9pPr marL="4038600" indent="-381000" algn="l" rtl="0" fontAlgn="base">
+              <a:spcBef>
+                <a:spcPct val="20000"/>
+              </a:spcBef>
+              <a:spcAft>
+                <a:spcPct val="0"/>
+              </a:spcAft>
+              <a:buFont typeface="Times" pitchFamily="-108" charset="0"/>
+              <a:buChar char="•"/>
+              <a:defRPr sz="2000">
+                <a:solidFill>
+                  <a:srgbClr val="FFFFFF"/>
+                </a:solidFill>
+                <a:latin typeface="Georgia" pitchFamily="-108" charset="0"/>
+                <a:ea typeface="ＭＳ Ｐゴシック" pitchFamily="-108" charset="-128"/>
+              </a:defRPr>
+            </a:lvl9pPr>
+          </a:lstStyle>
+          <a:p>
+            <a:pPr marL="0" indent="0">
+              <a:buFont typeface="Wingdings" charset="0"/>
+              <a:buNone/>
+            </a:pPr>
+            <a:r>
+              <a:rPr lang="en-CA" sz="2000" kern="0" dirty="0"/>
+              <a:t>We successfully implemented the proposed architecture in Android. Meanwhile, there is great room to improve our implementation.</a:t>
+            </a:r>
+          </a:p>
+        </p:txBody>
+      </p:sp>
+    </p:spTree>
+    <p:extLst>
+      <p:ext uri="{BB962C8B-B14F-4D97-AF65-F5344CB8AC3E}">
+        <p14:creationId xmlns:p14="http://schemas.microsoft.com/office/powerpoint/2010/main" val="4033478637"/>
+      </p:ext>
+    </p:extLst>
+  </p:cSld>
+  <p:clrMapOvr>
+    <a:masterClrMapping/>
+  </p:clrMapOvr>
+</p:sld>
+</file>
+
+<file path=ppt/slides/slide19.xml><?xml version="1.0" encoding="utf-8"?>
+<p:sld xmlns:a="http://schemas.openxmlformats.org/drawingml/2006/main" xmlns:r="http://schemas.openxmlformats.org/officeDocument/2006/relationships" xmlns:p="http://schemas.openxmlformats.org/presentationml/2006/main">
+  <p:cSld>
+    <p:spTree>
+      <p:nvGrpSpPr>
+        <p:cNvPr id="1" name=""/>
+        <p:cNvGrpSpPr/>
+        <p:nvPr/>
+      </p:nvGrpSpPr>
+      <p:grpSpPr>
+        <a:xfrm>
+          <a:off x="0" y="0"/>
+          <a:ext cx="0" cy="0"/>
+          <a:chOff x="0" y="0"/>
+          <a:chExt cx="0" cy="0"/>
+        </a:xfrm>
+      </p:grpSpPr>
+      <p:sp>
+        <p:nvSpPr>
+          <p:cNvPr id="2" name="Title 1"/>
+          <p:cNvSpPr>
+            <a:spLocks noGrp="1"/>
+          </p:cNvSpPr>
+          <p:nvPr>
+            <p:ph type="title"/>
+          </p:nvPr>
+        </p:nvSpPr>
+        <p:spPr/>
+        <p:txBody>
+          <a:bodyPr/>
+          <a:lstStyle/>
+          <a:p>
+            <a:r>
+              <a:rPr lang="en-CA" dirty="0"/>
+              <a:t>Reference</a:t>
+            </a:r>
+          </a:p>
+        </p:txBody>
+      </p:sp>
+      <p:sp>
+        <p:nvSpPr>
+          <p:cNvPr id="7" name="Content Placeholder 2"/>
+          <p:cNvSpPr>
+            <a:spLocks noGrp="1"/>
+          </p:cNvSpPr>
+          <p:nvPr>
+            <p:ph idx="1"/>
+          </p:nvPr>
+        </p:nvSpPr>
+        <p:spPr>
+          <a:xfrm>
+            <a:off x="228600" y="1600200"/>
+            <a:ext cx="8550275" cy="4495800"/>
+          </a:xfrm>
+        </p:spPr>
+        <p:txBody>
+          <a:bodyPr/>
+          <a:lstStyle/>
+          <a:p>
+            <a:r>
+              <a:rPr lang="en-CA" sz="2000" dirty="0">
+                <a:latin typeface="Times New Roman" panose="02020603050405020304" pitchFamily="18" charset="0"/>
+                <a:cs typeface="Times New Roman" panose="02020603050405020304" pitchFamily="18" charset="0"/>
+              </a:rPr>
+              <a:t>[1]Barrett J, (2012, Oct 5). The Internet of </a:t>
+            </a:r>
+            <a:r>
+              <a:rPr lang="en-CA" sz="2000" dirty="0" err="1">
+                <a:latin typeface="Times New Roman" panose="02020603050405020304" pitchFamily="18" charset="0"/>
+                <a:cs typeface="Times New Roman" panose="02020603050405020304" pitchFamily="18" charset="0"/>
+              </a:rPr>
+              <a:t>Things.Youtube</a:t>
+            </a:r>
+            <a:r>
+              <a:rPr lang="en-CA" sz="2000" dirty="0">
+                <a:latin typeface="Times New Roman" panose="02020603050405020304" pitchFamily="18" charset="0"/>
+                <a:cs typeface="Times New Roman" panose="02020603050405020304" pitchFamily="18" charset="0"/>
+              </a:rPr>
+              <a:t> 2016.URL: https://www.youtube.com/watch?v=QaTIt1C5R-M</a:t>
+            </a:r>
+          </a:p>
+          <a:p>
+            <a:r>
+              <a:rPr lang="en-CA" sz="2000" dirty="0">
+                <a:latin typeface="Times New Roman" panose="02020603050405020304" pitchFamily="18" charset="0"/>
+                <a:cs typeface="Times New Roman" panose="02020603050405020304" pitchFamily="18" charset="0"/>
+              </a:rPr>
+              <a:t>[2]Shelby, Z., </a:t>
+            </a:r>
+            <a:r>
+              <a:rPr lang="en-CA" sz="2000" dirty="0" err="1">
+                <a:latin typeface="Times New Roman" panose="02020603050405020304" pitchFamily="18" charset="0"/>
+                <a:cs typeface="Times New Roman" panose="02020603050405020304" pitchFamily="18" charset="0"/>
+              </a:rPr>
+              <a:t>Hartke</a:t>
+            </a:r>
+            <a:r>
+              <a:rPr lang="en-CA" sz="2000" dirty="0">
+                <a:latin typeface="Times New Roman" panose="02020603050405020304" pitchFamily="18" charset="0"/>
+                <a:cs typeface="Times New Roman" panose="02020603050405020304" pitchFamily="18" charset="0"/>
+              </a:rPr>
+              <a:t>, K., &amp; Bormann, C. (2014). The Constrained Application Protocol (CoAP)(RFC 7252).</a:t>
+            </a:r>
+          </a:p>
+          <a:p>
+            <a:r>
+              <a:rPr lang="en-CA" sz="2000" dirty="0">
+                <a:latin typeface="Times New Roman" panose="02020603050405020304" pitchFamily="18" charset="0"/>
+                <a:cs typeface="Times New Roman" panose="02020603050405020304" pitchFamily="18" charset="0"/>
+              </a:rPr>
+              <a:t>[3]Shelby, Z, (2014, April 30). CoAP: The Web of Things Protocol [</a:t>
+            </a:r>
+            <a:r>
+              <a:rPr lang="en-CA" sz="2000" dirty="0" err="1">
+                <a:latin typeface="Times New Roman" panose="02020603050405020304" pitchFamily="18" charset="0"/>
+                <a:cs typeface="Times New Roman" panose="02020603050405020304" pitchFamily="18" charset="0"/>
+              </a:rPr>
+              <a:t>Powerpoint</a:t>
+            </a:r>
+            <a:r>
+              <a:rPr lang="en-CA" sz="2000" dirty="0">
+                <a:latin typeface="Times New Roman" panose="02020603050405020304" pitchFamily="18" charset="0"/>
+                <a:cs typeface="Times New Roman" panose="02020603050405020304" pitchFamily="18" charset="0"/>
+              </a:rPr>
+              <a:t> slides]. Retrieved from http://www.slideshare.net/zdshelby/coap-tutorial</a:t>
+            </a:r>
+          </a:p>
+          <a:p>
+            <a:r>
+              <a:rPr lang="en-CA" sz="2000" dirty="0">
+                <a:latin typeface="Times New Roman" panose="02020603050405020304" pitchFamily="18" charset="0"/>
+                <a:cs typeface="Times New Roman" panose="02020603050405020304" pitchFamily="18" charset="0"/>
+              </a:rPr>
+              <a:t>[4]</a:t>
+            </a:r>
+            <a:r>
+              <a:rPr lang="en-CA" sz="2000" dirty="0" err="1">
+                <a:latin typeface="Times New Roman" panose="02020603050405020304" pitchFamily="18" charset="0"/>
+                <a:cs typeface="Times New Roman" panose="02020603050405020304" pitchFamily="18" charset="0"/>
+              </a:rPr>
+              <a:t>Isomäki</a:t>
+            </a:r>
+            <a:r>
+              <a:rPr lang="en-CA" sz="2000" dirty="0">
+                <a:latin typeface="Times New Roman" panose="02020603050405020304" pitchFamily="18" charset="0"/>
+                <a:cs typeface="Times New Roman" panose="02020603050405020304" pitchFamily="18" charset="0"/>
+              </a:rPr>
+              <a:t>, M., </a:t>
+            </a:r>
+            <a:r>
+              <a:rPr lang="en-CA" sz="2000" dirty="0" err="1">
+                <a:latin typeface="Times New Roman" panose="02020603050405020304" pitchFamily="18" charset="0"/>
+                <a:cs typeface="Times New Roman" panose="02020603050405020304" pitchFamily="18" charset="0"/>
+              </a:rPr>
+              <a:t>Kerai</a:t>
+            </a:r>
+            <a:r>
+              <a:rPr lang="en-CA" sz="2000" dirty="0">
+                <a:latin typeface="Times New Roman" panose="02020603050405020304" pitchFamily="18" charset="0"/>
+                <a:cs typeface="Times New Roman" panose="02020603050405020304" pitchFamily="18" charset="0"/>
+              </a:rPr>
+              <a:t>, K., &amp; </a:t>
+            </a:r>
+            <a:r>
+              <a:rPr lang="en-CA" sz="2000" dirty="0" err="1">
+                <a:latin typeface="Times New Roman" panose="02020603050405020304" pitchFamily="18" charset="0"/>
+                <a:cs typeface="Times New Roman" panose="02020603050405020304" pitchFamily="18" charset="0"/>
+              </a:rPr>
+              <a:t>Mutikainen</a:t>
+            </a:r>
+            <a:r>
+              <a:rPr lang="en-CA" sz="2000" dirty="0">
+                <a:latin typeface="Times New Roman" panose="02020603050405020304" pitchFamily="18" charset="0"/>
+                <a:cs typeface="Times New Roman" panose="02020603050405020304" pitchFamily="18" charset="0"/>
+              </a:rPr>
+              <a:t>, J (2011). Connecting BT-LE sensors to the Internet using Ipv6.</a:t>
+            </a:r>
+          </a:p>
+          <a:p>
+            <a:r>
+              <a:rPr lang="en-CA" sz="2000" dirty="0">
+                <a:latin typeface="Times New Roman" panose="02020603050405020304" pitchFamily="18" charset="0"/>
+                <a:cs typeface="Times New Roman" panose="02020603050405020304" pitchFamily="18" charset="0"/>
+              </a:rPr>
+              <a:t>[5]Internet WG, (2014, Dec 16). Internet Protocol Support Profile</a:t>
+            </a:r>
+          </a:p>
+          <a:p>
+            <a:r>
+              <a:rPr lang="en-CA" sz="2000" dirty="0">
+                <a:latin typeface="Times New Roman" panose="02020603050405020304" pitchFamily="18" charset="0"/>
+                <a:cs typeface="Times New Roman" panose="02020603050405020304" pitchFamily="18" charset="0"/>
+              </a:rPr>
+              <a:t>[6]</a:t>
+            </a:r>
+            <a:r>
+              <a:rPr lang="en-CA" sz="2000" dirty="0" err="1">
+                <a:latin typeface="Times New Roman" panose="02020603050405020304" pitchFamily="18" charset="0"/>
+                <a:cs typeface="Times New Roman" panose="02020603050405020304" pitchFamily="18" charset="0"/>
+              </a:rPr>
+              <a:t>Silverajan</a:t>
+            </a:r>
+            <a:r>
+              <a:rPr lang="en-CA" sz="2000" dirty="0">
+                <a:latin typeface="Times New Roman" panose="02020603050405020304" pitchFamily="18" charset="0"/>
+                <a:cs typeface="Times New Roman" panose="02020603050405020304" pitchFamily="18" charset="0"/>
+              </a:rPr>
+              <a:t>, B., &amp; </a:t>
+            </a:r>
+            <a:r>
+              <a:rPr lang="en-CA" sz="2000" dirty="0" err="1">
+                <a:latin typeface="Times New Roman" panose="02020603050405020304" pitchFamily="18" charset="0"/>
+                <a:cs typeface="Times New Roman" panose="02020603050405020304" pitchFamily="18" charset="0"/>
+              </a:rPr>
+              <a:t>Savolainen</a:t>
+            </a:r>
+            <a:r>
+              <a:rPr lang="en-CA" sz="2000" dirty="0">
+                <a:latin typeface="Times New Roman" panose="02020603050405020304" pitchFamily="18" charset="0"/>
+                <a:cs typeface="Times New Roman" panose="02020603050405020304" pitchFamily="18" charset="0"/>
+              </a:rPr>
+              <a:t>, T. (2013). CoAP Communication with Alternative Transports. ID: draft-silverajan-core-coap-alternative-transports-01.</a:t>
+            </a:r>
+          </a:p>
+        </p:txBody>
+      </p:sp>
+    </p:spTree>
+    <p:extLst>
+      <p:ext uri="{BB962C8B-B14F-4D97-AF65-F5344CB8AC3E}">
+        <p14:creationId xmlns:p14="http://schemas.microsoft.com/office/powerpoint/2010/main" val="940823344"/>
       </p:ext>
     </p:extLst>
   </p:cSld>
@@ -13938,775 +11538,6 @@
 </file>
 
 <file path=ppt/slides/slide20.xml><?xml version="1.0" encoding="utf-8"?>
-<p:sld xmlns:a="http://schemas.openxmlformats.org/drawingml/2006/main" xmlns:r="http://schemas.openxmlformats.org/officeDocument/2006/relationships" xmlns:p="http://schemas.openxmlformats.org/presentationml/2006/main">
-  <p:cSld>
-    <p:spTree>
-      <p:nvGrpSpPr>
-        <p:cNvPr id="1" name=""/>
-        <p:cNvGrpSpPr/>
-        <p:nvPr/>
-      </p:nvGrpSpPr>
-      <p:grpSpPr>
-        <a:xfrm>
-          <a:off x="0" y="0"/>
-          <a:ext cx="0" cy="0"/>
-          <a:chOff x="0" y="0"/>
-          <a:chExt cx="0" cy="0"/>
-        </a:xfrm>
-      </p:grpSpPr>
-      <p:sp>
-        <p:nvSpPr>
-          <p:cNvPr id="5" name="Title 1"/>
-          <p:cNvSpPr>
-            <a:spLocks noGrp="1"/>
-          </p:cNvSpPr>
-          <p:nvPr>
-            <p:ph type="title"/>
-          </p:nvPr>
-        </p:nvSpPr>
-        <p:spPr>
-          <a:xfrm>
-            <a:off x="228598" y="838200"/>
-            <a:ext cx="8550275" cy="609600"/>
-          </a:xfrm>
-        </p:spPr>
-        <p:txBody>
-          <a:bodyPr/>
-          <a:lstStyle/>
-          <a:p>
-            <a:r>
-              <a:rPr lang="en-CA" dirty="0"/>
-              <a:t>Future Work</a:t>
-            </a:r>
-          </a:p>
-        </p:txBody>
-      </p:sp>
-      <p:sp>
-        <p:nvSpPr>
-          <p:cNvPr id="11" name="Content Placeholder 2"/>
-          <p:cNvSpPr>
-            <a:spLocks noGrp="1"/>
-          </p:cNvSpPr>
-          <p:nvPr>
-            <p:ph idx="1"/>
-          </p:nvPr>
-        </p:nvSpPr>
-        <p:spPr>
-          <a:xfrm>
-            <a:off x="228600" y="1600200"/>
-            <a:ext cx="8550275" cy="1219200"/>
-          </a:xfrm>
-        </p:spPr>
-        <p:txBody>
-          <a:bodyPr/>
-          <a:lstStyle/>
-          <a:p>
-            <a:pPr marL="0" indent="0">
-              <a:buNone/>
-            </a:pPr>
-            <a:r>
-              <a:rPr lang="en-CA" sz="2000" dirty="0"/>
-              <a:t>1. Improve performance.</a:t>
-            </a:r>
-          </a:p>
-          <a:p>
-            <a:pPr marL="0" indent="0">
-              <a:buNone/>
-            </a:pPr>
-            <a:r>
-              <a:rPr lang="en-CA" sz="2000" dirty="0"/>
-              <a:t>2. Explore Solution for multi-node communication.</a:t>
-            </a:r>
-          </a:p>
-          <a:p>
-            <a:pPr marL="0" indent="0">
-              <a:buNone/>
-            </a:pPr>
-            <a:r>
-              <a:rPr lang="en-CA" sz="2000" dirty="0"/>
-              <a:t>3. Implement other wireless protocols</a:t>
-            </a:r>
-          </a:p>
-        </p:txBody>
-      </p:sp>
-      <p:sp>
-        <p:nvSpPr>
-          <p:cNvPr id="4" name="Title 1"/>
-          <p:cNvSpPr txBox="1">
-            <a:spLocks/>
-          </p:cNvSpPr>
-          <p:nvPr/>
-        </p:nvSpPr>
-        <p:spPr bwMode="auto">
-          <a:xfrm>
-            <a:off x="228599" y="3200400"/>
-            <a:ext cx="8550275" cy="609600"/>
-          </a:xfrm>
-          <a:prstGeom prst="rect">
-            <a:avLst/>
-          </a:prstGeom>
-          <a:noFill/>
-          <a:ln>
-            <a:noFill/>
-          </a:ln>
-          <a:extLst>
-            <a:ext uri="{909E8E84-426E-40dd-AFC4-6F175D3DCCD1}">
-              <a14:hiddenFill xmlns:a14="http://schemas.microsoft.com/office/drawing/2010/main" xmlns="">
-                <a:solidFill>
-                  <a:srgbClr val="FFFFFF"/>
-                </a:solidFill>
-              </a14:hiddenFill>
-            </a:ext>
-            <a:ext uri="{91240B29-F687-4f45-9708-019B960494DF}">
-              <a14:hiddenLine xmlns:a14="http://schemas.microsoft.com/office/drawing/2010/main" xmlns="" w="9525">
-                <a:solidFill>
-                  <a:srgbClr val="000000"/>
-                </a:solidFill>
-                <a:miter lim="800000"/>
-                <a:headEnd/>
-                <a:tailEnd/>
-              </a14:hiddenLine>
-            </a:ext>
-            <a:ext uri="{FAA26D3D-D897-4be2-8F04-BA451C77F1D7}">
-              <ma14:placeholderFlag xmlns:ma14="http://schemas.microsoft.com/office/mac/drawingml/2011/main" xmlns="" val="1"/>
-            </a:ext>
-          </a:extLst>
-        </p:spPr>
-        <p:txBody>
-          <a:bodyPr vert="horz" wrap="square" lIns="91440" tIns="45720" rIns="91440" bIns="45720" numCol="1" anchor="ctr" anchorCtr="0" compatLnSpc="1">
-            <a:prstTxWarp prst="textNoShape">
-              <a:avLst/>
-            </a:prstTxWarp>
-          </a:bodyPr>
-          <a:lstStyle>
-            <a:lvl1pPr algn="l" rtl="0" eaLnBrk="0" fontAlgn="base" hangingPunct="0">
-              <a:spcBef>
-                <a:spcPct val="0"/>
-              </a:spcBef>
-              <a:spcAft>
-                <a:spcPct val="0"/>
-              </a:spcAft>
-              <a:defRPr sz="4400">
-                <a:solidFill>
-                  <a:srgbClr val="595959"/>
-                </a:solidFill>
-                <a:latin typeface="Calibri"/>
-                <a:ea typeface="ＭＳ Ｐゴシック" pitchFamily="-108" charset="-128"/>
-                <a:cs typeface="Calibri"/>
-              </a:defRPr>
-            </a:lvl1pPr>
-            <a:lvl2pPr algn="l" rtl="0" eaLnBrk="0" fontAlgn="base" hangingPunct="0">
-              <a:spcBef>
-                <a:spcPct val="0"/>
-              </a:spcBef>
-              <a:spcAft>
-                <a:spcPct val="0"/>
-              </a:spcAft>
-              <a:defRPr sz="4400">
-                <a:solidFill>
-                  <a:srgbClr val="595959"/>
-                </a:solidFill>
-                <a:latin typeface="Calibri" pitchFamily="-108" charset="0"/>
-                <a:ea typeface="ＭＳ Ｐゴシック" pitchFamily="-108" charset="-128"/>
-                <a:cs typeface="ＭＳ Ｐゴシック" pitchFamily="-108" charset="-128"/>
-              </a:defRPr>
-            </a:lvl2pPr>
-            <a:lvl3pPr algn="l" rtl="0" eaLnBrk="0" fontAlgn="base" hangingPunct="0">
-              <a:spcBef>
-                <a:spcPct val="0"/>
-              </a:spcBef>
-              <a:spcAft>
-                <a:spcPct val="0"/>
-              </a:spcAft>
-              <a:defRPr sz="4400">
-                <a:solidFill>
-                  <a:srgbClr val="595959"/>
-                </a:solidFill>
-                <a:latin typeface="Calibri" pitchFamily="-108" charset="0"/>
-                <a:ea typeface="ＭＳ Ｐゴシック" pitchFamily="-108" charset="-128"/>
-                <a:cs typeface="ＭＳ Ｐゴシック" pitchFamily="-108" charset="-128"/>
-              </a:defRPr>
-            </a:lvl3pPr>
-            <a:lvl4pPr algn="l" rtl="0" eaLnBrk="0" fontAlgn="base" hangingPunct="0">
-              <a:spcBef>
-                <a:spcPct val="0"/>
-              </a:spcBef>
-              <a:spcAft>
-                <a:spcPct val="0"/>
-              </a:spcAft>
-              <a:defRPr sz="4400">
-                <a:solidFill>
-                  <a:srgbClr val="595959"/>
-                </a:solidFill>
-                <a:latin typeface="Calibri" pitchFamily="-108" charset="0"/>
-                <a:ea typeface="ＭＳ Ｐゴシック" pitchFamily="-108" charset="-128"/>
-                <a:cs typeface="ＭＳ Ｐゴシック" pitchFamily="-108" charset="-128"/>
-              </a:defRPr>
-            </a:lvl4pPr>
-            <a:lvl5pPr algn="l" rtl="0" eaLnBrk="0" fontAlgn="base" hangingPunct="0">
-              <a:spcBef>
-                <a:spcPct val="0"/>
-              </a:spcBef>
-              <a:spcAft>
-                <a:spcPct val="0"/>
-              </a:spcAft>
-              <a:defRPr sz="4400">
-                <a:solidFill>
-                  <a:srgbClr val="595959"/>
-                </a:solidFill>
-                <a:latin typeface="Calibri" pitchFamily="-108" charset="0"/>
-                <a:ea typeface="ＭＳ Ｐゴシック" pitchFamily="-108" charset="-128"/>
-                <a:cs typeface="ＭＳ Ｐゴシック" pitchFamily="-108" charset="-128"/>
-              </a:defRPr>
-            </a:lvl5pPr>
-            <a:lvl6pPr marL="457200" algn="l" rtl="0" fontAlgn="base">
-              <a:spcBef>
-                <a:spcPct val="0"/>
-              </a:spcBef>
-              <a:spcAft>
-                <a:spcPct val="0"/>
-              </a:spcAft>
-              <a:defRPr sz="3200" b="1">
-                <a:solidFill>
-                  <a:srgbClr val="FFFFFF"/>
-                </a:solidFill>
-                <a:latin typeface="Arial Black" pitchFamily="-108" charset="0"/>
-              </a:defRPr>
-            </a:lvl6pPr>
-            <a:lvl7pPr marL="914400" algn="l" rtl="0" fontAlgn="base">
-              <a:spcBef>
-                <a:spcPct val="0"/>
-              </a:spcBef>
-              <a:spcAft>
-                <a:spcPct val="0"/>
-              </a:spcAft>
-              <a:defRPr sz="3200" b="1">
-                <a:solidFill>
-                  <a:srgbClr val="FFFFFF"/>
-                </a:solidFill>
-                <a:latin typeface="Arial Black" pitchFamily="-108" charset="0"/>
-              </a:defRPr>
-            </a:lvl7pPr>
-            <a:lvl8pPr marL="1371600" algn="l" rtl="0" fontAlgn="base">
-              <a:spcBef>
-                <a:spcPct val="0"/>
-              </a:spcBef>
-              <a:spcAft>
-                <a:spcPct val="0"/>
-              </a:spcAft>
-              <a:defRPr sz="3200" b="1">
-                <a:solidFill>
-                  <a:srgbClr val="FFFFFF"/>
-                </a:solidFill>
-                <a:latin typeface="Arial Black" pitchFamily="-108" charset="0"/>
-              </a:defRPr>
-            </a:lvl8pPr>
-            <a:lvl9pPr marL="1828800" algn="l" rtl="0" fontAlgn="base">
-              <a:spcBef>
-                <a:spcPct val="0"/>
-              </a:spcBef>
-              <a:spcAft>
-                <a:spcPct val="0"/>
-              </a:spcAft>
-              <a:defRPr sz="3200" b="1">
-                <a:solidFill>
-                  <a:srgbClr val="FFFFFF"/>
-                </a:solidFill>
-                <a:latin typeface="Arial Black" pitchFamily="-108" charset="0"/>
-              </a:defRPr>
-            </a:lvl9pPr>
-          </a:lstStyle>
-          <a:p>
-            <a:r>
-              <a:rPr lang="en-CA" kern="0" dirty="0"/>
-              <a:t>Summary</a:t>
-            </a:r>
-          </a:p>
-        </p:txBody>
-      </p:sp>
-      <p:sp>
-        <p:nvSpPr>
-          <p:cNvPr id="6" name="Content Placeholder 2"/>
-          <p:cNvSpPr txBox="1">
-            <a:spLocks/>
-          </p:cNvSpPr>
-          <p:nvPr/>
-        </p:nvSpPr>
-        <p:spPr bwMode="auto">
-          <a:xfrm>
-            <a:off x="228600" y="3962400"/>
-            <a:ext cx="8550275" cy="762000"/>
-          </a:xfrm>
-          <a:prstGeom prst="rect">
-            <a:avLst/>
-          </a:prstGeom>
-          <a:noFill/>
-          <a:ln>
-            <a:noFill/>
-          </a:ln>
-          <a:extLst>
-            <a:ext uri="{909E8E84-426E-40dd-AFC4-6F175D3DCCD1}">
-              <a14:hiddenFill xmlns:a14="http://schemas.microsoft.com/office/drawing/2010/main" xmlns="">
-                <a:solidFill>
-                  <a:srgbClr val="FFFFFF"/>
-                </a:solidFill>
-              </a14:hiddenFill>
-            </a:ext>
-            <a:ext uri="{91240B29-F687-4f45-9708-019B960494DF}">
-              <a14:hiddenLine xmlns:a14="http://schemas.microsoft.com/office/drawing/2010/main" xmlns="" w="9525">
-                <a:solidFill>
-                  <a:srgbClr val="000000"/>
-                </a:solidFill>
-                <a:miter lim="800000"/>
-                <a:headEnd/>
-                <a:tailEnd/>
-              </a14:hiddenLine>
-            </a:ext>
-            <a:ext uri="{FAA26D3D-D897-4be2-8F04-BA451C77F1D7}">
-              <ma14:placeholderFlag xmlns:ma14="http://schemas.microsoft.com/office/mac/drawingml/2011/main" xmlns="" val="1"/>
-            </a:ext>
-          </a:extLst>
-        </p:spPr>
-        <p:txBody>
-          <a:bodyPr vert="horz" wrap="square" lIns="91440" tIns="45720" rIns="91440" bIns="45720" numCol="1" anchor="t" anchorCtr="0" compatLnSpc="1">
-            <a:prstTxWarp prst="textNoShape">
-              <a:avLst/>
-            </a:prstTxWarp>
-          </a:bodyPr>
-          <a:lstStyle>
-            <a:lvl1pPr marL="269875" indent="-269875" algn="l" rtl="0" eaLnBrk="0" fontAlgn="base" hangingPunct="0">
-              <a:spcBef>
-                <a:spcPct val="20000"/>
-              </a:spcBef>
-              <a:spcAft>
-                <a:spcPct val="0"/>
-              </a:spcAft>
-              <a:buSzPct val="75000"/>
-              <a:buFont typeface="Wingdings" charset="0"/>
-              <a:buChar char="§"/>
-              <a:defRPr sz="3200">
-                <a:solidFill>
-                  <a:srgbClr val="000000"/>
-                </a:solidFill>
-                <a:latin typeface="Calibri"/>
-                <a:ea typeface="ＭＳ Ｐゴシック" pitchFamily="-108" charset="-128"/>
-                <a:cs typeface="Calibri"/>
-              </a:defRPr>
-            </a:lvl1pPr>
-            <a:lvl2pPr marL="914400" indent="-457200" algn="l" rtl="0" eaLnBrk="0" fontAlgn="base" hangingPunct="0">
-              <a:spcBef>
-                <a:spcPct val="20000"/>
-              </a:spcBef>
-              <a:spcAft>
-                <a:spcPct val="0"/>
-              </a:spcAft>
-              <a:buClrTx/>
-              <a:buSzPct val="100000"/>
-              <a:buFont typeface="Arial"/>
-              <a:buChar char="•"/>
-              <a:defRPr sz="2800">
-                <a:solidFill>
-                  <a:srgbClr val="000000"/>
-                </a:solidFill>
-                <a:latin typeface="Calibri"/>
-                <a:ea typeface="ＭＳ Ｐゴシック" pitchFamily="-108" charset="-128"/>
-                <a:cs typeface="Calibri"/>
-              </a:defRPr>
-            </a:lvl2pPr>
-            <a:lvl3pPr marL="1371600" indent="-457200" algn="l" rtl="0" eaLnBrk="0" fontAlgn="base" hangingPunct="0">
-              <a:spcBef>
-                <a:spcPct val="20000"/>
-              </a:spcBef>
-              <a:spcAft>
-                <a:spcPct val="0"/>
-              </a:spcAft>
-              <a:buClrTx/>
-              <a:buSzPct val="100000"/>
-              <a:buFont typeface="Arial"/>
-              <a:buChar char="•"/>
-              <a:defRPr sz="2400">
-                <a:solidFill>
-                  <a:srgbClr val="000000"/>
-                </a:solidFill>
-                <a:latin typeface="Calibri"/>
-                <a:ea typeface="ＭＳ Ｐゴシック" pitchFamily="-108" charset="-128"/>
-                <a:cs typeface="Calibri"/>
-              </a:defRPr>
-            </a:lvl3pPr>
-            <a:lvl4pPr marL="1752600" indent="-381000" algn="l" rtl="0" eaLnBrk="0" fontAlgn="base" hangingPunct="0">
-              <a:spcBef>
-                <a:spcPct val="20000"/>
-              </a:spcBef>
-              <a:spcAft>
-                <a:spcPct val="0"/>
-              </a:spcAft>
-              <a:buClrTx/>
-              <a:buSzPct val="100000"/>
-              <a:buFont typeface="Arial"/>
-              <a:buChar char="•"/>
-              <a:defRPr sz="2000">
-                <a:solidFill>
-                  <a:srgbClr val="000000"/>
-                </a:solidFill>
-                <a:latin typeface="Calibri"/>
-                <a:ea typeface="ＭＳ Ｐゴシック" pitchFamily="-108" charset="-128"/>
-                <a:cs typeface="Calibri"/>
-              </a:defRPr>
-            </a:lvl4pPr>
-            <a:lvl5pPr marL="2209800" indent="-381000" algn="l" rtl="0" eaLnBrk="0" fontAlgn="base" hangingPunct="0">
-              <a:spcBef>
-                <a:spcPct val="20000"/>
-              </a:spcBef>
-              <a:spcAft>
-                <a:spcPct val="0"/>
-              </a:spcAft>
-              <a:buClrTx/>
-              <a:buSzPct val="100000"/>
-              <a:buFont typeface="Arial"/>
-              <a:buChar char="•"/>
-              <a:defRPr sz="1800">
-                <a:solidFill>
-                  <a:srgbClr val="000000"/>
-                </a:solidFill>
-                <a:latin typeface="Calibri"/>
-                <a:ea typeface="ＭＳ Ｐゴシック" pitchFamily="-108" charset="-128"/>
-                <a:cs typeface="Calibri"/>
-              </a:defRPr>
-            </a:lvl5pPr>
-            <a:lvl6pPr marL="2667000" indent="-381000" algn="l" rtl="0" fontAlgn="base">
-              <a:spcBef>
-                <a:spcPct val="20000"/>
-              </a:spcBef>
-              <a:spcAft>
-                <a:spcPct val="0"/>
-              </a:spcAft>
-              <a:buFont typeface="Times" pitchFamily="-108" charset="0"/>
-              <a:buChar char="•"/>
-              <a:defRPr sz="2000">
-                <a:solidFill>
-                  <a:srgbClr val="FFFFFF"/>
-                </a:solidFill>
-                <a:latin typeface="Georgia" pitchFamily="-108" charset="0"/>
-                <a:ea typeface="ＭＳ Ｐゴシック" pitchFamily="-108" charset="-128"/>
-              </a:defRPr>
-            </a:lvl6pPr>
-            <a:lvl7pPr marL="3124200" indent="-381000" algn="l" rtl="0" fontAlgn="base">
-              <a:spcBef>
-                <a:spcPct val="20000"/>
-              </a:spcBef>
-              <a:spcAft>
-                <a:spcPct val="0"/>
-              </a:spcAft>
-              <a:buFont typeface="Times" pitchFamily="-108" charset="0"/>
-              <a:buChar char="•"/>
-              <a:defRPr sz="2000">
-                <a:solidFill>
-                  <a:srgbClr val="FFFFFF"/>
-                </a:solidFill>
-                <a:latin typeface="Georgia" pitchFamily="-108" charset="0"/>
-                <a:ea typeface="ＭＳ Ｐゴシック" pitchFamily="-108" charset="-128"/>
-              </a:defRPr>
-            </a:lvl7pPr>
-            <a:lvl8pPr marL="3581400" indent="-381000" algn="l" rtl="0" fontAlgn="base">
-              <a:spcBef>
-                <a:spcPct val="20000"/>
-              </a:spcBef>
-              <a:spcAft>
-                <a:spcPct val="0"/>
-              </a:spcAft>
-              <a:buFont typeface="Times" pitchFamily="-108" charset="0"/>
-              <a:buChar char="•"/>
-              <a:defRPr sz="2000">
-                <a:solidFill>
-                  <a:srgbClr val="FFFFFF"/>
-                </a:solidFill>
-                <a:latin typeface="Georgia" pitchFamily="-108" charset="0"/>
-                <a:ea typeface="ＭＳ Ｐゴシック" pitchFamily="-108" charset="-128"/>
-              </a:defRPr>
-            </a:lvl8pPr>
-            <a:lvl9pPr marL="4038600" indent="-381000" algn="l" rtl="0" fontAlgn="base">
-              <a:spcBef>
-                <a:spcPct val="20000"/>
-              </a:spcBef>
-              <a:spcAft>
-                <a:spcPct val="0"/>
-              </a:spcAft>
-              <a:buFont typeface="Times" pitchFamily="-108" charset="0"/>
-              <a:buChar char="•"/>
-              <a:defRPr sz="2000">
-                <a:solidFill>
-                  <a:srgbClr val="FFFFFF"/>
-                </a:solidFill>
-                <a:latin typeface="Georgia" pitchFamily="-108" charset="0"/>
-                <a:ea typeface="ＭＳ Ｐゴシック" pitchFamily="-108" charset="-128"/>
-              </a:defRPr>
-            </a:lvl9pPr>
-          </a:lstStyle>
-          <a:p>
-            <a:pPr marL="0" indent="0">
-              <a:buFont typeface="Wingdings" charset="0"/>
-              <a:buNone/>
-            </a:pPr>
-            <a:r>
-              <a:rPr lang="en-CA" sz="2000" kern="0" dirty="0"/>
-              <a:t>We successfully implemented the proposed architecture in Android. Meanwhile, there is great room to improve our implementation.</a:t>
-            </a:r>
-          </a:p>
-        </p:txBody>
-      </p:sp>
-    </p:spTree>
-    <p:extLst>
-      <p:ext uri="{BB962C8B-B14F-4D97-AF65-F5344CB8AC3E}">
-        <p14:creationId xmlns:p14="http://schemas.microsoft.com/office/powerpoint/2010/main" val="4033478637"/>
-      </p:ext>
-    </p:extLst>
-  </p:cSld>
-  <p:clrMapOvr>
-    <a:masterClrMapping/>
-  </p:clrMapOvr>
-</p:sld>
-</file>
-
-<file path=ppt/slides/slide21.xml><?xml version="1.0" encoding="utf-8"?>
-<p:sld xmlns:a="http://schemas.openxmlformats.org/drawingml/2006/main" xmlns:r="http://schemas.openxmlformats.org/officeDocument/2006/relationships" xmlns:p="http://schemas.openxmlformats.org/presentationml/2006/main">
-  <p:cSld>
-    <p:spTree>
-      <p:nvGrpSpPr>
-        <p:cNvPr id="1" name=""/>
-        <p:cNvGrpSpPr/>
-        <p:nvPr/>
-      </p:nvGrpSpPr>
-      <p:grpSpPr>
-        <a:xfrm>
-          <a:off x="0" y="0"/>
-          <a:ext cx="0" cy="0"/>
-          <a:chOff x="0" y="0"/>
-          <a:chExt cx="0" cy="0"/>
-        </a:xfrm>
-      </p:grpSpPr>
-      <p:sp>
-        <p:nvSpPr>
-          <p:cNvPr id="2" name="Title 1"/>
-          <p:cNvSpPr>
-            <a:spLocks noGrp="1"/>
-          </p:cNvSpPr>
-          <p:nvPr>
-            <p:ph type="title"/>
-          </p:nvPr>
-        </p:nvSpPr>
-        <p:spPr/>
-        <p:txBody>
-          <a:bodyPr/>
-          <a:lstStyle/>
-          <a:p>
-            <a:r>
-              <a:rPr lang="en-CA" dirty="0"/>
-              <a:t>Reference</a:t>
-            </a:r>
-          </a:p>
-        </p:txBody>
-      </p:sp>
-      <p:sp>
-        <p:nvSpPr>
-          <p:cNvPr id="7" name="Content Placeholder 2"/>
-          <p:cNvSpPr>
-            <a:spLocks noGrp="1"/>
-          </p:cNvSpPr>
-          <p:nvPr>
-            <p:ph idx="1"/>
-          </p:nvPr>
-        </p:nvSpPr>
-        <p:spPr>
-          <a:xfrm>
-            <a:off x="228600" y="1600200"/>
-            <a:ext cx="8550275" cy="4495800"/>
-          </a:xfrm>
-        </p:spPr>
-        <p:txBody>
-          <a:bodyPr/>
-          <a:lstStyle/>
-          <a:p>
-            <a:r>
-              <a:rPr lang="en-CA" sz="2000" dirty="0">
-                <a:latin typeface="Times New Roman" panose="02020603050405020304" pitchFamily="18" charset="0"/>
-                <a:cs typeface="Times New Roman" panose="02020603050405020304" pitchFamily="18" charset="0"/>
-              </a:rPr>
-              <a:t>[1]Barrett J, (2012, Oct 5). The Internet of </a:t>
-            </a:r>
-            <a:r>
-              <a:rPr lang="en-CA" sz="2000" dirty="0" err="1">
-                <a:latin typeface="Times New Roman" panose="02020603050405020304" pitchFamily="18" charset="0"/>
-                <a:cs typeface="Times New Roman" panose="02020603050405020304" pitchFamily="18" charset="0"/>
-              </a:rPr>
-              <a:t>Things.Youtube</a:t>
-            </a:r>
-            <a:r>
-              <a:rPr lang="en-CA" sz="2000" dirty="0">
-                <a:latin typeface="Times New Roman" panose="02020603050405020304" pitchFamily="18" charset="0"/>
-                <a:cs typeface="Times New Roman" panose="02020603050405020304" pitchFamily="18" charset="0"/>
-              </a:rPr>
-              <a:t> 2016.URL: https://www.youtube.com/watch?v=QaTIt1C5R-M</a:t>
-            </a:r>
-          </a:p>
-          <a:p>
-            <a:r>
-              <a:rPr lang="en-CA" sz="2000" dirty="0">
-                <a:latin typeface="Times New Roman" panose="02020603050405020304" pitchFamily="18" charset="0"/>
-                <a:cs typeface="Times New Roman" panose="02020603050405020304" pitchFamily="18" charset="0"/>
-              </a:rPr>
-              <a:t>[2]Shelby, Z., </a:t>
-            </a:r>
-            <a:r>
-              <a:rPr lang="en-CA" sz="2000" dirty="0" err="1">
-                <a:latin typeface="Times New Roman" panose="02020603050405020304" pitchFamily="18" charset="0"/>
-                <a:cs typeface="Times New Roman" panose="02020603050405020304" pitchFamily="18" charset="0"/>
-              </a:rPr>
-              <a:t>Hartke</a:t>
-            </a:r>
-            <a:r>
-              <a:rPr lang="en-CA" sz="2000" dirty="0">
-                <a:latin typeface="Times New Roman" panose="02020603050405020304" pitchFamily="18" charset="0"/>
-                <a:cs typeface="Times New Roman" panose="02020603050405020304" pitchFamily="18" charset="0"/>
-              </a:rPr>
-              <a:t>, K., &amp; Bormann, C. (2014). The Constrained Application Protocol (CoAP)(RFC 7252).</a:t>
-            </a:r>
-          </a:p>
-          <a:p>
-            <a:r>
-              <a:rPr lang="en-CA" sz="2000" dirty="0">
-                <a:latin typeface="Times New Roman" panose="02020603050405020304" pitchFamily="18" charset="0"/>
-                <a:cs typeface="Times New Roman" panose="02020603050405020304" pitchFamily="18" charset="0"/>
-              </a:rPr>
-              <a:t>[3]Shelby, Z, (2014, April 30). CoAP: The Web of Things Protocol [</a:t>
-            </a:r>
-            <a:r>
-              <a:rPr lang="en-CA" sz="2000" dirty="0" err="1">
-                <a:latin typeface="Times New Roman" panose="02020603050405020304" pitchFamily="18" charset="0"/>
-                <a:cs typeface="Times New Roman" panose="02020603050405020304" pitchFamily="18" charset="0"/>
-              </a:rPr>
-              <a:t>Powerpoint</a:t>
-            </a:r>
-            <a:r>
-              <a:rPr lang="en-CA" sz="2000" dirty="0">
-                <a:latin typeface="Times New Roman" panose="02020603050405020304" pitchFamily="18" charset="0"/>
-                <a:cs typeface="Times New Roman" panose="02020603050405020304" pitchFamily="18" charset="0"/>
-              </a:rPr>
-              <a:t> slides]. Retrieved from http://www.slideshare.net/zdshelby/coap-tutorial</a:t>
-            </a:r>
-          </a:p>
-          <a:p>
-            <a:r>
-              <a:rPr lang="en-CA" sz="2000" dirty="0">
-                <a:latin typeface="Times New Roman" panose="02020603050405020304" pitchFamily="18" charset="0"/>
-                <a:cs typeface="Times New Roman" panose="02020603050405020304" pitchFamily="18" charset="0"/>
-              </a:rPr>
-              <a:t>[4]</a:t>
-            </a:r>
-            <a:r>
-              <a:rPr lang="en-CA" sz="2000" dirty="0" err="1">
-                <a:latin typeface="Times New Roman" panose="02020603050405020304" pitchFamily="18" charset="0"/>
-                <a:cs typeface="Times New Roman" panose="02020603050405020304" pitchFamily="18" charset="0"/>
-              </a:rPr>
-              <a:t>Isomäki</a:t>
-            </a:r>
-            <a:r>
-              <a:rPr lang="en-CA" sz="2000" dirty="0">
-                <a:latin typeface="Times New Roman" panose="02020603050405020304" pitchFamily="18" charset="0"/>
-                <a:cs typeface="Times New Roman" panose="02020603050405020304" pitchFamily="18" charset="0"/>
-              </a:rPr>
-              <a:t>, M., </a:t>
-            </a:r>
-            <a:r>
-              <a:rPr lang="en-CA" sz="2000" dirty="0" err="1">
-                <a:latin typeface="Times New Roman" panose="02020603050405020304" pitchFamily="18" charset="0"/>
-                <a:cs typeface="Times New Roman" panose="02020603050405020304" pitchFamily="18" charset="0"/>
-              </a:rPr>
-              <a:t>Kerai</a:t>
-            </a:r>
-            <a:r>
-              <a:rPr lang="en-CA" sz="2000" dirty="0">
-                <a:latin typeface="Times New Roman" panose="02020603050405020304" pitchFamily="18" charset="0"/>
-                <a:cs typeface="Times New Roman" panose="02020603050405020304" pitchFamily="18" charset="0"/>
-              </a:rPr>
-              <a:t>, K., &amp; </a:t>
-            </a:r>
-            <a:r>
-              <a:rPr lang="en-CA" sz="2000" dirty="0" err="1">
-                <a:latin typeface="Times New Roman" panose="02020603050405020304" pitchFamily="18" charset="0"/>
-                <a:cs typeface="Times New Roman" panose="02020603050405020304" pitchFamily="18" charset="0"/>
-              </a:rPr>
-              <a:t>Mutikainen</a:t>
-            </a:r>
-            <a:r>
-              <a:rPr lang="en-CA" sz="2000" dirty="0">
-                <a:latin typeface="Times New Roman" panose="02020603050405020304" pitchFamily="18" charset="0"/>
-                <a:cs typeface="Times New Roman" panose="02020603050405020304" pitchFamily="18" charset="0"/>
-              </a:rPr>
-              <a:t>, J (2011). Connecting BT-LE sensors to the Internet using Ipv6.</a:t>
-            </a:r>
-          </a:p>
-          <a:p>
-            <a:r>
-              <a:rPr lang="en-CA" sz="2000" dirty="0">
-                <a:latin typeface="Times New Roman" panose="02020603050405020304" pitchFamily="18" charset="0"/>
-                <a:cs typeface="Times New Roman" panose="02020603050405020304" pitchFamily="18" charset="0"/>
-              </a:rPr>
-              <a:t>[5]Internet WG, (2014, Dec 16). Internet Protocol Support Profile</a:t>
-            </a:r>
-          </a:p>
-          <a:p>
-            <a:r>
-              <a:rPr lang="en-CA" sz="2000" dirty="0">
-                <a:latin typeface="Times New Roman" panose="02020603050405020304" pitchFamily="18" charset="0"/>
-                <a:cs typeface="Times New Roman" panose="02020603050405020304" pitchFamily="18" charset="0"/>
-              </a:rPr>
-              <a:t>[6]</a:t>
-            </a:r>
-            <a:r>
-              <a:rPr lang="en-CA" sz="2000" dirty="0" err="1">
-                <a:latin typeface="Times New Roman" panose="02020603050405020304" pitchFamily="18" charset="0"/>
-                <a:cs typeface="Times New Roman" panose="02020603050405020304" pitchFamily="18" charset="0"/>
-              </a:rPr>
-              <a:t>Silverajan</a:t>
-            </a:r>
-            <a:r>
-              <a:rPr lang="en-CA" sz="2000" dirty="0">
-                <a:latin typeface="Times New Roman" panose="02020603050405020304" pitchFamily="18" charset="0"/>
-                <a:cs typeface="Times New Roman" panose="02020603050405020304" pitchFamily="18" charset="0"/>
-              </a:rPr>
-              <a:t>, B., &amp; </a:t>
-            </a:r>
-            <a:r>
-              <a:rPr lang="en-CA" sz="2000" dirty="0" err="1">
-                <a:latin typeface="Times New Roman" panose="02020603050405020304" pitchFamily="18" charset="0"/>
-                <a:cs typeface="Times New Roman" panose="02020603050405020304" pitchFamily="18" charset="0"/>
-              </a:rPr>
-              <a:t>Savolainen</a:t>
-            </a:r>
-            <a:r>
-              <a:rPr lang="en-CA" sz="2000" dirty="0">
-                <a:latin typeface="Times New Roman" panose="02020603050405020304" pitchFamily="18" charset="0"/>
-                <a:cs typeface="Times New Roman" panose="02020603050405020304" pitchFamily="18" charset="0"/>
-              </a:rPr>
-              <a:t>, T. (2013). CoAP Communication with Alternative Transports. ID: draft-silverajan-core-coap-alternative-transports-01.</a:t>
-            </a:r>
-          </a:p>
-        </p:txBody>
-      </p:sp>
-    </p:spTree>
-    <p:extLst>
-      <p:ext uri="{BB962C8B-B14F-4D97-AF65-F5344CB8AC3E}">
-        <p14:creationId xmlns:p14="http://schemas.microsoft.com/office/powerpoint/2010/main" val="940823344"/>
-      </p:ext>
-    </p:extLst>
-  </p:cSld>
-  <p:clrMapOvr>
-    <a:masterClrMapping/>
-  </p:clrMapOvr>
-</p:sld>
-</file>
-
-<file path=ppt/slides/slide22.xml><?xml version="1.0" encoding="utf-8"?>
 <p:sld xmlns:a="http://schemas.openxmlformats.org/drawingml/2006/main" xmlns:r="http://schemas.openxmlformats.org/officeDocument/2006/relationships" xmlns:p="http://schemas.openxmlformats.org/presentationml/2006/main">
   <p:cSld>
     <p:spTree>
@@ -14813,7 +11644,7 @@
         <p:spPr>
           <a:xfrm>
             <a:off x="259466" y="1752600"/>
-            <a:ext cx="8158837" cy="461665"/>
+            <a:ext cx="2407262" cy="461665"/>
           </a:xfrm>
           <a:prstGeom prst="rect">
             <a:avLst/>
@@ -14828,35 +11659,11 @@
           <a:p>
             <a:r>
               <a:rPr lang="en-CA" dirty="0"/>
-              <a:t>IoT aims to make every physical object tangible in virtual world.</a:t>
+              <a:t>IoT is connecting.</a:t>
             </a:r>
           </a:p>
         </p:txBody>
       </p:sp>
-      <p:pic>
-        <p:nvPicPr>
-          <p:cNvPr id="4" name="Picture 3"/>
-          <p:cNvPicPr>
-            <a:picLocks noChangeAspect="1"/>
-          </p:cNvPicPr>
-          <p:nvPr/>
-        </p:nvPicPr>
-        <p:blipFill>
-          <a:blip r:embed="rId3"/>
-          <a:stretch>
-            <a:fillRect/>
-          </a:stretch>
-        </p:blipFill>
-        <p:spPr>
-          <a:xfrm>
-            <a:off x="1951037" y="2519065"/>
-            <a:ext cx="5105400" cy="2648727"/>
-          </a:xfrm>
-          <a:prstGeom prst="rect">
-            <a:avLst/>
-          </a:prstGeom>
-        </p:spPr>
-      </p:pic>
       <p:sp>
         <p:nvSpPr>
           <p:cNvPr id="5" name="TextBox 4"/>
@@ -14909,14 +11716,14 @@
           </a:ln>
           <a:extLst>
             <a:ext uri="{909E8E84-426E-40dd-AFC4-6F175D3DCCD1}">
-              <a14:hiddenFill xmlns:a14="http://schemas.microsoft.com/office/drawing/2010/main" xmlns="">
+              <a14:hiddenFill xmlns="" xmlns:a14="http://schemas.microsoft.com/office/drawing/2010/main">
                 <a:solidFill>
                   <a:srgbClr val="FFFFFF"/>
                 </a:solidFill>
               </a14:hiddenFill>
             </a:ext>
             <a:ext uri="{91240B29-F687-4f45-9708-019B960494DF}">
-              <a14:hiddenLine xmlns:a14="http://schemas.microsoft.com/office/drawing/2010/main" xmlns="" w="9525">
+              <a14:hiddenLine xmlns="" xmlns:a14="http://schemas.microsoft.com/office/drawing/2010/main" w="9525">
                 <a:solidFill>
                   <a:srgbClr val="000000"/>
                 </a:solidFill>
@@ -14926,7 +11733,7 @@
               </a14:hiddenLine>
             </a:ext>
             <a:ext uri="{FAA26D3D-D897-4be2-8F04-BA451C77F1D7}">
-              <ma14:placeholderFlag xmlns:ma14="http://schemas.microsoft.com/office/mac/drawingml/2011/main" xmlns="" val="1"/>
+              <ma14:placeholderFlag xmlns="" xmlns:ma14="http://schemas.microsoft.com/office/mac/drawingml/2011/main" val="1"/>
             </a:ext>
           </a:extLst>
         </p:spPr>
@@ -15117,6 +11924,30 @@
           </a:p>
         </p:txBody>
       </p:sp>
+      <p:pic>
+        <p:nvPicPr>
+          <p:cNvPr id="7" name="Picture 6"/>
+          <p:cNvPicPr>
+            <a:picLocks noChangeAspect="1"/>
+          </p:cNvPicPr>
+          <p:nvPr/>
+        </p:nvPicPr>
+        <p:blipFill>
+          <a:blip r:embed="rId3"/>
+          <a:stretch>
+            <a:fillRect/>
+          </a:stretch>
+        </p:blipFill>
+        <p:spPr>
+          <a:xfrm>
+            <a:off x="1905000" y="2235938"/>
+            <a:ext cx="5438775" cy="3451254"/>
+          </a:xfrm>
+          <a:prstGeom prst="rect">
+            <a:avLst/>
+          </a:prstGeom>
+        </p:spPr>
+      </p:pic>
     </p:spTree>
     <p:extLst>
       <p:ext uri="{BB962C8B-B14F-4D97-AF65-F5344CB8AC3E}">
@@ -15178,7 +12009,7 @@
         <p:spPr>
           <a:xfrm>
             <a:off x="259466" y="1752600"/>
-            <a:ext cx="8579734" cy="1200329"/>
+            <a:ext cx="8579734" cy="830997"/>
           </a:xfrm>
           <a:prstGeom prst="rect">
             <a:avLst/>
@@ -15193,7 +12024,7 @@
           <a:p>
             <a:r>
               <a:rPr lang="en-CA" dirty="0"/>
-              <a:t>CoAP[2] is designed for constrained networks. It can easily be translated into HTTP while meeting multicast, low overhead and simplicity.</a:t>
+              <a:t>CoAP[2] is designed for constrained networks under the concept of IoT.</a:t>
             </a:r>
           </a:p>
         </p:txBody>
@@ -15283,14 +12114,14 @@
           </a:ln>
           <a:extLst>
             <a:ext uri="{909E8E84-426E-40dd-AFC4-6F175D3DCCD1}">
-              <a14:hiddenFill xmlns:a14="http://schemas.microsoft.com/office/drawing/2010/main" xmlns="">
+              <a14:hiddenFill xmlns="" xmlns:a14="http://schemas.microsoft.com/office/drawing/2010/main">
                 <a:solidFill>
                   <a:srgbClr val="FFFFFF"/>
                 </a:solidFill>
               </a14:hiddenFill>
             </a:ext>
             <a:ext uri="{91240B29-F687-4f45-9708-019B960494DF}">
-              <a14:hiddenLine xmlns:a14="http://schemas.microsoft.com/office/drawing/2010/main" xmlns="" w="9525">
+              <a14:hiddenLine xmlns="" xmlns:a14="http://schemas.microsoft.com/office/drawing/2010/main" w="9525">
                 <a:solidFill>
                   <a:srgbClr val="000000"/>
                 </a:solidFill>
@@ -15300,7 +12131,7 @@
               </a14:hiddenLine>
             </a:ext>
             <a:ext uri="{FAA26D3D-D897-4be2-8F04-BA451C77F1D7}">
-              <ma14:placeholderFlag xmlns:ma14="http://schemas.microsoft.com/office/mac/drawingml/2011/main" xmlns="" val="1"/>
+              <ma14:placeholderFlag xmlns="" xmlns:ma14="http://schemas.microsoft.com/office/mac/drawingml/2011/main" val="1"/>
             </a:ext>
           </a:extLst>
         </p:spPr>
@@ -15545,692 +12376,6 @@
       </p:sp>
       <p:sp>
         <p:nvSpPr>
-          <p:cNvPr id="5" name="TextBox 4"/>
-          <p:cNvSpPr txBox="1"/>
-          <p:nvPr/>
-        </p:nvSpPr>
-        <p:spPr>
-          <a:xfrm>
-            <a:off x="259466" y="1752600"/>
-            <a:ext cx="8579734" cy="830997"/>
-          </a:xfrm>
-          <a:prstGeom prst="rect">
-            <a:avLst/>
-          </a:prstGeom>
-          <a:noFill/>
-        </p:spPr>
-        <p:txBody>
-          <a:bodyPr wrap="square" rtlCol="0">
-            <a:spAutoFit/>
-          </a:bodyPr>
-          <a:lstStyle/>
-          <a:p>
-            <a:r>
-              <a:rPr lang="en-CA" dirty="0"/>
-              <a:t>BLE is popular in constrained devices. However, it is not easily to merge it with existing Internet.</a:t>
-            </a:r>
-          </a:p>
-        </p:txBody>
-      </p:sp>
-      <p:sp>
-        <p:nvSpPr>
-          <p:cNvPr id="7" name="矩形 2"/>
-          <p:cNvSpPr/>
-          <p:nvPr/>
-        </p:nvSpPr>
-        <p:spPr>
-          <a:xfrm>
-            <a:off x="3962400" y="3162300"/>
-            <a:ext cx="914400" cy="1447800"/>
-          </a:xfrm>
-          <a:prstGeom prst="rect">
-            <a:avLst/>
-          </a:prstGeom>
-          <a:solidFill>
-            <a:srgbClr val="FFFFFF"/>
-          </a:solidFill>
-          <a:ln>
-            <a:solidFill>
-              <a:srgbClr val="0070C0"/>
-            </a:solidFill>
-          </a:ln>
-        </p:spPr>
-        <p:style>
-          <a:lnRef idx="2">
-            <a:schemeClr val="accent1">
-              <a:shade val="50000"/>
-            </a:schemeClr>
-          </a:lnRef>
-          <a:fillRef idx="1">
-            <a:schemeClr val="accent1"/>
-          </a:fillRef>
-          <a:effectRef idx="0">
-            <a:schemeClr val="accent1"/>
-          </a:effectRef>
-          <a:fontRef idx="minor">
-            <a:schemeClr val="lt1"/>
-          </a:fontRef>
-        </p:style>
-        <p:txBody>
-          <a:bodyPr rtlCol="0" anchor="ctr"/>
-          <a:lstStyle/>
-          <a:p>
-            <a:pPr algn="ctr"/>
-            <a:r>
-              <a:rPr lang="en-US" altLang="zh-CN" sz="1600" dirty="0">
-                <a:solidFill>
-                  <a:schemeClr val="tx1"/>
-                </a:solidFill>
-              </a:rPr>
-              <a:t>Proxy</a:t>
-            </a:r>
-            <a:endParaRPr lang="zh-CN" altLang="en-US" sz="1600" dirty="0">
-              <a:solidFill>
-                <a:schemeClr val="tx1"/>
-              </a:solidFill>
-            </a:endParaRPr>
-          </a:p>
-        </p:txBody>
-      </p:sp>
-      <p:grpSp>
-        <p:nvGrpSpPr>
-          <p:cNvPr id="8" name="组合 11"/>
-          <p:cNvGrpSpPr/>
-          <p:nvPr/>
-        </p:nvGrpSpPr>
-        <p:grpSpPr>
-          <a:xfrm>
-            <a:off x="951702" y="3529804"/>
-            <a:ext cx="143670" cy="714380"/>
-            <a:chOff x="1070744" y="643712"/>
-            <a:chExt cx="143670" cy="714380"/>
-          </a:xfrm>
-        </p:grpSpPr>
-        <p:cxnSp>
-          <p:nvCxnSpPr>
-            <p:cNvPr id="9" name="直接连接符 6"/>
-            <p:cNvCxnSpPr/>
-            <p:nvPr/>
-          </p:nvCxnSpPr>
-          <p:spPr>
-            <a:xfrm rot="5400000">
-              <a:off x="714348" y="1000108"/>
-              <a:ext cx="714380" cy="1588"/>
-            </a:xfrm>
-            <a:prstGeom prst="line">
-              <a:avLst/>
-            </a:prstGeom>
-            <a:ln>
-              <a:solidFill>
-                <a:srgbClr val="0070C0"/>
-              </a:solidFill>
-            </a:ln>
-          </p:spPr>
-          <p:style>
-            <a:lnRef idx="1">
-              <a:schemeClr val="accent1"/>
-            </a:lnRef>
-            <a:fillRef idx="0">
-              <a:schemeClr val="accent1"/>
-            </a:fillRef>
-            <a:effectRef idx="0">
-              <a:schemeClr val="accent1"/>
-            </a:effectRef>
-            <a:fontRef idx="minor">
-              <a:schemeClr val="tx1"/>
-            </a:fontRef>
-          </p:style>
-        </p:cxnSp>
-        <p:sp>
-          <p:nvSpPr>
-            <p:cNvPr id="10" name="流程图: 延期 10"/>
-            <p:cNvSpPr/>
-            <p:nvPr/>
-          </p:nvSpPr>
-          <p:spPr>
-            <a:xfrm>
-              <a:off x="1071538" y="857232"/>
-              <a:ext cx="142876" cy="285752"/>
-            </a:xfrm>
-            <a:prstGeom prst="flowChartDelay">
-              <a:avLst/>
-            </a:prstGeom>
-            <a:ln>
-              <a:solidFill>
-                <a:srgbClr val="0070C0"/>
-              </a:solidFill>
-            </a:ln>
-          </p:spPr>
-          <p:style>
-            <a:lnRef idx="2">
-              <a:schemeClr val="accent1">
-                <a:shade val="50000"/>
-              </a:schemeClr>
-            </a:lnRef>
-            <a:fillRef idx="1">
-              <a:schemeClr val="accent1"/>
-            </a:fillRef>
-            <a:effectRef idx="0">
-              <a:schemeClr val="accent1"/>
-            </a:effectRef>
-            <a:fontRef idx="minor">
-              <a:schemeClr val="lt1"/>
-            </a:fontRef>
-          </p:style>
-          <p:txBody>
-            <a:bodyPr rtlCol="0" anchor="ctr"/>
-            <a:lstStyle/>
-            <a:p>
-              <a:pPr algn="ctr"/>
-              <a:endParaRPr lang="en-CA"/>
-            </a:p>
-          </p:txBody>
-        </p:sp>
-      </p:grpSp>
-      <p:cxnSp>
-        <p:nvCxnSpPr>
-          <p:cNvPr id="11" name="直接箭头连接符 49"/>
-          <p:cNvCxnSpPr/>
-          <p:nvPr/>
-        </p:nvCxnSpPr>
-        <p:spPr>
-          <a:xfrm>
-            <a:off x="1524000" y="3886200"/>
-            <a:ext cx="2286000" cy="0"/>
-          </a:xfrm>
-          <a:prstGeom prst="straightConnector1">
-            <a:avLst/>
-          </a:prstGeom>
-          <a:ln>
-            <a:solidFill>
-              <a:srgbClr val="0070C0"/>
-            </a:solidFill>
-            <a:tailEnd type="arrow"/>
-          </a:ln>
-        </p:spPr>
-        <p:style>
-          <a:lnRef idx="1">
-            <a:schemeClr val="accent1"/>
-          </a:lnRef>
-          <a:fillRef idx="0">
-            <a:schemeClr val="accent1"/>
-          </a:fillRef>
-          <a:effectRef idx="0">
-            <a:schemeClr val="accent1"/>
-          </a:effectRef>
-          <a:fontRef idx="minor">
-            <a:schemeClr val="tx1"/>
-          </a:fontRef>
-        </p:style>
-      </p:cxnSp>
-      <p:cxnSp>
-        <p:nvCxnSpPr>
-          <p:cNvPr id="12" name="直接箭头连接符 50"/>
-          <p:cNvCxnSpPr/>
-          <p:nvPr/>
-        </p:nvCxnSpPr>
-        <p:spPr>
-          <a:xfrm flipH="1">
-            <a:off x="1452562" y="4029076"/>
-            <a:ext cx="2357438" cy="0"/>
-          </a:xfrm>
-          <a:prstGeom prst="straightConnector1">
-            <a:avLst/>
-          </a:prstGeom>
-          <a:ln>
-            <a:solidFill>
-              <a:srgbClr val="0070C0"/>
-            </a:solidFill>
-            <a:tailEnd type="arrow"/>
-          </a:ln>
-        </p:spPr>
-        <p:style>
-          <a:lnRef idx="1">
-            <a:schemeClr val="accent1"/>
-          </a:lnRef>
-          <a:fillRef idx="0">
-            <a:schemeClr val="accent1"/>
-          </a:fillRef>
-          <a:effectRef idx="0">
-            <a:schemeClr val="accent1"/>
-          </a:effectRef>
-          <a:fontRef idx="minor">
-            <a:schemeClr val="tx1"/>
-          </a:fontRef>
-        </p:style>
-      </p:cxnSp>
-      <p:sp>
-        <p:nvSpPr>
-          <p:cNvPr id="19" name="TextBox 18"/>
-          <p:cNvSpPr txBox="1"/>
-          <p:nvPr/>
-        </p:nvSpPr>
-        <p:spPr>
-          <a:xfrm>
-            <a:off x="539569" y="4440823"/>
-            <a:ext cx="744114" cy="338554"/>
-          </a:xfrm>
-          <a:prstGeom prst="rect">
-            <a:avLst/>
-          </a:prstGeom>
-          <a:noFill/>
-        </p:spPr>
-        <p:txBody>
-          <a:bodyPr wrap="none" rtlCol="0">
-            <a:spAutoFit/>
-          </a:bodyPr>
-          <a:lstStyle/>
-          <a:p>
-            <a:r>
-              <a:rPr lang="en-CA" sz="1600" dirty="0"/>
-              <a:t>Sensor</a:t>
-            </a:r>
-          </a:p>
-        </p:txBody>
-      </p:sp>
-      <p:sp>
-        <p:nvSpPr>
-          <p:cNvPr id="20" name="TextBox 19"/>
-          <p:cNvSpPr txBox="1"/>
-          <p:nvPr/>
-        </p:nvSpPr>
-        <p:spPr>
-          <a:xfrm>
-            <a:off x="1937242" y="3604824"/>
-            <a:ext cx="1948958" cy="276999"/>
-          </a:xfrm>
-          <a:prstGeom prst="rect">
-            <a:avLst/>
-          </a:prstGeom>
-          <a:noFill/>
-        </p:spPr>
-        <p:txBody>
-          <a:bodyPr wrap="square" rtlCol="0">
-            <a:spAutoFit/>
-          </a:bodyPr>
-          <a:lstStyle/>
-          <a:p>
-            <a:r>
-              <a:rPr lang="en-CA" sz="1200" dirty="0"/>
-              <a:t>BLE communication</a:t>
-            </a:r>
-          </a:p>
-        </p:txBody>
-      </p:sp>
-      <p:grpSp>
-        <p:nvGrpSpPr>
-          <p:cNvPr id="26" name="组合 29"/>
-          <p:cNvGrpSpPr/>
-          <p:nvPr/>
-        </p:nvGrpSpPr>
-        <p:grpSpPr>
-          <a:xfrm>
-            <a:off x="7315200" y="3364668"/>
-            <a:ext cx="1353262" cy="1000132"/>
-            <a:chOff x="6408300" y="1071546"/>
-            <a:chExt cx="1353262" cy="1000132"/>
-          </a:xfrm>
-        </p:grpSpPr>
-        <p:grpSp>
-          <p:nvGrpSpPr>
-            <p:cNvPr id="27" name="组合 25"/>
-            <p:cNvGrpSpPr/>
-            <p:nvPr/>
-          </p:nvGrpSpPr>
-          <p:grpSpPr>
-            <a:xfrm>
-              <a:off x="6441484" y="1071546"/>
-              <a:ext cx="1320078" cy="1000132"/>
-              <a:chOff x="6441484" y="1071546"/>
-              <a:chExt cx="1320078" cy="1000132"/>
-            </a:xfrm>
-          </p:grpSpPr>
-          <p:sp>
-            <p:nvSpPr>
-              <p:cNvPr id="29" name="椭圆 22"/>
-              <p:cNvSpPr/>
-              <p:nvPr/>
-            </p:nvSpPr>
-            <p:spPr>
-              <a:xfrm>
-                <a:off x="6572264" y="1071546"/>
-                <a:ext cx="1071570" cy="1000132"/>
-              </a:xfrm>
-              <a:prstGeom prst="ellipse">
-                <a:avLst/>
-              </a:prstGeom>
-              <a:solidFill>
-                <a:srgbClr val="1F497D">
-                  <a:lumMod val="60000"/>
-                  <a:lumOff val="40000"/>
-                </a:srgbClr>
-              </a:solidFill>
-              <a:ln w="25400" cap="flat" cmpd="sng" algn="ctr">
-                <a:solidFill>
-                  <a:srgbClr val="4F81BD">
-                    <a:shade val="50000"/>
-                  </a:srgbClr>
-                </a:solidFill>
-                <a:prstDash val="solid"/>
-              </a:ln>
-              <a:effectLst/>
-            </p:spPr>
-            <p:txBody>
-              <a:bodyPr rtlCol="0" anchor="ctr"/>
-              <a:lstStyle/>
-              <a:p>
-                <a:pPr marL="0" marR="0" lvl="0" indent="0" algn="ctr" defTabSz="914400" eaLnBrk="1" fontAlgn="auto" latinLnBrk="0" hangingPunct="1">
-                  <a:lnSpc>
-                    <a:spcPct val="100000"/>
-                  </a:lnSpc>
-                  <a:spcBef>
-                    <a:spcPts val="0"/>
-                  </a:spcBef>
-                  <a:spcAft>
-                    <a:spcPts val="0"/>
-                  </a:spcAft>
-                  <a:buClrTx/>
-                  <a:buSzTx/>
-                  <a:buFontTx/>
-                  <a:buNone/>
-                  <a:tabLst/>
-                  <a:defRPr/>
-                </a:pPr>
-                <a:r>
-                  <a:rPr kumimoji="0" lang="en-US" altLang="zh-CN" sz="1200" b="0" i="0" u="none" strike="noStrike" kern="0" cap="none" spc="0" normalizeH="0" baseline="0" noProof="0" dirty="0">
-                    <a:ln>
-                      <a:noFill/>
-                    </a:ln>
-                    <a:solidFill>
-                      <a:prstClr val="black"/>
-                    </a:solidFill>
-                    <a:effectLst/>
-                    <a:uLnTx/>
-                    <a:uFillTx/>
-                    <a:latin typeface="Calibri"/>
-                    <a:ea typeface="宋体" panose="02010600030101010101" pitchFamily="2" charset="-122"/>
-                    <a:cs typeface="+mn-cs"/>
-                  </a:rPr>
-                  <a:t>Internet</a:t>
-                </a:r>
-                <a:endParaRPr kumimoji="0" lang="en-CA" sz="1200" b="0" i="0" u="none" strike="noStrike" kern="0" cap="none" spc="0" normalizeH="0" baseline="0" noProof="0" dirty="0">
-                  <a:ln>
-                    <a:noFill/>
-                  </a:ln>
-                  <a:solidFill>
-                    <a:prstClr val="black"/>
-                  </a:solidFill>
-                  <a:effectLst/>
-                  <a:uLnTx/>
-                  <a:uFillTx/>
-                  <a:latin typeface="Calibri"/>
-                  <a:ea typeface="+mn-ea"/>
-                  <a:cs typeface="+mn-cs"/>
-                </a:endParaRPr>
-              </a:p>
-            </p:txBody>
-          </p:sp>
-          <p:sp>
-            <p:nvSpPr>
-              <p:cNvPr id="30" name="椭圆 23"/>
-              <p:cNvSpPr/>
-              <p:nvPr/>
-            </p:nvSpPr>
-            <p:spPr>
-              <a:xfrm rot="1551524">
-                <a:off x="6441484" y="1253638"/>
-                <a:ext cx="1320078" cy="686101"/>
-              </a:xfrm>
-              <a:prstGeom prst="ellipse">
-                <a:avLst/>
-              </a:prstGeom>
-              <a:noFill/>
-              <a:ln w="25400" cap="flat" cmpd="sng" algn="ctr">
-                <a:solidFill>
-                  <a:sysClr val="window" lastClr="FFFFFF">
-                    <a:lumMod val="85000"/>
-                  </a:sysClr>
-                </a:solidFill>
-                <a:prstDash val="solid"/>
-              </a:ln>
-              <a:effectLst/>
-            </p:spPr>
-            <p:txBody>
-              <a:bodyPr rtlCol="0" anchor="ctr"/>
-              <a:lstStyle/>
-              <a:p>
-                <a:pPr marL="0" marR="0" lvl="0" indent="0" algn="ctr" defTabSz="914400" eaLnBrk="1" fontAlgn="auto" latinLnBrk="0" hangingPunct="1">
-                  <a:lnSpc>
-                    <a:spcPct val="100000"/>
-                  </a:lnSpc>
-                  <a:spcBef>
-                    <a:spcPts val="0"/>
-                  </a:spcBef>
-                  <a:spcAft>
-                    <a:spcPts val="0"/>
-                  </a:spcAft>
-                  <a:buClrTx/>
-                  <a:buSzTx/>
-                  <a:buFontTx/>
-                  <a:buNone/>
-                  <a:tabLst/>
-                  <a:defRPr/>
-                </a:pPr>
-                <a:endParaRPr kumimoji="0" lang="en-CA" sz="1800" b="0" i="0" u="none" strike="noStrike" kern="0" cap="none" spc="0" normalizeH="0" baseline="0" noProof="0" dirty="0">
-                  <a:ln>
-                    <a:noFill/>
-                  </a:ln>
-                  <a:solidFill>
-                    <a:prstClr val="white"/>
-                  </a:solidFill>
-                  <a:effectLst/>
-                  <a:uLnTx/>
-                  <a:uFillTx/>
-                  <a:latin typeface="Calibri"/>
-                  <a:ea typeface="+mn-ea"/>
-                  <a:cs typeface="+mn-cs"/>
-                </a:endParaRPr>
-              </a:p>
-            </p:txBody>
-          </p:sp>
-        </p:grpSp>
-        <p:sp>
-          <p:nvSpPr>
-            <p:cNvPr id="28" name="椭圆 24"/>
-            <p:cNvSpPr/>
-            <p:nvPr/>
-          </p:nvSpPr>
-          <p:spPr>
-            <a:xfrm rot="18916957">
-              <a:off x="6408300" y="1222359"/>
-              <a:ext cx="1320078" cy="686101"/>
-            </a:xfrm>
-            <a:prstGeom prst="ellipse">
-              <a:avLst/>
-            </a:prstGeom>
-            <a:noFill/>
-            <a:ln w="25400" cap="flat" cmpd="sng" algn="ctr">
-              <a:solidFill>
-                <a:sysClr val="window" lastClr="FFFFFF">
-                  <a:lumMod val="85000"/>
-                </a:sysClr>
-              </a:solidFill>
-              <a:prstDash val="solid"/>
-            </a:ln>
-            <a:effectLst/>
-          </p:spPr>
-          <p:txBody>
-            <a:bodyPr rtlCol="0" anchor="ctr"/>
-            <a:lstStyle/>
-            <a:p>
-              <a:pPr marL="0" marR="0" lvl="0" indent="0" algn="ctr" defTabSz="914400" eaLnBrk="1" fontAlgn="auto" latinLnBrk="0" hangingPunct="1">
-                <a:lnSpc>
-                  <a:spcPct val="100000"/>
-                </a:lnSpc>
-                <a:spcBef>
-                  <a:spcPts val="0"/>
-                </a:spcBef>
-                <a:spcAft>
-                  <a:spcPts val="0"/>
-                </a:spcAft>
-                <a:buClrTx/>
-                <a:buSzTx/>
-                <a:buFontTx/>
-                <a:buNone/>
-                <a:tabLst/>
-                <a:defRPr/>
-              </a:pPr>
-              <a:endParaRPr kumimoji="0" lang="en-CA" sz="1800" b="0" i="0" u="none" strike="noStrike" kern="0" cap="none" spc="0" normalizeH="0" baseline="0" noProof="0" dirty="0">
-                <a:ln>
-                  <a:noFill/>
-                </a:ln>
-                <a:solidFill>
-                  <a:prstClr val="white"/>
-                </a:solidFill>
-                <a:effectLst/>
-                <a:uLnTx/>
-                <a:uFillTx/>
-                <a:latin typeface="Calibri"/>
-                <a:ea typeface="+mn-ea"/>
-                <a:cs typeface="+mn-cs"/>
-              </a:endParaRPr>
-            </a:p>
-          </p:txBody>
-        </p:sp>
-      </p:grpSp>
-      <p:cxnSp>
-        <p:nvCxnSpPr>
-          <p:cNvPr id="31" name="直接箭头连接符 49"/>
-          <p:cNvCxnSpPr/>
-          <p:nvPr/>
-        </p:nvCxnSpPr>
-        <p:spPr>
-          <a:xfrm>
-            <a:off x="5029200" y="3864734"/>
-            <a:ext cx="2286000" cy="0"/>
-          </a:xfrm>
-          <a:prstGeom prst="straightConnector1">
-            <a:avLst/>
-          </a:prstGeom>
-          <a:ln>
-            <a:solidFill>
-              <a:srgbClr val="0070C0"/>
-            </a:solidFill>
-            <a:tailEnd type="arrow"/>
-          </a:ln>
-        </p:spPr>
-        <p:style>
-          <a:lnRef idx="1">
-            <a:schemeClr val="accent1"/>
-          </a:lnRef>
-          <a:fillRef idx="0">
-            <a:schemeClr val="accent1"/>
-          </a:fillRef>
-          <a:effectRef idx="0">
-            <a:schemeClr val="accent1"/>
-          </a:effectRef>
-          <a:fontRef idx="minor">
-            <a:schemeClr val="tx1"/>
-          </a:fontRef>
-        </p:style>
-      </p:cxnSp>
-      <p:cxnSp>
-        <p:nvCxnSpPr>
-          <p:cNvPr id="32" name="直接箭头连接符 50"/>
-          <p:cNvCxnSpPr/>
-          <p:nvPr/>
-        </p:nvCxnSpPr>
-        <p:spPr>
-          <a:xfrm flipH="1">
-            <a:off x="4957762" y="4007610"/>
-            <a:ext cx="2357438" cy="0"/>
-          </a:xfrm>
-          <a:prstGeom prst="straightConnector1">
-            <a:avLst/>
-          </a:prstGeom>
-          <a:ln>
-            <a:solidFill>
-              <a:srgbClr val="0070C0"/>
-            </a:solidFill>
-            <a:tailEnd type="arrow"/>
-          </a:ln>
-        </p:spPr>
-        <p:style>
-          <a:lnRef idx="1">
-            <a:schemeClr val="accent1"/>
-          </a:lnRef>
-          <a:fillRef idx="0">
-            <a:schemeClr val="accent1"/>
-          </a:fillRef>
-          <a:effectRef idx="0">
-            <a:schemeClr val="accent1"/>
-          </a:effectRef>
-          <a:fontRef idx="minor">
-            <a:schemeClr val="tx1"/>
-          </a:fontRef>
-        </p:style>
-      </p:cxnSp>
-      <p:sp>
-        <p:nvSpPr>
-          <p:cNvPr id="37" name="TextBox 36"/>
-          <p:cNvSpPr txBox="1"/>
-          <p:nvPr/>
-        </p:nvSpPr>
-        <p:spPr>
-          <a:xfrm>
-            <a:off x="5669412" y="3602290"/>
-            <a:ext cx="1529068" cy="276999"/>
-          </a:xfrm>
-          <a:prstGeom prst="rect">
-            <a:avLst/>
-          </a:prstGeom>
-          <a:noFill/>
-        </p:spPr>
-        <p:txBody>
-          <a:bodyPr wrap="square" rtlCol="0">
-            <a:spAutoFit/>
-          </a:bodyPr>
-          <a:lstStyle/>
-          <a:p>
-            <a:r>
-              <a:rPr lang="en-CA" sz="1200" dirty="0"/>
-              <a:t>HTTP Request</a:t>
-            </a:r>
-          </a:p>
-        </p:txBody>
-      </p:sp>
-      <p:sp>
-        <p:nvSpPr>
-          <p:cNvPr id="38" name="TextBox 37"/>
-          <p:cNvSpPr txBox="1"/>
-          <p:nvPr/>
-        </p:nvSpPr>
-        <p:spPr>
-          <a:xfrm>
-            <a:off x="3048050" y="5043104"/>
-            <a:ext cx="2911374" cy="276999"/>
-          </a:xfrm>
-          <a:prstGeom prst="rect">
-            <a:avLst/>
-          </a:prstGeom>
-          <a:noFill/>
-        </p:spPr>
-        <p:txBody>
-          <a:bodyPr wrap="none" rtlCol="0">
-            <a:spAutoFit/>
-          </a:bodyPr>
-          <a:lstStyle/>
-          <a:p>
-            <a:r>
-              <a:rPr lang="en-US" altLang="zh-CN" sz="1200" dirty="0"/>
-              <a:t>Figure 3: Standard way of sending message </a:t>
-            </a:r>
-            <a:endParaRPr lang="en-CA" sz="1200" dirty="0"/>
-          </a:p>
-        </p:txBody>
-      </p:sp>
-      <p:sp>
-        <p:nvSpPr>
           <p:cNvPr id="21" name="Content Placeholder 2"/>
           <p:cNvSpPr txBox="1">
             <a:spLocks/>
@@ -16251,14 +12396,14 @@
           </a:ln>
           <a:extLst>
             <a:ext uri="{909E8E84-426E-40dd-AFC4-6F175D3DCCD1}">
-              <a14:hiddenFill xmlns:a14="http://schemas.microsoft.com/office/drawing/2010/main" xmlns="">
+              <a14:hiddenFill xmlns="" xmlns:a14="http://schemas.microsoft.com/office/drawing/2010/main">
                 <a:solidFill>
                   <a:srgbClr val="FFFFFF"/>
                 </a:solidFill>
               </a14:hiddenFill>
             </a:ext>
             <a:ext uri="{91240B29-F687-4f45-9708-019B960494DF}">
-              <a14:hiddenLine xmlns:a14="http://schemas.microsoft.com/office/drawing/2010/main" xmlns="" w="9525">
+              <a14:hiddenLine xmlns="" xmlns:a14="http://schemas.microsoft.com/office/drawing/2010/main" w="9525">
                 <a:solidFill>
                   <a:srgbClr val="000000"/>
                 </a:solidFill>
@@ -16268,7 +12413,7 @@
               </a14:hiddenLine>
             </a:ext>
             <a:ext uri="{FAA26D3D-D897-4be2-8F04-BA451C77F1D7}">
-              <ma14:placeholderFlag xmlns:ma14="http://schemas.microsoft.com/office/mac/drawingml/2011/main" xmlns="" val="1"/>
+              <ma14:placeholderFlag xmlns="" xmlns:ma14="http://schemas.microsoft.com/office/mac/drawingml/2011/main" val="1"/>
             </a:ext>
           </a:extLst>
         </p:spPr>
@@ -17230,14 +13375,14 @@
           </a:ln>
           <a:extLst>
             <a:ext uri="{909E8E84-426E-40dd-AFC4-6F175D3DCCD1}">
-              <a14:hiddenFill xmlns:a14="http://schemas.microsoft.com/office/drawing/2010/main" xmlns="">
+              <a14:hiddenFill xmlns="" xmlns:a14="http://schemas.microsoft.com/office/drawing/2010/main">
                 <a:solidFill>
                   <a:srgbClr val="FFFFFF"/>
                 </a:solidFill>
               </a14:hiddenFill>
             </a:ext>
             <a:ext uri="{91240B29-F687-4f45-9708-019B960494DF}">
-              <a14:hiddenLine xmlns:a14="http://schemas.microsoft.com/office/drawing/2010/main" xmlns="" w="9525">
+              <a14:hiddenLine xmlns="" xmlns:a14="http://schemas.microsoft.com/office/drawing/2010/main" w="9525">
                 <a:solidFill>
                   <a:srgbClr val="000000"/>
                 </a:solidFill>
@@ -17247,7 +13392,7 @@
               </a14:hiddenLine>
             </a:ext>
             <a:ext uri="{FAA26D3D-D897-4be2-8F04-BA451C77F1D7}">
-              <ma14:placeholderFlag xmlns:ma14="http://schemas.microsoft.com/office/mac/drawingml/2011/main" xmlns="" val="1"/>
+              <ma14:placeholderFlag xmlns="" xmlns:ma14="http://schemas.microsoft.com/office/mac/drawingml/2011/main" val="1"/>
             </a:ext>
           </a:extLst>
         </p:spPr>
@@ -17512,7 +13657,7 @@
           <a:p>
             <a:r>
               <a:rPr lang="en-CA" sz="2400" dirty="0"/>
-              <a:t>Construct an architecture to achieve CoAP communication in BLE and supports customize WPAN solutions for CoAP.</a:t>
+              <a:t>Construct an architecture to supports data communication in sensor cloud.</a:t>
             </a:r>
           </a:p>
           <a:p>
@@ -17524,7 +13669,7 @@
           <a:p>
             <a:r>
               <a:rPr lang="en-CA" sz="2400" dirty="0"/>
-              <a:t>Enable CoAP communication in multiple applications of one physical device.</a:t>
+              <a:t>Overcome limitations of  BLE</a:t>
             </a:r>
           </a:p>
           <a:p>
@@ -17536,8 +13681,19 @@
           <a:p>
             <a:r>
               <a:rPr lang="en-CA" sz="2400" dirty="0"/>
-              <a:t>Integrate same data from multiple devices at center node.</a:t>
-            </a:r>
+              <a:t>Multiple app support on single device</a:t>
+            </a:r>
+          </a:p>
+          <a:p>
+            <a:endParaRPr lang="en-CA" sz="2400" dirty="0"/>
+          </a:p>
+          <a:p>
+            <a:r>
+              <a:rPr lang="en-CA" sz="2400" dirty="0"/>
+              <a:t>Common interface</a:t>
+            </a:r>
+          </a:p>
+          <a:p>
             <a:endParaRPr lang="en-CA" dirty="0"/>
           </a:p>
         </p:txBody>
@@ -17564,14 +13720,14 @@
           </a:ln>
           <a:extLst>
             <a:ext uri="{909E8E84-426E-40dd-AFC4-6F175D3DCCD1}">
-              <a14:hiddenFill xmlns:a14="http://schemas.microsoft.com/office/drawing/2010/main" xmlns="">
+              <a14:hiddenFill xmlns="" xmlns:a14="http://schemas.microsoft.com/office/drawing/2010/main">
                 <a:solidFill>
                   <a:srgbClr val="FFFFFF"/>
                 </a:solidFill>
               </a14:hiddenFill>
             </a:ext>
             <a:ext uri="{91240B29-F687-4f45-9708-019B960494DF}">
-              <a14:hiddenLine xmlns:a14="http://schemas.microsoft.com/office/drawing/2010/main" xmlns="" w="9525">
+              <a14:hiddenLine xmlns="" xmlns:a14="http://schemas.microsoft.com/office/drawing/2010/main" w="9525">
                 <a:solidFill>
                   <a:srgbClr val="000000"/>
                 </a:solidFill>
@@ -17581,7 +13737,7 @@
               </a14:hiddenLine>
             </a:ext>
             <a:ext uri="{FAA26D3D-D897-4be2-8F04-BA451C77F1D7}">
-              <ma14:placeholderFlag xmlns:ma14="http://schemas.microsoft.com/office/mac/drawingml/2011/main" xmlns="" val="1"/>
+              <ma14:placeholderFlag xmlns="" xmlns:ma14="http://schemas.microsoft.com/office/mac/drawingml/2011/main" val="1"/>
             </a:ext>
           </a:extLst>
         </p:spPr>
@@ -17876,14 +14032,14 @@
           </a:ln>
           <a:extLst>
             <a:ext uri="{909E8E84-426E-40dd-AFC4-6F175D3DCCD1}">
-              <a14:hiddenFill xmlns:a14="http://schemas.microsoft.com/office/drawing/2010/main" xmlns="">
+              <a14:hiddenFill xmlns="" xmlns:a14="http://schemas.microsoft.com/office/drawing/2010/main">
                 <a:solidFill>
                   <a:srgbClr val="FFFFFF"/>
                 </a:solidFill>
               </a14:hiddenFill>
             </a:ext>
             <a:ext uri="{91240B29-F687-4f45-9708-019B960494DF}">
-              <a14:hiddenLine xmlns:a14="http://schemas.microsoft.com/office/drawing/2010/main" xmlns="" w="9525">
+              <a14:hiddenLine xmlns="" xmlns:a14="http://schemas.microsoft.com/office/drawing/2010/main" w="9525">
                 <a:solidFill>
                   <a:srgbClr val="000000"/>
                 </a:solidFill>
@@ -17893,7 +14049,7 @@
               </a14:hiddenLine>
             </a:ext>
             <a:ext uri="{FAA26D3D-D897-4be2-8F04-BA451C77F1D7}">
-              <ma14:placeholderFlag xmlns:ma14="http://schemas.microsoft.com/office/mac/drawingml/2011/main" xmlns="" val="1"/>
+              <ma14:placeholderFlag xmlns="" xmlns:ma14="http://schemas.microsoft.com/office/mac/drawingml/2011/main" val="1"/>
             </a:ext>
           </a:extLst>
         </p:spPr>
@@ -18131,80 +14287,52 @@
           <a:p>
             <a:r>
               <a:rPr lang="en-CA" dirty="0"/>
-              <a:t>Related Work</a:t>
+              <a:t>Related work</a:t>
             </a:r>
           </a:p>
         </p:txBody>
       </p:sp>
-      <p:pic>
-        <p:nvPicPr>
-          <p:cNvPr id="3" name="Picture 2"/>
-          <p:cNvPicPr>
-            <a:picLocks noChangeAspect="1"/>
-          </p:cNvPicPr>
-          <p:nvPr/>
-        </p:nvPicPr>
-        <p:blipFill>
-          <a:blip r:embed="rId3"/>
-          <a:stretch>
-            <a:fillRect/>
-          </a:stretch>
-        </p:blipFill>
+      <p:sp>
+        <p:nvSpPr>
+          <p:cNvPr id="4" name="Content Placeholder 2"/>
+          <p:cNvSpPr>
+            <a:spLocks noGrp="1"/>
+          </p:cNvSpPr>
+          <p:nvPr>
+            <p:ph idx="1"/>
+          </p:nvPr>
+        </p:nvSpPr>
         <p:spPr>
           <a:xfrm>
-            <a:off x="2514600" y="1371600"/>
-            <a:ext cx="5181600" cy="4086303"/>
+            <a:off x="228598" y="1828800"/>
+            <a:ext cx="8550275" cy="4495800"/>
           </a:xfrm>
-          <a:prstGeom prst="rect">
-            <a:avLst/>
-          </a:prstGeom>
-        </p:spPr>
-      </p:pic>
-      <p:sp>
-        <p:nvSpPr>
-          <p:cNvPr id="6" name="TextBox 5"/>
-          <p:cNvSpPr txBox="1"/>
-          <p:nvPr/>
-        </p:nvSpPr>
-        <p:spPr>
-          <a:xfrm>
-            <a:off x="3581400" y="5457903"/>
-            <a:ext cx="3297506" cy="276999"/>
-          </a:xfrm>
-          <a:prstGeom prst="rect">
-            <a:avLst/>
-          </a:prstGeom>
-          <a:noFill/>
         </p:spPr>
         <p:txBody>
-          <a:bodyPr wrap="none" rtlCol="0">
-            <a:spAutoFit/>
-          </a:bodyPr>
+          <a:bodyPr/>
           <a:lstStyle/>
           <a:p>
-            <a:r>
-              <a:rPr lang="en-US" altLang="zh-CN" sz="1200" dirty="0"/>
-              <a:t>Figure 5 </a:t>
-            </a:r>
-            <a:r>
-              <a:rPr lang="en-CA" altLang="zh-CN" sz="1200" dirty="0"/>
-              <a:t>[5]</a:t>
-            </a:r>
-            <a:r>
-              <a:rPr lang="en-US" altLang="zh-CN" sz="1200" dirty="0"/>
-              <a:t>:  </a:t>
-            </a:r>
-            <a:r>
-              <a:rPr lang="en-CA" altLang="zh-CN" sz="1200" dirty="0"/>
-              <a:t>IP Support Profile stack and IP stack</a:t>
-            </a:r>
-            <a:endParaRPr lang="en-CA" sz="1200" dirty="0"/>
+            <a:pPr marL="0" indent="0">
+              <a:buNone/>
+            </a:pPr>
+            <a:r>
+              <a:rPr lang="en-CA" sz="2400" dirty="0"/>
+              <a:t>Since 2013[6], </a:t>
+            </a:r>
+            <a:r>
+              <a:rPr lang="en-CA" sz="2400" dirty="0" err="1"/>
+              <a:t>CoRE</a:t>
+            </a:r>
+            <a:r>
+              <a:rPr lang="en-CA" sz="2400" dirty="0"/>
+              <a:t> working group maintains a Internet-Draft: CoAP Communication with Alternative Transports.</a:t>
+            </a:r>
           </a:p>
         </p:txBody>
       </p:sp>
       <p:sp>
         <p:nvSpPr>
-          <p:cNvPr id="7" name="Content Placeholder 2"/>
+          <p:cNvPr id="5" name="Content Placeholder 2"/>
           <p:cNvSpPr txBox="1">
             <a:spLocks/>
           </p:cNvSpPr>
@@ -18224,14 +14352,14 @@
           </a:ln>
           <a:extLst>
             <a:ext uri="{909E8E84-426E-40dd-AFC4-6F175D3DCCD1}">
-              <a14:hiddenFill xmlns:a14="http://schemas.microsoft.com/office/drawing/2010/main" xmlns="">
+              <a14:hiddenFill xmlns="" xmlns:a14="http://schemas.microsoft.com/office/drawing/2010/main">
                 <a:solidFill>
                   <a:srgbClr val="FFFFFF"/>
                 </a:solidFill>
               </a14:hiddenFill>
             </a:ext>
             <a:ext uri="{91240B29-F687-4f45-9708-019B960494DF}">
-              <a14:hiddenLine xmlns:a14="http://schemas.microsoft.com/office/drawing/2010/main" xmlns="" w="9525">
+              <a14:hiddenLine xmlns="" xmlns:a14="http://schemas.microsoft.com/office/drawing/2010/main" w="9525">
                 <a:solidFill>
                   <a:srgbClr val="000000"/>
                 </a:solidFill>
@@ -18241,7 +14369,7 @@
               </a14:hiddenLine>
             </a:ext>
             <a:ext uri="{FAA26D3D-D897-4be2-8F04-BA451C77F1D7}">
-              <ma14:placeholderFlag xmlns:ma14="http://schemas.microsoft.com/office/mac/drawingml/2011/main" xmlns="" val="1"/>
+              <ma14:placeholderFlag xmlns="" xmlns:ma14="http://schemas.microsoft.com/office/mac/drawingml/2011/main" val="1"/>
             </a:ext>
           </a:extLst>
         </p:spPr>
@@ -18427,7 +14555,7 @@
             </a:pPr>
             <a:r>
               <a:rPr lang="en-CA" sz="2000" kern="0" dirty="0"/>
-              <a:t>1.6LoWPAN detail</a:t>
+              <a:t>2.Alternative transports</a:t>
             </a:r>
           </a:p>
         </p:txBody>
@@ -18435,7 +14563,7 @@
     </p:spTree>
     <p:extLst>
       <p:ext uri="{BB962C8B-B14F-4D97-AF65-F5344CB8AC3E}">
-        <p14:creationId xmlns:p14="http://schemas.microsoft.com/office/powerpoint/2010/main" val="3629106370"/>
+        <p14:creationId xmlns:p14="http://schemas.microsoft.com/office/powerpoint/2010/main" val="3715438265"/>
       </p:ext>
     </p:extLst>
   </p:cSld>

--- a/ThesisPresentationV1.pptx
+++ b/ThesisPresentationV1.pptx
@@ -5,32 +5,31 @@
     <p:sldMasterId id="2147483648" r:id="rId1"/>
   </p:sldMasterIdLst>
   <p:notesMasterIdLst>
-    <p:notesMasterId r:id="rId22"/>
+    <p:notesMasterId r:id="rId21"/>
   </p:notesMasterIdLst>
   <p:handoutMasterIdLst>
-    <p:handoutMasterId r:id="rId23"/>
+    <p:handoutMasterId r:id="rId22"/>
   </p:handoutMasterIdLst>
   <p:sldIdLst>
     <p:sldId id="261" r:id="rId2"/>
     <p:sldId id="262" r:id="rId3"/>
     <p:sldId id="264" r:id="rId4"/>
     <p:sldId id="263" r:id="rId5"/>
-    <p:sldId id="266" r:id="rId6"/>
-    <p:sldId id="267" r:id="rId7"/>
-    <p:sldId id="265" r:id="rId8"/>
-    <p:sldId id="268" r:id="rId9"/>
-    <p:sldId id="271" r:id="rId10"/>
-    <p:sldId id="272" r:id="rId11"/>
-    <p:sldId id="273" r:id="rId12"/>
-    <p:sldId id="274" r:id="rId13"/>
-    <p:sldId id="275" r:id="rId14"/>
-    <p:sldId id="276" r:id="rId15"/>
-    <p:sldId id="278" r:id="rId16"/>
-    <p:sldId id="280" r:id="rId17"/>
-    <p:sldId id="279" r:id="rId18"/>
-    <p:sldId id="281" r:id="rId19"/>
-    <p:sldId id="269" r:id="rId20"/>
-    <p:sldId id="283" r:id="rId21"/>
+    <p:sldId id="267" r:id="rId6"/>
+    <p:sldId id="265" r:id="rId7"/>
+    <p:sldId id="268" r:id="rId8"/>
+    <p:sldId id="271" r:id="rId9"/>
+    <p:sldId id="272" r:id="rId10"/>
+    <p:sldId id="273" r:id="rId11"/>
+    <p:sldId id="274" r:id="rId12"/>
+    <p:sldId id="275" r:id="rId13"/>
+    <p:sldId id="276" r:id="rId14"/>
+    <p:sldId id="278" r:id="rId15"/>
+    <p:sldId id="280" r:id="rId16"/>
+    <p:sldId id="279" r:id="rId17"/>
+    <p:sldId id="281" r:id="rId18"/>
+    <p:sldId id="269" r:id="rId19"/>
+    <p:sldId id="283" r:id="rId20"/>
   </p:sldIdLst>
   <p:sldSz cx="9144000" cy="6858000" type="screen4x3"/>
   <p:notesSz cx="6761163" cy="9942513"/>
@@ -1422,14 +1421,14 @@
           </a:ln>
           <a:extLst>
             <a:ext uri="{909E8E84-426E-40dd-AFC4-6F175D3DCCD1}">
-              <a14:hiddenFill xmlns="" xmlns:a14="http://schemas.microsoft.com/office/drawing/2010/main">
+              <a14:hiddenFill xmlns:a14="http://schemas.microsoft.com/office/drawing/2010/main" xmlns="">
                 <a:solidFill>
                   <a:srgbClr val="FFFFFF"/>
                 </a:solidFill>
               </a14:hiddenFill>
             </a:ext>
             <a:ext uri="{FAA26D3D-D897-4be2-8F04-BA451C77F1D7}">
-              <ma14:placeholderFlag xmlns="" xmlns:ma14="http://schemas.microsoft.com/office/mac/drawingml/2011/main" val="1"/>
+              <ma14:placeholderFlag xmlns:ma14="http://schemas.microsoft.com/office/mac/drawingml/2011/main" xmlns="" val="1"/>
             </a:ext>
           </a:extLst>
         </p:spPr>
@@ -1767,14 +1766,14 @@
           <a:ln/>
           <a:extLst>
             <a:ext uri="{909E8E84-426E-40dd-AFC4-6F175D3DCCD1}">
-              <a14:hiddenFill xmlns="" xmlns:a14="http://schemas.microsoft.com/office/drawing/2010/main">
+              <a14:hiddenFill xmlns:a14="http://schemas.microsoft.com/office/drawing/2010/main" xmlns="">
                 <a:solidFill>
                   <a:srgbClr val="FFFFFF"/>
                 </a:solidFill>
               </a14:hiddenFill>
             </a:ext>
             <a:ext uri="{91240B29-F687-4f45-9708-019B960494DF}">
-              <a14:hiddenLine xmlns="" xmlns:a14="http://schemas.microsoft.com/office/drawing/2010/main" w="9525">
+              <a14:hiddenLine xmlns:a14="http://schemas.microsoft.com/office/drawing/2010/main" xmlns="" w="9525">
                 <a:solidFill>
                   <a:srgbClr val="000000"/>
                 </a:solidFill>
@@ -1934,14 +1933,14 @@
           <a:ln/>
           <a:extLst>
             <a:ext uri="{909E8E84-426E-40dd-AFC4-6F175D3DCCD1}">
-              <a14:hiddenFill xmlns="" xmlns:a14="http://schemas.microsoft.com/office/drawing/2010/main">
+              <a14:hiddenFill xmlns:a14="http://schemas.microsoft.com/office/drawing/2010/main" xmlns="">
                 <a:solidFill>
                   <a:srgbClr val="FFFFFF"/>
                 </a:solidFill>
               </a14:hiddenFill>
             </a:ext>
             <a:ext uri="{91240B29-F687-4f45-9708-019B960494DF}">
-              <a14:hiddenLine xmlns="" xmlns:a14="http://schemas.microsoft.com/office/drawing/2010/main" w="9525">
+              <a14:hiddenLine xmlns:a14="http://schemas.microsoft.com/office/drawing/2010/main" xmlns="" w="9525">
                 <a:solidFill>
                   <a:srgbClr val="000000"/>
                 </a:solidFill>
@@ -1951,7 +1950,7 @@
               </a14:hiddenLine>
             </a:ext>
             <a:ext uri="{FAA26D3D-D897-4be2-8F04-BA451C77F1D7}">
-              <ma14:placeholderFlag xmlns="" xmlns:ma14="http://schemas.microsoft.com/office/mac/drawingml/2011/main" val="1"/>
+              <ma14:placeholderFlag xmlns:ma14="http://schemas.microsoft.com/office/mac/drawingml/2011/main" xmlns="" val="1"/>
             </a:ext>
           </a:extLst>
         </p:spPr>
@@ -2022,8 +2021,45 @@
           <a:p>
             <a:r>
               <a:rPr lang="en-CA" dirty="0"/>
-              <a:t>Architecture of CoAPNonIP </a:t>
-            </a:r>
+              <a:t>20</a:t>
+            </a:r>
+            <a:r>
+              <a:rPr lang="en-CA" baseline="0" dirty="0"/>
+              <a:t> bytes available.</a:t>
+            </a:r>
+          </a:p>
+          <a:p>
+            <a:endParaRPr lang="en-CA" baseline="0" dirty="0"/>
+          </a:p>
+          <a:p>
+            <a:r>
+              <a:rPr lang="en-CA" baseline="0" dirty="0"/>
+              <a:t>4 bytes header: 2+14+16=32 bits</a:t>
+            </a:r>
+          </a:p>
+          <a:p>
+            <a:r>
+              <a:rPr lang="en-CA" baseline="0" dirty="0"/>
+              <a:t>Payload: 16 bytes</a:t>
+            </a:r>
+          </a:p>
+          <a:p>
+            <a:r>
+              <a:rPr lang="en-CA" baseline="0" dirty="0"/>
+              <a:t>CoAP header: 4 bytes and 1 byte indicate payload. 1024 bytes for payload maximum</a:t>
+            </a:r>
+          </a:p>
+          <a:p>
+            <a:endParaRPr lang="en-CA" baseline="0" dirty="0"/>
+          </a:p>
+          <a:p>
+            <a:r>
+              <a:rPr lang="en-CA" baseline="0" dirty="0"/>
+              <a:t>For first BLE packet we have 20-4-5=11 bytes to carry payload.</a:t>
+            </a:r>
+          </a:p>
+          <a:p>
+            <a:endParaRPr lang="en-CA" baseline="0" dirty="0"/>
           </a:p>
         </p:txBody>
       </p:sp>
@@ -2054,7 +2090,7 @@
     </p:spTree>
     <p:extLst>
       <p:ext uri="{BB962C8B-B14F-4D97-AF65-F5344CB8AC3E}">
-        <p14:creationId xmlns:p14="http://schemas.microsoft.com/office/powerpoint/2010/main" val="756541702"/>
+        <p14:creationId xmlns:p14="http://schemas.microsoft.com/office/powerpoint/2010/main" val="727259346"/>
       </p:ext>
     </p:extLst>
   </p:cSld>
@@ -2110,45 +2146,19 @@
           <a:p>
             <a:r>
               <a:rPr lang="en-CA" dirty="0"/>
-              <a:t>20</a:t>
+              <a:t>Who</a:t>
             </a:r>
             <a:r>
               <a:rPr lang="en-CA" baseline="0" dirty="0"/>
-              <a:t> bytes available.</a:t>
-            </a:r>
-          </a:p>
-          <a:p>
-            <a:endParaRPr lang="en-CA" baseline="0" dirty="0"/>
+              <a:t> searching nodes to connect with is Client.</a:t>
+            </a:r>
           </a:p>
           <a:p>
             <a:r>
               <a:rPr lang="en-CA" baseline="0" dirty="0"/>
-              <a:t>4 bytes header: 2+14+16=32 bits</a:t>
-            </a:r>
-          </a:p>
-          <a:p>
-            <a:r>
-              <a:rPr lang="en-CA" baseline="0" dirty="0"/>
-              <a:t>Payload: 16 bytes</a:t>
-            </a:r>
-          </a:p>
-          <a:p>
-            <a:r>
-              <a:rPr lang="en-CA" baseline="0" dirty="0"/>
-              <a:t>CoAP header: 4 bytes and 1 byte indicate payload. 1024 bytes for payload maximum</a:t>
-            </a:r>
-          </a:p>
-          <a:p>
-            <a:endParaRPr lang="en-CA" baseline="0" dirty="0"/>
-          </a:p>
-          <a:p>
-            <a:r>
-              <a:rPr lang="en-CA" baseline="0" dirty="0"/>
-              <a:t>For first BLE packet we have 20-4-5=11 bytes to carry payload.</a:t>
-            </a:r>
-          </a:p>
-          <a:p>
-            <a:endParaRPr lang="en-CA" baseline="0" dirty="0"/>
+              <a:t>Who waiting connection is Server.</a:t>
+            </a:r>
+            <a:endParaRPr lang="en-CA" dirty="0"/>
           </a:p>
         </p:txBody>
       </p:sp>
@@ -2179,7 +2189,7 @@
     </p:spTree>
     <p:extLst>
       <p:ext uri="{BB962C8B-B14F-4D97-AF65-F5344CB8AC3E}">
-        <p14:creationId xmlns:p14="http://schemas.microsoft.com/office/powerpoint/2010/main" val="727259346"/>
+        <p14:creationId xmlns:p14="http://schemas.microsoft.com/office/powerpoint/2010/main" val="2989889379"/>
       </p:ext>
     </p:extLst>
   </p:cSld>
@@ -2234,18 +2244,12 @@
           <a:lstStyle/>
           <a:p>
             <a:r>
-              <a:rPr lang="en-CA" dirty="0"/>
-              <a:t>Who</a:t>
-            </a:r>
-            <a:r>
-              <a:rPr lang="en-CA" baseline="0" dirty="0"/>
-              <a:t> searching nodes to connect with is Client.</a:t>
-            </a:r>
-          </a:p>
-          <a:p>
-            <a:r>
-              <a:rPr lang="en-CA" baseline="0" dirty="0"/>
-              <a:t>Who waiting connection is Server.</a:t>
+              <a:rPr lang="en-CA" sz="1200" dirty="0"/>
+              <a:t>Two</a:t>
+            </a:r>
+            <a:r>
+              <a:rPr lang="en-CA" sz="1200" baseline="0" dirty="0"/>
+              <a:t> tablets</a:t>
             </a:r>
             <a:endParaRPr lang="en-CA" dirty="0"/>
           </a:p>
@@ -2278,7 +2282,7 @@
     </p:spTree>
     <p:extLst>
       <p:ext uri="{BB962C8B-B14F-4D97-AF65-F5344CB8AC3E}">
-        <p14:creationId xmlns:p14="http://schemas.microsoft.com/office/powerpoint/2010/main" val="2989889379"/>
+        <p14:creationId xmlns:p14="http://schemas.microsoft.com/office/powerpoint/2010/main" val="2187107037"/>
       </p:ext>
     </p:extLst>
   </p:cSld>
@@ -2334,12 +2338,41 @@
           <a:p>
             <a:r>
               <a:rPr lang="en-CA" sz="1200" dirty="0"/>
-              <a:t>Two</a:t>
-            </a:r>
-            <a:r>
-              <a:rPr lang="en-CA" sz="1200" baseline="0" dirty="0"/>
-              <a:t> tablets</a:t>
-            </a:r>
+              <a:t>1.Start sample program scan and create connection between two devices.</a:t>
+            </a:r>
+          </a:p>
+          <a:p>
+            <a:r>
+              <a:rPr lang="en-CA" sz="1200" b="1" dirty="0">
+                <a:solidFill>
+                  <a:srgbClr val="FF0000"/>
+                </a:solidFill>
+              </a:rPr>
+              <a:t>2.Send CoAP message with payload 4 (1 packet), 12 (2 packets),28 (3 packets), 44 (4 packets), 60(5 packets), 76 (6 packets) and 92(7 packets) 100 times respectively (0 interval time).</a:t>
+            </a:r>
+          </a:p>
+          <a:p>
+            <a:r>
+              <a:rPr lang="en-CA" sz="1200" dirty="0"/>
+              <a:t>3.Record receive time when received response from connected device.</a:t>
+            </a:r>
+          </a:p>
+          <a:p>
+            <a:r>
+              <a:rPr lang="en-CA" sz="1200" dirty="0"/>
+              <a:t>4.Calculate transfer time according to time gap between message been received.</a:t>
+            </a:r>
+          </a:p>
+          <a:p>
+            <a:pPr marL="0" indent="0">
+              <a:buNone/>
+            </a:pPr>
+            <a:r>
+              <a:rPr lang="en-CA" sz="1200" dirty="0"/>
+              <a:t> </a:t>
+            </a:r>
+          </a:p>
+          <a:p>
             <a:endParaRPr lang="en-CA" dirty="0"/>
           </a:p>
         </p:txBody>
@@ -2371,7 +2404,7 @@
     </p:spTree>
     <p:extLst>
       <p:ext uri="{BB962C8B-B14F-4D97-AF65-F5344CB8AC3E}">
-        <p14:creationId xmlns:p14="http://schemas.microsoft.com/office/powerpoint/2010/main" val="2187107037"/>
+        <p14:creationId xmlns:p14="http://schemas.microsoft.com/office/powerpoint/2010/main" val="1317554021"/>
       </p:ext>
     </p:extLst>
   </p:cSld>
@@ -2425,44 +2458,170 @@
           <a:bodyPr/>
           <a:lstStyle/>
           <a:p>
+            <a:pPr lvl="0"/>
+            <a:endParaRPr lang="en-CA" sz="1200" dirty="0"/>
+          </a:p>
+          <a:p>
+            <a:pPr lvl="0"/>
             <a:r>
               <a:rPr lang="en-CA" sz="1200" dirty="0"/>
-              <a:t>1.Start sample program scan and create connection between two devices.</a:t>
-            </a:r>
-          </a:p>
-          <a:p>
-            <a:r>
-              <a:rPr lang="en-CA" sz="1200" b="1" dirty="0">
-                <a:solidFill>
-                  <a:srgbClr val="FF0000"/>
-                </a:solidFill>
-              </a:rPr>
-              <a:t>2.Send CoAP message with payload 4 (1 packet), 12 (2 packets),28 (3 packets), 44 (4 packets), 60(5 packets), 76 (6 packets) and 92(7 packets) 100 times respectively (0 interval time).</a:t>
-            </a:r>
-          </a:p>
-          <a:p>
+              <a:t>Connection</a:t>
+            </a:r>
+            <a:r>
+              <a:rPr lang="en-CA" sz="1200" baseline="0" dirty="0"/>
+              <a:t> interval,</a:t>
+            </a:r>
+          </a:p>
+          <a:p>
+            <a:pPr lvl="0"/>
+            <a:r>
+              <a:rPr lang="en-CA" sz="1200" baseline="0" dirty="0"/>
+              <a:t>BLE</a:t>
+            </a:r>
+            <a:endParaRPr lang="en-CA" sz="1200" dirty="0"/>
+          </a:p>
+          <a:p>
+            <a:pPr lvl="0"/>
+            <a:endParaRPr lang="en-CA" sz="1200" dirty="0"/>
+          </a:p>
+          <a:p>
+            <a:pPr lvl="0"/>
+            <a:endParaRPr lang="en-CA" sz="1200" dirty="0"/>
+          </a:p>
+          <a:p>
+            <a:pPr lvl="0"/>
             <a:r>
               <a:rPr lang="en-CA" sz="1200" dirty="0"/>
-              <a:t>3.Record receive time when received response from connected device.</a:t>
-            </a:r>
-          </a:p>
-          <a:p>
+              <a:t>Start sample program scan and create connection between two devices.</a:t>
+            </a:r>
+          </a:p>
+          <a:p>
+            <a:pPr marL="0" marR="0" lvl="0" indent="0" algn="l" defTabSz="914400" rtl="0" eaLnBrk="0" fontAlgn="base" latinLnBrk="0" hangingPunct="0">
+              <a:lnSpc>
+                <a:spcPct val="100000"/>
+              </a:lnSpc>
+              <a:spcBef>
+                <a:spcPct val="30000"/>
+              </a:spcBef>
+              <a:spcAft>
+                <a:spcPct val="0"/>
+              </a:spcAft>
+              <a:buClrTx/>
+              <a:buSzTx/>
+              <a:buFontTx/>
+              <a:buNone/>
+              <a:tabLst/>
+              <a:defRPr/>
+            </a:pPr>
             <a:r>
               <a:rPr lang="en-CA" sz="1200" dirty="0"/>
-              <a:t>4.Calculate transfer time according to time gap between message been received.</a:t>
-            </a:r>
-          </a:p>
-          <a:p>
-            <a:pPr marL="0" indent="0">
+              <a:t>Record received time at sender side</a:t>
+            </a:r>
+          </a:p>
+          <a:p>
+            <a:pPr marL="0" marR="0" lvl="0" indent="0" algn="l" defTabSz="914400" rtl="0" eaLnBrk="0" fontAlgn="base" latinLnBrk="0" hangingPunct="0">
+              <a:lnSpc>
+                <a:spcPct val="100000"/>
+              </a:lnSpc>
+              <a:spcBef>
+                <a:spcPct val="30000"/>
+              </a:spcBef>
+              <a:spcAft>
+                <a:spcPct val="0"/>
+              </a:spcAft>
+              <a:buClrTx/>
+              <a:buSzTx/>
+              <a:buFontTx/>
               <a:buNone/>
+              <a:tabLst/>
+              <a:defRPr/>
             </a:pPr>
+            <a:endParaRPr lang="en-CA" sz="1200" dirty="0"/>
+          </a:p>
+          <a:p>
+            <a:pPr marL="0" marR="0" lvl="0" indent="0" algn="l" defTabSz="914400" rtl="0" eaLnBrk="0" fontAlgn="base" latinLnBrk="0" hangingPunct="0">
+              <a:lnSpc>
+                <a:spcPct val="100000"/>
+              </a:lnSpc>
+              <a:spcBef>
+                <a:spcPct val="30000"/>
+              </a:spcBef>
+              <a:spcAft>
+                <a:spcPct val="0"/>
+              </a:spcAft>
+              <a:buClrTx/>
+              <a:buSzTx/>
+              <a:buFontTx/>
+              <a:buNone/>
+              <a:tabLst/>
+              <a:defRPr/>
+            </a:pPr>
+            <a:r>
+              <a:rPr lang="en-CA" sz="1200" b="1" dirty="0"/>
+              <a:t>Send 4-bytesheader 100 times to remote device with 0,50,100,150,200,250,300,350,400,450ms interval respectively.</a:t>
+            </a:r>
+          </a:p>
+          <a:p>
+            <a:pPr marL="0" marR="0" lvl="0" indent="0" algn="l" defTabSz="914400" rtl="0" eaLnBrk="0" fontAlgn="base" latinLnBrk="0" hangingPunct="0">
+              <a:lnSpc>
+                <a:spcPct val="100000"/>
+              </a:lnSpc>
+              <a:spcBef>
+                <a:spcPct val="30000"/>
+              </a:spcBef>
+              <a:spcAft>
+                <a:spcPct val="0"/>
+              </a:spcAft>
+              <a:buClrTx/>
+              <a:buSzTx/>
+              <a:buFontTx/>
+              <a:buNone/>
+              <a:tabLst/>
+              <a:defRPr/>
+            </a:pPr>
+            <a:endParaRPr lang="en-CA" sz="1200" b="1" dirty="0"/>
+          </a:p>
+          <a:p>
+            <a:pPr marL="0" marR="0" lvl="0" indent="0" algn="l" defTabSz="914400" rtl="0" eaLnBrk="0" fontAlgn="base" latinLnBrk="0" hangingPunct="0">
+              <a:lnSpc>
+                <a:spcPct val="100000"/>
+              </a:lnSpc>
+              <a:spcBef>
+                <a:spcPct val="30000"/>
+              </a:spcBef>
+              <a:spcAft>
+                <a:spcPct val="0"/>
+              </a:spcAft>
+              <a:buClrTx/>
+              <a:buSzTx/>
+              <a:buFontTx/>
+              <a:buNone/>
+              <a:tabLst/>
+              <a:defRPr/>
+            </a:pPr>
+            <a:r>
+              <a:rPr lang="en-CA" sz="1200" b="1" dirty="0"/>
+              <a:t>(because of</a:t>
+            </a:r>
+            <a:r>
+              <a:rPr lang="en-CA" sz="1200" b="1" baseline="0" dirty="0"/>
+              <a:t> data send queue, the first 3 lines are at 100ms</a:t>
+            </a:r>
+            <a:r>
+              <a:rPr lang="en-CA" sz="1200" b="1" dirty="0"/>
+              <a:t>)</a:t>
+            </a:r>
+          </a:p>
+          <a:p>
+            <a:pPr lvl="0"/>
+            <a:endParaRPr lang="en-CA" sz="1200" dirty="0"/>
+          </a:p>
+          <a:p>
+            <a:pPr lvl="0"/>
             <a:r>
               <a:rPr lang="en-CA" sz="1200" dirty="0"/>
-              <a:t> </a:t>
-            </a:r>
-          </a:p>
-          <a:p>
-            <a:endParaRPr lang="en-CA" dirty="0"/>
+              <a:t>Calculate transfer time according to time gap between message been received</a:t>
+            </a:r>
           </a:p>
         </p:txBody>
       </p:sp>
@@ -2493,7 +2652,7 @@
     </p:spTree>
     <p:extLst>
       <p:ext uri="{BB962C8B-B14F-4D97-AF65-F5344CB8AC3E}">
-        <p14:creationId xmlns:p14="http://schemas.microsoft.com/office/powerpoint/2010/main" val="1317554021"/>
+        <p14:creationId xmlns:p14="http://schemas.microsoft.com/office/powerpoint/2010/main" val="413046538"/>
       </p:ext>
     </p:extLst>
   </p:cSld>
@@ -2547,170 +2706,28 @@
           <a:bodyPr/>
           <a:lstStyle/>
           <a:p>
-            <a:pPr lvl="0"/>
-            <a:endParaRPr lang="en-CA" sz="1200" dirty="0"/>
-          </a:p>
-          <a:p>
-            <a:pPr lvl="0"/>
-            <a:r>
-              <a:rPr lang="en-CA" sz="1200" dirty="0"/>
-              <a:t>Connection</a:t>
-            </a:r>
-            <a:r>
-              <a:rPr lang="en-CA" sz="1200" baseline="0" dirty="0"/>
-              <a:t> interval,</a:t>
-            </a:r>
-          </a:p>
-          <a:p>
-            <a:pPr lvl="0"/>
-            <a:r>
-              <a:rPr lang="en-CA" sz="1200" baseline="0" dirty="0"/>
-              <a:t>BLE</a:t>
-            </a:r>
-            <a:endParaRPr lang="en-CA" sz="1200" dirty="0"/>
-          </a:p>
-          <a:p>
-            <a:pPr lvl="0"/>
-            <a:endParaRPr lang="en-CA" sz="1200" dirty="0"/>
-          </a:p>
-          <a:p>
-            <a:pPr lvl="0"/>
-            <a:endParaRPr lang="en-CA" sz="1200" dirty="0"/>
-          </a:p>
-          <a:p>
-            <a:pPr lvl="0"/>
-            <a:r>
-              <a:rPr lang="en-CA" sz="1200" dirty="0"/>
-              <a:t>Start sample program scan and create connection between two devices.</a:t>
-            </a:r>
-          </a:p>
-          <a:p>
-            <a:pPr marL="0" marR="0" lvl="0" indent="0" algn="l" defTabSz="914400" rtl="0" eaLnBrk="0" fontAlgn="base" latinLnBrk="0" hangingPunct="0">
-              <a:lnSpc>
-                <a:spcPct val="100000"/>
-              </a:lnSpc>
-              <a:spcBef>
-                <a:spcPct val="30000"/>
-              </a:spcBef>
-              <a:spcAft>
-                <a:spcPct val="0"/>
-              </a:spcAft>
-              <a:buClrTx/>
-              <a:buSzTx/>
-              <a:buFontTx/>
-              <a:buNone/>
-              <a:tabLst/>
-              <a:defRPr/>
-            </a:pPr>
-            <a:r>
-              <a:rPr lang="en-CA" sz="1200" dirty="0"/>
-              <a:t>Record received time at sender side</a:t>
-            </a:r>
-          </a:p>
-          <a:p>
-            <a:pPr marL="0" marR="0" lvl="0" indent="0" algn="l" defTabSz="914400" rtl="0" eaLnBrk="0" fontAlgn="base" latinLnBrk="0" hangingPunct="0">
-              <a:lnSpc>
-                <a:spcPct val="100000"/>
-              </a:lnSpc>
-              <a:spcBef>
-                <a:spcPct val="30000"/>
-              </a:spcBef>
-              <a:spcAft>
-                <a:spcPct val="0"/>
-              </a:spcAft>
-              <a:buClrTx/>
-              <a:buSzTx/>
-              <a:buFontTx/>
-              <a:buNone/>
-              <a:tabLst/>
-              <a:defRPr/>
-            </a:pPr>
-            <a:endParaRPr lang="en-CA" sz="1200" dirty="0"/>
-          </a:p>
-          <a:p>
-            <a:pPr marL="0" marR="0" lvl="0" indent="0" algn="l" defTabSz="914400" rtl="0" eaLnBrk="0" fontAlgn="base" latinLnBrk="0" hangingPunct="0">
-              <a:lnSpc>
-                <a:spcPct val="100000"/>
-              </a:lnSpc>
-              <a:spcBef>
-                <a:spcPct val="30000"/>
-              </a:spcBef>
-              <a:spcAft>
-                <a:spcPct val="0"/>
-              </a:spcAft>
-              <a:buClrTx/>
-              <a:buSzTx/>
-              <a:buFontTx/>
-              <a:buNone/>
-              <a:tabLst/>
-              <a:defRPr/>
-            </a:pPr>
-            <a:r>
-              <a:rPr lang="en-CA" sz="1200" b="1" dirty="0"/>
-              <a:t>Send 4-bytesheader 100 times to remote device with 0,50,100,150,200,250,300,350,400,450ms interval respectively.</a:t>
-            </a:r>
-          </a:p>
-          <a:p>
-            <a:pPr marL="0" marR="0" lvl="0" indent="0" algn="l" defTabSz="914400" rtl="0" eaLnBrk="0" fontAlgn="base" latinLnBrk="0" hangingPunct="0">
-              <a:lnSpc>
-                <a:spcPct val="100000"/>
-              </a:lnSpc>
-              <a:spcBef>
-                <a:spcPct val="30000"/>
-              </a:spcBef>
-              <a:spcAft>
-                <a:spcPct val="0"/>
-              </a:spcAft>
-              <a:buClrTx/>
-              <a:buSzTx/>
-              <a:buFontTx/>
-              <a:buNone/>
-              <a:tabLst/>
-              <a:defRPr/>
-            </a:pPr>
-            <a:endParaRPr lang="en-CA" sz="1200" b="1" dirty="0"/>
-          </a:p>
-          <a:p>
-            <a:pPr marL="0" marR="0" lvl="0" indent="0" algn="l" defTabSz="914400" rtl="0" eaLnBrk="0" fontAlgn="base" latinLnBrk="0" hangingPunct="0">
-              <a:lnSpc>
-                <a:spcPct val="100000"/>
-              </a:lnSpc>
-              <a:spcBef>
-                <a:spcPct val="30000"/>
-              </a:spcBef>
-              <a:spcAft>
-                <a:spcPct val="0"/>
-              </a:spcAft>
-              <a:buClrTx/>
-              <a:buSzTx/>
-              <a:buFontTx/>
-              <a:buNone/>
-              <a:tabLst/>
-              <a:defRPr/>
-            </a:pPr>
-            <a:r>
-              <a:rPr lang="en-CA" sz="1200" b="1" dirty="0"/>
-              <a:t>(because of</a:t>
-            </a:r>
-            <a:r>
-              <a:rPr lang="en-CA" sz="1200" b="1" baseline="0" dirty="0"/>
-              <a:t> data send queue, the first 3 lines are at 100ms</a:t>
-            </a:r>
-            <a:r>
-              <a:rPr lang="en-CA" sz="1200" b="1" dirty="0"/>
-              <a:t>)</a:t>
-            </a:r>
-          </a:p>
-          <a:p>
-            <a:pPr lvl="0"/>
-            <a:endParaRPr lang="en-CA" sz="1200" dirty="0"/>
-          </a:p>
-          <a:p>
-            <a:pPr lvl="0"/>
-            <a:r>
-              <a:rPr lang="en-CA" sz="1200" dirty="0"/>
-              <a:t>Calculate transfer time according to time gap between message been received</a:t>
-            </a:r>
+            <a:r>
+              <a:rPr lang="en-CA" dirty="0"/>
+              <a:t>Send 4</a:t>
+            </a:r>
+            <a:r>
+              <a:rPr lang="en-CA" baseline="0" dirty="0"/>
+              <a:t> bytes header CoAP message and receive callback from remote device(100 times to calculate average) with different distance.</a:t>
+            </a:r>
+          </a:p>
+          <a:p>
+            <a:endParaRPr lang="en-CA" baseline="0" dirty="0"/>
+          </a:p>
+          <a:p>
+            <a:r>
+              <a:rPr lang="en-CA" dirty="0"/>
+              <a:t>dotted line</a:t>
+            </a:r>
+            <a:r>
+              <a:rPr lang="en-CA" baseline="0" dirty="0"/>
+              <a:t> is tread.</a:t>
+            </a:r>
+            <a:endParaRPr lang="en-CA" dirty="0"/>
           </a:p>
         </p:txBody>
       </p:sp>
@@ -2741,7 +2758,7 @@
     </p:spTree>
     <p:extLst>
       <p:ext uri="{BB962C8B-B14F-4D97-AF65-F5344CB8AC3E}">
-        <p14:creationId xmlns:p14="http://schemas.microsoft.com/office/powerpoint/2010/main" val="413046538"/>
+        <p14:creationId xmlns:p14="http://schemas.microsoft.com/office/powerpoint/2010/main" val="2627955580"/>
       </p:ext>
     </p:extLst>
   </p:cSld>
@@ -2795,27 +2812,6 @@
           <a:bodyPr/>
           <a:lstStyle/>
           <a:p>
-            <a:r>
-              <a:rPr lang="en-CA" dirty="0"/>
-              <a:t>Send 4</a:t>
-            </a:r>
-            <a:r>
-              <a:rPr lang="en-CA" baseline="0" dirty="0"/>
-              <a:t> bytes header CoAP message and receive callback from remote device(100 times to calculate average) with different distance.</a:t>
-            </a:r>
-          </a:p>
-          <a:p>
-            <a:endParaRPr lang="en-CA" baseline="0" dirty="0"/>
-          </a:p>
-          <a:p>
-            <a:r>
-              <a:rPr lang="en-CA" dirty="0"/>
-              <a:t>dotted line</a:t>
-            </a:r>
-            <a:r>
-              <a:rPr lang="en-CA" baseline="0" dirty="0"/>
-              <a:t> is tread.</a:t>
-            </a:r>
             <a:endParaRPr lang="en-CA" dirty="0"/>
           </a:p>
         </p:txBody>
@@ -2847,7 +2843,7 @@
     </p:spTree>
     <p:extLst>
       <p:ext uri="{BB962C8B-B14F-4D97-AF65-F5344CB8AC3E}">
-        <p14:creationId xmlns:p14="http://schemas.microsoft.com/office/powerpoint/2010/main" val="2627955580"/>
+        <p14:creationId xmlns:p14="http://schemas.microsoft.com/office/powerpoint/2010/main" val="2679151374"/>
       </p:ext>
     </p:extLst>
   </p:cSld>
@@ -2901,91 +2897,6 @@
           <a:bodyPr/>
           <a:lstStyle/>
           <a:p>
-            <a:endParaRPr lang="en-CA" dirty="0"/>
-          </a:p>
-        </p:txBody>
-      </p:sp>
-      <p:sp>
-        <p:nvSpPr>
-          <p:cNvPr id="4" name="Slide Number Placeholder 3"/>
-          <p:cNvSpPr>
-            <a:spLocks noGrp="1"/>
-          </p:cNvSpPr>
-          <p:nvPr>
-            <p:ph type="sldNum" sz="quarter" idx="10"/>
-          </p:nvPr>
-        </p:nvSpPr>
-        <p:spPr/>
-        <p:txBody>
-          <a:bodyPr/>
-          <a:lstStyle/>
-          <a:p>
-            <a:fld id="{0508EDAF-2046-0C41-8DCB-CB2CB6C57C7A}" type="slidenum">
-              <a:rPr lang="en-US" smtClean="0"/>
-              <a:pPr/>
-              <a:t>18</a:t>
-            </a:fld>
-            <a:endParaRPr lang="en-US"/>
-          </a:p>
-        </p:txBody>
-      </p:sp>
-    </p:spTree>
-    <p:extLst>
-      <p:ext uri="{BB962C8B-B14F-4D97-AF65-F5344CB8AC3E}">
-        <p14:creationId xmlns:p14="http://schemas.microsoft.com/office/powerpoint/2010/main" val="2679151374"/>
-      </p:ext>
-    </p:extLst>
-  </p:cSld>
-  <p:clrMapOvr>
-    <a:masterClrMapping/>
-  </p:clrMapOvr>
-</p:notes>
-</file>
-
-<file path=ppt/notesSlides/notesSlide18.xml><?xml version="1.0" encoding="utf-8"?>
-<p:notes xmlns:a="http://schemas.openxmlformats.org/drawingml/2006/main" xmlns:r="http://schemas.openxmlformats.org/officeDocument/2006/relationships" xmlns:p="http://schemas.openxmlformats.org/presentationml/2006/main">
-  <p:cSld>
-    <p:spTree>
-      <p:nvGrpSpPr>
-        <p:cNvPr id="1" name=""/>
-        <p:cNvGrpSpPr/>
-        <p:nvPr/>
-      </p:nvGrpSpPr>
-      <p:grpSpPr>
-        <a:xfrm>
-          <a:off x="0" y="0"/>
-          <a:ext cx="0" cy="0"/>
-          <a:chOff x="0" y="0"/>
-          <a:chExt cx="0" cy="0"/>
-        </a:xfrm>
-      </p:grpSpPr>
-      <p:sp>
-        <p:nvSpPr>
-          <p:cNvPr id="2" name="Slide Image Placeholder 1"/>
-          <p:cNvSpPr>
-            <a:spLocks noGrp="1" noRot="1" noChangeAspect="1"/>
-          </p:cNvSpPr>
-          <p:nvPr>
-            <p:ph type="sldImg"/>
-          </p:nvPr>
-        </p:nvSpPr>
-        <p:spPr/>
-      </p:sp>
-      <p:sp>
-        <p:nvSpPr>
-          <p:cNvPr id="3" name="Notes Placeholder 2"/>
-          <p:cNvSpPr>
-            <a:spLocks noGrp="1"/>
-          </p:cNvSpPr>
-          <p:nvPr>
-            <p:ph type="body" idx="1"/>
-          </p:nvPr>
-        </p:nvSpPr>
-        <p:spPr/>
-        <p:txBody>
-          <a:bodyPr/>
-          <a:lstStyle/>
-          <a:p>
             <a:pPr marL="0" marR="0" indent="0" algn="l" defTabSz="914400" rtl="0" eaLnBrk="0" fontAlgn="base" latinLnBrk="0" hangingPunct="0">
               <a:lnSpc>
                 <a:spcPct val="100000"/>
@@ -3032,7 +2943,7 @@
             <a:fld id="{0508EDAF-2046-0C41-8DCB-CB2CB6C57C7A}" type="slidenum">
               <a:rPr lang="en-US" smtClean="0"/>
               <a:pPr/>
-              <a:t>19</a:t>
+              <a:t>18</a:t>
             </a:fld>
             <a:endParaRPr lang="en-US"/>
           </a:p>
@@ -3624,11 +3535,11 @@
           <a:p>
             <a:r>
               <a:rPr lang="en-CA" dirty="0"/>
-              <a:t>Traditional</a:t>
+              <a:t>We want</a:t>
             </a:r>
             <a:r>
               <a:rPr lang="en-CA" baseline="0" dirty="0"/>
-              <a:t> Bluetooth use 20byte characteristics to transfer data. No format has been defined.</a:t>
+              <a:t> to introduce CoAP in BLE to simplify the process of merge edge nodes (sensors) into IoT.</a:t>
             </a:r>
             <a:endParaRPr lang="en-CA" dirty="0"/>
           </a:p>
@@ -3661,7 +3572,7 @@
     </p:spTree>
     <p:extLst>
       <p:ext uri="{BB962C8B-B14F-4D97-AF65-F5344CB8AC3E}">
-        <p14:creationId xmlns:p14="http://schemas.microsoft.com/office/powerpoint/2010/main" val="3542349434"/>
+        <p14:creationId xmlns:p14="http://schemas.microsoft.com/office/powerpoint/2010/main" val="592470521"/>
       </p:ext>
     </p:extLst>
   </p:cSld>
@@ -3715,15 +3626,18 @@
           <a:bodyPr/>
           <a:lstStyle/>
           <a:p>
-            <a:r>
-              <a:rPr lang="en-CA" dirty="0"/>
-              <a:t>We want</a:t>
-            </a:r>
-            <a:r>
-              <a:rPr lang="en-CA" baseline="0" dirty="0"/>
-              <a:t> to introduce CoAP in BLE to simplify the process of merge edge nodes (sensors) into IoT.</a:t>
-            </a:r>
-            <a:endParaRPr lang="en-CA" dirty="0"/>
+            <a:pPr marL="0" indent="0">
+              <a:buNone/>
+            </a:pPr>
+            <a:r>
+              <a:rPr lang="en-CA" sz="1200" dirty="0"/>
+              <a:t>sensor cloud ---- None-IP</a:t>
+            </a:r>
+            <a:r>
+              <a:rPr lang="en-CA" sz="1200" baseline="0" dirty="0"/>
+              <a:t> based environment</a:t>
+            </a:r>
+            <a:endParaRPr lang="en-CA" sz="1200" dirty="0"/>
           </a:p>
         </p:txBody>
       </p:sp>
@@ -3754,7 +3668,7 @@
     </p:spTree>
     <p:extLst>
       <p:ext uri="{BB962C8B-B14F-4D97-AF65-F5344CB8AC3E}">
-        <p14:creationId xmlns:p14="http://schemas.microsoft.com/office/powerpoint/2010/main" val="592470521"/>
+        <p14:creationId xmlns:p14="http://schemas.microsoft.com/office/powerpoint/2010/main" val="2456511944"/>
       </p:ext>
     </p:extLst>
   </p:cSld>
@@ -3808,18 +3722,388 @@
           <a:bodyPr/>
           <a:lstStyle/>
           <a:p>
-            <a:pPr marL="0" indent="0">
+            <a:endParaRPr lang="en-CA" sz="1200" b="0" i="0" kern="1200" dirty="0">
+              <a:solidFill>
+                <a:schemeClr val="tx1"/>
+              </a:solidFill>
+              <a:effectLst/>
+              <a:latin typeface="Times" pitchFamily="-108" charset="0"/>
+              <a:ea typeface="ＭＳ Ｐゴシック" pitchFamily="-108" charset="-128"/>
+              <a:cs typeface="ＭＳ Ｐゴシック" pitchFamily="-108" charset="-128"/>
+            </a:endParaRPr>
+          </a:p>
+          <a:p>
+            <a:pPr marL="0" marR="0" indent="0" algn="l" defTabSz="914400" rtl="0" eaLnBrk="0" fontAlgn="base" latinLnBrk="0" hangingPunct="0">
+              <a:lnSpc>
+                <a:spcPct val="100000"/>
+              </a:lnSpc>
+              <a:spcBef>
+                <a:spcPct val="30000"/>
+              </a:spcBef>
+              <a:spcAft>
+                <a:spcPct val="0"/>
+              </a:spcAft>
+              <a:buClrTx/>
+              <a:buSzTx/>
+              <a:buFontTx/>
               <a:buNone/>
+              <a:tabLst/>
+              <a:defRPr/>
             </a:pPr>
             <a:r>
+              <a:rPr lang="en-CA" sz="1200" b="0" i="0" kern="1200" dirty="0">
+                <a:solidFill>
+                  <a:schemeClr val="tx1"/>
+                </a:solidFill>
+                <a:effectLst/>
+                <a:latin typeface="Times" pitchFamily="-108" charset="0"/>
+                <a:ea typeface="ＭＳ Ｐゴシック" pitchFamily="-108" charset="-128"/>
+                <a:cs typeface="ＭＳ Ｐゴシック" pitchFamily="-108" charset="-128"/>
+              </a:rPr>
+              <a:t>acronym[</a:t>
+            </a:r>
+            <a:r>
+              <a:rPr lang="en-CA" sz="1200" b="1" i="0" kern="1200" dirty="0" err="1">
+                <a:solidFill>
+                  <a:schemeClr val="tx1"/>
+                </a:solidFill>
+                <a:effectLst/>
+                <a:latin typeface="Times" pitchFamily="-108" charset="0"/>
+                <a:ea typeface="ＭＳ Ｐゴシック" pitchFamily="-108" charset="-128"/>
+                <a:cs typeface="ＭＳ Ｐゴシック" pitchFamily="-108" charset="-128"/>
+              </a:rPr>
+              <a:t>ak</a:t>
+            </a:r>
+            <a:r>
+              <a:rPr lang="en-CA" sz="1200" b="0" i="0" kern="1200" dirty="0" err="1">
+                <a:solidFill>
+                  <a:schemeClr val="tx1"/>
+                </a:solidFill>
+                <a:effectLst/>
+                <a:latin typeface="Times" pitchFamily="-108" charset="0"/>
+                <a:ea typeface="ＭＳ Ｐゴシック" pitchFamily="-108" charset="-128"/>
+                <a:cs typeface="ＭＳ Ｐゴシック" pitchFamily="-108" charset="-128"/>
+              </a:rPr>
+              <a:t>-r</a:t>
+            </a:r>
+            <a:r>
+              <a:rPr lang="en-CA" sz="1200" b="0" i="1" kern="1200" dirty="0" err="1">
+                <a:solidFill>
+                  <a:schemeClr val="tx1"/>
+                </a:solidFill>
+                <a:effectLst/>
+                <a:latin typeface="Times" pitchFamily="-108" charset="0"/>
+                <a:ea typeface="ＭＳ Ｐゴシック" pitchFamily="-108" charset="-128"/>
+                <a:cs typeface="ＭＳ Ｐゴシック" pitchFamily="-108" charset="-128"/>
+              </a:rPr>
+              <a:t>uh</a:t>
+            </a:r>
+            <a:r>
+              <a:rPr lang="en-CA" sz="1200" b="0" i="0" kern="1200" dirty="0" err="1">
+                <a:solidFill>
+                  <a:schemeClr val="tx1"/>
+                </a:solidFill>
+                <a:effectLst/>
+                <a:latin typeface="Times" pitchFamily="-108" charset="0"/>
+                <a:ea typeface="ＭＳ Ｐゴシック" pitchFamily="-108" charset="-128"/>
+                <a:cs typeface="ＭＳ Ｐゴシック" pitchFamily="-108" charset="-128"/>
+              </a:rPr>
+              <a:t>-nim</a:t>
+            </a:r>
+            <a:r>
+              <a:rPr lang="en-CA" sz="1200" b="0" i="0" kern="1200" dirty="0">
+                <a:solidFill>
+                  <a:schemeClr val="tx1"/>
+                </a:solidFill>
+                <a:effectLst/>
+                <a:latin typeface="Times" pitchFamily="-108" charset="0"/>
+                <a:ea typeface="ＭＳ Ｐゴシック" pitchFamily="-108" charset="-128"/>
+                <a:cs typeface="ＭＳ Ｐゴシック" pitchFamily="-108" charset="-128"/>
+              </a:rPr>
+              <a:t>]  </a:t>
+            </a:r>
+            <a:r>
+              <a:rPr lang="en-CA" sz="1200" b="0" i="1" u="none" strike="noStrike" kern="1200" dirty="0">
+                <a:solidFill>
+                  <a:schemeClr val="tx1"/>
+                </a:solidFill>
+                <a:effectLst/>
+                <a:latin typeface="Times" pitchFamily="-108" charset="0"/>
+                <a:ea typeface="ＭＳ Ｐゴシック" pitchFamily="-108" charset="-128"/>
+                <a:cs typeface="ＭＳ Ｐゴシック" pitchFamily="-108" charset="-128"/>
+                <a:hlinkClick r:id="rId3" tooltip="IPv6"/>
+              </a:rPr>
+              <a:t>IPv6</a:t>
+            </a:r>
+            <a:r>
+              <a:rPr lang="en-CA" sz="1200" b="0" i="1" kern="1200" dirty="0">
+                <a:solidFill>
+                  <a:schemeClr val="tx1"/>
+                </a:solidFill>
+                <a:effectLst/>
+                <a:latin typeface="Times" pitchFamily="-108" charset="0"/>
+                <a:ea typeface="ＭＳ Ｐゴシック" pitchFamily="-108" charset="-128"/>
+                <a:cs typeface="ＭＳ Ｐゴシック" pitchFamily="-108" charset="-128"/>
+              </a:rPr>
+              <a:t> over Low power Wireless </a:t>
+            </a:r>
+            <a:r>
+              <a:rPr lang="en-CA" sz="1200" b="0" i="1" u="none" strike="noStrike" kern="1200" dirty="0">
+                <a:solidFill>
+                  <a:schemeClr val="tx1"/>
+                </a:solidFill>
+                <a:effectLst/>
+                <a:latin typeface="Times" pitchFamily="-108" charset="0"/>
+                <a:ea typeface="ＭＳ Ｐゴシック" pitchFamily="-108" charset="-128"/>
+                <a:cs typeface="ＭＳ Ｐゴシック" pitchFamily="-108" charset="-128"/>
+                <a:hlinkClick r:id="rId4" tooltip="Personal area network"/>
+              </a:rPr>
+              <a:t>Personal Area Networks</a:t>
+            </a:r>
+            <a:r>
+              <a:rPr lang="en-CA" sz="1200" b="0" i="0" kern="1200" dirty="0">
+                <a:solidFill>
+                  <a:schemeClr val="tx1"/>
+                </a:solidFill>
+                <a:effectLst/>
+                <a:latin typeface="Times" pitchFamily="-108" charset="0"/>
+                <a:ea typeface="ＭＳ Ｐゴシック" pitchFamily="-108" charset="-128"/>
+                <a:cs typeface="ＭＳ Ｐゴシック" pitchFamily="-108" charset="-128"/>
+              </a:rPr>
+              <a:t>.</a:t>
+            </a:r>
+            <a:endParaRPr lang="en-CA" sz="1200" b="0" i="0" kern="1200" dirty="0">
+              <a:solidFill>
+                <a:schemeClr val="tx1"/>
+              </a:solidFill>
+              <a:effectLst/>
+              <a:latin typeface="Times" pitchFamily="-108" charset="0"/>
+              <a:ea typeface="ＭＳ Ｐゴシック" pitchFamily="-108" charset="-128"/>
+            </a:endParaRPr>
+          </a:p>
+          <a:p>
+            <a:endParaRPr lang="en-CA" sz="1200" b="0" i="0" kern="1200" dirty="0">
+              <a:solidFill>
+                <a:schemeClr val="tx1"/>
+              </a:solidFill>
+              <a:effectLst/>
+              <a:latin typeface="Times" pitchFamily="-108" charset="0"/>
+              <a:ea typeface="ＭＳ Ｐゴシック" pitchFamily="-108" charset="-128"/>
+              <a:cs typeface="ＭＳ Ｐゴシック" pitchFamily="-108" charset="-128"/>
+            </a:endParaRPr>
+          </a:p>
+          <a:p>
+            <a:pPr marL="0" marR="0" indent="0" algn="l" defTabSz="914400" rtl="0" eaLnBrk="0" fontAlgn="base" latinLnBrk="0" hangingPunct="0">
+              <a:lnSpc>
+                <a:spcPct val="100000"/>
+              </a:lnSpc>
+              <a:spcBef>
+                <a:spcPct val="30000"/>
+              </a:spcBef>
+              <a:spcAft>
+                <a:spcPct val="0"/>
+              </a:spcAft>
+              <a:buClrTx/>
+              <a:buSzTx/>
+              <a:buFontTx/>
+              <a:buNone/>
+              <a:tabLst/>
+              <a:defRPr/>
+            </a:pPr>
+            <a:endParaRPr lang="en-CA" sz="1200" b="0" i="0" kern="1200" baseline="0" dirty="0">
+              <a:solidFill>
+                <a:schemeClr val="tx1"/>
+              </a:solidFill>
+              <a:effectLst/>
+              <a:latin typeface="Times" pitchFamily="-108" charset="0"/>
+              <a:ea typeface="ＭＳ Ｐゴシック" pitchFamily="-108" charset="-128"/>
+            </a:endParaRPr>
+          </a:p>
+          <a:p>
+            <a:pPr marL="0" marR="0" indent="0" algn="l" defTabSz="914400" rtl="0" eaLnBrk="0" fontAlgn="base" latinLnBrk="0" hangingPunct="0">
+              <a:lnSpc>
+                <a:spcPct val="100000"/>
+              </a:lnSpc>
+              <a:spcBef>
+                <a:spcPct val="30000"/>
+              </a:spcBef>
+              <a:spcAft>
+                <a:spcPct val="0"/>
+              </a:spcAft>
+              <a:buClrTx/>
+              <a:buSzTx/>
+              <a:buFontTx/>
+              <a:buNone/>
+              <a:tabLst/>
+              <a:defRPr/>
+            </a:pPr>
+            <a:r>
+              <a:rPr lang="en-CA" sz="1200" b="1" kern="1200" dirty="0">
+                <a:solidFill>
+                  <a:schemeClr val="tx1"/>
+                </a:solidFill>
+                <a:effectLst/>
+                <a:latin typeface="Times" pitchFamily="-108" charset="0"/>
+                <a:ea typeface="ＭＳ Ｐゴシック" pitchFamily="-108" charset="-128"/>
+                <a:cs typeface="ＭＳ Ｐゴシック" pitchFamily="-108" charset="-128"/>
+              </a:rPr>
+              <a:t>Bluetooth 4.2. </a:t>
+            </a:r>
+            <a:r>
+              <a:rPr lang="en-CA" sz="1200" kern="1200" dirty="0">
+                <a:solidFill>
+                  <a:schemeClr val="tx1"/>
+                </a:solidFill>
+                <a:effectLst/>
+                <a:latin typeface="Times" pitchFamily="-108" charset="0"/>
+                <a:ea typeface="ＭＳ Ｐゴシック" pitchFamily="-108" charset="-128"/>
+                <a:cs typeface="ＭＳ Ｐゴシック" pitchFamily="-108" charset="-128"/>
+              </a:rPr>
+              <a:t>IoT capability(</a:t>
+            </a:r>
+            <a:r>
               <a:rPr lang="en-CA" sz="1200" dirty="0"/>
-              <a:t>sensor cloud ---- None-IP</a:t>
-            </a:r>
-            <a:r>
-              <a:rPr lang="en-CA" sz="1200" baseline="0" dirty="0"/>
-              <a:t> based environment</a:t>
-            </a:r>
-            <a:endParaRPr lang="en-CA" sz="1200" dirty="0"/>
+              <a:t>IP(6LoWPAN</a:t>
+            </a:r>
+            <a:r>
+              <a:rPr lang="en-CA" sz="1200" kern="1200" dirty="0">
+                <a:solidFill>
+                  <a:schemeClr val="tx1"/>
+                </a:solidFill>
+                <a:effectLst/>
+                <a:latin typeface="Times" pitchFamily="-108" charset="0"/>
+                <a:ea typeface="ＭＳ Ｐゴシック" pitchFamily="-108" charset="-128"/>
+                <a:cs typeface="ＭＳ Ｐゴシック" pitchFamily="-108" charset="-128"/>
+              </a:rPr>
+              <a:t>), </a:t>
+            </a:r>
+          </a:p>
+          <a:p>
+            <a:pPr marL="0" marR="0" indent="0" algn="l" defTabSz="914400" rtl="0" eaLnBrk="0" fontAlgn="base" latinLnBrk="0" hangingPunct="0">
+              <a:lnSpc>
+                <a:spcPct val="100000"/>
+              </a:lnSpc>
+              <a:spcBef>
+                <a:spcPct val="30000"/>
+              </a:spcBef>
+              <a:spcAft>
+                <a:spcPct val="0"/>
+              </a:spcAft>
+              <a:buClrTx/>
+              <a:buSzTx/>
+              <a:buFontTx/>
+              <a:buNone/>
+              <a:tabLst/>
+              <a:defRPr/>
+            </a:pPr>
+            <a:r>
+              <a:rPr lang="en-CA" sz="1200" kern="1200" dirty="0">
+                <a:solidFill>
+                  <a:schemeClr val="tx1"/>
+                </a:solidFill>
+                <a:effectLst/>
+                <a:latin typeface="Times" pitchFamily="-108" charset="0"/>
+                <a:ea typeface="ＭＳ Ｐゴシック" pitchFamily="-108" charset="-128"/>
+                <a:cs typeface="ＭＳ Ｐゴシック" pitchFamily="-108" charset="-128"/>
+              </a:rPr>
+              <a:t>Security(LE Privacy 1.2 to prevent Bluetooth smart device being tracked by untrusted devices)</a:t>
+            </a:r>
+          </a:p>
+          <a:p>
+            <a:pPr marL="0" marR="0" indent="0" algn="l" defTabSz="914400" rtl="0" eaLnBrk="0" fontAlgn="base" latinLnBrk="0" hangingPunct="0">
+              <a:lnSpc>
+                <a:spcPct val="100000"/>
+              </a:lnSpc>
+              <a:spcBef>
+                <a:spcPct val="30000"/>
+              </a:spcBef>
+              <a:spcAft>
+                <a:spcPct val="0"/>
+              </a:spcAft>
+              <a:buClrTx/>
+              <a:buSzTx/>
+              <a:buFontTx/>
+              <a:buNone/>
+              <a:tabLst/>
+              <a:defRPr/>
+            </a:pPr>
+            <a:r>
+              <a:rPr lang="en-CA" sz="1200" kern="1200" dirty="0">
+                <a:solidFill>
+                  <a:schemeClr val="tx1"/>
+                </a:solidFill>
+                <a:effectLst/>
+                <a:latin typeface="Times" pitchFamily="-108" charset="0"/>
+                <a:ea typeface="ＭＳ Ｐゴシック" pitchFamily="-108" charset="-128"/>
+                <a:cs typeface="ＭＳ Ｐゴシック" pitchFamily="-108" charset="-128"/>
+              </a:rPr>
+              <a:t>speed. </a:t>
+            </a:r>
+            <a:endParaRPr lang="en-CA" sz="1200" b="0" i="0" kern="1200" baseline="0" dirty="0">
+              <a:solidFill>
+                <a:schemeClr val="tx1"/>
+              </a:solidFill>
+              <a:effectLst/>
+              <a:latin typeface="Times" pitchFamily="-108" charset="0"/>
+              <a:ea typeface="ＭＳ Ｐゴシック" pitchFamily="-108" charset="-128"/>
+            </a:endParaRPr>
+          </a:p>
+          <a:p>
+            <a:pPr marL="0" marR="0" indent="0" algn="l" defTabSz="914400" rtl="0" eaLnBrk="0" fontAlgn="base" latinLnBrk="0" hangingPunct="0">
+              <a:lnSpc>
+                <a:spcPct val="100000"/>
+              </a:lnSpc>
+              <a:spcBef>
+                <a:spcPct val="30000"/>
+              </a:spcBef>
+              <a:spcAft>
+                <a:spcPct val="0"/>
+              </a:spcAft>
+              <a:buClrTx/>
+              <a:buSzTx/>
+              <a:buFontTx/>
+              <a:buNone/>
+              <a:tabLst/>
+              <a:defRPr/>
+            </a:pPr>
+            <a:endParaRPr lang="en-CA" sz="1200" b="0" i="0" kern="1200" baseline="0" dirty="0">
+              <a:solidFill>
+                <a:schemeClr val="tx1"/>
+              </a:solidFill>
+              <a:effectLst/>
+              <a:latin typeface="Times" pitchFamily="-108" charset="0"/>
+              <a:ea typeface="ＭＳ Ｐゴシック" pitchFamily="-108" charset="-128"/>
+            </a:endParaRPr>
+          </a:p>
+          <a:p>
+            <a:pPr marL="0" marR="0" indent="0" algn="l" defTabSz="914400" rtl="0" eaLnBrk="0" fontAlgn="base" latinLnBrk="0" hangingPunct="0">
+              <a:lnSpc>
+                <a:spcPct val="100000"/>
+              </a:lnSpc>
+              <a:spcBef>
+                <a:spcPct val="30000"/>
+              </a:spcBef>
+              <a:spcAft>
+                <a:spcPct val="0"/>
+              </a:spcAft>
+              <a:buClrTx/>
+              <a:buSzTx/>
+              <a:buFontTx/>
+              <a:buNone/>
+              <a:tabLst/>
+              <a:defRPr/>
+            </a:pPr>
+            <a:endParaRPr lang="en-CA" sz="1200" b="0" i="0" kern="1200" dirty="0">
+              <a:solidFill>
+                <a:schemeClr val="tx1"/>
+              </a:solidFill>
+              <a:effectLst/>
+              <a:latin typeface="Times" pitchFamily="-108" charset="0"/>
+              <a:ea typeface="ＭＳ Ｐゴシック" pitchFamily="-108" charset="-128"/>
+            </a:endParaRPr>
+          </a:p>
+          <a:p>
+            <a:endParaRPr lang="en-CA" dirty="0"/>
           </a:p>
         </p:txBody>
       </p:sp>
@@ -3850,7 +4134,7 @@
     </p:spTree>
     <p:extLst>
       <p:ext uri="{BB962C8B-B14F-4D97-AF65-F5344CB8AC3E}">
-        <p14:creationId xmlns:p14="http://schemas.microsoft.com/office/powerpoint/2010/main" val="2456511944"/>
+        <p14:creationId xmlns:p14="http://schemas.microsoft.com/office/powerpoint/2010/main" val="1903616959"/>
       </p:ext>
     </p:extLst>
   </p:cSld>
@@ -3904,385 +4188,38 @@
           <a:bodyPr/>
           <a:lstStyle/>
           <a:p>
-            <a:endParaRPr lang="en-CA" sz="1200" b="0" i="0" kern="1200" dirty="0">
-              <a:solidFill>
-                <a:schemeClr val="tx1"/>
-              </a:solidFill>
-              <a:effectLst/>
-              <a:latin typeface="Times" pitchFamily="-108" charset="0"/>
-              <a:ea typeface="ＭＳ Ｐゴシック" pitchFamily="-108" charset="-128"/>
-              <a:cs typeface="ＭＳ Ｐゴシック" pitchFamily="-108" charset="-128"/>
-            </a:endParaRPr>
-          </a:p>
-          <a:p>
-            <a:pPr marL="0" marR="0" indent="0" algn="l" defTabSz="914400" rtl="0" eaLnBrk="0" fontAlgn="base" latinLnBrk="0" hangingPunct="0">
-              <a:lnSpc>
-                <a:spcPct val="100000"/>
-              </a:lnSpc>
-              <a:spcBef>
-                <a:spcPct val="30000"/>
-              </a:spcBef>
-              <a:spcAft>
-                <a:spcPct val="0"/>
-              </a:spcAft>
-              <a:buClrTx/>
-              <a:buSzTx/>
-              <a:buFontTx/>
-              <a:buNone/>
-              <a:tabLst/>
-              <a:defRPr/>
-            </a:pPr>
-            <a:r>
-              <a:rPr lang="en-CA" sz="1200" b="0" i="0" kern="1200" dirty="0">
-                <a:solidFill>
-                  <a:schemeClr val="tx1"/>
-                </a:solidFill>
-                <a:effectLst/>
-                <a:latin typeface="Times" pitchFamily="-108" charset="0"/>
-                <a:ea typeface="ＭＳ Ｐゴシック" pitchFamily="-108" charset="-128"/>
-                <a:cs typeface="ＭＳ Ｐゴシック" pitchFamily="-108" charset="-128"/>
-              </a:rPr>
-              <a:t>acronym[</a:t>
-            </a:r>
-            <a:r>
-              <a:rPr lang="en-CA" sz="1200" b="1" i="0" kern="1200" dirty="0" err="1">
-                <a:solidFill>
-                  <a:schemeClr val="tx1"/>
-                </a:solidFill>
-                <a:effectLst/>
-                <a:latin typeface="Times" pitchFamily="-108" charset="0"/>
-                <a:ea typeface="ＭＳ Ｐゴシック" pitchFamily="-108" charset="-128"/>
-                <a:cs typeface="ＭＳ Ｐゴシック" pitchFamily="-108" charset="-128"/>
-              </a:rPr>
-              <a:t>ak</a:t>
-            </a:r>
-            <a:r>
-              <a:rPr lang="en-CA" sz="1200" b="0" i="0" kern="1200" dirty="0" err="1">
-                <a:solidFill>
-                  <a:schemeClr val="tx1"/>
-                </a:solidFill>
-                <a:effectLst/>
-                <a:latin typeface="Times" pitchFamily="-108" charset="0"/>
-                <a:ea typeface="ＭＳ Ｐゴシック" pitchFamily="-108" charset="-128"/>
-                <a:cs typeface="ＭＳ Ｐゴシック" pitchFamily="-108" charset="-128"/>
-              </a:rPr>
-              <a:t>-r</a:t>
-            </a:r>
-            <a:r>
-              <a:rPr lang="en-CA" sz="1200" b="0" i="1" kern="1200" dirty="0" err="1">
-                <a:solidFill>
-                  <a:schemeClr val="tx1"/>
-                </a:solidFill>
-                <a:effectLst/>
-                <a:latin typeface="Times" pitchFamily="-108" charset="0"/>
-                <a:ea typeface="ＭＳ Ｐゴシック" pitchFamily="-108" charset="-128"/>
-                <a:cs typeface="ＭＳ Ｐゴシック" pitchFamily="-108" charset="-128"/>
-              </a:rPr>
-              <a:t>uh</a:t>
-            </a:r>
-            <a:r>
-              <a:rPr lang="en-CA" sz="1200" b="0" i="0" kern="1200" dirty="0" err="1">
-                <a:solidFill>
-                  <a:schemeClr val="tx1"/>
-                </a:solidFill>
-                <a:effectLst/>
-                <a:latin typeface="Times" pitchFamily="-108" charset="0"/>
-                <a:ea typeface="ＭＳ Ｐゴシック" pitchFamily="-108" charset="-128"/>
-                <a:cs typeface="ＭＳ Ｐゴシック" pitchFamily="-108" charset="-128"/>
-              </a:rPr>
-              <a:t>-nim</a:t>
-            </a:r>
-            <a:r>
-              <a:rPr lang="en-CA" sz="1200" b="0" i="0" kern="1200" dirty="0">
-                <a:solidFill>
-                  <a:schemeClr val="tx1"/>
-                </a:solidFill>
-                <a:effectLst/>
-                <a:latin typeface="Times" pitchFamily="-108" charset="0"/>
-                <a:ea typeface="ＭＳ Ｐゴシック" pitchFamily="-108" charset="-128"/>
-                <a:cs typeface="ＭＳ Ｐゴシック" pitchFamily="-108" charset="-128"/>
-              </a:rPr>
-              <a:t>]  </a:t>
-            </a:r>
-            <a:r>
-              <a:rPr lang="en-CA" sz="1200" b="0" i="1" u="none" strike="noStrike" kern="1200" dirty="0">
-                <a:solidFill>
-                  <a:schemeClr val="tx1"/>
-                </a:solidFill>
-                <a:effectLst/>
-                <a:latin typeface="Times" pitchFamily="-108" charset="0"/>
-                <a:ea typeface="ＭＳ Ｐゴシック" pitchFamily="-108" charset="-128"/>
-                <a:cs typeface="ＭＳ Ｐゴシック" pitchFamily="-108" charset="-128"/>
-                <a:hlinkClick r:id="rId3" tooltip="IPv6"/>
-              </a:rPr>
-              <a:t>IPv6</a:t>
-            </a:r>
-            <a:r>
-              <a:rPr lang="en-CA" sz="1200" b="0" i="1" kern="1200" dirty="0">
-                <a:solidFill>
-                  <a:schemeClr val="tx1"/>
-                </a:solidFill>
-                <a:effectLst/>
-                <a:latin typeface="Times" pitchFamily="-108" charset="0"/>
-                <a:ea typeface="ＭＳ Ｐゴシック" pitchFamily="-108" charset="-128"/>
-                <a:cs typeface="ＭＳ Ｐゴシック" pitchFamily="-108" charset="-128"/>
-              </a:rPr>
-              <a:t> over Low power Wireless </a:t>
-            </a:r>
-            <a:r>
-              <a:rPr lang="en-CA" sz="1200" b="0" i="1" u="none" strike="noStrike" kern="1200" dirty="0">
-                <a:solidFill>
-                  <a:schemeClr val="tx1"/>
-                </a:solidFill>
-                <a:effectLst/>
-                <a:latin typeface="Times" pitchFamily="-108" charset="0"/>
-                <a:ea typeface="ＭＳ Ｐゴシック" pitchFamily="-108" charset="-128"/>
-                <a:cs typeface="ＭＳ Ｐゴシック" pitchFamily="-108" charset="-128"/>
-                <a:hlinkClick r:id="rId4" tooltip="Personal area network"/>
-              </a:rPr>
-              <a:t>Personal Area Networks</a:t>
-            </a:r>
-            <a:r>
-              <a:rPr lang="en-CA" sz="1200" b="0" i="0" kern="1200" dirty="0">
-                <a:solidFill>
-                  <a:schemeClr val="tx1"/>
-                </a:solidFill>
-                <a:effectLst/>
-                <a:latin typeface="Times" pitchFamily="-108" charset="0"/>
-                <a:ea typeface="ＭＳ Ｐゴシック" pitchFamily="-108" charset="-128"/>
-                <a:cs typeface="ＭＳ Ｐゴシック" pitchFamily="-108" charset="-128"/>
-              </a:rPr>
-              <a:t>.</a:t>
-            </a:r>
-            <a:endParaRPr lang="en-CA" sz="1200" b="0" i="0" kern="1200" dirty="0">
-              <a:solidFill>
-                <a:schemeClr val="tx1"/>
-              </a:solidFill>
-              <a:effectLst/>
-              <a:latin typeface="Times" pitchFamily="-108" charset="0"/>
-              <a:ea typeface="ＭＳ Ｐゴシック" pitchFamily="-108" charset="-128"/>
-            </a:endParaRPr>
-          </a:p>
-          <a:p>
-            <a:endParaRPr lang="en-CA" sz="1200" b="0" i="0" kern="1200" dirty="0">
-              <a:solidFill>
-                <a:schemeClr val="tx1"/>
-              </a:solidFill>
-              <a:effectLst/>
-              <a:latin typeface="Times" pitchFamily="-108" charset="0"/>
-              <a:ea typeface="ＭＳ Ｐゴシック" pitchFamily="-108" charset="-128"/>
-              <a:cs typeface="ＭＳ Ｐゴシック" pitchFamily="-108" charset="-128"/>
-            </a:endParaRPr>
-          </a:p>
-          <a:p>
-            <a:pPr marL="0" marR="0" indent="0" algn="l" defTabSz="914400" rtl="0" eaLnBrk="0" fontAlgn="base" latinLnBrk="0" hangingPunct="0">
-              <a:lnSpc>
-                <a:spcPct val="100000"/>
-              </a:lnSpc>
-              <a:spcBef>
-                <a:spcPct val="30000"/>
-              </a:spcBef>
-              <a:spcAft>
-                <a:spcPct val="0"/>
-              </a:spcAft>
-              <a:buClrTx/>
-              <a:buSzTx/>
-              <a:buFontTx/>
-              <a:buNone/>
-              <a:tabLst/>
-              <a:defRPr/>
-            </a:pPr>
-            <a:endParaRPr lang="en-CA" sz="1200" b="0" i="0" kern="1200" baseline="0" dirty="0">
-              <a:solidFill>
-                <a:schemeClr val="tx1"/>
-              </a:solidFill>
-              <a:effectLst/>
-              <a:latin typeface="Times" pitchFamily="-108" charset="0"/>
-              <a:ea typeface="ＭＳ Ｐゴシック" pitchFamily="-108" charset="-128"/>
-            </a:endParaRPr>
-          </a:p>
-          <a:p>
-            <a:pPr marL="0" marR="0" indent="0" algn="l" defTabSz="914400" rtl="0" eaLnBrk="0" fontAlgn="base" latinLnBrk="0" hangingPunct="0">
-              <a:lnSpc>
-                <a:spcPct val="100000"/>
-              </a:lnSpc>
-              <a:spcBef>
-                <a:spcPct val="30000"/>
-              </a:spcBef>
-              <a:spcAft>
-                <a:spcPct val="0"/>
-              </a:spcAft>
-              <a:buClrTx/>
-              <a:buSzTx/>
-              <a:buFontTx/>
-              <a:buNone/>
-              <a:tabLst/>
-              <a:defRPr/>
-            </a:pPr>
-            <a:r>
-              <a:rPr lang="en-CA" sz="1200" b="1" kern="1200" dirty="0">
-                <a:solidFill>
-                  <a:schemeClr val="tx1"/>
-                </a:solidFill>
-                <a:effectLst/>
-                <a:latin typeface="Times" pitchFamily="-108" charset="0"/>
-                <a:ea typeface="ＭＳ Ｐゴシック" pitchFamily="-108" charset="-128"/>
-                <a:cs typeface="ＭＳ Ｐゴシック" pitchFamily="-108" charset="-128"/>
-              </a:rPr>
-              <a:t>Bluetooth 4.2. </a:t>
-            </a:r>
-            <a:r>
-              <a:rPr lang="en-CA" sz="1200" kern="1200" dirty="0">
-                <a:solidFill>
-                  <a:schemeClr val="tx1"/>
-                </a:solidFill>
-                <a:effectLst/>
-                <a:latin typeface="Times" pitchFamily="-108" charset="0"/>
-                <a:ea typeface="ＭＳ Ｐゴシック" pitchFamily="-108" charset="-128"/>
-                <a:cs typeface="ＭＳ Ｐゴシック" pitchFamily="-108" charset="-128"/>
-              </a:rPr>
-              <a:t>IoT capability(</a:t>
-            </a:r>
             <a:r>
               <a:rPr lang="en-CA" sz="1200" dirty="0"/>
-              <a:t>IP(6LoWPAN</a:t>
-            </a:r>
-            <a:r>
-              <a:rPr lang="en-CA" sz="1200" kern="1200" dirty="0">
-                <a:solidFill>
-                  <a:schemeClr val="tx1"/>
-                </a:solidFill>
-                <a:effectLst/>
-                <a:latin typeface="Times" pitchFamily="-108" charset="0"/>
-                <a:ea typeface="ＭＳ Ｐゴシック" pitchFamily="-108" charset="-128"/>
-                <a:cs typeface="ＭＳ Ｐゴシック" pitchFamily="-108" charset="-128"/>
-              </a:rPr>
-              <a:t>), </a:t>
-            </a:r>
-          </a:p>
-          <a:p>
-            <a:pPr marL="0" marR="0" indent="0" algn="l" defTabSz="914400" rtl="0" eaLnBrk="0" fontAlgn="base" latinLnBrk="0" hangingPunct="0">
-              <a:lnSpc>
-                <a:spcPct val="100000"/>
-              </a:lnSpc>
-              <a:spcBef>
-                <a:spcPct val="30000"/>
-              </a:spcBef>
-              <a:spcAft>
-                <a:spcPct val="0"/>
-              </a:spcAft>
-              <a:buClrTx/>
-              <a:buSzTx/>
-              <a:buFontTx/>
-              <a:buNone/>
-              <a:tabLst/>
-              <a:defRPr/>
-            </a:pPr>
-            <a:r>
-              <a:rPr lang="en-CA" sz="1200" kern="1200" dirty="0">
-                <a:solidFill>
-                  <a:schemeClr val="tx1"/>
-                </a:solidFill>
-                <a:effectLst/>
-                <a:latin typeface="Times" pitchFamily="-108" charset="0"/>
-                <a:ea typeface="ＭＳ Ｐゴシック" pitchFamily="-108" charset="-128"/>
-                <a:cs typeface="ＭＳ Ｐゴシック" pitchFamily="-108" charset="-128"/>
-              </a:rPr>
-              <a:t>Security(LE Privacy 1.2 to prevent Bluetooth smart device being tracked by untrusted devices)</a:t>
-            </a:r>
-          </a:p>
-          <a:p>
-            <a:pPr marL="0" marR="0" indent="0" algn="l" defTabSz="914400" rtl="0" eaLnBrk="0" fontAlgn="base" latinLnBrk="0" hangingPunct="0">
-              <a:lnSpc>
-                <a:spcPct val="100000"/>
-              </a:lnSpc>
-              <a:spcBef>
-                <a:spcPct val="30000"/>
-              </a:spcBef>
-              <a:spcAft>
-                <a:spcPct val="0"/>
-              </a:spcAft>
-              <a:buClrTx/>
-              <a:buSzTx/>
-              <a:buFontTx/>
-              <a:buNone/>
-              <a:tabLst/>
-              <a:defRPr/>
-            </a:pPr>
-            <a:r>
-              <a:rPr lang="en-CA" sz="1200" kern="1200" dirty="0">
-                <a:solidFill>
-                  <a:schemeClr val="tx1"/>
-                </a:solidFill>
-                <a:effectLst/>
-                <a:latin typeface="Times" pitchFamily="-108" charset="0"/>
-                <a:ea typeface="ＭＳ Ｐゴシック" pitchFamily="-108" charset="-128"/>
-                <a:cs typeface="ＭＳ Ｐゴシック" pitchFamily="-108" charset="-128"/>
-              </a:rPr>
-              <a:t>speed. </a:t>
-            </a:r>
-            <a:endParaRPr lang="en-CA" sz="1200" b="0" i="0" kern="1200" baseline="0" dirty="0">
-              <a:solidFill>
-                <a:schemeClr val="tx1"/>
-              </a:solidFill>
-              <a:effectLst/>
-              <a:latin typeface="Times" pitchFamily="-108" charset="0"/>
-              <a:ea typeface="ＭＳ Ｐゴシック" pitchFamily="-108" charset="-128"/>
-            </a:endParaRPr>
-          </a:p>
-          <a:p>
-            <a:pPr marL="0" marR="0" indent="0" algn="l" defTabSz="914400" rtl="0" eaLnBrk="0" fontAlgn="base" latinLnBrk="0" hangingPunct="0">
-              <a:lnSpc>
-                <a:spcPct val="100000"/>
-              </a:lnSpc>
-              <a:spcBef>
-                <a:spcPct val="30000"/>
-              </a:spcBef>
-              <a:spcAft>
-                <a:spcPct val="0"/>
-              </a:spcAft>
-              <a:buClrTx/>
-              <a:buSzTx/>
-              <a:buFontTx/>
-              <a:buNone/>
-              <a:tabLst/>
-              <a:defRPr/>
-            </a:pPr>
-            <a:endParaRPr lang="en-CA" sz="1200" b="0" i="0" kern="1200" baseline="0" dirty="0">
-              <a:solidFill>
-                <a:schemeClr val="tx1"/>
-              </a:solidFill>
-              <a:effectLst/>
-              <a:latin typeface="Times" pitchFamily="-108" charset="0"/>
-              <a:ea typeface="ＭＳ Ｐゴシック" pitchFamily="-108" charset="-128"/>
-            </a:endParaRPr>
-          </a:p>
-          <a:p>
-            <a:pPr marL="0" marR="0" indent="0" algn="l" defTabSz="914400" rtl="0" eaLnBrk="0" fontAlgn="base" latinLnBrk="0" hangingPunct="0">
-              <a:lnSpc>
-                <a:spcPct val="100000"/>
-              </a:lnSpc>
-              <a:spcBef>
-                <a:spcPct val="30000"/>
-              </a:spcBef>
-              <a:spcAft>
-                <a:spcPct val="0"/>
-              </a:spcAft>
-              <a:buClrTx/>
-              <a:buSzTx/>
-              <a:buFontTx/>
-              <a:buNone/>
-              <a:tabLst/>
-              <a:defRPr/>
-            </a:pPr>
-            <a:endParaRPr lang="en-CA" sz="1200" b="0" i="0" kern="1200" dirty="0">
-              <a:solidFill>
-                <a:schemeClr val="tx1"/>
-              </a:solidFill>
-              <a:effectLst/>
-              <a:latin typeface="Times" pitchFamily="-108" charset="0"/>
-              <a:ea typeface="ＭＳ Ｐゴシック" pitchFamily="-108" charset="-128"/>
-            </a:endParaRPr>
+              <a:t>It provides instructions and URI format for SMS, </a:t>
+            </a:r>
+            <a:r>
+              <a:rPr lang="en-CA" sz="1200" dirty="0" err="1"/>
+              <a:t>Websocket</a:t>
+            </a:r>
+            <a:r>
+              <a:rPr lang="en-CA" sz="1200" dirty="0"/>
+              <a:t> and  TCP. </a:t>
+            </a:r>
+          </a:p>
+          <a:p>
+            <a:endParaRPr lang="en-CA" sz="1200" dirty="0"/>
+          </a:p>
+          <a:p>
+            <a:r>
+              <a:rPr lang="en-CA" dirty="0" err="1"/>
+              <a:t>CoRE</a:t>
+            </a:r>
+            <a:r>
+              <a:rPr lang="en-CA" dirty="0"/>
+              <a:t> Working Group(Informational document) Internet-Draft </a:t>
+            </a:r>
+            <a:endParaRPr lang="en-CA" sz="1200" dirty="0"/>
+          </a:p>
+          <a:p>
+            <a:endParaRPr lang="en-CA" sz="1200" dirty="0"/>
+          </a:p>
+          <a:p>
+            <a:endParaRPr lang="en-CA" sz="1200" dirty="0"/>
           </a:p>
           <a:p>
             <a:endParaRPr lang="en-CA" dirty="0"/>
@@ -4316,7 +4253,7 @@
     </p:spTree>
     <p:extLst>
       <p:ext uri="{BB962C8B-B14F-4D97-AF65-F5344CB8AC3E}">
-        <p14:creationId xmlns:p14="http://schemas.microsoft.com/office/powerpoint/2010/main" val="1903616959"/>
+        <p14:creationId xmlns:p14="http://schemas.microsoft.com/office/powerpoint/2010/main" val="1783628648"/>
       </p:ext>
     </p:extLst>
   </p:cSld>
@@ -4371,39 +4308,13 @@
           <a:lstStyle/>
           <a:p>
             <a:r>
-              <a:rPr lang="en-CA" sz="1200" dirty="0"/>
-              <a:t>It provides instructions and URI format for SMS, </a:t>
-            </a:r>
-            <a:r>
-              <a:rPr lang="en-CA" sz="1200" dirty="0" err="1"/>
-              <a:t>Websocket</a:t>
-            </a:r>
-            <a:r>
-              <a:rPr lang="en-CA" sz="1200" dirty="0"/>
-              <a:t> and  TCP. </a:t>
-            </a:r>
-          </a:p>
-          <a:p>
-            <a:endParaRPr lang="en-CA" sz="1200" dirty="0"/>
-          </a:p>
-          <a:p>
-            <a:r>
-              <a:rPr lang="en-CA" dirty="0" err="1"/>
-              <a:t>CoRE</a:t>
-            </a:r>
-            <a:r>
               <a:rPr lang="en-CA" dirty="0"/>
-              <a:t> Working Group(Informational document) Internet-Draft </a:t>
-            </a:r>
-            <a:endParaRPr lang="en-CA" sz="1200" dirty="0"/>
-          </a:p>
-          <a:p>
-            <a:endParaRPr lang="en-CA" sz="1200" dirty="0"/>
-          </a:p>
-          <a:p>
-            <a:endParaRPr lang="en-CA" sz="1200" dirty="0"/>
-          </a:p>
-          <a:p>
+              <a:t>Aims</a:t>
+            </a:r>
+            <a:r>
+              <a:rPr lang="en-CA" baseline="0" dirty="0"/>
+              <a:t> to make the CoAP been able to server one or more applications.</a:t>
+            </a:r>
             <a:endParaRPr lang="en-CA" dirty="0"/>
           </a:p>
         </p:txBody>
@@ -4435,7 +4346,7 @@
     </p:spTree>
     <p:extLst>
       <p:ext uri="{BB962C8B-B14F-4D97-AF65-F5344CB8AC3E}">
-        <p14:creationId xmlns:p14="http://schemas.microsoft.com/office/powerpoint/2010/main" val="1783628648"/>
+        <p14:creationId xmlns:p14="http://schemas.microsoft.com/office/powerpoint/2010/main" val="4084966679"/>
       </p:ext>
     </p:extLst>
   </p:cSld>
@@ -4491,13 +4402,8 @@
           <a:p>
             <a:r>
               <a:rPr lang="en-CA" dirty="0"/>
-              <a:t>Aims</a:t>
-            </a:r>
-            <a:r>
-              <a:rPr lang="en-CA" baseline="0" dirty="0"/>
-              <a:t> to make the CoAP been able to server one or more applications.</a:t>
-            </a:r>
-            <a:endParaRPr lang="en-CA" dirty="0"/>
+              <a:t>Architecture of CoAPNonIP </a:t>
+            </a:r>
           </a:p>
         </p:txBody>
       </p:sp>
@@ -4528,7 +4434,7 @@
     </p:spTree>
     <p:extLst>
       <p:ext uri="{BB962C8B-B14F-4D97-AF65-F5344CB8AC3E}">
-        <p14:creationId xmlns:p14="http://schemas.microsoft.com/office/powerpoint/2010/main" val="4084966679"/>
+        <p14:creationId xmlns:p14="http://schemas.microsoft.com/office/powerpoint/2010/main" val="756541702"/>
       </p:ext>
     </p:extLst>
   </p:cSld>
@@ -4590,14 +4496,14 @@
           </a:ln>
           <a:extLst>
             <a:ext uri="{909E8E84-426E-40dd-AFC4-6F175D3DCCD1}">
-              <a14:hiddenFill xmlns="" xmlns:a14="http://schemas.microsoft.com/office/drawing/2010/main">
+              <a14:hiddenFill xmlns:a14="http://schemas.microsoft.com/office/drawing/2010/main" xmlns="">
                 <a:solidFill>
                   <a:srgbClr val="FFFFFF"/>
                 </a:solidFill>
               </a14:hiddenFill>
             </a:ext>
             <a:ext uri="{91240B29-F687-4f45-9708-019B960494DF}">
-              <a14:hiddenLine xmlns="" xmlns:a14="http://schemas.microsoft.com/office/drawing/2010/main" w="9525">
+              <a14:hiddenLine xmlns:a14="http://schemas.microsoft.com/office/drawing/2010/main" xmlns="" w="9525">
                 <a:solidFill>
                   <a:srgbClr val="000000"/>
                 </a:solidFill>
@@ -4685,14 +4591,14 @@
           </a:ln>
           <a:extLst>
             <a:ext uri="{909E8E84-426E-40dd-AFC4-6F175D3DCCD1}">
-              <a14:hiddenFill xmlns="" xmlns:a14="http://schemas.microsoft.com/office/drawing/2010/main">
+              <a14:hiddenFill xmlns:a14="http://schemas.microsoft.com/office/drawing/2010/main" xmlns="">
                 <a:solidFill>
                   <a:srgbClr val="FFFFFF"/>
                 </a:solidFill>
               </a14:hiddenFill>
             </a:ext>
             <a:ext uri="{91240B29-F687-4f45-9708-019B960494DF}">
-              <a14:hiddenLine xmlns="" xmlns:a14="http://schemas.microsoft.com/office/drawing/2010/main" w="9525">
+              <a14:hiddenLine xmlns:a14="http://schemas.microsoft.com/office/drawing/2010/main" xmlns="" w="9525">
                 <a:solidFill>
                   <a:srgbClr val="000000"/>
                 </a:solidFill>
@@ -6393,14 +6299,14 @@
           </a:ln>
           <a:extLst>
             <a:ext uri="{909E8E84-426E-40dd-AFC4-6F175D3DCCD1}">
-              <a14:hiddenFill xmlns="" xmlns:a14="http://schemas.microsoft.com/office/drawing/2010/main">
+              <a14:hiddenFill xmlns:a14="http://schemas.microsoft.com/office/drawing/2010/main" xmlns="">
                 <a:solidFill>
                   <a:srgbClr val="FFFFFF"/>
                 </a:solidFill>
               </a14:hiddenFill>
             </a:ext>
             <a:ext uri="{91240B29-F687-4f45-9708-019B960494DF}">
-              <a14:hiddenLine xmlns="" xmlns:a14="http://schemas.microsoft.com/office/drawing/2010/main" w="9525">
+              <a14:hiddenLine xmlns:a14="http://schemas.microsoft.com/office/drawing/2010/main" xmlns="" w="9525">
                 <a:solidFill>
                   <a:srgbClr val="000000"/>
                 </a:solidFill>
@@ -6447,14 +6353,14 @@
           </a:ln>
           <a:extLst>
             <a:ext uri="{909E8E84-426E-40dd-AFC4-6F175D3DCCD1}">
-              <a14:hiddenFill xmlns="" xmlns:a14="http://schemas.microsoft.com/office/drawing/2010/main">
+              <a14:hiddenFill xmlns:a14="http://schemas.microsoft.com/office/drawing/2010/main" xmlns="">
                 <a:solidFill>
                   <a:srgbClr val="FFFFFF"/>
                 </a:solidFill>
               </a14:hiddenFill>
             </a:ext>
             <a:ext uri="{91240B29-F687-4f45-9708-019B960494DF}">
-              <a14:hiddenLine xmlns="" xmlns:a14="http://schemas.microsoft.com/office/drawing/2010/main" w="9525">
+              <a14:hiddenLine xmlns:a14="http://schemas.microsoft.com/office/drawing/2010/main" xmlns="" w="9525">
                 <a:solidFill>
                   <a:srgbClr val="000000"/>
                 </a:solidFill>
@@ -6490,14 +6396,14 @@
           </a:ln>
           <a:extLst>
             <a:ext uri="{909E8E84-426E-40dd-AFC4-6F175D3DCCD1}">
-              <a14:hiddenFill xmlns="" xmlns:a14="http://schemas.microsoft.com/office/drawing/2010/main">
+              <a14:hiddenFill xmlns:a14="http://schemas.microsoft.com/office/drawing/2010/main" xmlns="">
                 <a:solidFill>
                   <a:srgbClr val="FFFFFF"/>
                 </a:solidFill>
               </a14:hiddenFill>
             </a:ext>
             <a:ext uri="{91240B29-F687-4f45-9708-019B960494DF}">
-              <a14:hiddenLine xmlns="" xmlns:a14="http://schemas.microsoft.com/office/drawing/2010/main" w="9525">
+              <a14:hiddenLine xmlns:a14="http://schemas.microsoft.com/office/drawing/2010/main" xmlns="" w="9525">
                 <a:solidFill>
                   <a:srgbClr val="000000"/>
                 </a:solidFill>
@@ -6507,7 +6413,7 @@
               </a14:hiddenLine>
             </a:ext>
             <a:ext uri="{FAA26D3D-D897-4be2-8F04-BA451C77F1D7}">
-              <ma14:placeholderFlag xmlns="" xmlns:ma14="http://schemas.microsoft.com/office/mac/drawingml/2011/main" val="1"/>
+              <ma14:placeholderFlag xmlns:ma14="http://schemas.microsoft.com/office/mac/drawingml/2011/main" xmlns="" val="1"/>
             </a:ext>
           </a:extLst>
         </p:spPr>
@@ -6551,14 +6457,14 @@
           </a:ln>
           <a:extLst>
             <a:ext uri="{909E8E84-426E-40dd-AFC4-6F175D3DCCD1}">
-              <a14:hiddenFill xmlns="" xmlns:a14="http://schemas.microsoft.com/office/drawing/2010/main">
+              <a14:hiddenFill xmlns:a14="http://schemas.microsoft.com/office/drawing/2010/main" xmlns="">
                 <a:solidFill>
                   <a:srgbClr val="FFFFFF"/>
                 </a:solidFill>
               </a14:hiddenFill>
             </a:ext>
             <a:ext uri="{91240B29-F687-4f45-9708-019B960494DF}">
-              <a14:hiddenLine xmlns="" xmlns:a14="http://schemas.microsoft.com/office/drawing/2010/main" w="9525">
+              <a14:hiddenLine xmlns:a14="http://schemas.microsoft.com/office/drawing/2010/main" xmlns="" w="9525">
                 <a:solidFill>
                   <a:srgbClr val="000000"/>
                 </a:solidFill>
@@ -6568,7 +6474,7 @@
               </a14:hiddenLine>
             </a:ext>
             <a:ext uri="{FAA26D3D-D897-4be2-8F04-BA451C77F1D7}">
-              <ma14:placeholderFlag xmlns="" xmlns:ma14="http://schemas.microsoft.com/office/mac/drawingml/2011/main" val="1"/>
+              <ma14:placeholderFlag xmlns:ma14="http://schemas.microsoft.com/office/mac/drawingml/2011/main" xmlns="" val="1"/>
             </a:ext>
           </a:extLst>
         </p:spPr>
@@ -6704,14 +6610,14 @@
           </a:ln>
           <a:extLst>
             <a:ext uri="{909E8E84-426E-40dd-AFC4-6F175D3DCCD1}">
-              <a14:hiddenFill xmlns="" xmlns:a14="http://schemas.microsoft.com/office/drawing/2010/main">
+              <a14:hiddenFill xmlns:a14="http://schemas.microsoft.com/office/drawing/2010/main" xmlns="">
                 <a:solidFill>
                   <a:srgbClr val="FFFFFF"/>
                 </a:solidFill>
               </a14:hiddenFill>
             </a:ext>
             <a:ext uri="{91240B29-F687-4f45-9708-019B960494DF}">
-              <a14:hiddenLine xmlns="" xmlns:a14="http://schemas.microsoft.com/office/drawing/2010/main" w="9525">
+              <a14:hiddenLine xmlns:a14="http://schemas.microsoft.com/office/drawing/2010/main" xmlns="" w="9525">
                 <a:solidFill>
                   <a:srgbClr val="000000"/>
                 </a:solidFill>
@@ -7185,14 +7091,14 @@
           </a:ln>
           <a:extLst>
             <a:ext uri="{909E8E84-426E-40dd-AFC4-6F175D3DCCD1}">
-              <a14:hiddenFill xmlns="" xmlns:a14="http://schemas.microsoft.com/office/drawing/2010/main">
+              <a14:hiddenFill xmlns:a14="http://schemas.microsoft.com/office/drawing/2010/main" xmlns="">
                 <a:solidFill>
                   <a:srgbClr val="FFFFFF"/>
                 </a:solidFill>
               </a14:hiddenFill>
             </a:ext>
             <a:ext uri="{91240B29-F687-4f45-9708-019B960494DF}">
-              <a14:hiddenLine xmlns="" xmlns:a14="http://schemas.microsoft.com/office/drawing/2010/main" w="9525">
+              <a14:hiddenLine xmlns:a14="http://schemas.microsoft.com/office/drawing/2010/main" xmlns="" w="9525">
                 <a:solidFill>
                   <a:srgbClr val="000000"/>
                 </a:solidFill>
@@ -7320,1488 +7226,1297 @@
           <a:p>
             <a:r>
               <a:rPr lang="en-CA" dirty="0"/>
-              <a:t>Architecture</a:t>
+              <a:t>Architecture </a:t>
             </a:r>
           </a:p>
         </p:txBody>
       </p:sp>
-      <p:sp>
-        <p:nvSpPr>
-          <p:cNvPr id="46" name="TextBox 45"/>
-          <p:cNvSpPr txBox="1"/>
+      <p:grpSp>
+        <p:nvGrpSpPr>
+          <p:cNvPr id="3" name="Group 2"/>
+          <p:cNvGrpSpPr/>
           <p:nvPr/>
-        </p:nvSpPr>
-        <p:spPr>
+        </p:nvGrpSpPr>
+        <p:grpSpPr>
           <a:xfrm>
-            <a:off x="3601791" y="5457903"/>
-            <a:ext cx="2199192" cy="276999"/>
+            <a:off x="929218" y="1905000"/>
+            <a:ext cx="7452782" cy="3069828"/>
+            <a:chOff x="929218" y="1905000"/>
+            <a:chExt cx="7452782" cy="3069828"/>
           </a:xfrm>
-          <a:prstGeom prst="rect">
-            <a:avLst/>
-          </a:prstGeom>
-          <a:noFill/>
-        </p:spPr>
-        <p:txBody>
-          <a:bodyPr wrap="none" rtlCol="0">
-            <a:spAutoFit/>
-          </a:bodyPr>
-          <a:lstStyle/>
-          <a:p>
-            <a:r>
-              <a:rPr lang="en-US" altLang="zh-CN" sz="1200" dirty="0"/>
-              <a:t>Figure 6 : Architecture overview</a:t>
-            </a:r>
-            <a:endParaRPr lang="en-CA" sz="1200" dirty="0"/>
-          </a:p>
-        </p:txBody>
-      </p:sp>
-      <p:sp>
-        <p:nvSpPr>
-          <p:cNvPr id="2" name="TextBox 1"/>
-          <p:cNvSpPr txBox="1"/>
-          <p:nvPr/>
-        </p:nvSpPr>
-        <p:spPr>
-          <a:xfrm>
-            <a:off x="3628530" y="2991186"/>
-            <a:ext cx="2207464" cy="461665"/>
-          </a:xfrm>
-          <a:prstGeom prst="rect">
-            <a:avLst/>
-          </a:prstGeom>
-          <a:noFill/>
-        </p:spPr>
-        <p:txBody>
-          <a:bodyPr wrap="none" rtlCol="0">
-            <a:spAutoFit/>
-          </a:bodyPr>
-          <a:lstStyle/>
-          <a:p>
-            <a:r>
-              <a:rPr lang="en-CA" dirty="0"/>
-              <a:t>CoAP over BLE</a:t>
-            </a:r>
-          </a:p>
-        </p:txBody>
-      </p:sp>
-    </p:spTree>
-    <p:extLst>
-      <p:ext uri="{BB962C8B-B14F-4D97-AF65-F5344CB8AC3E}">
-        <p14:creationId xmlns:p14="http://schemas.microsoft.com/office/powerpoint/2010/main" val="2846918294"/>
-      </p:ext>
-    </p:extLst>
-  </p:cSld>
-  <p:clrMapOvr>
-    <a:masterClrMapping/>
-  </p:clrMapOvr>
-</p:sld>
-</file>
-
-<file path=ppt/slides/slide11.xml><?xml version="1.0" encoding="utf-8"?>
-<p:sld xmlns:a="http://schemas.openxmlformats.org/drawingml/2006/main" xmlns:r="http://schemas.openxmlformats.org/officeDocument/2006/relationships" xmlns:p="http://schemas.openxmlformats.org/presentationml/2006/main">
-  <p:cSld>
-    <p:spTree>
-      <p:nvGrpSpPr>
-        <p:cNvPr id="1" name=""/>
-        <p:cNvGrpSpPr/>
-        <p:nvPr/>
-      </p:nvGrpSpPr>
-      <p:grpSpPr>
-        <a:xfrm>
-          <a:off x="0" y="0"/>
-          <a:ext cx="0" cy="0"/>
-          <a:chOff x="0" y="0"/>
-          <a:chExt cx="0" cy="0"/>
-        </a:xfrm>
-      </p:grpSpPr>
-      <p:sp>
-        <p:nvSpPr>
-          <p:cNvPr id="5" name="Title 1"/>
-          <p:cNvSpPr>
-            <a:spLocks noGrp="1"/>
-          </p:cNvSpPr>
-          <p:nvPr>
-            <p:ph type="title"/>
-          </p:nvPr>
-        </p:nvSpPr>
-        <p:spPr>
-          <a:xfrm>
-            <a:off x="228600" y="838200"/>
-            <a:ext cx="8550275" cy="609600"/>
-          </a:xfrm>
-        </p:spPr>
-        <p:txBody>
-          <a:bodyPr/>
-          <a:lstStyle/>
-          <a:p>
-            <a:r>
-              <a:rPr lang="en-CA" dirty="0"/>
-              <a:t>Architecture </a:t>
-            </a:r>
-          </a:p>
-        </p:txBody>
-      </p:sp>
-      <p:sp>
-        <p:nvSpPr>
-          <p:cNvPr id="27" name="矩形 2"/>
-          <p:cNvSpPr/>
-          <p:nvPr/>
-        </p:nvSpPr>
-        <p:spPr>
-          <a:xfrm>
-            <a:off x="3209930" y="1905000"/>
-            <a:ext cx="2362200" cy="3069828"/>
-          </a:xfrm>
-          <a:prstGeom prst="rect">
-            <a:avLst/>
-          </a:prstGeom>
-          <a:solidFill>
-            <a:srgbClr val="FFFFFF"/>
-          </a:solidFill>
-          <a:ln>
+        </p:grpSpPr>
+        <p:sp>
+          <p:nvSpPr>
+            <p:cNvPr id="27" name="矩形 2"/>
+            <p:cNvSpPr/>
+            <p:nvPr/>
+          </p:nvSpPr>
+          <p:spPr>
+            <a:xfrm>
+              <a:off x="3209930" y="1905000"/>
+              <a:ext cx="2362200" cy="3069828"/>
+            </a:xfrm>
+            <a:prstGeom prst="rect">
+              <a:avLst/>
+            </a:prstGeom>
             <a:solidFill>
-              <a:srgbClr val="0070C0"/>
+              <a:srgbClr val="FFFFFF"/>
             </a:solidFill>
-          </a:ln>
-        </p:spPr>
-        <p:style>
-          <a:lnRef idx="2">
-            <a:schemeClr val="accent1">
-              <a:shade val="50000"/>
-            </a:schemeClr>
-          </a:lnRef>
-          <a:fillRef idx="1">
-            <a:schemeClr val="accent1"/>
-          </a:fillRef>
-          <a:effectRef idx="0">
-            <a:schemeClr val="accent1"/>
-          </a:effectRef>
-          <a:fontRef idx="minor">
-            <a:schemeClr val="lt1"/>
-          </a:fontRef>
-        </p:style>
-        <p:txBody>
-          <a:bodyPr rtlCol="0" anchor="ctr"/>
-          <a:lstStyle/>
-          <a:p>
-            <a:pPr algn="ctr"/>
-            <a:endParaRPr lang="zh-CN" altLang="en-US" sz="1600" dirty="0">
+            <a:ln>
               <a:solidFill>
-                <a:schemeClr val="tx1"/>
+                <a:srgbClr val="0070C0"/>
               </a:solidFill>
-            </a:endParaRPr>
-          </a:p>
-        </p:txBody>
-      </p:sp>
-      <p:sp>
-        <p:nvSpPr>
-          <p:cNvPr id="2" name="TextBox 1"/>
-          <p:cNvSpPr txBox="1"/>
-          <p:nvPr/>
-        </p:nvSpPr>
-        <p:spPr>
-          <a:xfrm>
-            <a:off x="929218" y="2903217"/>
-            <a:ext cx="2055371" cy="400110"/>
-          </a:xfrm>
-          <a:prstGeom prst="rect">
-            <a:avLst/>
-          </a:prstGeom>
-          <a:noFill/>
-        </p:spPr>
-        <p:txBody>
-          <a:bodyPr wrap="none" rtlCol="0">
-            <a:spAutoFit/>
-          </a:bodyPr>
-          <a:lstStyle/>
-          <a:p>
-            <a:r>
-              <a:rPr lang="en-US" altLang="zh-CN" sz="2000" dirty="0"/>
-              <a:t>Application Layer</a:t>
-            </a:r>
-            <a:endParaRPr lang="en-CA" sz="2000" dirty="0"/>
-          </a:p>
-        </p:txBody>
-      </p:sp>
-      <p:sp>
-        <p:nvSpPr>
-          <p:cNvPr id="28" name="TextBox 27"/>
-          <p:cNvSpPr txBox="1"/>
-          <p:nvPr/>
-        </p:nvSpPr>
-        <p:spPr>
-          <a:xfrm>
-            <a:off x="1087338" y="4218756"/>
-            <a:ext cx="1897251" cy="400110"/>
-          </a:xfrm>
-          <a:prstGeom prst="rect">
-            <a:avLst/>
-          </a:prstGeom>
-          <a:noFill/>
-        </p:spPr>
-        <p:txBody>
-          <a:bodyPr wrap="none" rtlCol="0">
-            <a:spAutoFit/>
-          </a:bodyPr>
-          <a:lstStyle/>
-          <a:p>
-            <a:r>
-              <a:rPr lang="en-US" altLang="zh-CN" sz="2000" dirty="0"/>
-              <a:t>Transport  Layer</a:t>
-            </a:r>
-            <a:endParaRPr lang="en-CA" sz="2000" dirty="0"/>
-          </a:p>
-        </p:txBody>
-      </p:sp>
-      <p:cxnSp>
-        <p:nvCxnSpPr>
-          <p:cNvPr id="4" name="Straight Connector 3"/>
-          <p:cNvCxnSpPr/>
-          <p:nvPr/>
-        </p:nvCxnSpPr>
-        <p:spPr bwMode="auto">
-          <a:xfrm>
-            <a:off x="3209930" y="3679427"/>
-            <a:ext cx="147635" cy="0"/>
-          </a:xfrm>
-          <a:prstGeom prst="line">
-            <a:avLst/>
-          </a:prstGeom>
-          <a:solidFill>
-            <a:schemeClr val="accent1"/>
-          </a:solidFill>
-          <a:ln w="9525" cap="flat" cmpd="sng" algn="ctr">
+            </a:ln>
+          </p:spPr>
+          <p:style>
+            <a:lnRef idx="2">
+              <a:schemeClr val="accent1">
+                <a:shade val="50000"/>
+              </a:schemeClr>
+            </a:lnRef>
+            <a:fillRef idx="1">
+              <a:schemeClr val="accent1"/>
+            </a:fillRef>
+            <a:effectRef idx="0">
+              <a:schemeClr val="accent1"/>
+            </a:effectRef>
+            <a:fontRef idx="minor">
+              <a:schemeClr val="lt1"/>
+            </a:fontRef>
+          </p:style>
+          <p:txBody>
+            <a:bodyPr rtlCol="0" anchor="ctr"/>
+            <a:lstStyle/>
+            <a:p>
+              <a:pPr algn="ctr"/>
+              <a:endParaRPr lang="zh-CN" altLang="en-US" sz="1600" dirty="0">
+                <a:solidFill>
+                  <a:schemeClr val="tx1"/>
+                </a:solidFill>
+              </a:endParaRPr>
+            </a:p>
+          </p:txBody>
+        </p:sp>
+        <p:sp>
+          <p:nvSpPr>
+            <p:cNvPr id="2" name="TextBox 1"/>
+            <p:cNvSpPr txBox="1"/>
+            <p:nvPr/>
+          </p:nvSpPr>
+          <p:spPr>
+            <a:xfrm>
+              <a:off x="929218" y="2903217"/>
+              <a:ext cx="2055371" cy="400110"/>
+            </a:xfrm>
+            <a:prstGeom prst="rect">
+              <a:avLst/>
+            </a:prstGeom>
+            <a:noFill/>
+          </p:spPr>
+          <p:txBody>
+            <a:bodyPr wrap="none" rtlCol="0">
+              <a:spAutoFit/>
+            </a:bodyPr>
+            <a:lstStyle/>
+            <a:p>
+              <a:r>
+                <a:rPr lang="en-US" altLang="zh-CN" sz="2000" dirty="0"/>
+                <a:t>Application Layer</a:t>
+              </a:r>
+              <a:endParaRPr lang="en-CA" sz="2000" dirty="0"/>
+            </a:p>
+          </p:txBody>
+        </p:sp>
+        <p:sp>
+          <p:nvSpPr>
+            <p:cNvPr id="28" name="TextBox 27"/>
+            <p:cNvSpPr txBox="1"/>
+            <p:nvPr/>
+          </p:nvSpPr>
+          <p:spPr>
+            <a:xfrm>
+              <a:off x="1087338" y="4218756"/>
+              <a:ext cx="1808508" cy="400110"/>
+            </a:xfrm>
+            <a:prstGeom prst="rect">
+              <a:avLst/>
+            </a:prstGeom>
+            <a:noFill/>
+          </p:spPr>
+          <p:txBody>
+            <a:bodyPr wrap="none" rtlCol="0">
+              <a:spAutoFit/>
+            </a:bodyPr>
+            <a:lstStyle/>
+            <a:p>
+              <a:r>
+                <a:rPr lang="en-US" altLang="zh-CN" sz="2000" dirty="0"/>
+                <a:t>Network  Layer</a:t>
+              </a:r>
+              <a:endParaRPr lang="en-CA" sz="2000" dirty="0"/>
+            </a:p>
+          </p:txBody>
+        </p:sp>
+        <p:cxnSp>
+          <p:nvCxnSpPr>
+            <p:cNvPr id="4" name="Straight Connector 3"/>
+            <p:cNvCxnSpPr/>
+            <p:nvPr/>
+          </p:nvCxnSpPr>
+          <p:spPr bwMode="auto">
+            <a:xfrm>
+              <a:off x="3209930" y="3679427"/>
+              <a:ext cx="147635" cy="0"/>
+            </a:xfrm>
+            <a:prstGeom prst="line">
+              <a:avLst/>
+            </a:prstGeom>
             <a:solidFill>
-              <a:srgbClr val="0070C0"/>
+              <a:schemeClr val="accent1"/>
             </a:solidFill>
-            <a:prstDash val="solid"/>
-            <a:round/>
-            <a:headEnd type="none" w="med" len="med"/>
-            <a:tailEnd type="none" w="med" len="med"/>
-          </a:ln>
-          <a:effectLst/>
-        </p:spPr>
-      </p:cxnSp>
-      <p:cxnSp>
-        <p:nvCxnSpPr>
-          <p:cNvPr id="32" name="Straight Connector 31"/>
-          <p:cNvCxnSpPr/>
-          <p:nvPr/>
-        </p:nvCxnSpPr>
-        <p:spPr bwMode="auto">
-          <a:xfrm>
-            <a:off x="3433765" y="3679427"/>
-            <a:ext cx="147635" cy="0"/>
-          </a:xfrm>
-          <a:prstGeom prst="line">
-            <a:avLst/>
-          </a:prstGeom>
-          <a:solidFill>
-            <a:schemeClr val="accent1"/>
-          </a:solidFill>
-          <a:ln w="9525" cap="flat" cmpd="sng" algn="ctr">
+            <a:ln w="9525" cap="flat" cmpd="sng" algn="ctr">
+              <a:solidFill>
+                <a:srgbClr val="0070C0"/>
+              </a:solidFill>
+              <a:prstDash val="solid"/>
+              <a:round/>
+              <a:headEnd type="none" w="med" len="med"/>
+              <a:tailEnd type="none" w="med" len="med"/>
+            </a:ln>
+            <a:effectLst/>
+          </p:spPr>
+        </p:cxnSp>
+        <p:cxnSp>
+          <p:nvCxnSpPr>
+            <p:cNvPr id="32" name="Straight Connector 31"/>
+            <p:cNvCxnSpPr/>
+            <p:nvPr/>
+          </p:nvCxnSpPr>
+          <p:spPr bwMode="auto">
+            <a:xfrm>
+              <a:off x="3433765" y="3679427"/>
+              <a:ext cx="147635" cy="0"/>
+            </a:xfrm>
+            <a:prstGeom prst="line">
+              <a:avLst/>
+            </a:prstGeom>
             <a:solidFill>
-              <a:srgbClr val="0070C0"/>
+              <a:schemeClr val="accent1"/>
             </a:solidFill>
-            <a:prstDash val="solid"/>
-            <a:round/>
-            <a:headEnd type="none" w="med" len="med"/>
-            <a:tailEnd type="none" w="med" len="med"/>
-          </a:ln>
-          <a:effectLst/>
-        </p:spPr>
-      </p:cxnSp>
-      <p:cxnSp>
-        <p:nvCxnSpPr>
-          <p:cNvPr id="33" name="Straight Connector 32"/>
-          <p:cNvCxnSpPr/>
-          <p:nvPr/>
-        </p:nvCxnSpPr>
-        <p:spPr bwMode="auto">
-          <a:xfrm>
-            <a:off x="3662365" y="3679427"/>
-            <a:ext cx="147635" cy="0"/>
-          </a:xfrm>
-          <a:prstGeom prst="line">
-            <a:avLst/>
-          </a:prstGeom>
-          <a:solidFill>
-            <a:schemeClr val="accent1"/>
-          </a:solidFill>
-          <a:ln w="9525" cap="flat" cmpd="sng" algn="ctr">
+            <a:ln w="9525" cap="flat" cmpd="sng" algn="ctr">
+              <a:solidFill>
+                <a:srgbClr val="0070C0"/>
+              </a:solidFill>
+              <a:prstDash val="solid"/>
+              <a:round/>
+              <a:headEnd type="none" w="med" len="med"/>
+              <a:tailEnd type="none" w="med" len="med"/>
+            </a:ln>
+            <a:effectLst/>
+          </p:spPr>
+        </p:cxnSp>
+        <p:cxnSp>
+          <p:nvCxnSpPr>
+            <p:cNvPr id="33" name="Straight Connector 32"/>
+            <p:cNvCxnSpPr/>
+            <p:nvPr/>
+          </p:nvCxnSpPr>
+          <p:spPr bwMode="auto">
+            <a:xfrm>
+              <a:off x="3662365" y="3679427"/>
+              <a:ext cx="147635" cy="0"/>
+            </a:xfrm>
+            <a:prstGeom prst="line">
+              <a:avLst/>
+            </a:prstGeom>
             <a:solidFill>
-              <a:srgbClr val="0070C0"/>
+              <a:schemeClr val="accent1"/>
             </a:solidFill>
-            <a:prstDash val="solid"/>
-            <a:round/>
-            <a:headEnd type="none" w="med" len="med"/>
-            <a:tailEnd type="none" w="med" len="med"/>
-          </a:ln>
-          <a:effectLst/>
-        </p:spPr>
-      </p:cxnSp>
-      <p:cxnSp>
-        <p:nvCxnSpPr>
-          <p:cNvPr id="34" name="Straight Connector 33"/>
-          <p:cNvCxnSpPr/>
-          <p:nvPr/>
-        </p:nvCxnSpPr>
-        <p:spPr bwMode="auto">
-          <a:xfrm>
-            <a:off x="3890965" y="3679427"/>
-            <a:ext cx="147635" cy="0"/>
-          </a:xfrm>
-          <a:prstGeom prst="line">
-            <a:avLst/>
-          </a:prstGeom>
-          <a:solidFill>
-            <a:schemeClr val="accent1"/>
-          </a:solidFill>
-          <a:ln w="9525" cap="flat" cmpd="sng" algn="ctr">
+            <a:ln w="9525" cap="flat" cmpd="sng" algn="ctr">
+              <a:solidFill>
+                <a:srgbClr val="0070C0"/>
+              </a:solidFill>
+              <a:prstDash val="solid"/>
+              <a:round/>
+              <a:headEnd type="none" w="med" len="med"/>
+              <a:tailEnd type="none" w="med" len="med"/>
+            </a:ln>
+            <a:effectLst/>
+          </p:spPr>
+        </p:cxnSp>
+        <p:cxnSp>
+          <p:nvCxnSpPr>
+            <p:cNvPr id="34" name="Straight Connector 33"/>
+            <p:cNvCxnSpPr/>
+            <p:nvPr/>
+          </p:nvCxnSpPr>
+          <p:spPr bwMode="auto">
+            <a:xfrm>
+              <a:off x="3890965" y="3679427"/>
+              <a:ext cx="147635" cy="0"/>
+            </a:xfrm>
+            <a:prstGeom prst="line">
+              <a:avLst/>
+            </a:prstGeom>
             <a:solidFill>
-              <a:srgbClr val="0070C0"/>
+              <a:schemeClr val="accent1"/>
             </a:solidFill>
-            <a:prstDash val="solid"/>
-            <a:round/>
-            <a:headEnd type="none" w="med" len="med"/>
-            <a:tailEnd type="none" w="med" len="med"/>
-          </a:ln>
-          <a:effectLst/>
-        </p:spPr>
-      </p:cxnSp>
-      <p:cxnSp>
-        <p:nvCxnSpPr>
-          <p:cNvPr id="35" name="Straight Connector 34"/>
-          <p:cNvCxnSpPr/>
-          <p:nvPr/>
-        </p:nvCxnSpPr>
-        <p:spPr bwMode="auto">
-          <a:xfrm>
-            <a:off x="4124330" y="3679427"/>
-            <a:ext cx="147635" cy="0"/>
-          </a:xfrm>
-          <a:prstGeom prst="line">
-            <a:avLst/>
-          </a:prstGeom>
-          <a:solidFill>
-            <a:schemeClr val="accent1"/>
-          </a:solidFill>
-          <a:ln w="9525" cap="flat" cmpd="sng" algn="ctr">
+            <a:ln w="9525" cap="flat" cmpd="sng" algn="ctr">
+              <a:solidFill>
+                <a:srgbClr val="0070C0"/>
+              </a:solidFill>
+              <a:prstDash val="solid"/>
+              <a:round/>
+              <a:headEnd type="none" w="med" len="med"/>
+              <a:tailEnd type="none" w="med" len="med"/>
+            </a:ln>
+            <a:effectLst/>
+          </p:spPr>
+        </p:cxnSp>
+        <p:cxnSp>
+          <p:nvCxnSpPr>
+            <p:cNvPr id="35" name="Straight Connector 34"/>
+            <p:cNvCxnSpPr/>
+            <p:nvPr/>
+          </p:nvCxnSpPr>
+          <p:spPr bwMode="auto">
+            <a:xfrm>
+              <a:off x="4124330" y="3679427"/>
+              <a:ext cx="147635" cy="0"/>
+            </a:xfrm>
+            <a:prstGeom prst="line">
+              <a:avLst/>
+            </a:prstGeom>
             <a:solidFill>
-              <a:srgbClr val="0070C0"/>
+              <a:schemeClr val="accent1"/>
             </a:solidFill>
-            <a:prstDash val="solid"/>
-            <a:round/>
-            <a:headEnd type="none" w="med" len="med"/>
-            <a:tailEnd type="none" w="med" len="med"/>
-          </a:ln>
-          <a:effectLst/>
-        </p:spPr>
-      </p:cxnSp>
-      <p:cxnSp>
-        <p:nvCxnSpPr>
-          <p:cNvPr id="36" name="Straight Connector 35"/>
-          <p:cNvCxnSpPr/>
-          <p:nvPr/>
-        </p:nvCxnSpPr>
-        <p:spPr bwMode="auto">
-          <a:xfrm>
-            <a:off x="4348165" y="3679427"/>
-            <a:ext cx="147635" cy="0"/>
-          </a:xfrm>
-          <a:prstGeom prst="line">
-            <a:avLst/>
-          </a:prstGeom>
-          <a:solidFill>
-            <a:schemeClr val="accent1"/>
-          </a:solidFill>
-          <a:ln w="9525" cap="flat" cmpd="sng" algn="ctr">
+            <a:ln w="9525" cap="flat" cmpd="sng" algn="ctr">
+              <a:solidFill>
+                <a:srgbClr val="0070C0"/>
+              </a:solidFill>
+              <a:prstDash val="solid"/>
+              <a:round/>
+              <a:headEnd type="none" w="med" len="med"/>
+              <a:tailEnd type="none" w="med" len="med"/>
+            </a:ln>
+            <a:effectLst/>
+          </p:spPr>
+        </p:cxnSp>
+        <p:cxnSp>
+          <p:nvCxnSpPr>
+            <p:cNvPr id="36" name="Straight Connector 35"/>
+            <p:cNvCxnSpPr/>
+            <p:nvPr/>
+          </p:nvCxnSpPr>
+          <p:spPr bwMode="auto">
+            <a:xfrm>
+              <a:off x="4348165" y="3679427"/>
+              <a:ext cx="147635" cy="0"/>
+            </a:xfrm>
+            <a:prstGeom prst="line">
+              <a:avLst/>
+            </a:prstGeom>
             <a:solidFill>
-              <a:srgbClr val="0070C0"/>
+              <a:schemeClr val="accent1"/>
             </a:solidFill>
-            <a:prstDash val="solid"/>
-            <a:round/>
-            <a:headEnd type="none" w="med" len="med"/>
-            <a:tailEnd type="none" w="med" len="med"/>
-          </a:ln>
-          <a:effectLst/>
-        </p:spPr>
-      </p:cxnSp>
-      <p:cxnSp>
-        <p:nvCxnSpPr>
-          <p:cNvPr id="37" name="Straight Connector 36"/>
-          <p:cNvCxnSpPr/>
-          <p:nvPr/>
-        </p:nvCxnSpPr>
-        <p:spPr bwMode="auto">
-          <a:xfrm>
-            <a:off x="4576765" y="3679427"/>
-            <a:ext cx="147635" cy="0"/>
-          </a:xfrm>
-          <a:prstGeom prst="line">
-            <a:avLst/>
-          </a:prstGeom>
-          <a:solidFill>
-            <a:schemeClr val="accent1"/>
-          </a:solidFill>
-          <a:ln w="9525" cap="flat" cmpd="sng" algn="ctr">
+            <a:ln w="9525" cap="flat" cmpd="sng" algn="ctr">
+              <a:solidFill>
+                <a:srgbClr val="0070C0"/>
+              </a:solidFill>
+              <a:prstDash val="solid"/>
+              <a:round/>
+              <a:headEnd type="none" w="med" len="med"/>
+              <a:tailEnd type="none" w="med" len="med"/>
+            </a:ln>
+            <a:effectLst/>
+          </p:spPr>
+        </p:cxnSp>
+        <p:cxnSp>
+          <p:nvCxnSpPr>
+            <p:cNvPr id="37" name="Straight Connector 36"/>
+            <p:cNvCxnSpPr/>
+            <p:nvPr/>
+          </p:nvCxnSpPr>
+          <p:spPr bwMode="auto">
+            <a:xfrm>
+              <a:off x="4576765" y="3679427"/>
+              <a:ext cx="147635" cy="0"/>
+            </a:xfrm>
+            <a:prstGeom prst="line">
+              <a:avLst/>
+            </a:prstGeom>
             <a:solidFill>
-              <a:srgbClr val="0070C0"/>
+              <a:schemeClr val="accent1"/>
             </a:solidFill>
-            <a:prstDash val="solid"/>
-            <a:round/>
-            <a:headEnd type="none" w="med" len="med"/>
-            <a:tailEnd type="none" w="med" len="med"/>
-          </a:ln>
-          <a:effectLst/>
-        </p:spPr>
-      </p:cxnSp>
-      <p:cxnSp>
-        <p:nvCxnSpPr>
-          <p:cNvPr id="38" name="Straight Connector 37"/>
-          <p:cNvCxnSpPr/>
-          <p:nvPr/>
-        </p:nvCxnSpPr>
-        <p:spPr bwMode="auto">
-          <a:xfrm>
-            <a:off x="4805365" y="3679427"/>
-            <a:ext cx="147635" cy="0"/>
-          </a:xfrm>
-          <a:prstGeom prst="line">
-            <a:avLst/>
-          </a:prstGeom>
-          <a:solidFill>
-            <a:schemeClr val="accent1"/>
-          </a:solidFill>
-          <a:ln w="9525" cap="flat" cmpd="sng" algn="ctr">
+            <a:ln w="9525" cap="flat" cmpd="sng" algn="ctr">
+              <a:solidFill>
+                <a:srgbClr val="0070C0"/>
+              </a:solidFill>
+              <a:prstDash val="solid"/>
+              <a:round/>
+              <a:headEnd type="none" w="med" len="med"/>
+              <a:tailEnd type="none" w="med" len="med"/>
+            </a:ln>
+            <a:effectLst/>
+          </p:spPr>
+        </p:cxnSp>
+        <p:cxnSp>
+          <p:nvCxnSpPr>
+            <p:cNvPr id="38" name="Straight Connector 37"/>
+            <p:cNvCxnSpPr/>
+            <p:nvPr/>
+          </p:nvCxnSpPr>
+          <p:spPr bwMode="auto">
+            <a:xfrm>
+              <a:off x="4805365" y="3679427"/>
+              <a:ext cx="147635" cy="0"/>
+            </a:xfrm>
+            <a:prstGeom prst="line">
+              <a:avLst/>
+            </a:prstGeom>
             <a:solidFill>
-              <a:srgbClr val="0070C0"/>
+              <a:schemeClr val="accent1"/>
             </a:solidFill>
-            <a:prstDash val="solid"/>
-            <a:round/>
-            <a:headEnd type="none" w="med" len="med"/>
-            <a:tailEnd type="none" w="med" len="med"/>
-          </a:ln>
-          <a:effectLst/>
-        </p:spPr>
-      </p:cxnSp>
-      <p:cxnSp>
-        <p:nvCxnSpPr>
-          <p:cNvPr id="39" name="Straight Connector 38"/>
-          <p:cNvCxnSpPr/>
-          <p:nvPr/>
-        </p:nvCxnSpPr>
-        <p:spPr bwMode="auto">
-          <a:xfrm>
-            <a:off x="2305886" y="3679427"/>
-            <a:ext cx="147635" cy="0"/>
-          </a:xfrm>
-          <a:prstGeom prst="line">
-            <a:avLst/>
-          </a:prstGeom>
-          <a:solidFill>
-            <a:schemeClr val="accent1"/>
-          </a:solidFill>
-          <a:ln w="9525" cap="flat" cmpd="sng" algn="ctr">
+            <a:ln w="9525" cap="flat" cmpd="sng" algn="ctr">
+              <a:solidFill>
+                <a:srgbClr val="0070C0"/>
+              </a:solidFill>
+              <a:prstDash val="solid"/>
+              <a:round/>
+              <a:headEnd type="none" w="med" len="med"/>
+              <a:tailEnd type="none" w="med" len="med"/>
+            </a:ln>
+            <a:effectLst/>
+          </p:spPr>
+        </p:cxnSp>
+        <p:cxnSp>
+          <p:nvCxnSpPr>
+            <p:cNvPr id="39" name="Straight Connector 38"/>
+            <p:cNvCxnSpPr/>
+            <p:nvPr/>
+          </p:nvCxnSpPr>
+          <p:spPr bwMode="auto">
+            <a:xfrm>
+              <a:off x="2305886" y="3679427"/>
+              <a:ext cx="147635" cy="0"/>
+            </a:xfrm>
+            <a:prstGeom prst="line">
+              <a:avLst/>
+            </a:prstGeom>
             <a:solidFill>
-              <a:srgbClr val="0070C0"/>
+              <a:schemeClr val="accent1"/>
             </a:solidFill>
-            <a:prstDash val="solid"/>
-            <a:round/>
-            <a:headEnd type="none" w="med" len="med"/>
-            <a:tailEnd type="none" w="med" len="med"/>
-          </a:ln>
-          <a:effectLst/>
-        </p:spPr>
-      </p:cxnSp>
-      <p:cxnSp>
-        <p:nvCxnSpPr>
-          <p:cNvPr id="40" name="Straight Connector 39"/>
-          <p:cNvCxnSpPr/>
-          <p:nvPr/>
-        </p:nvCxnSpPr>
-        <p:spPr bwMode="auto">
-          <a:xfrm>
-            <a:off x="2529721" y="3679427"/>
-            <a:ext cx="147635" cy="0"/>
-          </a:xfrm>
-          <a:prstGeom prst="line">
-            <a:avLst/>
-          </a:prstGeom>
-          <a:solidFill>
-            <a:schemeClr val="accent1"/>
-          </a:solidFill>
-          <a:ln w="9525" cap="flat" cmpd="sng" algn="ctr">
+            <a:ln w="9525" cap="flat" cmpd="sng" algn="ctr">
+              <a:solidFill>
+                <a:srgbClr val="0070C0"/>
+              </a:solidFill>
+              <a:prstDash val="solid"/>
+              <a:round/>
+              <a:headEnd type="none" w="med" len="med"/>
+              <a:tailEnd type="none" w="med" len="med"/>
+            </a:ln>
+            <a:effectLst/>
+          </p:spPr>
+        </p:cxnSp>
+        <p:cxnSp>
+          <p:nvCxnSpPr>
+            <p:cNvPr id="40" name="Straight Connector 39"/>
+            <p:cNvCxnSpPr/>
+            <p:nvPr/>
+          </p:nvCxnSpPr>
+          <p:spPr bwMode="auto">
+            <a:xfrm>
+              <a:off x="2529721" y="3679427"/>
+              <a:ext cx="147635" cy="0"/>
+            </a:xfrm>
+            <a:prstGeom prst="line">
+              <a:avLst/>
+            </a:prstGeom>
             <a:solidFill>
-              <a:srgbClr val="0070C0"/>
+              <a:schemeClr val="accent1"/>
             </a:solidFill>
-            <a:prstDash val="solid"/>
-            <a:round/>
-            <a:headEnd type="none" w="med" len="med"/>
-            <a:tailEnd type="none" w="med" len="med"/>
-          </a:ln>
-          <a:effectLst/>
-        </p:spPr>
-      </p:cxnSp>
-      <p:cxnSp>
-        <p:nvCxnSpPr>
-          <p:cNvPr id="47" name="Straight Connector 46"/>
-          <p:cNvCxnSpPr/>
-          <p:nvPr/>
-        </p:nvCxnSpPr>
-        <p:spPr bwMode="auto">
-          <a:xfrm>
-            <a:off x="2758321" y="3679427"/>
-            <a:ext cx="147635" cy="0"/>
-          </a:xfrm>
-          <a:prstGeom prst="line">
-            <a:avLst/>
-          </a:prstGeom>
-          <a:solidFill>
-            <a:schemeClr val="accent1"/>
-          </a:solidFill>
-          <a:ln w="9525" cap="flat" cmpd="sng" algn="ctr">
+            <a:ln w="9525" cap="flat" cmpd="sng" algn="ctr">
+              <a:solidFill>
+                <a:srgbClr val="0070C0"/>
+              </a:solidFill>
+              <a:prstDash val="solid"/>
+              <a:round/>
+              <a:headEnd type="none" w="med" len="med"/>
+              <a:tailEnd type="none" w="med" len="med"/>
+            </a:ln>
+            <a:effectLst/>
+          </p:spPr>
+        </p:cxnSp>
+        <p:cxnSp>
+          <p:nvCxnSpPr>
+            <p:cNvPr id="47" name="Straight Connector 46"/>
+            <p:cNvCxnSpPr/>
+            <p:nvPr/>
+          </p:nvCxnSpPr>
+          <p:spPr bwMode="auto">
+            <a:xfrm>
+              <a:off x="2758321" y="3679427"/>
+              <a:ext cx="147635" cy="0"/>
+            </a:xfrm>
+            <a:prstGeom prst="line">
+              <a:avLst/>
+            </a:prstGeom>
             <a:solidFill>
-              <a:srgbClr val="0070C0"/>
+              <a:schemeClr val="accent1"/>
             </a:solidFill>
-            <a:prstDash val="solid"/>
-            <a:round/>
-            <a:headEnd type="none" w="med" len="med"/>
-            <a:tailEnd type="none" w="med" len="med"/>
-          </a:ln>
-          <a:effectLst/>
-        </p:spPr>
-      </p:cxnSp>
-      <p:cxnSp>
-        <p:nvCxnSpPr>
-          <p:cNvPr id="48" name="Straight Connector 47"/>
-          <p:cNvCxnSpPr/>
-          <p:nvPr/>
-        </p:nvCxnSpPr>
-        <p:spPr bwMode="auto">
-          <a:xfrm>
-            <a:off x="2986921" y="3679427"/>
-            <a:ext cx="147635" cy="0"/>
-          </a:xfrm>
-          <a:prstGeom prst="line">
-            <a:avLst/>
-          </a:prstGeom>
-          <a:solidFill>
-            <a:schemeClr val="accent1"/>
-          </a:solidFill>
-          <a:ln w="9525" cap="flat" cmpd="sng" algn="ctr">
+            <a:ln w="9525" cap="flat" cmpd="sng" algn="ctr">
+              <a:solidFill>
+                <a:srgbClr val="0070C0"/>
+              </a:solidFill>
+              <a:prstDash val="solid"/>
+              <a:round/>
+              <a:headEnd type="none" w="med" len="med"/>
+              <a:tailEnd type="none" w="med" len="med"/>
+            </a:ln>
+            <a:effectLst/>
+          </p:spPr>
+        </p:cxnSp>
+        <p:cxnSp>
+          <p:nvCxnSpPr>
+            <p:cNvPr id="48" name="Straight Connector 47"/>
+            <p:cNvCxnSpPr/>
+            <p:nvPr/>
+          </p:nvCxnSpPr>
+          <p:spPr bwMode="auto">
+            <a:xfrm>
+              <a:off x="2986921" y="3679427"/>
+              <a:ext cx="147635" cy="0"/>
+            </a:xfrm>
+            <a:prstGeom prst="line">
+              <a:avLst/>
+            </a:prstGeom>
             <a:solidFill>
-              <a:srgbClr val="0070C0"/>
+              <a:schemeClr val="accent1"/>
             </a:solidFill>
-            <a:prstDash val="solid"/>
-            <a:round/>
-            <a:headEnd type="none" w="med" len="med"/>
-            <a:tailEnd type="none" w="med" len="med"/>
-          </a:ln>
-          <a:effectLst/>
-        </p:spPr>
-      </p:cxnSp>
-      <p:cxnSp>
-        <p:nvCxnSpPr>
-          <p:cNvPr id="49" name="Straight Connector 48"/>
-          <p:cNvCxnSpPr/>
-          <p:nvPr/>
-        </p:nvCxnSpPr>
-        <p:spPr bwMode="auto">
-          <a:xfrm>
-            <a:off x="1388750" y="3679427"/>
-            <a:ext cx="147635" cy="0"/>
-          </a:xfrm>
-          <a:prstGeom prst="line">
-            <a:avLst/>
-          </a:prstGeom>
-          <a:solidFill>
-            <a:schemeClr val="accent1"/>
-          </a:solidFill>
-          <a:ln w="9525" cap="flat" cmpd="sng" algn="ctr">
+            <a:ln w="9525" cap="flat" cmpd="sng" algn="ctr">
+              <a:solidFill>
+                <a:srgbClr val="0070C0"/>
+              </a:solidFill>
+              <a:prstDash val="solid"/>
+              <a:round/>
+              <a:headEnd type="none" w="med" len="med"/>
+              <a:tailEnd type="none" w="med" len="med"/>
+            </a:ln>
+            <a:effectLst/>
+          </p:spPr>
+        </p:cxnSp>
+        <p:cxnSp>
+          <p:nvCxnSpPr>
+            <p:cNvPr id="49" name="Straight Connector 48"/>
+            <p:cNvCxnSpPr/>
+            <p:nvPr/>
+          </p:nvCxnSpPr>
+          <p:spPr bwMode="auto">
+            <a:xfrm>
+              <a:off x="1388750" y="3679427"/>
+              <a:ext cx="147635" cy="0"/>
+            </a:xfrm>
+            <a:prstGeom prst="line">
+              <a:avLst/>
+            </a:prstGeom>
             <a:solidFill>
-              <a:srgbClr val="0070C0"/>
+              <a:schemeClr val="accent1"/>
             </a:solidFill>
-            <a:prstDash val="solid"/>
-            <a:round/>
-            <a:headEnd type="none" w="med" len="med"/>
-            <a:tailEnd type="none" w="med" len="med"/>
-          </a:ln>
-          <a:effectLst/>
-        </p:spPr>
-      </p:cxnSp>
-      <p:cxnSp>
-        <p:nvCxnSpPr>
-          <p:cNvPr id="50" name="Straight Connector 49"/>
-          <p:cNvCxnSpPr/>
-          <p:nvPr/>
-        </p:nvCxnSpPr>
-        <p:spPr bwMode="auto">
-          <a:xfrm>
-            <a:off x="1612585" y="3679427"/>
-            <a:ext cx="147635" cy="0"/>
-          </a:xfrm>
-          <a:prstGeom prst="line">
-            <a:avLst/>
-          </a:prstGeom>
-          <a:solidFill>
-            <a:schemeClr val="accent1"/>
-          </a:solidFill>
-          <a:ln w="9525" cap="flat" cmpd="sng" algn="ctr">
+            <a:ln w="9525" cap="flat" cmpd="sng" algn="ctr">
+              <a:solidFill>
+                <a:srgbClr val="0070C0"/>
+              </a:solidFill>
+              <a:prstDash val="solid"/>
+              <a:round/>
+              <a:headEnd type="none" w="med" len="med"/>
+              <a:tailEnd type="none" w="med" len="med"/>
+            </a:ln>
+            <a:effectLst/>
+          </p:spPr>
+        </p:cxnSp>
+        <p:cxnSp>
+          <p:nvCxnSpPr>
+            <p:cNvPr id="50" name="Straight Connector 49"/>
+            <p:cNvCxnSpPr/>
+            <p:nvPr/>
+          </p:nvCxnSpPr>
+          <p:spPr bwMode="auto">
+            <a:xfrm>
+              <a:off x="1612585" y="3679427"/>
+              <a:ext cx="147635" cy="0"/>
+            </a:xfrm>
+            <a:prstGeom prst="line">
+              <a:avLst/>
+            </a:prstGeom>
             <a:solidFill>
-              <a:srgbClr val="0070C0"/>
+              <a:schemeClr val="accent1"/>
             </a:solidFill>
-            <a:prstDash val="solid"/>
-            <a:round/>
-            <a:headEnd type="none" w="med" len="med"/>
-            <a:tailEnd type="none" w="med" len="med"/>
-          </a:ln>
-          <a:effectLst/>
-        </p:spPr>
-      </p:cxnSp>
-      <p:cxnSp>
-        <p:nvCxnSpPr>
-          <p:cNvPr id="51" name="Straight Connector 50"/>
-          <p:cNvCxnSpPr/>
-          <p:nvPr/>
-        </p:nvCxnSpPr>
-        <p:spPr bwMode="auto">
-          <a:xfrm>
-            <a:off x="1841185" y="3679427"/>
-            <a:ext cx="147635" cy="0"/>
-          </a:xfrm>
-          <a:prstGeom prst="line">
-            <a:avLst/>
-          </a:prstGeom>
-          <a:solidFill>
-            <a:schemeClr val="accent1"/>
-          </a:solidFill>
-          <a:ln w="9525" cap="flat" cmpd="sng" algn="ctr">
+            <a:ln w="9525" cap="flat" cmpd="sng" algn="ctr">
+              <a:solidFill>
+                <a:srgbClr val="0070C0"/>
+              </a:solidFill>
+              <a:prstDash val="solid"/>
+              <a:round/>
+              <a:headEnd type="none" w="med" len="med"/>
+              <a:tailEnd type="none" w="med" len="med"/>
+            </a:ln>
+            <a:effectLst/>
+          </p:spPr>
+        </p:cxnSp>
+        <p:cxnSp>
+          <p:nvCxnSpPr>
+            <p:cNvPr id="51" name="Straight Connector 50"/>
+            <p:cNvCxnSpPr/>
+            <p:nvPr/>
+          </p:nvCxnSpPr>
+          <p:spPr bwMode="auto">
+            <a:xfrm>
+              <a:off x="1841185" y="3679427"/>
+              <a:ext cx="147635" cy="0"/>
+            </a:xfrm>
+            <a:prstGeom prst="line">
+              <a:avLst/>
+            </a:prstGeom>
             <a:solidFill>
-              <a:srgbClr val="0070C0"/>
+              <a:schemeClr val="accent1"/>
             </a:solidFill>
-            <a:prstDash val="solid"/>
-            <a:round/>
-            <a:headEnd type="none" w="med" len="med"/>
-            <a:tailEnd type="none" w="med" len="med"/>
-          </a:ln>
-          <a:effectLst/>
-        </p:spPr>
-      </p:cxnSp>
-      <p:cxnSp>
-        <p:nvCxnSpPr>
-          <p:cNvPr id="52" name="Straight Connector 51"/>
-          <p:cNvCxnSpPr/>
-          <p:nvPr/>
-        </p:nvCxnSpPr>
-        <p:spPr bwMode="auto">
-          <a:xfrm>
-            <a:off x="2069785" y="3679427"/>
-            <a:ext cx="147635" cy="0"/>
-          </a:xfrm>
-          <a:prstGeom prst="line">
-            <a:avLst/>
-          </a:prstGeom>
-          <a:solidFill>
-            <a:schemeClr val="accent1"/>
-          </a:solidFill>
-          <a:ln w="9525" cap="flat" cmpd="sng" algn="ctr">
+            <a:ln w="9525" cap="flat" cmpd="sng" algn="ctr">
+              <a:solidFill>
+                <a:srgbClr val="0070C0"/>
+              </a:solidFill>
+              <a:prstDash val="solid"/>
+              <a:round/>
+              <a:headEnd type="none" w="med" len="med"/>
+              <a:tailEnd type="none" w="med" len="med"/>
+            </a:ln>
+            <a:effectLst/>
+          </p:spPr>
+        </p:cxnSp>
+        <p:cxnSp>
+          <p:nvCxnSpPr>
+            <p:cNvPr id="52" name="Straight Connector 51"/>
+            <p:cNvCxnSpPr/>
+            <p:nvPr/>
+          </p:nvCxnSpPr>
+          <p:spPr bwMode="auto">
+            <a:xfrm>
+              <a:off x="2069785" y="3679427"/>
+              <a:ext cx="147635" cy="0"/>
+            </a:xfrm>
+            <a:prstGeom prst="line">
+              <a:avLst/>
+            </a:prstGeom>
             <a:solidFill>
-              <a:srgbClr val="0070C0"/>
+              <a:schemeClr val="accent1"/>
             </a:solidFill>
-            <a:prstDash val="solid"/>
-            <a:round/>
-            <a:headEnd type="none" w="med" len="med"/>
-            <a:tailEnd type="none" w="med" len="med"/>
-          </a:ln>
-          <a:effectLst/>
-        </p:spPr>
-      </p:cxnSp>
-      <p:cxnSp>
-        <p:nvCxnSpPr>
-          <p:cNvPr id="56" name="Straight Connector 55"/>
-          <p:cNvCxnSpPr/>
-          <p:nvPr/>
-        </p:nvCxnSpPr>
-        <p:spPr bwMode="auto">
-          <a:xfrm>
-            <a:off x="1154912" y="3679427"/>
-            <a:ext cx="147635" cy="0"/>
-          </a:xfrm>
-          <a:prstGeom prst="line">
-            <a:avLst/>
-          </a:prstGeom>
-          <a:solidFill>
-            <a:schemeClr val="accent1"/>
-          </a:solidFill>
-          <a:ln w="9525" cap="flat" cmpd="sng" algn="ctr">
+            <a:ln w="9525" cap="flat" cmpd="sng" algn="ctr">
+              <a:solidFill>
+                <a:srgbClr val="0070C0"/>
+              </a:solidFill>
+              <a:prstDash val="solid"/>
+              <a:round/>
+              <a:headEnd type="none" w="med" len="med"/>
+              <a:tailEnd type="none" w="med" len="med"/>
+            </a:ln>
+            <a:effectLst/>
+          </p:spPr>
+        </p:cxnSp>
+        <p:cxnSp>
+          <p:nvCxnSpPr>
+            <p:cNvPr id="56" name="Straight Connector 55"/>
+            <p:cNvCxnSpPr/>
+            <p:nvPr/>
+          </p:nvCxnSpPr>
+          <p:spPr bwMode="auto">
+            <a:xfrm>
+              <a:off x="1154912" y="3679427"/>
+              <a:ext cx="147635" cy="0"/>
+            </a:xfrm>
+            <a:prstGeom prst="line">
+              <a:avLst/>
+            </a:prstGeom>
             <a:solidFill>
-              <a:srgbClr val="0070C0"/>
+              <a:schemeClr val="accent1"/>
             </a:solidFill>
-            <a:prstDash val="solid"/>
-            <a:round/>
-            <a:headEnd type="none" w="med" len="med"/>
-            <a:tailEnd type="none" w="med" len="med"/>
-          </a:ln>
-          <a:effectLst/>
-        </p:spPr>
-      </p:cxnSp>
-      <p:cxnSp>
-        <p:nvCxnSpPr>
-          <p:cNvPr id="57" name="Straight Connector 56"/>
-          <p:cNvCxnSpPr/>
-          <p:nvPr/>
-        </p:nvCxnSpPr>
-        <p:spPr bwMode="auto">
-          <a:xfrm>
-            <a:off x="5041112" y="3679427"/>
-            <a:ext cx="147635" cy="0"/>
-          </a:xfrm>
-          <a:prstGeom prst="line">
-            <a:avLst/>
-          </a:prstGeom>
-          <a:solidFill>
-            <a:schemeClr val="accent1"/>
-          </a:solidFill>
-          <a:ln w="9525" cap="flat" cmpd="sng" algn="ctr">
+            <a:ln w="9525" cap="flat" cmpd="sng" algn="ctr">
+              <a:solidFill>
+                <a:srgbClr val="0070C0"/>
+              </a:solidFill>
+              <a:prstDash val="solid"/>
+              <a:round/>
+              <a:headEnd type="none" w="med" len="med"/>
+              <a:tailEnd type="none" w="med" len="med"/>
+            </a:ln>
+            <a:effectLst/>
+          </p:spPr>
+        </p:cxnSp>
+        <p:cxnSp>
+          <p:nvCxnSpPr>
+            <p:cNvPr id="57" name="Straight Connector 56"/>
+            <p:cNvCxnSpPr/>
+            <p:nvPr/>
+          </p:nvCxnSpPr>
+          <p:spPr bwMode="auto">
+            <a:xfrm>
+              <a:off x="5041112" y="3679427"/>
+              <a:ext cx="147635" cy="0"/>
+            </a:xfrm>
+            <a:prstGeom prst="line">
+              <a:avLst/>
+            </a:prstGeom>
             <a:solidFill>
-              <a:srgbClr val="0070C0"/>
+              <a:schemeClr val="accent1"/>
             </a:solidFill>
-            <a:prstDash val="solid"/>
-            <a:round/>
-            <a:headEnd type="none" w="med" len="med"/>
-            <a:tailEnd type="none" w="med" len="med"/>
-          </a:ln>
-          <a:effectLst/>
-        </p:spPr>
-      </p:cxnSp>
-      <p:cxnSp>
-        <p:nvCxnSpPr>
-          <p:cNvPr id="58" name="Straight Connector 57"/>
-          <p:cNvCxnSpPr/>
-          <p:nvPr/>
-        </p:nvCxnSpPr>
-        <p:spPr bwMode="auto">
-          <a:xfrm>
-            <a:off x="5269712" y="3679427"/>
-            <a:ext cx="147635" cy="0"/>
-          </a:xfrm>
-          <a:prstGeom prst="line">
-            <a:avLst/>
-          </a:prstGeom>
-          <a:solidFill>
-            <a:schemeClr val="accent1"/>
-          </a:solidFill>
-          <a:ln w="9525" cap="flat" cmpd="sng" algn="ctr">
+            <a:ln w="9525" cap="flat" cmpd="sng" algn="ctr">
+              <a:solidFill>
+                <a:srgbClr val="0070C0"/>
+              </a:solidFill>
+              <a:prstDash val="solid"/>
+              <a:round/>
+              <a:headEnd type="none" w="med" len="med"/>
+              <a:tailEnd type="none" w="med" len="med"/>
+            </a:ln>
+            <a:effectLst/>
+          </p:spPr>
+        </p:cxnSp>
+        <p:cxnSp>
+          <p:nvCxnSpPr>
+            <p:cNvPr id="58" name="Straight Connector 57"/>
+            <p:cNvCxnSpPr/>
+            <p:nvPr/>
+          </p:nvCxnSpPr>
+          <p:spPr bwMode="auto">
+            <a:xfrm>
+              <a:off x="5269712" y="3679427"/>
+              <a:ext cx="147635" cy="0"/>
+            </a:xfrm>
+            <a:prstGeom prst="line">
+              <a:avLst/>
+            </a:prstGeom>
             <a:solidFill>
-              <a:srgbClr val="0070C0"/>
+              <a:schemeClr val="accent1"/>
             </a:solidFill>
-            <a:prstDash val="solid"/>
-            <a:round/>
-            <a:headEnd type="none" w="med" len="med"/>
-            <a:tailEnd type="none" w="med" len="med"/>
-          </a:ln>
-          <a:effectLst/>
-        </p:spPr>
-      </p:cxnSp>
-      <p:cxnSp>
-        <p:nvCxnSpPr>
-          <p:cNvPr id="59" name="Straight Connector 58"/>
-          <p:cNvCxnSpPr/>
-          <p:nvPr/>
-        </p:nvCxnSpPr>
-        <p:spPr bwMode="auto">
-          <a:xfrm>
-            <a:off x="5498312" y="3679427"/>
-            <a:ext cx="147635" cy="0"/>
-          </a:xfrm>
-          <a:prstGeom prst="line">
-            <a:avLst/>
-          </a:prstGeom>
-          <a:solidFill>
-            <a:schemeClr val="accent1"/>
-          </a:solidFill>
-          <a:ln w="9525" cap="flat" cmpd="sng" algn="ctr">
+            <a:ln w="9525" cap="flat" cmpd="sng" algn="ctr">
+              <a:solidFill>
+                <a:srgbClr val="0070C0"/>
+              </a:solidFill>
+              <a:prstDash val="solid"/>
+              <a:round/>
+              <a:headEnd type="none" w="med" len="med"/>
+              <a:tailEnd type="none" w="med" len="med"/>
+            </a:ln>
+            <a:effectLst/>
+          </p:spPr>
+        </p:cxnSp>
+        <p:cxnSp>
+          <p:nvCxnSpPr>
+            <p:cNvPr id="59" name="Straight Connector 58"/>
+            <p:cNvCxnSpPr/>
+            <p:nvPr/>
+          </p:nvCxnSpPr>
+          <p:spPr bwMode="auto">
+            <a:xfrm>
+              <a:off x="5498312" y="3679427"/>
+              <a:ext cx="147635" cy="0"/>
+            </a:xfrm>
+            <a:prstGeom prst="line">
+              <a:avLst/>
+            </a:prstGeom>
             <a:solidFill>
-              <a:srgbClr val="0070C0"/>
+              <a:schemeClr val="accent1"/>
             </a:solidFill>
-            <a:prstDash val="solid"/>
-            <a:round/>
-            <a:headEnd type="none" w="med" len="med"/>
-            <a:tailEnd type="none" w="med" len="med"/>
-          </a:ln>
-          <a:effectLst/>
-        </p:spPr>
-      </p:cxnSp>
-      <p:cxnSp>
-        <p:nvCxnSpPr>
-          <p:cNvPr id="60" name="Straight Connector 59"/>
-          <p:cNvCxnSpPr/>
-          <p:nvPr/>
-        </p:nvCxnSpPr>
-        <p:spPr bwMode="auto">
-          <a:xfrm>
-            <a:off x="5719765" y="3679427"/>
-            <a:ext cx="147635" cy="0"/>
-          </a:xfrm>
-          <a:prstGeom prst="line">
-            <a:avLst/>
-          </a:prstGeom>
-          <a:solidFill>
-            <a:schemeClr val="accent1"/>
-          </a:solidFill>
-          <a:ln w="9525" cap="flat" cmpd="sng" algn="ctr">
+            <a:ln w="9525" cap="flat" cmpd="sng" algn="ctr">
+              <a:solidFill>
+                <a:srgbClr val="0070C0"/>
+              </a:solidFill>
+              <a:prstDash val="solid"/>
+              <a:round/>
+              <a:headEnd type="none" w="med" len="med"/>
+              <a:tailEnd type="none" w="med" len="med"/>
+            </a:ln>
+            <a:effectLst/>
+          </p:spPr>
+        </p:cxnSp>
+        <p:cxnSp>
+          <p:nvCxnSpPr>
+            <p:cNvPr id="60" name="Straight Connector 59"/>
+            <p:cNvCxnSpPr/>
+            <p:nvPr/>
+          </p:nvCxnSpPr>
+          <p:spPr bwMode="auto">
+            <a:xfrm>
+              <a:off x="5719765" y="3679427"/>
+              <a:ext cx="147635" cy="0"/>
+            </a:xfrm>
+            <a:prstGeom prst="line">
+              <a:avLst/>
+            </a:prstGeom>
             <a:solidFill>
-              <a:srgbClr val="0070C0"/>
+              <a:schemeClr val="accent1"/>
             </a:solidFill>
-            <a:prstDash val="solid"/>
-            <a:round/>
-            <a:headEnd type="none" w="med" len="med"/>
-            <a:tailEnd type="none" w="med" len="med"/>
-          </a:ln>
-          <a:effectLst/>
-        </p:spPr>
-      </p:cxnSp>
-      <p:cxnSp>
-        <p:nvCxnSpPr>
-          <p:cNvPr id="61" name="Straight Connector 60"/>
-          <p:cNvCxnSpPr/>
-          <p:nvPr/>
-        </p:nvCxnSpPr>
-        <p:spPr bwMode="auto">
-          <a:xfrm>
-            <a:off x="5948365" y="3679427"/>
-            <a:ext cx="147635" cy="0"/>
-          </a:xfrm>
-          <a:prstGeom prst="line">
-            <a:avLst/>
-          </a:prstGeom>
-          <a:solidFill>
-            <a:schemeClr val="accent1"/>
-          </a:solidFill>
-          <a:ln w="9525" cap="flat" cmpd="sng" algn="ctr">
+            <a:ln w="9525" cap="flat" cmpd="sng" algn="ctr">
+              <a:solidFill>
+                <a:srgbClr val="0070C0"/>
+              </a:solidFill>
+              <a:prstDash val="solid"/>
+              <a:round/>
+              <a:headEnd type="none" w="med" len="med"/>
+              <a:tailEnd type="none" w="med" len="med"/>
+            </a:ln>
+            <a:effectLst/>
+          </p:spPr>
+        </p:cxnSp>
+        <p:cxnSp>
+          <p:nvCxnSpPr>
+            <p:cNvPr id="61" name="Straight Connector 60"/>
+            <p:cNvCxnSpPr/>
+            <p:nvPr/>
+          </p:nvCxnSpPr>
+          <p:spPr bwMode="auto">
+            <a:xfrm>
+              <a:off x="5948365" y="3679427"/>
+              <a:ext cx="147635" cy="0"/>
+            </a:xfrm>
+            <a:prstGeom prst="line">
+              <a:avLst/>
+            </a:prstGeom>
             <a:solidFill>
-              <a:srgbClr val="0070C0"/>
+              <a:schemeClr val="accent1"/>
             </a:solidFill>
-            <a:prstDash val="solid"/>
-            <a:round/>
-            <a:headEnd type="none" w="med" len="med"/>
-            <a:tailEnd type="none" w="med" len="med"/>
-          </a:ln>
-          <a:effectLst/>
-        </p:spPr>
-      </p:cxnSp>
-      <p:cxnSp>
-        <p:nvCxnSpPr>
-          <p:cNvPr id="62" name="Straight Connector 61"/>
-          <p:cNvCxnSpPr/>
-          <p:nvPr/>
-        </p:nvCxnSpPr>
-        <p:spPr bwMode="auto">
-          <a:xfrm>
-            <a:off x="6176965" y="3679427"/>
-            <a:ext cx="147635" cy="0"/>
-          </a:xfrm>
-          <a:prstGeom prst="line">
-            <a:avLst/>
-          </a:prstGeom>
-          <a:solidFill>
-            <a:schemeClr val="accent1"/>
-          </a:solidFill>
-          <a:ln w="9525" cap="flat" cmpd="sng" algn="ctr">
+            <a:ln w="9525" cap="flat" cmpd="sng" algn="ctr">
+              <a:solidFill>
+                <a:srgbClr val="0070C0"/>
+              </a:solidFill>
+              <a:prstDash val="solid"/>
+              <a:round/>
+              <a:headEnd type="none" w="med" len="med"/>
+              <a:tailEnd type="none" w="med" len="med"/>
+            </a:ln>
+            <a:effectLst/>
+          </p:spPr>
+        </p:cxnSp>
+        <p:cxnSp>
+          <p:nvCxnSpPr>
+            <p:cNvPr id="62" name="Straight Connector 61"/>
+            <p:cNvCxnSpPr/>
+            <p:nvPr/>
+          </p:nvCxnSpPr>
+          <p:spPr bwMode="auto">
+            <a:xfrm>
+              <a:off x="6176965" y="3679427"/>
+              <a:ext cx="147635" cy="0"/>
+            </a:xfrm>
+            <a:prstGeom prst="line">
+              <a:avLst/>
+            </a:prstGeom>
             <a:solidFill>
-              <a:srgbClr val="0070C0"/>
+              <a:schemeClr val="accent1"/>
             </a:solidFill>
-            <a:prstDash val="solid"/>
-            <a:round/>
-            <a:headEnd type="none" w="med" len="med"/>
-            <a:tailEnd type="none" w="med" len="med"/>
-          </a:ln>
-          <a:effectLst/>
-        </p:spPr>
-      </p:cxnSp>
-      <p:cxnSp>
-        <p:nvCxnSpPr>
-          <p:cNvPr id="63" name="Straight Connector 62"/>
-          <p:cNvCxnSpPr/>
-          <p:nvPr/>
-        </p:nvCxnSpPr>
-        <p:spPr bwMode="auto">
-          <a:xfrm>
-            <a:off x="6405565" y="3679427"/>
-            <a:ext cx="147635" cy="0"/>
-          </a:xfrm>
-          <a:prstGeom prst="line">
-            <a:avLst/>
-          </a:prstGeom>
-          <a:solidFill>
-            <a:schemeClr val="accent1"/>
-          </a:solidFill>
-          <a:ln w="9525" cap="flat" cmpd="sng" algn="ctr">
+            <a:ln w="9525" cap="flat" cmpd="sng" algn="ctr">
+              <a:solidFill>
+                <a:srgbClr val="0070C0"/>
+              </a:solidFill>
+              <a:prstDash val="solid"/>
+              <a:round/>
+              <a:headEnd type="none" w="med" len="med"/>
+              <a:tailEnd type="none" w="med" len="med"/>
+            </a:ln>
+            <a:effectLst/>
+          </p:spPr>
+        </p:cxnSp>
+        <p:cxnSp>
+          <p:nvCxnSpPr>
+            <p:cNvPr id="63" name="Straight Connector 62"/>
+            <p:cNvCxnSpPr/>
+            <p:nvPr/>
+          </p:nvCxnSpPr>
+          <p:spPr bwMode="auto">
+            <a:xfrm>
+              <a:off x="6405565" y="3679427"/>
+              <a:ext cx="147635" cy="0"/>
+            </a:xfrm>
+            <a:prstGeom prst="line">
+              <a:avLst/>
+            </a:prstGeom>
             <a:solidFill>
-              <a:srgbClr val="0070C0"/>
+              <a:schemeClr val="accent1"/>
             </a:solidFill>
-            <a:prstDash val="solid"/>
-            <a:round/>
-            <a:headEnd type="none" w="med" len="med"/>
-            <a:tailEnd type="none" w="med" len="med"/>
-          </a:ln>
-          <a:effectLst/>
-        </p:spPr>
-      </p:cxnSp>
-      <p:cxnSp>
-        <p:nvCxnSpPr>
-          <p:cNvPr id="64" name="Straight Connector 63"/>
-          <p:cNvCxnSpPr/>
-          <p:nvPr/>
-        </p:nvCxnSpPr>
-        <p:spPr bwMode="auto">
-          <a:xfrm>
-            <a:off x="6634165" y="3679427"/>
-            <a:ext cx="147635" cy="0"/>
-          </a:xfrm>
-          <a:prstGeom prst="line">
-            <a:avLst/>
-          </a:prstGeom>
-          <a:solidFill>
-            <a:schemeClr val="accent1"/>
-          </a:solidFill>
-          <a:ln w="9525" cap="flat" cmpd="sng" algn="ctr">
+            <a:ln w="9525" cap="flat" cmpd="sng" algn="ctr">
+              <a:solidFill>
+                <a:srgbClr val="0070C0"/>
+              </a:solidFill>
+              <a:prstDash val="solid"/>
+              <a:round/>
+              <a:headEnd type="none" w="med" len="med"/>
+              <a:tailEnd type="none" w="med" len="med"/>
+            </a:ln>
+            <a:effectLst/>
+          </p:spPr>
+        </p:cxnSp>
+        <p:cxnSp>
+          <p:nvCxnSpPr>
+            <p:cNvPr id="64" name="Straight Connector 63"/>
+            <p:cNvCxnSpPr/>
+            <p:nvPr/>
+          </p:nvCxnSpPr>
+          <p:spPr bwMode="auto">
+            <a:xfrm>
+              <a:off x="6634165" y="3679427"/>
+              <a:ext cx="147635" cy="0"/>
+            </a:xfrm>
+            <a:prstGeom prst="line">
+              <a:avLst/>
+            </a:prstGeom>
             <a:solidFill>
-              <a:srgbClr val="0070C0"/>
+              <a:schemeClr val="accent1"/>
             </a:solidFill>
-            <a:prstDash val="solid"/>
-            <a:round/>
-            <a:headEnd type="none" w="med" len="med"/>
-            <a:tailEnd type="none" w="med" len="med"/>
-          </a:ln>
-          <a:effectLst/>
-        </p:spPr>
-      </p:cxnSp>
-      <p:cxnSp>
-        <p:nvCxnSpPr>
-          <p:cNvPr id="65" name="Straight Connector 64"/>
-          <p:cNvCxnSpPr/>
-          <p:nvPr/>
-        </p:nvCxnSpPr>
-        <p:spPr bwMode="auto">
-          <a:xfrm>
-            <a:off x="6862765" y="3679427"/>
-            <a:ext cx="147635" cy="0"/>
-          </a:xfrm>
-          <a:prstGeom prst="line">
-            <a:avLst/>
-          </a:prstGeom>
-          <a:solidFill>
-            <a:schemeClr val="accent1"/>
-          </a:solidFill>
-          <a:ln w="9525" cap="flat" cmpd="sng" algn="ctr">
+            <a:ln w="9525" cap="flat" cmpd="sng" algn="ctr">
+              <a:solidFill>
+                <a:srgbClr val="0070C0"/>
+              </a:solidFill>
+              <a:prstDash val="solid"/>
+              <a:round/>
+              <a:headEnd type="none" w="med" len="med"/>
+              <a:tailEnd type="none" w="med" len="med"/>
+            </a:ln>
+            <a:effectLst/>
+          </p:spPr>
+        </p:cxnSp>
+        <p:cxnSp>
+          <p:nvCxnSpPr>
+            <p:cNvPr id="65" name="Straight Connector 64"/>
+            <p:cNvCxnSpPr/>
+            <p:nvPr/>
+          </p:nvCxnSpPr>
+          <p:spPr bwMode="auto">
+            <a:xfrm>
+              <a:off x="6862765" y="3679427"/>
+              <a:ext cx="147635" cy="0"/>
+            </a:xfrm>
+            <a:prstGeom prst="line">
+              <a:avLst/>
+            </a:prstGeom>
             <a:solidFill>
-              <a:srgbClr val="0070C0"/>
+              <a:schemeClr val="accent1"/>
             </a:solidFill>
-            <a:prstDash val="solid"/>
-            <a:round/>
-            <a:headEnd type="none" w="med" len="med"/>
-            <a:tailEnd type="none" w="med" len="med"/>
-          </a:ln>
-          <a:effectLst/>
-        </p:spPr>
-      </p:cxnSp>
-      <p:cxnSp>
-        <p:nvCxnSpPr>
-          <p:cNvPr id="66" name="Straight Connector 65"/>
-          <p:cNvCxnSpPr/>
-          <p:nvPr/>
-        </p:nvCxnSpPr>
-        <p:spPr bwMode="auto">
-          <a:xfrm>
-            <a:off x="7091365" y="3679427"/>
-            <a:ext cx="147635" cy="0"/>
-          </a:xfrm>
-          <a:prstGeom prst="line">
-            <a:avLst/>
-          </a:prstGeom>
-          <a:solidFill>
-            <a:schemeClr val="accent1"/>
-          </a:solidFill>
-          <a:ln w="9525" cap="flat" cmpd="sng" algn="ctr">
+            <a:ln w="9525" cap="flat" cmpd="sng" algn="ctr">
+              <a:solidFill>
+                <a:srgbClr val="0070C0"/>
+              </a:solidFill>
+              <a:prstDash val="solid"/>
+              <a:round/>
+              <a:headEnd type="none" w="med" len="med"/>
+              <a:tailEnd type="none" w="med" len="med"/>
+            </a:ln>
+            <a:effectLst/>
+          </p:spPr>
+        </p:cxnSp>
+        <p:cxnSp>
+          <p:nvCxnSpPr>
+            <p:cNvPr id="66" name="Straight Connector 65"/>
+            <p:cNvCxnSpPr/>
+            <p:nvPr/>
+          </p:nvCxnSpPr>
+          <p:spPr bwMode="auto">
+            <a:xfrm>
+              <a:off x="7091365" y="3679427"/>
+              <a:ext cx="147635" cy="0"/>
+            </a:xfrm>
+            <a:prstGeom prst="line">
+              <a:avLst/>
+            </a:prstGeom>
             <a:solidFill>
-              <a:srgbClr val="0070C0"/>
+              <a:schemeClr val="accent1"/>
             </a:solidFill>
-            <a:prstDash val="solid"/>
-            <a:round/>
-            <a:headEnd type="none" w="med" len="med"/>
-            <a:tailEnd type="none" w="med" len="med"/>
-          </a:ln>
-          <a:effectLst/>
-        </p:spPr>
-      </p:cxnSp>
-      <p:cxnSp>
-        <p:nvCxnSpPr>
-          <p:cNvPr id="67" name="Straight Connector 66"/>
-          <p:cNvCxnSpPr/>
-          <p:nvPr/>
-        </p:nvCxnSpPr>
-        <p:spPr bwMode="auto">
-          <a:xfrm>
-            <a:off x="7319965" y="3679427"/>
-            <a:ext cx="147635" cy="0"/>
-          </a:xfrm>
-          <a:prstGeom prst="line">
-            <a:avLst/>
-          </a:prstGeom>
-          <a:solidFill>
-            <a:schemeClr val="accent1"/>
-          </a:solidFill>
-          <a:ln w="9525" cap="flat" cmpd="sng" algn="ctr">
+            <a:ln w="9525" cap="flat" cmpd="sng" algn="ctr">
+              <a:solidFill>
+                <a:srgbClr val="0070C0"/>
+              </a:solidFill>
+              <a:prstDash val="solid"/>
+              <a:round/>
+              <a:headEnd type="none" w="med" len="med"/>
+              <a:tailEnd type="none" w="med" len="med"/>
+            </a:ln>
+            <a:effectLst/>
+          </p:spPr>
+        </p:cxnSp>
+        <p:cxnSp>
+          <p:nvCxnSpPr>
+            <p:cNvPr id="67" name="Straight Connector 66"/>
+            <p:cNvCxnSpPr/>
+            <p:nvPr/>
+          </p:nvCxnSpPr>
+          <p:spPr bwMode="auto">
+            <a:xfrm>
+              <a:off x="7319965" y="3679427"/>
+              <a:ext cx="147635" cy="0"/>
+            </a:xfrm>
+            <a:prstGeom prst="line">
+              <a:avLst/>
+            </a:prstGeom>
             <a:solidFill>
-              <a:srgbClr val="0070C0"/>
+              <a:schemeClr val="accent1"/>
             </a:solidFill>
-            <a:prstDash val="solid"/>
-            <a:round/>
-            <a:headEnd type="none" w="med" len="med"/>
-            <a:tailEnd type="none" w="med" len="med"/>
-          </a:ln>
-          <a:effectLst/>
-        </p:spPr>
-      </p:cxnSp>
-      <p:cxnSp>
-        <p:nvCxnSpPr>
-          <p:cNvPr id="68" name="Straight Connector 67"/>
-          <p:cNvCxnSpPr/>
-          <p:nvPr/>
-        </p:nvCxnSpPr>
-        <p:spPr bwMode="auto">
-          <a:xfrm>
-            <a:off x="7548565" y="3679427"/>
-            <a:ext cx="147635" cy="0"/>
-          </a:xfrm>
-          <a:prstGeom prst="line">
-            <a:avLst/>
-          </a:prstGeom>
-          <a:solidFill>
-            <a:schemeClr val="accent1"/>
-          </a:solidFill>
-          <a:ln w="9525" cap="flat" cmpd="sng" algn="ctr">
+            <a:ln w="9525" cap="flat" cmpd="sng" algn="ctr">
+              <a:solidFill>
+                <a:srgbClr val="0070C0"/>
+              </a:solidFill>
+              <a:prstDash val="solid"/>
+              <a:round/>
+              <a:headEnd type="none" w="med" len="med"/>
+              <a:tailEnd type="none" w="med" len="med"/>
+            </a:ln>
+            <a:effectLst/>
+          </p:spPr>
+        </p:cxnSp>
+        <p:cxnSp>
+          <p:nvCxnSpPr>
+            <p:cNvPr id="68" name="Straight Connector 67"/>
+            <p:cNvCxnSpPr/>
+            <p:nvPr/>
+          </p:nvCxnSpPr>
+          <p:spPr bwMode="auto">
+            <a:xfrm>
+              <a:off x="7548565" y="3679427"/>
+              <a:ext cx="147635" cy="0"/>
+            </a:xfrm>
+            <a:prstGeom prst="line">
+              <a:avLst/>
+            </a:prstGeom>
             <a:solidFill>
-              <a:srgbClr val="0070C0"/>
+              <a:schemeClr val="accent1"/>
             </a:solidFill>
-            <a:prstDash val="solid"/>
-            <a:round/>
-            <a:headEnd type="none" w="med" len="med"/>
-            <a:tailEnd type="none" w="med" len="med"/>
-          </a:ln>
-          <a:effectLst/>
-        </p:spPr>
-      </p:cxnSp>
-      <p:cxnSp>
-        <p:nvCxnSpPr>
-          <p:cNvPr id="69" name="Straight Connector 68"/>
-          <p:cNvCxnSpPr/>
-          <p:nvPr/>
-        </p:nvCxnSpPr>
-        <p:spPr bwMode="auto">
-          <a:xfrm>
-            <a:off x="7777165" y="3679427"/>
-            <a:ext cx="147635" cy="0"/>
-          </a:xfrm>
-          <a:prstGeom prst="line">
-            <a:avLst/>
-          </a:prstGeom>
-          <a:solidFill>
-            <a:schemeClr val="accent1"/>
-          </a:solidFill>
-          <a:ln w="9525" cap="flat" cmpd="sng" algn="ctr">
+            <a:ln w="9525" cap="flat" cmpd="sng" algn="ctr">
+              <a:solidFill>
+                <a:srgbClr val="0070C0"/>
+              </a:solidFill>
+              <a:prstDash val="solid"/>
+              <a:round/>
+              <a:headEnd type="none" w="med" len="med"/>
+              <a:tailEnd type="none" w="med" len="med"/>
+            </a:ln>
+            <a:effectLst/>
+          </p:spPr>
+        </p:cxnSp>
+        <p:cxnSp>
+          <p:nvCxnSpPr>
+            <p:cNvPr id="69" name="Straight Connector 68"/>
+            <p:cNvCxnSpPr/>
+            <p:nvPr/>
+          </p:nvCxnSpPr>
+          <p:spPr bwMode="auto">
+            <a:xfrm>
+              <a:off x="7777165" y="3679427"/>
+              <a:ext cx="147635" cy="0"/>
+            </a:xfrm>
+            <a:prstGeom prst="line">
+              <a:avLst/>
+            </a:prstGeom>
             <a:solidFill>
-              <a:srgbClr val="0070C0"/>
+              <a:schemeClr val="accent1"/>
             </a:solidFill>
-            <a:prstDash val="solid"/>
-            <a:round/>
-            <a:headEnd type="none" w="med" len="med"/>
-            <a:tailEnd type="none" w="med" len="med"/>
-          </a:ln>
-          <a:effectLst/>
-        </p:spPr>
-      </p:cxnSp>
-      <p:cxnSp>
-        <p:nvCxnSpPr>
-          <p:cNvPr id="70" name="Straight Connector 69"/>
-          <p:cNvCxnSpPr/>
-          <p:nvPr/>
-        </p:nvCxnSpPr>
-        <p:spPr bwMode="auto">
-          <a:xfrm>
-            <a:off x="8005765" y="3679427"/>
-            <a:ext cx="147635" cy="0"/>
-          </a:xfrm>
-          <a:prstGeom prst="line">
-            <a:avLst/>
-          </a:prstGeom>
-          <a:solidFill>
-            <a:schemeClr val="accent1"/>
-          </a:solidFill>
-          <a:ln w="9525" cap="flat" cmpd="sng" algn="ctr">
+            <a:ln w="9525" cap="flat" cmpd="sng" algn="ctr">
+              <a:solidFill>
+                <a:srgbClr val="0070C0"/>
+              </a:solidFill>
+              <a:prstDash val="solid"/>
+              <a:round/>
+              <a:headEnd type="none" w="med" len="med"/>
+              <a:tailEnd type="none" w="med" len="med"/>
+            </a:ln>
+            <a:effectLst/>
+          </p:spPr>
+        </p:cxnSp>
+        <p:cxnSp>
+          <p:nvCxnSpPr>
+            <p:cNvPr id="70" name="Straight Connector 69"/>
+            <p:cNvCxnSpPr/>
+            <p:nvPr/>
+          </p:nvCxnSpPr>
+          <p:spPr bwMode="auto">
+            <a:xfrm>
+              <a:off x="8005765" y="3679427"/>
+              <a:ext cx="147635" cy="0"/>
+            </a:xfrm>
+            <a:prstGeom prst="line">
+              <a:avLst/>
+            </a:prstGeom>
             <a:solidFill>
-              <a:srgbClr val="0070C0"/>
+              <a:schemeClr val="accent1"/>
             </a:solidFill>
-            <a:prstDash val="solid"/>
-            <a:round/>
-            <a:headEnd type="none" w="med" len="med"/>
-            <a:tailEnd type="none" w="med" len="med"/>
-          </a:ln>
-          <a:effectLst/>
-        </p:spPr>
-      </p:cxnSp>
-      <p:cxnSp>
-        <p:nvCxnSpPr>
-          <p:cNvPr id="71" name="Straight Connector 70"/>
-          <p:cNvCxnSpPr/>
-          <p:nvPr/>
-        </p:nvCxnSpPr>
-        <p:spPr bwMode="auto">
-          <a:xfrm>
-            <a:off x="8234365" y="3679427"/>
-            <a:ext cx="147635" cy="0"/>
-          </a:xfrm>
-          <a:prstGeom prst="line">
-            <a:avLst/>
-          </a:prstGeom>
-          <a:solidFill>
-            <a:schemeClr val="accent1"/>
-          </a:solidFill>
-          <a:ln w="9525" cap="flat" cmpd="sng" algn="ctr">
+            <a:ln w="9525" cap="flat" cmpd="sng" algn="ctr">
+              <a:solidFill>
+                <a:srgbClr val="0070C0"/>
+              </a:solidFill>
+              <a:prstDash val="solid"/>
+              <a:round/>
+              <a:headEnd type="none" w="med" len="med"/>
+              <a:tailEnd type="none" w="med" len="med"/>
+            </a:ln>
+            <a:effectLst/>
+          </p:spPr>
+        </p:cxnSp>
+        <p:cxnSp>
+          <p:nvCxnSpPr>
+            <p:cNvPr id="71" name="Straight Connector 70"/>
+            <p:cNvCxnSpPr/>
+            <p:nvPr/>
+          </p:nvCxnSpPr>
+          <p:spPr bwMode="auto">
+            <a:xfrm>
+              <a:off x="8234365" y="3679427"/>
+              <a:ext cx="147635" cy="0"/>
+            </a:xfrm>
+            <a:prstGeom prst="line">
+              <a:avLst/>
+            </a:prstGeom>
             <a:solidFill>
-              <a:srgbClr val="0070C0"/>
+              <a:schemeClr val="accent1"/>
             </a:solidFill>
-            <a:prstDash val="solid"/>
-            <a:round/>
-            <a:headEnd type="none" w="med" len="med"/>
-            <a:tailEnd type="none" w="med" len="med"/>
-          </a:ln>
-          <a:effectLst/>
-        </p:spPr>
-      </p:cxnSp>
-      <p:cxnSp>
-        <p:nvCxnSpPr>
-          <p:cNvPr id="72" name="Straight Connector 71"/>
-          <p:cNvCxnSpPr/>
-          <p:nvPr/>
-        </p:nvCxnSpPr>
-        <p:spPr bwMode="auto">
-          <a:xfrm>
-            <a:off x="939703" y="3679427"/>
-            <a:ext cx="147635" cy="0"/>
-          </a:xfrm>
-          <a:prstGeom prst="line">
-            <a:avLst/>
-          </a:prstGeom>
-          <a:solidFill>
-            <a:schemeClr val="accent1"/>
-          </a:solidFill>
-          <a:ln w="9525" cap="flat" cmpd="sng" algn="ctr">
+            <a:ln w="9525" cap="flat" cmpd="sng" algn="ctr">
+              <a:solidFill>
+                <a:srgbClr val="0070C0"/>
+              </a:solidFill>
+              <a:prstDash val="solid"/>
+              <a:round/>
+              <a:headEnd type="none" w="med" len="med"/>
+              <a:tailEnd type="none" w="med" len="med"/>
+            </a:ln>
+            <a:effectLst/>
+          </p:spPr>
+        </p:cxnSp>
+        <p:cxnSp>
+          <p:nvCxnSpPr>
+            <p:cNvPr id="72" name="Straight Connector 71"/>
+            <p:cNvCxnSpPr/>
+            <p:nvPr/>
+          </p:nvCxnSpPr>
+          <p:spPr bwMode="auto">
+            <a:xfrm>
+              <a:off x="939703" y="3679427"/>
+              <a:ext cx="147635" cy="0"/>
+            </a:xfrm>
+            <a:prstGeom prst="line">
+              <a:avLst/>
+            </a:prstGeom>
             <a:solidFill>
-              <a:srgbClr val="0070C0"/>
+              <a:schemeClr val="accent1"/>
             </a:solidFill>
-            <a:prstDash val="solid"/>
-            <a:round/>
-            <a:headEnd type="none" w="med" len="med"/>
-            <a:tailEnd type="none" w="med" len="med"/>
-          </a:ln>
-          <a:effectLst/>
-        </p:spPr>
-      </p:cxnSp>
-      <p:sp>
-        <p:nvSpPr>
-          <p:cNvPr id="73" name="矩形 2"/>
-          <p:cNvSpPr/>
-          <p:nvPr/>
-        </p:nvSpPr>
-        <p:spPr>
-          <a:xfrm>
-            <a:off x="3571870" y="2155317"/>
-            <a:ext cx="1616877" cy="533510"/>
-          </a:xfrm>
-          <a:prstGeom prst="rect">
-            <a:avLst/>
-          </a:prstGeom>
-          <a:solidFill>
-            <a:srgbClr val="FFFFFF"/>
-          </a:solidFill>
-          <a:ln>
+            <a:ln w="9525" cap="flat" cmpd="sng" algn="ctr">
+              <a:solidFill>
+                <a:srgbClr val="0070C0"/>
+              </a:solidFill>
+              <a:prstDash val="solid"/>
+              <a:round/>
+              <a:headEnd type="none" w="med" len="med"/>
+              <a:tailEnd type="none" w="med" len="med"/>
+            </a:ln>
+            <a:effectLst/>
+          </p:spPr>
+        </p:cxnSp>
+        <p:sp>
+          <p:nvSpPr>
+            <p:cNvPr id="73" name="矩形 2"/>
+            <p:cNvSpPr/>
+            <p:nvPr/>
+          </p:nvSpPr>
+          <p:spPr>
+            <a:xfrm>
+              <a:off x="3571870" y="2155317"/>
+              <a:ext cx="1616877" cy="533510"/>
+            </a:xfrm>
+            <a:prstGeom prst="rect">
+              <a:avLst/>
+            </a:prstGeom>
             <a:solidFill>
-              <a:srgbClr val="0070C0"/>
+              <a:srgbClr val="FFFFFF"/>
             </a:solidFill>
-          </a:ln>
-        </p:spPr>
-        <p:style>
-          <a:lnRef idx="2">
-            <a:schemeClr val="accent1">
-              <a:shade val="50000"/>
-            </a:schemeClr>
-          </a:lnRef>
-          <a:fillRef idx="1">
-            <a:schemeClr val="accent1"/>
-          </a:fillRef>
-          <a:effectRef idx="0">
-            <a:schemeClr val="accent1"/>
-          </a:effectRef>
-          <a:fontRef idx="minor">
-            <a:schemeClr val="lt1"/>
-          </a:fontRef>
-        </p:style>
-        <p:txBody>
-          <a:bodyPr rtlCol="0" anchor="ctr"/>
-          <a:lstStyle/>
-          <a:p>
-            <a:pPr algn="ctr"/>
-            <a:r>
-              <a:rPr lang="en-US" altLang="zh-CN" sz="1600" dirty="0">
+            <a:ln>
+              <a:solidFill>
+                <a:srgbClr val="0070C0"/>
+              </a:solidFill>
+            </a:ln>
+          </p:spPr>
+          <p:style>
+            <a:lnRef idx="2">
+              <a:schemeClr val="accent1">
+                <a:shade val="50000"/>
+              </a:schemeClr>
+            </a:lnRef>
+            <a:fillRef idx="1">
+              <a:schemeClr val="accent1"/>
+            </a:fillRef>
+            <a:effectRef idx="0">
+              <a:schemeClr val="accent1"/>
+            </a:effectRef>
+            <a:fontRef idx="minor">
+              <a:schemeClr val="lt1"/>
+            </a:fontRef>
+          </p:style>
+          <p:txBody>
+            <a:bodyPr rtlCol="0" anchor="ctr"/>
+            <a:lstStyle/>
+            <a:p>
+              <a:pPr algn="ctr"/>
+              <a:r>
+                <a:rPr lang="en-US" altLang="zh-CN" sz="1600" dirty="0">
+                  <a:solidFill>
+                    <a:schemeClr val="tx1"/>
+                  </a:solidFill>
+                </a:rPr>
+                <a:t>Process Component</a:t>
+              </a:r>
+              <a:endParaRPr lang="zh-CN" altLang="en-US" sz="1600" dirty="0">
                 <a:solidFill>
                   <a:schemeClr val="tx1"/>
                 </a:solidFill>
-              </a:rPr>
-              <a:t>Process Component</a:t>
-            </a:r>
-            <a:endParaRPr lang="zh-CN" altLang="en-US" sz="1600" dirty="0">
+              </a:endParaRPr>
+            </a:p>
+          </p:txBody>
+        </p:sp>
+        <p:sp>
+          <p:nvSpPr>
+            <p:cNvPr id="74" name="矩形 2"/>
+            <p:cNvSpPr/>
+            <p:nvPr/>
+          </p:nvSpPr>
+          <p:spPr>
+            <a:xfrm>
+              <a:off x="3571870" y="2991819"/>
+              <a:ext cx="1616877" cy="533510"/>
+            </a:xfrm>
+            <a:prstGeom prst="rect">
+              <a:avLst/>
+            </a:prstGeom>
+            <a:solidFill>
+              <a:srgbClr val="FFFFFF"/>
+            </a:solidFill>
+            <a:ln>
               <a:solidFill>
-                <a:schemeClr val="tx1"/>
+                <a:srgbClr val="0070C0"/>
               </a:solidFill>
-            </a:endParaRPr>
-          </a:p>
-        </p:txBody>
-      </p:sp>
-      <p:sp>
-        <p:nvSpPr>
-          <p:cNvPr id="74" name="矩形 2"/>
-          <p:cNvSpPr/>
-          <p:nvPr/>
-        </p:nvSpPr>
-        <p:spPr>
-          <a:xfrm>
-            <a:off x="3571870" y="2991819"/>
-            <a:ext cx="1616877" cy="533510"/>
-          </a:xfrm>
-          <a:prstGeom prst="rect">
-            <a:avLst/>
-          </a:prstGeom>
-          <a:solidFill>
-            <a:srgbClr val="FFFFFF"/>
-          </a:solidFill>
-          <a:ln>
+            </a:ln>
+          </p:spPr>
+          <p:style>
+            <a:lnRef idx="2">
+              <a:schemeClr val="accent1">
+                <a:shade val="50000"/>
+              </a:schemeClr>
+            </a:lnRef>
+            <a:fillRef idx="1">
+              <a:schemeClr val="accent1"/>
+            </a:fillRef>
+            <a:effectRef idx="0">
+              <a:schemeClr val="accent1"/>
+            </a:effectRef>
+            <a:fontRef idx="minor">
+              <a:schemeClr val="lt1"/>
+            </a:fontRef>
+          </p:style>
+          <p:txBody>
+            <a:bodyPr rtlCol="0" anchor="ctr"/>
+            <a:lstStyle/>
+            <a:p>
+              <a:pPr algn="ctr"/>
+              <a:r>
+                <a:rPr lang="en-US" altLang="zh-CN" sz="1600" dirty="0">
+                  <a:solidFill>
+                    <a:schemeClr val="tx1"/>
+                  </a:solidFill>
+                </a:rPr>
+                <a:t>Interpret</a:t>
+              </a:r>
+            </a:p>
+            <a:p>
+              <a:pPr algn="ctr"/>
+              <a:r>
+                <a:rPr lang="en-US" altLang="zh-CN" sz="1600" dirty="0">
+                  <a:solidFill>
+                    <a:schemeClr val="tx1"/>
+                  </a:solidFill>
+                </a:rPr>
+                <a:t>Component</a:t>
+              </a:r>
+              <a:endParaRPr lang="zh-CN" altLang="en-US" sz="1600" dirty="0">
+                <a:solidFill>
+                  <a:schemeClr val="tx1"/>
+                </a:solidFill>
+              </a:endParaRPr>
+            </a:p>
+          </p:txBody>
+        </p:sp>
+        <p:sp>
+          <p:nvSpPr>
+            <p:cNvPr id="75" name="矩形 2"/>
+            <p:cNvSpPr/>
+            <p:nvPr/>
+          </p:nvSpPr>
+          <p:spPr>
+            <a:xfrm>
+              <a:off x="3571870" y="4121703"/>
+              <a:ext cx="1616877" cy="533510"/>
+            </a:xfrm>
+            <a:prstGeom prst="rect">
+              <a:avLst/>
+            </a:prstGeom>
             <a:solidFill>
-              <a:srgbClr val="0070C0"/>
+              <a:srgbClr val="FFFFFF"/>
             </a:solidFill>
-          </a:ln>
-        </p:spPr>
-        <p:style>
-          <a:lnRef idx="2">
-            <a:schemeClr val="accent1">
-              <a:shade val="50000"/>
-            </a:schemeClr>
-          </a:lnRef>
-          <a:fillRef idx="1">
-            <a:schemeClr val="accent1"/>
-          </a:fillRef>
-          <a:effectRef idx="0">
-            <a:schemeClr val="accent1"/>
-          </a:effectRef>
-          <a:fontRef idx="minor">
-            <a:schemeClr val="lt1"/>
-          </a:fontRef>
-        </p:style>
-        <p:txBody>
-          <a:bodyPr rtlCol="0" anchor="ctr"/>
-          <a:lstStyle/>
-          <a:p>
-            <a:pPr algn="ctr"/>
-            <a:r>
-              <a:rPr lang="en-US" altLang="zh-CN" sz="1600" dirty="0">
+            <a:ln>
+              <a:solidFill>
+                <a:srgbClr val="0070C0"/>
+              </a:solidFill>
+            </a:ln>
+          </p:spPr>
+          <p:style>
+            <a:lnRef idx="2">
+              <a:schemeClr val="accent1">
+                <a:shade val="50000"/>
+              </a:schemeClr>
+            </a:lnRef>
+            <a:fillRef idx="1">
+              <a:schemeClr val="accent1"/>
+            </a:fillRef>
+            <a:effectRef idx="0">
+              <a:schemeClr val="accent1"/>
+            </a:effectRef>
+            <a:fontRef idx="minor">
+              <a:schemeClr val="lt1"/>
+            </a:fontRef>
+          </p:style>
+          <p:txBody>
+            <a:bodyPr rtlCol="0" anchor="ctr"/>
+            <a:lstStyle/>
+            <a:p>
+              <a:pPr algn="ctr"/>
+              <a:r>
+                <a:rPr lang="en-US" altLang="zh-CN" sz="1600" dirty="0">
+                  <a:solidFill>
+                    <a:schemeClr val="tx1"/>
+                  </a:solidFill>
+                </a:rPr>
+                <a:t>Communication </a:t>
+              </a:r>
+            </a:p>
+            <a:p>
+              <a:pPr algn="ctr"/>
+              <a:r>
+                <a:rPr lang="en-US" altLang="zh-CN" sz="1600" dirty="0">
+                  <a:solidFill>
+                    <a:schemeClr val="tx1"/>
+                  </a:solidFill>
+                </a:rPr>
+                <a:t>Component</a:t>
+              </a:r>
+              <a:endParaRPr lang="zh-CN" altLang="en-US" sz="1600" dirty="0">
                 <a:solidFill>
                   <a:schemeClr val="tx1"/>
                 </a:solidFill>
-              </a:rPr>
-              <a:t>Interpret</a:t>
-            </a:r>
-          </a:p>
-          <a:p>
-            <a:pPr algn="ctr"/>
-            <a:r>
-              <a:rPr lang="en-US" altLang="zh-CN" sz="1600" dirty="0">
-                <a:solidFill>
-                  <a:schemeClr val="tx1"/>
-                </a:solidFill>
-              </a:rPr>
-              <a:t>Component</a:t>
-            </a:r>
-            <a:endParaRPr lang="zh-CN" altLang="en-US" sz="1600" dirty="0">
-              <a:solidFill>
-                <a:schemeClr val="tx1"/>
-              </a:solidFill>
-            </a:endParaRPr>
-          </a:p>
-        </p:txBody>
-      </p:sp>
-      <p:sp>
-        <p:nvSpPr>
-          <p:cNvPr id="75" name="矩形 2"/>
-          <p:cNvSpPr/>
-          <p:nvPr/>
-        </p:nvSpPr>
-        <p:spPr>
-          <a:xfrm>
-            <a:off x="3571870" y="4121703"/>
-            <a:ext cx="1616877" cy="533510"/>
-          </a:xfrm>
-          <a:prstGeom prst="rect">
-            <a:avLst/>
-          </a:prstGeom>
-          <a:solidFill>
-            <a:srgbClr val="FFFFFF"/>
-          </a:solidFill>
-          <a:ln>
-            <a:solidFill>
-              <a:srgbClr val="0070C0"/>
-            </a:solidFill>
-          </a:ln>
-        </p:spPr>
-        <p:style>
-          <a:lnRef idx="2">
-            <a:schemeClr val="accent1">
-              <a:shade val="50000"/>
-            </a:schemeClr>
-          </a:lnRef>
-          <a:fillRef idx="1">
-            <a:schemeClr val="accent1"/>
-          </a:fillRef>
-          <a:effectRef idx="0">
-            <a:schemeClr val="accent1"/>
-          </a:effectRef>
-          <a:fontRef idx="minor">
-            <a:schemeClr val="lt1"/>
-          </a:fontRef>
-        </p:style>
-        <p:txBody>
-          <a:bodyPr rtlCol="0" anchor="ctr"/>
-          <a:lstStyle/>
-          <a:p>
-            <a:pPr algn="ctr"/>
-            <a:r>
-              <a:rPr lang="en-US" altLang="zh-CN" sz="1600" dirty="0">
-                <a:solidFill>
-                  <a:schemeClr val="tx1"/>
-                </a:solidFill>
-              </a:rPr>
-              <a:t>Communication </a:t>
-            </a:r>
-          </a:p>
-          <a:p>
-            <a:pPr algn="ctr"/>
-            <a:r>
-              <a:rPr lang="en-US" altLang="zh-CN" sz="1600" dirty="0">
-                <a:solidFill>
-                  <a:schemeClr val="tx1"/>
-                </a:solidFill>
-              </a:rPr>
-              <a:t>Component</a:t>
-            </a:r>
-            <a:endParaRPr lang="zh-CN" altLang="en-US" sz="1600" dirty="0">
-              <a:solidFill>
-                <a:schemeClr val="tx1"/>
-              </a:solidFill>
-            </a:endParaRPr>
-          </a:p>
-        </p:txBody>
-      </p:sp>
-      <p:sp>
-        <p:nvSpPr>
-          <p:cNvPr id="29" name="TextBox 28"/>
-          <p:cNvSpPr txBox="1"/>
-          <p:nvPr/>
-        </p:nvSpPr>
-        <p:spPr>
-          <a:xfrm>
-            <a:off x="5728274" y="2268183"/>
-            <a:ext cx="2506091" cy="307777"/>
-          </a:xfrm>
-          <a:prstGeom prst="rect">
-            <a:avLst/>
-          </a:prstGeom>
-          <a:noFill/>
-        </p:spPr>
-        <p:txBody>
-          <a:bodyPr wrap="square" rtlCol="0">
-            <a:spAutoFit/>
-          </a:bodyPr>
-          <a:lstStyle/>
-          <a:p>
-            <a:pPr algn="ctr"/>
-            <a:r>
-              <a:rPr lang="en-CA" sz="1400" dirty="0"/>
-              <a:t>Message management</a:t>
-            </a:r>
-          </a:p>
-        </p:txBody>
-      </p:sp>
-      <p:sp>
-        <p:nvSpPr>
-          <p:cNvPr id="77" name="TextBox 76"/>
-          <p:cNvSpPr txBox="1"/>
-          <p:nvPr/>
-        </p:nvSpPr>
-        <p:spPr>
-          <a:xfrm>
-            <a:off x="5728274" y="3015595"/>
-            <a:ext cx="2506091" cy="523220"/>
-          </a:xfrm>
-          <a:prstGeom prst="rect">
-            <a:avLst/>
-          </a:prstGeom>
-          <a:noFill/>
-        </p:spPr>
-        <p:txBody>
-          <a:bodyPr wrap="square" rtlCol="0">
-            <a:spAutoFit/>
-          </a:bodyPr>
-          <a:lstStyle/>
-          <a:p>
-            <a:pPr algn="ctr"/>
-            <a:r>
-              <a:rPr lang="en-CA" sz="1400" dirty="0"/>
-              <a:t>Interpret actions to lower level function call  </a:t>
-            </a:r>
-          </a:p>
-        </p:txBody>
-      </p:sp>
-      <p:sp>
-        <p:nvSpPr>
-          <p:cNvPr id="78" name="TextBox 77"/>
-          <p:cNvSpPr txBox="1"/>
-          <p:nvPr/>
-        </p:nvSpPr>
-        <p:spPr>
-          <a:xfrm>
-            <a:off x="5728274" y="4264922"/>
-            <a:ext cx="2506091" cy="523220"/>
-          </a:xfrm>
-          <a:prstGeom prst="rect">
-            <a:avLst/>
-          </a:prstGeom>
-          <a:noFill/>
-        </p:spPr>
-        <p:txBody>
-          <a:bodyPr wrap="square" rtlCol="0">
-            <a:spAutoFit/>
-          </a:bodyPr>
-          <a:lstStyle/>
-          <a:p>
-            <a:pPr algn="ctr"/>
-            <a:r>
-              <a:rPr lang="en-CA" sz="1400" dirty="0"/>
-              <a:t>BLE communication management </a:t>
-            </a:r>
-          </a:p>
-        </p:txBody>
-      </p:sp>
+              </a:endParaRPr>
+            </a:p>
+          </p:txBody>
+        </p:sp>
+      </p:grpSp>
       <p:sp>
         <p:nvSpPr>
           <p:cNvPr id="45" name="TextBox 44"/>
@@ -8875,7 +8590,7 @@
 </p:sld>
 </file>
 
-<file path=ppt/slides/slide12.xml><?xml version="1.0" encoding="utf-8"?>
+<file path=ppt/slides/slide11.xml><?xml version="1.0" encoding="utf-8"?>
 <p:sld xmlns:a="http://schemas.openxmlformats.org/drawingml/2006/main" xmlns:r="http://schemas.openxmlformats.org/officeDocument/2006/relationships" xmlns:p="http://schemas.openxmlformats.org/presentationml/2006/main">
   <p:cSld>
     <p:spTree>
@@ -9025,14 +8740,14 @@
           </a:ln>
           <a:extLst>
             <a:ext uri="{909E8E84-426E-40dd-AFC4-6F175D3DCCD1}">
-              <a14:hiddenFill xmlns="" xmlns:a14="http://schemas.microsoft.com/office/drawing/2010/main">
+              <a14:hiddenFill xmlns:a14="http://schemas.microsoft.com/office/drawing/2010/main" xmlns="">
                 <a:solidFill>
                   <a:srgbClr val="FFFFFF"/>
                 </a:solidFill>
               </a14:hiddenFill>
             </a:ext>
             <a:ext uri="{91240B29-F687-4f45-9708-019B960494DF}">
-              <a14:hiddenLine xmlns="" xmlns:a14="http://schemas.microsoft.com/office/drawing/2010/main" w="9525">
+              <a14:hiddenLine xmlns:a14="http://schemas.microsoft.com/office/drawing/2010/main" xmlns="" w="9525">
                 <a:solidFill>
                   <a:srgbClr val="000000"/>
                 </a:solidFill>
@@ -9042,7 +8757,7 @@
               </a14:hiddenLine>
             </a:ext>
             <a:ext uri="{FAA26D3D-D897-4be2-8F04-BA451C77F1D7}">
-              <ma14:placeholderFlag xmlns="" xmlns:ma14="http://schemas.microsoft.com/office/mac/drawingml/2011/main" val="1"/>
+              <ma14:placeholderFlag xmlns:ma14="http://schemas.microsoft.com/office/mac/drawingml/2011/main" xmlns="" val="1"/>
             </a:ext>
           </a:extLst>
         </p:spPr>
@@ -9246,7 +8961,7 @@
 </p:sld>
 </file>
 
-<file path=ppt/slides/slide13.xml><?xml version="1.0" encoding="utf-8"?>
+<file path=ppt/slides/slide12.xml><?xml version="1.0" encoding="utf-8"?>
 <p:sld xmlns:a="http://schemas.openxmlformats.org/drawingml/2006/main" xmlns:r="http://schemas.openxmlformats.org/officeDocument/2006/relationships" xmlns:p="http://schemas.openxmlformats.org/presentationml/2006/main">
   <p:cSld>
     <p:spTree>
@@ -9322,7 +9037,7 @@
         </p:nvSpPr>
         <p:spPr>
           <a:xfrm>
-            <a:off x="3223579" y="5378469"/>
+            <a:off x="3223579" y="5209401"/>
             <a:ext cx="2560316" cy="276999"/>
           </a:xfrm>
           <a:prstGeom prst="rect">
@@ -9366,14 +9081,14 @@
           </a:ln>
           <a:extLst>
             <a:ext uri="{909E8E84-426E-40dd-AFC4-6F175D3DCCD1}">
-              <a14:hiddenFill xmlns="" xmlns:a14="http://schemas.microsoft.com/office/drawing/2010/main">
+              <a14:hiddenFill xmlns:a14="http://schemas.microsoft.com/office/drawing/2010/main" xmlns="">
                 <a:solidFill>
                   <a:srgbClr val="FFFFFF"/>
                 </a:solidFill>
               </a14:hiddenFill>
             </a:ext>
             <a:ext uri="{91240B29-F687-4f45-9708-019B960494DF}">
-              <a14:hiddenLine xmlns="" xmlns:a14="http://schemas.microsoft.com/office/drawing/2010/main" w="9525">
+              <a14:hiddenLine xmlns:a14="http://schemas.microsoft.com/office/drawing/2010/main" xmlns="" w="9525">
                 <a:solidFill>
                   <a:srgbClr val="000000"/>
                 </a:solidFill>
@@ -9383,7 +9098,7 @@
               </a14:hiddenLine>
             </a:ext>
             <a:ext uri="{FAA26D3D-D897-4be2-8F04-BA451C77F1D7}">
-              <ma14:placeholderFlag xmlns="" xmlns:ma14="http://schemas.microsoft.com/office/mac/drawingml/2011/main" val="1"/>
+              <ma14:placeholderFlag xmlns:ma14="http://schemas.microsoft.com/office/mac/drawingml/2011/main" xmlns="" val="1"/>
             </a:ext>
           </a:extLst>
         </p:spPr>
@@ -9587,7 +9302,7 @@
 </p:sld>
 </file>
 
-<file path=ppt/slides/slide14.xml><?xml version="1.0" encoding="utf-8"?>
+<file path=ppt/slides/slide13.xml><?xml version="1.0" encoding="utf-8"?>
 <p:sld xmlns:a="http://schemas.openxmlformats.org/drawingml/2006/main" xmlns:r="http://schemas.openxmlformats.org/officeDocument/2006/relationships" xmlns:p="http://schemas.openxmlformats.org/presentationml/2006/main">
   <p:cSld>
     <p:spTree>
@@ -10082,7 +9797,7 @@
 </p:sld>
 </file>
 
-<file path=ppt/slides/slide15.xml><?xml version="1.0" encoding="utf-8"?>
+<file path=ppt/slides/slide14.xml><?xml version="1.0" encoding="utf-8"?>
 <p:sld xmlns:a="http://schemas.openxmlformats.org/drawingml/2006/main" xmlns:r="http://schemas.openxmlformats.org/officeDocument/2006/relationships" xmlns:p="http://schemas.openxmlformats.org/presentationml/2006/main">
   <p:cSld>
     <p:spTree>
@@ -10272,7 +9987,7 @@
 </p:sld>
 </file>
 
-<file path=ppt/slides/slide16.xml><?xml version="1.0" encoding="utf-8"?>
+<file path=ppt/slides/slide15.xml><?xml version="1.0" encoding="utf-8"?>
 <p:sld xmlns:a="http://schemas.openxmlformats.org/drawingml/2006/main" xmlns:r="http://schemas.openxmlformats.org/officeDocument/2006/relationships" xmlns:p="http://schemas.openxmlformats.org/presentationml/2006/main">
   <p:cSld>
     <p:spTree>
@@ -10474,7 +10189,7 @@
 </p:sld>
 </file>
 
-<file path=ppt/slides/slide17.xml><?xml version="1.0" encoding="utf-8"?>
+<file path=ppt/slides/slide16.xml><?xml version="1.0" encoding="utf-8"?>
 <p:sld xmlns:a="http://schemas.openxmlformats.org/drawingml/2006/main" xmlns:r="http://schemas.openxmlformats.org/officeDocument/2006/relationships" xmlns:p="http://schemas.openxmlformats.org/presentationml/2006/main">
   <p:cSld>
     <p:spTree>
@@ -10656,7 +10371,7 @@
 </p:sld>
 </file>
 
-<file path=ppt/slides/slide18.xml><?xml version="1.0" encoding="utf-8"?>
+<file path=ppt/slides/slide17.xml><?xml version="1.0" encoding="utf-8"?>
 <p:sld xmlns:a="http://schemas.openxmlformats.org/drawingml/2006/main" xmlns:r="http://schemas.openxmlformats.org/officeDocument/2006/relationships" xmlns:p="http://schemas.openxmlformats.org/presentationml/2006/main">
   <p:cSld>
     <p:spTree>
@@ -10770,14 +10485,14 @@
           </a:ln>
           <a:extLst>
             <a:ext uri="{909E8E84-426E-40dd-AFC4-6F175D3DCCD1}">
-              <a14:hiddenFill xmlns="" xmlns:a14="http://schemas.microsoft.com/office/drawing/2010/main">
+              <a14:hiddenFill xmlns:a14="http://schemas.microsoft.com/office/drawing/2010/main" xmlns="">
                 <a:solidFill>
                   <a:srgbClr val="FFFFFF"/>
                 </a:solidFill>
               </a14:hiddenFill>
             </a:ext>
             <a:ext uri="{91240B29-F687-4f45-9708-019B960494DF}">
-              <a14:hiddenLine xmlns="" xmlns:a14="http://schemas.microsoft.com/office/drawing/2010/main" w="9525">
+              <a14:hiddenLine xmlns:a14="http://schemas.microsoft.com/office/drawing/2010/main" xmlns="" w="9525">
                 <a:solidFill>
                   <a:srgbClr val="000000"/>
                 </a:solidFill>
@@ -10787,7 +10502,7 @@
               </a14:hiddenLine>
             </a:ext>
             <a:ext uri="{FAA26D3D-D897-4be2-8F04-BA451C77F1D7}">
-              <ma14:placeholderFlag xmlns="" xmlns:ma14="http://schemas.microsoft.com/office/mac/drawingml/2011/main" val="1"/>
+              <ma14:placeholderFlag xmlns:ma14="http://schemas.microsoft.com/office/mac/drawingml/2011/main" xmlns="" val="1"/>
             </a:ext>
           </a:extLst>
         </p:spPr>
@@ -10965,14 +10680,14 @@
           </a:ln>
           <a:extLst>
             <a:ext uri="{909E8E84-426E-40dd-AFC4-6F175D3DCCD1}">
-              <a14:hiddenFill xmlns="" xmlns:a14="http://schemas.microsoft.com/office/drawing/2010/main">
+              <a14:hiddenFill xmlns:a14="http://schemas.microsoft.com/office/drawing/2010/main" xmlns="">
                 <a:solidFill>
                   <a:srgbClr val="FFFFFF"/>
                 </a:solidFill>
               </a14:hiddenFill>
             </a:ext>
             <a:ext uri="{91240B29-F687-4f45-9708-019B960494DF}">
-              <a14:hiddenLine xmlns="" xmlns:a14="http://schemas.microsoft.com/office/drawing/2010/main" w="9525">
+              <a14:hiddenLine xmlns:a14="http://schemas.microsoft.com/office/drawing/2010/main" xmlns="" w="9525">
                 <a:solidFill>
                   <a:srgbClr val="000000"/>
                 </a:solidFill>
@@ -10982,7 +10697,7 @@
               </a14:hiddenLine>
             </a:ext>
             <a:ext uri="{FAA26D3D-D897-4be2-8F04-BA451C77F1D7}">
-              <ma14:placeholderFlag xmlns="" xmlns:ma14="http://schemas.microsoft.com/office/mac/drawingml/2011/main" val="1"/>
+              <ma14:placeholderFlag xmlns:ma14="http://schemas.microsoft.com/office/mac/drawingml/2011/main" xmlns="" val="1"/>
             </a:ext>
           </a:extLst>
         </p:spPr>
@@ -11186,7 +10901,7 @@
 </p:sld>
 </file>
 
-<file path=ppt/slides/slide19.xml><?xml version="1.0" encoding="utf-8"?>
+<file path=ppt/slides/slide18.xml><?xml version="1.0" encoding="utf-8"?>
 <p:sld xmlns:a="http://schemas.openxmlformats.org/drawingml/2006/main" xmlns:r="http://schemas.openxmlformats.org/officeDocument/2006/relationships" xmlns:p="http://schemas.openxmlformats.org/presentationml/2006/main">
   <p:cSld>
     <p:spTree>
@@ -11416,6 +11131,65 @@
     <p:extLst>
       <p:ext uri="{BB962C8B-B14F-4D97-AF65-F5344CB8AC3E}">
         <p14:creationId xmlns:p14="http://schemas.microsoft.com/office/powerpoint/2010/main" val="940823344"/>
+      </p:ext>
+    </p:extLst>
+  </p:cSld>
+  <p:clrMapOvr>
+    <a:masterClrMapping/>
+  </p:clrMapOvr>
+</p:sld>
+</file>
+
+<file path=ppt/slides/slide19.xml><?xml version="1.0" encoding="utf-8"?>
+<p:sld xmlns:a="http://schemas.openxmlformats.org/drawingml/2006/main" xmlns:r="http://schemas.openxmlformats.org/officeDocument/2006/relationships" xmlns:p="http://schemas.openxmlformats.org/presentationml/2006/main">
+  <p:cSld>
+    <p:spTree>
+      <p:nvGrpSpPr>
+        <p:cNvPr id="1" name=""/>
+        <p:cNvGrpSpPr/>
+        <p:nvPr/>
+      </p:nvGrpSpPr>
+      <p:grpSpPr>
+        <a:xfrm>
+          <a:off x="0" y="0"/>
+          <a:ext cx="0" cy="0"/>
+          <a:chOff x="0" y="0"/>
+          <a:chExt cx="0" cy="0"/>
+        </a:xfrm>
+      </p:grpSpPr>
+      <p:sp>
+        <p:nvSpPr>
+          <p:cNvPr id="4" name="TextBox 3"/>
+          <p:cNvSpPr txBox="1"/>
+          <p:nvPr/>
+        </p:nvSpPr>
+        <p:spPr>
+          <a:xfrm>
+            <a:off x="3886200" y="3124200"/>
+            <a:ext cx="1508746" cy="461665"/>
+          </a:xfrm>
+          <a:prstGeom prst="rect">
+            <a:avLst/>
+          </a:prstGeom>
+          <a:noFill/>
+        </p:spPr>
+        <p:txBody>
+          <a:bodyPr wrap="none" rtlCol="0">
+            <a:spAutoFit/>
+          </a:bodyPr>
+          <a:lstStyle/>
+          <a:p>
+            <a:r>
+              <a:rPr lang="en-CA" dirty="0"/>
+              <a:t>Thank you</a:t>
+            </a:r>
+          </a:p>
+        </p:txBody>
+      </p:sp>
+    </p:spTree>
+    <p:extLst>
+      <p:ext uri="{BB962C8B-B14F-4D97-AF65-F5344CB8AC3E}">
+        <p14:creationId xmlns:p14="http://schemas.microsoft.com/office/powerpoint/2010/main" val="773679525"/>
       </p:ext>
     </p:extLst>
   </p:cSld>
@@ -11537,65 +11311,6 @@
 </p:sld>
 </file>
 
-<file path=ppt/slides/slide20.xml><?xml version="1.0" encoding="utf-8"?>
-<p:sld xmlns:a="http://schemas.openxmlformats.org/drawingml/2006/main" xmlns:r="http://schemas.openxmlformats.org/officeDocument/2006/relationships" xmlns:p="http://schemas.openxmlformats.org/presentationml/2006/main">
-  <p:cSld>
-    <p:spTree>
-      <p:nvGrpSpPr>
-        <p:cNvPr id="1" name=""/>
-        <p:cNvGrpSpPr/>
-        <p:nvPr/>
-      </p:nvGrpSpPr>
-      <p:grpSpPr>
-        <a:xfrm>
-          <a:off x="0" y="0"/>
-          <a:ext cx="0" cy="0"/>
-          <a:chOff x="0" y="0"/>
-          <a:chExt cx="0" cy="0"/>
-        </a:xfrm>
-      </p:grpSpPr>
-      <p:sp>
-        <p:nvSpPr>
-          <p:cNvPr id="4" name="TextBox 3"/>
-          <p:cNvSpPr txBox="1"/>
-          <p:nvPr/>
-        </p:nvSpPr>
-        <p:spPr>
-          <a:xfrm>
-            <a:off x="3886200" y="3124200"/>
-            <a:ext cx="1508746" cy="461665"/>
-          </a:xfrm>
-          <a:prstGeom prst="rect">
-            <a:avLst/>
-          </a:prstGeom>
-          <a:noFill/>
-        </p:spPr>
-        <p:txBody>
-          <a:bodyPr wrap="none" rtlCol="0">
-            <a:spAutoFit/>
-          </a:bodyPr>
-          <a:lstStyle/>
-          <a:p>
-            <a:r>
-              <a:rPr lang="en-CA" dirty="0"/>
-              <a:t>Thank you</a:t>
-            </a:r>
-          </a:p>
-        </p:txBody>
-      </p:sp>
-    </p:spTree>
-    <p:extLst>
-      <p:ext uri="{BB962C8B-B14F-4D97-AF65-F5344CB8AC3E}">
-        <p14:creationId xmlns:p14="http://schemas.microsoft.com/office/powerpoint/2010/main" val="773679525"/>
-      </p:ext>
-    </p:extLst>
-  </p:cSld>
-  <p:clrMapOvr>
-    <a:masterClrMapping/>
-  </p:clrMapOvr>
-</p:sld>
-</file>
-
 <file path=ppt/slides/slide3.xml><?xml version="1.0" encoding="utf-8"?>
 <p:sld xmlns:a="http://schemas.openxmlformats.org/drawingml/2006/main" xmlns:r="http://schemas.openxmlformats.org/officeDocument/2006/relationships" xmlns:p="http://schemas.openxmlformats.org/presentationml/2006/main">
   <p:cSld>
@@ -11716,14 +11431,14 @@
           </a:ln>
           <a:extLst>
             <a:ext uri="{909E8E84-426E-40dd-AFC4-6F175D3DCCD1}">
-              <a14:hiddenFill xmlns="" xmlns:a14="http://schemas.microsoft.com/office/drawing/2010/main">
+              <a14:hiddenFill xmlns:a14="http://schemas.microsoft.com/office/drawing/2010/main" xmlns="">
                 <a:solidFill>
                   <a:srgbClr val="FFFFFF"/>
                 </a:solidFill>
               </a14:hiddenFill>
             </a:ext>
             <a:ext uri="{91240B29-F687-4f45-9708-019B960494DF}">
-              <a14:hiddenLine xmlns="" xmlns:a14="http://schemas.microsoft.com/office/drawing/2010/main" w="9525">
+              <a14:hiddenLine xmlns:a14="http://schemas.microsoft.com/office/drawing/2010/main" xmlns="" w="9525">
                 <a:solidFill>
                   <a:srgbClr val="000000"/>
                 </a:solidFill>
@@ -11733,7 +11448,7 @@
               </a14:hiddenLine>
             </a:ext>
             <a:ext uri="{FAA26D3D-D897-4be2-8F04-BA451C77F1D7}">
-              <ma14:placeholderFlag xmlns="" xmlns:ma14="http://schemas.microsoft.com/office/mac/drawingml/2011/main" val="1"/>
+              <ma14:placeholderFlag xmlns:ma14="http://schemas.microsoft.com/office/mac/drawingml/2011/main" xmlns="" val="1"/>
             </a:ext>
           </a:extLst>
         </p:spPr>
@@ -12114,14 +11829,14 @@
           </a:ln>
           <a:extLst>
             <a:ext uri="{909E8E84-426E-40dd-AFC4-6F175D3DCCD1}">
-              <a14:hiddenFill xmlns="" xmlns:a14="http://schemas.microsoft.com/office/drawing/2010/main">
+              <a14:hiddenFill xmlns:a14="http://schemas.microsoft.com/office/drawing/2010/main" xmlns="">
                 <a:solidFill>
                   <a:srgbClr val="FFFFFF"/>
                 </a:solidFill>
               </a14:hiddenFill>
             </a:ext>
             <a:ext uri="{91240B29-F687-4f45-9708-019B960494DF}">
-              <a14:hiddenLine xmlns="" xmlns:a14="http://schemas.microsoft.com/office/drawing/2010/main" w="9525">
+              <a14:hiddenLine xmlns:a14="http://schemas.microsoft.com/office/drawing/2010/main" xmlns="" w="9525">
                 <a:solidFill>
                   <a:srgbClr val="000000"/>
                 </a:solidFill>
@@ -12131,7 +11846,7 @@
               </a14:hiddenLine>
             </a:ext>
             <a:ext uri="{FAA26D3D-D897-4be2-8F04-BA451C77F1D7}">
-              <ma14:placeholderFlag xmlns="" xmlns:ma14="http://schemas.microsoft.com/office/mac/drawingml/2011/main" val="1"/>
+              <ma14:placeholderFlag xmlns:ma14="http://schemas.microsoft.com/office/mac/drawingml/2011/main" xmlns="" val="1"/>
             </a:ext>
           </a:extLst>
         </p:spPr>
@@ -12336,288 +12051,6 @@
 </file>
 
 <file path=ppt/slides/slide5.xml><?xml version="1.0" encoding="utf-8"?>
-<p:sld xmlns:a="http://schemas.openxmlformats.org/drawingml/2006/main" xmlns:r="http://schemas.openxmlformats.org/officeDocument/2006/relationships" xmlns:p="http://schemas.openxmlformats.org/presentationml/2006/main">
-  <p:cSld>
-    <p:spTree>
-      <p:nvGrpSpPr>
-        <p:cNvPr id="1" name=""/>
-        <p:cNvGrpSpPr/>
-        <p:nvPr/>
-      </p:nvGrpSpPr>
-      <p:grpSpPr>
-        <a:xfrm>
-          <a:off x="0" y="0"/>
-          <a:ext cx="0" cy="0"/>
-          <a:chOff x="0" y="0"/>
-          <a:chExt cx="0" cy="0"/>
-        </a:xfrm>
-      </p:grpSpPr>
-      <p:sp>
-        <p:nvSpPr>
-          <p:cNvPr id="2" name="Title 1"/>
-          <p:cNvSpPr>
-            <a:spLocks noGrp="1"/>
-          </p:cNvSpPr>
-          <p:nvPr>
-            <p:ph type="title"/>
-          </p:nvPr>
-        </p:nvSpPr>
-        <p:spPr/>
-        <p:txBody>
-          <a:bodyPr/>
-          <a:lstStyle/>
-          <a:p>
-            <a:r>
-              <a:rPr lang="en-CA" dirty="0"/>
-              <a:t>Introduction</a:t>
-            </a:r>
-          </a:p>
-        </p:txBody>
-      </p:sp>
-      <p:sp>
-        <p:nvSpPr>
-          <p:cNvPr id="21" name="Content Placeholder 2"/>
-          <p:cNvSpPr txBox="1">
-            <a:spLocks/>
-          </p:cNvSpPr>
-          <p:nvPr/>
-        </p:nvSpPr>
-        <p:spPr bwMode="auto">
-          <a:xfrm>
-            <a:off x="228599" y="1416311"/>
-            <a:ext cx="8550275" cy="314616"/>
-          </a:xfrm>
-          <a:prstGeom prst="rect">
-            <a:avLst/>
-          </a:prstGeom>
-          <a:noFill/>
-          <a:ln>
-            <a:noFill/>
-          </a:ln>
-          <a:extLst>
-            <a:ext uri="{909E8E84-426E-40dd-AFC4-6F175D3DCCD1}">
-              <a14:hiddenFill xmlns="" xmlns:a14="http://schemas.microsoft.com/office/drawing/2010/main">
-                <a:solidFill>
-                  <a:srgbClr val="FFFFFF"/>
-                </a:solidFill>
-              </a14:hiddenFill>
-            </a:ext>
-            <a:ext uri="{91240B29-F687-4f45-9708-019B960494DF}">
-              <a14:hiddenLine xmlns="" xmlns:a14="http://schemas.microsoft.com/office/drawing/2010/main" w="9525">
-                <a:solidFill>
-                  <a:srgbClr val="000000"/>
-                </a:solidFill>
-                <a:miter lim="800000"/>
-                <a:headEnd/>
-                <a:tailEnd/>
-              </a14:hiddenLine>
-            </a:ext>
-            <a:ext uri="{FAA26D3D-D897-4be2-8F04-BA451C77F1D7}">
-              <ma14:placeholderFlag xmlns="" xmlns:ma14="http://schemas.microsoft.com/office/mac/drawingml/2011/main" val="1"/>
-            </a:ext>
-          </a:extLst>
-        </p:spPr>
-        <p:txBody>
-          <a:bodyPr vert="horz" wrap="square" lIns="91440" tIns="45720" rIns="91440" bIns="45720" numCol="1" anchor="t" anchorCtr="0" compatLnSpc="1">
-            <a:prstTxWarp prst="textNoShape">
-              <a:avLst/>
-            </a:prstTxWarp>
-          </a:bodyPr>
-          <a:lstStyle>
-            <a:lvl1pPr marL="269875" indent="-269875" algn="l" rtl="0" eaLnBrk="0" fontAlgn="base" hangingPunct="0">
-              <a:spcBef>
-                <a:spcPct val="20000"/>
-              </a:spcBef>
-              <a:spcAft>
-                <a:spcPct val="0"/>
-              </a:spcAft>
-              <a:buSzPct val="75000"/>
-              <a:buFont typeface="Wingdings" charset="0"/>
-              <a:buChar char="§"/>
-              <a:defRPr sz="3200">
-                <a:solidFill>
-                  <a:srgbClr val="000000"/>
-                </a:solidFill>
-                <a:latin typeface="Calibri"/>
-                <a:ea typeface="ＭＳ Ｐゴシック" pitchFamily="-108" charset="-128"/>
-                <a:cs typeface="Calibri"/>
-              </a:defRPr>
-            </a:lvl1pPr>
-            <a:lvl2pPr marL="914400" indent="-457200" algn="l" rtl="0" eaLnBrk="0" fontAlgn="base" hangingPunct="0">
-              <a:spcBef>
-                <a:spcPct val="20000"/>
-              </a:spcBef>
-              <a:spcAft>
-                <a:spcPct val="0"/>
-              </a:spcAft>
-              <a:buClrTx/>
-              <a:buSzPct val="100000"/>
-              <a:buFont typeface="Arial"/>
-              <a:buChar char="•"/>
-              <a:defRPr sz="2800">
-                <a:solidFill>
-                  <a:srgbClr val="000000"/>
-                </a:solidFill>
-                <a:latin typeface="Calibri"/>
-                <a:ea typeface="ＭＳ Ｐゴシック" pitchFamily="-108" charset="-128"/>
-                <a:cs typeface="Calibri"/>
-              </a:defRPr>
-            </a:lvl2pPr>
-            <a:lvl3pPr marL="1371600" indent="-457200" algn="l" rtl="0" eaLnBrk="0" fontAlgn="base" hangingPunct="0">
-              <a:spcBef>
-                <a:spcPct val="20000"/>
-              </a:spcBef>
-              <a:spcAft>
-                <a:spcPct val="0"/>
-              </a:spcAft>
-              <a:buClrTx/>
-              <a:buSzPct val="100000"/>
-              <a:buFont typeface="Arial"/>
-              <a:buChar char="•"/>
-              <a:defRPr sz="2400">
-                <a:solidFill>
-                  <a:srgbClr val="000000"/>
-                </a:solidFill>
-                <a:latin typeface="Calibri"/>
-                <a:ea typeface="ＭＳ Ｐゴシック" pitchFamily="-108" charset="-128"/>
-                <a:cs typeface="Calibri"/>
-              </a:defRPr>
-            </a:lvl3pPr>
-            <a:lvl4pPr marL="1752600" indent="-381000" algn="l" rtl="0" eaLnBrk="0" fontAlgn="base" hangingPunct="0">
-              <a:spcBef>
-                <a:spcPct val="20000"/>
-              </a:spcBef>
-              <a:spcAft>
-                <a:spcPct val="0"/>
-              </a:spcAft>
-              <a:buClrTx/>
-              <a:buSzPct val="100000"/>
-              <a:buFont typeface="Arial"/>
-              <a:buChar char="•"/>
-              <a:defRPr sz="2000">
-                <a:solidFill>
-                  <a:srgbClr val="000000"/>
-                </a:solidFill>
-                <a:latin typeface="Calibri"/>
-                <a:ea typeface="ＭＳ Ｐゴシック" pitchFamily="-108" charset="-128"/>
-                <a:cs typeface="Calibri"/>
-              </a:defRPr>
-            </a:lvl4pPr>
-            <a:lvl5pPr marL="2209800" indent="-381000" algn="l" rtl="0" eaLnBrk="0" fontAlgn="base" hangingPunct="0">
-              <a:spcBef>
-                <a:spcPct val="20000"/>
-              </a:spcBef>
-              <a:spcAft>
-                <a:spcPct val="0"/>
-              </a:spcAft>
-              <a:buClrTx/>
-              <a:buSzPct val="100000"/>
-              <a:buFont typeface="Arial"/>
-              <a:buChar char="•"/>
-              <a:defRPr sz="1800">
-                <a:solidFill>
-                  <a:srgbClr val="000000"/>
-                </a:solidFill>
-                <a:latin typeface="Calibri"/>
-                <a:ea typeface="ＭＳ Ｐゴシック" pitchFamily="-108" charset="-128"/>
-                <a:cs typeface="Calibri"/>
-              </a:defRPr>
-            </a:lvl5pPr>
-            <a:lvl6pPr marL="2667000" indent="-381000" algn="l" rtl="0" fontAlgn="base">
-              <a:spcBef>
-                <a:spcPct val="20000"/>
-              </a:spcBef>
-              <a:spcAft>
-                <a:spcPct val="0"/>
-              </a:spcAft>
-              <a:buFont typeface="Times" pitchFamily="-108" charset="0"/>
-              <a:buChar char="•"/>
-              <a:defRPr sz="2000">
-                <a:solidFill>
-                  <a:srgbClr val="FFFFFF"/>
-                </a:solidFill>
-                <a:latin typeface="Georgia" pitchFamily="-108" charset="0"/>
-                <a:ea typeface="ＭＳ Ｐゴシック" pitchFamily="-108" charset="-128"/>
-              </a:defRPr>
-            </a:lvl6pPr>
-            <a:lvl7pPr marL="3124200" indent="-381000" algn="l" rtl="0" fontAlgn="base">
-              <a:spcBef>
-                <a:spcPct val="20000"/>
-              </a:spcBef>
-              <a:spcAft>
-                <a:spcPct val="0"/>
-              </a:spcAft>
-              <a:buFont typeface="Times" pitchFamily="-108" charset="0"/>
-              <a:buChar char="•"/>
-              <a:defRPr sz="2000">
-                <a:solidFill>
-                  <a:srgbClr val="FFFFFF"/>
-                </a:solidFill>
-                <a:latin typeface="Georgia" pitchFamily="-108" charset="0"/>
-                <a:ea typeface="ＭＳ Ｐゴシック" pitchFamily="-108" charset="-128"/>
-              </a:defRPr>
-            </a:lvl7pPr>
-            <a:lvl8pPr marL="3581400" indent="-381000" algn="l" rtl="0" fontAlgn="base">
-              <a:spcBef>
-                <a:spcPct val="20000"/>
-              </a:spcBef>
-              <a:spcAft>
-                <a:spcPct val="0"/>
-              </a:spcAft>
-              <a:buFont typeface="Times" pitchFamily="-108" charset="0"/>
-              <a:buChar char="•"/>
-              <a:defRPr sz="2000">
-                <a:solidFill>
-                  <a:srgbClr val="FFFFFF"/>
-                </a:solidFill>
-                <a:latin typeface="Georgia" pitchFamily="-108" charset="0"/>
-                <a:ea typeface="ＭＳ Ｐゴシック" pitchFamily="-108" charset="-128"/>
-              </a:defRPr>
-            </a:lvl8pPr>
-            <a:lvl9pPr marL="4038600" indent="-381000" algn="l" rtl="0" fontAlgn="base">
-              <a:spcBef>
-                <a:spcPct val="20000"/>
-              </a:spcBef>
-              <a:spcAft>
-                <a:spcPct val="0"/>
-              </a:spcAft>
-              <a:buFont typeface="Times" pitchFamily="-108" charset="0"/>
-              <a:buChar char="•"/>
-              <a:defRPr sz="2000">
-                <a:solidFill>
-                  <a:srgbClr val="FFFFFF"/>
-                </a:solidFill>
-                <a:latin typeface="Georgia" pitchFamily="-108" charset="0"/>
-                <a:ea typeface="ＭＳ Ｐゴシック" pitchFamily="-108" charset="-128"/>
-              </a:defRPr>
-            </a:lvl9pPr>
-          </a:lstStyle>
-          <a:p>
-            <a:pPr marL="0" indent="0">
-              <a:buFont typeface="Wingdings" charset="0"/>
-              <a:buNone/>
-            </a:pPr>
-            <a:r>
-              <a:rPr lang="en-CA" sz="2000" kern="0" dirty="0"/>
-              <a:t>3.BLE </a:t>
-            </a:r>
-          </a:p>
-        </p:txBody>
-      </p:sp>
-    </p:spTree>
-    <p:extLst>
-      <p:ext uri="{BB962C8B-B14F-4D97-AF65-F5344CB8AC3E}">
-        <p14:creationId xmlns:p14="http://schemas.microsoft.com/office/powerpoint/2010/main" val="751490843"/>
-      </p:ext>
-    </p:extLst>
-  </p:cSld>
-  <p:clrMapOvr>
-    <a:masterClrMapping/>
-  </p:clrMapOvr>
-</p:sld>
-</file>
-
-<file path=ppt/slides/slide6.xml><?xml version="1.0" encoding="utf-8"?>
 <p:sld xmlns:a="http://schemas.openxmlformats.org/drawingml/2006/main" xmlns:r="http://schemas.openxmlformats.org/officeDocument/2006/relationships" xmlns:p="http://schemas.openxmlformats.org/presentationml/2006/main">
   <p:cSld>
     <p:spTree>
@@ -13375,14 +12808,14 @@
           </a:ln>
           <a:extLst>
             <a:ext uri="{909E8E84-426E-40dd-AFC4-6F175D3DCCD1}">
-              <a14:hiddenFill xmlns="" xmlns:a14="http://schemas.microsoft.com/office/drawing/2010/main">
+              <a14:hiddenFill xmlns:a14="http://schemas.microsoft.com/office/drawing/2010/main" xmlns="">
                 <a:solidFill>
                   <a:srgbClr val="FFFFFF"/>
                 </a:solidFill>
               </a14:hiddenFill>
             </a:ext>
             <a:ext uri="{91240B29-F687-4f45-9708-019B960494DF}">
-              <a14:hiddenLine xmlns="" xmlns:a14="http://schemas.microsoft.com/office/drawing/2010/main" w="9525">
+              <a14:hiddenLine xmlns:a14="http://schemas.microsoft.com/office/drawing/2010/main" xmlns="" w="9525">
                 <a:solidFill>
                   <a:srgbClr val="000000"/>
                 </a:solidFill>
@@ -13392,7 +12825,7 @@
               </a14:hiddenLine>
             </a:ext>
             <a:ext uri="{FAA26D3D-D897-4be2-8F04-BA451C77F1D7}">
-              <ma14:placeholderFlag xmlns="" xmlns:ma14="http://schemas.microsoft.com/office/mac/drawingml/2011/main" val="1"/>
+              <ma14:placeholderFlag xmlns:ma14="http://schemas.microsoft.com/office/mac/drawingml/2011/main" xmlns="" val="1"/>
             </a:ext>
           </a:extLst>
         </p:spPr>
@@ -13587,6 +13020,351 @@
     <p:extLst>
       <p:ext uri="{BB962C8B-B14F-4D97-AF65-F5344CB8AC3E}">
         <p14:creationId xmlns:p14="http://schemas.microsoft.com/office/powerpoint/2010/main" val="2659086581"/>
+      </p:ext>
+    </p:extLst>
+  </p:cSld>
+  <p:clrMapOvr>
+    <a:masterClrMapping/>
+  </p:clrMapOvr>
+</p:sld>
+</file>
+
+<file path=ppt/slides/slide6.xml><?xml version="1.0" encoding="utf-8"?>
+<p:sld xmlns:a="http://schemas.openxmlformats.org/drawingml/2006/main" xmlns:r="http://schemas.openxmlformats.org/officeDocument/2006/relationships" xmlns:p="http://schemas.openxmlformats.org/presentationml/2006/main">
+  <p:cSld>
+    <p:spTree>
+      <p:nvGrpSpPr>
+        <p:cNvPr id="1" name=""/>
+        <p:cNvGrpSpPr/>
+        <p:nvPr/>
+      </p:nvGrpSpPr>
+      <p:grpSpPr>
+        <a:xfrm>
+          <a:off x="0" y="0"/>
+          <a:ext cx="0" cy="0"/>
+          <a:chOff x="0" y="0"/>
+          <a:chExt cx="0" cy="0"/>
+        </a:xfrm>
+      </p:grpSpPr>
+      <p:sp>
+        <p:nvSpPr>
+          <p:cNvPr id="2" name="Title 1"/>
+          <p:cNvSpPr>
+            <a:spLocks noGrp="1"/>
+          </p:cNvSpPr>
+          <p:nvPr>
+            <p:ph type="title"/>
+          </p:nvPr>
+        </p:nvSpPr>
+        <p:spPr/>
+        <p:txBody>
+          <a:bodyPr/>
+          <a:lstStyle/>
+          <a:p>
+            <a:r>
+              <a:rPr lang="en-CA" dirty="0"/>
+              <a:t>Problem Definition</a:t>
+            </a:r>
+          </a:p>
+        </p:txBody>
+      </p:sp>
+      <p:sp>
+        <p:nvSpPr>
+          <p:cNvPr id="7" name="Content Placeholder 2"/>
+          <p:cNvSpPr>
+            <a:spLocks noGrp="1"/>
+          </p:cNvSpPr>
+          <p:nvPr>
+            <p:ph idx="1"/>
+          </p:nvPr>
+        </p:nvSpPr>
+        <p:spPr>
+          <a:xfrm>
+            <a:off x="228598" y="1730927"/>
+            <a:ext cx="8550275" cy="4495800"/>
+          </a:xfrm>
+        </p:spPr>
+        <p:txBody>
+          <a:bodyPr/>
+          <a:lstStyle/>
+          <a:p>
+            <a:r>
+              <a:rPr lang="en-CA" sz="2400" dirty="0"/>
+              <a:t>Construct an architecture to supports data communication in sensor cloud.</a:t>
+            </a:r>
+          </a:p>
+          <a:p>
+            <a:pPr marL="0" indent="0">
+              <a:buNone/>
+            </a:pPr>
+            <a:endParaRPr lang="en-CA" sz="2400" dirty="0"/>
+          </a:p>
+          <a:p>
+            <a:r>
+              <a:rPr lang="en-CA" sz="2400" dirty="0"/>
+              <a:t>Overcome limitations of  BLE</a:t>
+            </a:r>
+          </a:p>
+          <a:p>
+            <a:pPr marL="0" indent="0">
+              <a:buNone/>
+            </a:pPr>
+            <a:endParaRPr lang="en-CA" sz="2400" dirty="0"/>
+          </a:p>
+          <a:p>
+            <a:r>
+              <a:rPr lang="en-CA" sz="2400" dirty="0"/>
+              <a:t>Multiple app support on single device</a:t>
+            </a:r>
+          </a:p>
+          <a:p>
+            <a:endParaRPr lang="en-CA" sz="2400" dirty="0"/>
+          </a:p>
+          <a:p>
+            <a:r>
+              <a:rPr lang="en-CA" sz="2400" dirty="0"/>
+              <a:t>Common interface</a:t>
+            </a:r>
+          </a:p>
+          <a:p>
+            <a:endParaRPr lang="en-CA" dirty="0"/>
+          </a:p>
+        </p:txBody>
+      </p:sp>
+      <p:sp>
+        <p:nvSpPr>
+          <p:cNvPr id="4" name="Content Placeholder 2"/>
+          <p:cNvSpPr txBox="1">
+            <a:spLocks/>
+          </p:cNvSpPr>
+          <p:nvPr/>
+        </p:nvSpPr>
+        <p:spPr bwMode="auto">
+          <a:xfrm>
+            <a:off x="228599" y="1416311"/>
+            <a:ext cx="8550275" cy="314616"/>
+          </a:xfrm>
+          <a:prstGeom prst="rect">
+            <a:avLst/>
+          </a:prstGeom>
+          <a:noFill/>
+          <a:ln>
+            <a:noFill/>
+          </a:ln>
+          <a:extLst>
+            <a:ext uri="{909E8E84-426E-40dd-AFC4-6F175D3DCCD1}">
+              <a14:hiddenFill xmlns:a14="http://schemas.microsoft.com/office/drawing/2010/main" xmlns="">
+                <a:solidFill>
+                  <a:srgbClr val="FFFFFF"/>
+                </a:solidFill>
+              </a14:hiddenFill>
+            </a:ext>
+            <a:ext uri="{91240B29-F687-4f45-9708-019B960494DF}">
+              <a14:hiddenLine xmlns:a14="http://schemas.microsoft.com/office/drawing/2010/main" xmlns="" w="9525">
+                <a:solidFill>
+                  <a:srgbClr val="000000"/>
+                </a:solidFill>
+                <a:miter lim="800000"/>
+                <a:headEnd/>
+                <a:tailEnd/>
+              </a14:hiddenLine>
+            </a:ext>
+            <a:ext uri="{FAA26D3D-D897-4be2-8F04-BA451C77F1D7}">
+              <ma14:placeholderFlag xmlns:ma14="http://schemas.microsoft.com/office/mac/drawingml/2011/main" xmlns="" val="1"/>
+            </a:ext>
+          </a:extLst>
+        </p:spPr>
+        <p:txBody>
+          <a:bodyPr vert="horz" wrap="square" lIns="91440" tIns="45720" rIns="91440" bIns="45720" numCol="1" anchor="t" anchorCtr="0" compatLnSpc="1">
+            <a:prstTxWarp prst="textNoShape">
+              <a:avLst/>
+            </a:prstTxWarp>
+          </a:bodyPr>
+          <a:lstStyle>
+            <a:lvl1pPr marL="269875" indent="-269875" algn="l" rtl="0" eaLnBrk="0" fontAlgn="base" hangingPunct="0">
+              <a:spcBef>
+                <a:spcPct val="20000"/>
+              </a:spcBef>
+              <a:spcAft>
+                <a:spcPct val="0"/>
+              </a:spcAft>
+              <a:buSzPct val="75000"/>
+              <a:buFont typeface="Wingdings" charset="0"/>
+              <a:buChar char="§"/>
+              <a:defRPr sz="3200">
+                <a:solidFill>
+                  <a:srgbClr val="000000"/>
+                </a:solidFill>
+                <a:latin typeface="Calibri"/>
+                <a:ea typeface="ＭＳ Ｐゴシック" pitchFamily="-108" charset="-128"/>
+                <a:cs typeface="Calibri"/>
+              </a:defRPr>
+            </a:lvl1pPr>
+            <a:lvl2pPr marL="914400" indent="-457200" algn="l" rtl="0" eaLnBrk="0" fontAlgn="base" hangingPunct="0">
+              <a:spcBef>
+                <a:spcPct val="20000"/>
+              </a:spcBef>
+              <a:spcAft>
+                <a:spcPct val="0"/>
+              </a:spcAft>
+              <a:buClrTx/>
+              <a:buSzPct val="100000"/>
+              <a:buFont typeface="Arial"/>
+              <a:buChar char="•"/>
+              <a:defRPr sz="2800">
+                <a:solidFill>
+                  <a:srgbClr val="000000"/>
+                </a:solidFill>
+                <a:latin typeface="Calibri"/>
+                <a:ea typeface="ＭＳ Ｐゴシック" pitchFamily="-108" charset="-128"/>
+                <a:cs typeface="Calibri"/>
+              </a:defRPr>
+            </a:lvl2pPr>
+            <a:lvl3pPr marL="1371600" indent="-457200" algn="l" rtl="0" eaLnBrk="0" fontAlgn="base" hangingPunct="0">
+              <a:spcBef>
+                <a:spcPct val="20000"/>
+              </a:spcBef>
+              <a:spcAft>
+                <a:spcPct val="0"/>
+              </a:spcAft>
+              <a:buClrTx/>
+              <a:buSzPct val="100000"/>
+              <a:buFont typeface="Arial"/>
+              <a:buChar char="•"/>
+              <a:defRPr sz="2400">
+                <a:solidFill>
+                  <a:srgbClr val="000000"/>
+                </a:solidFill>
+                <a:latin typeface="Calibri"/>
+                <a:ea typeface="ＭＳ Ｐゴシック" pitchFamily="-108" charset="-128"/>
+                <a:cs typeface="Calibri"/>
+              </a:defRPr>
+            </a:lvl3pPr>
+            <a:lvl4pPr marL="1752600" indent="-381000" algn="l" rtl="0" eaLnBrk="0" fontAlgn="base" hangingPunct="0">
+              <a:spcBef>
+                <a:spcPct val="20000"/>
+              </a:spcBef>
+              <a:spcAft>
+                <a:spcPct val="0"/>
+              </a:spcAft>
+              <a:buClrTx/>
+              <a:buSzPct val="100000"/>
+              <a:buFont typeface="Arial"/>
+              <a:buChar char="•"/>
+              <a:defRPr sz="2000">
+                <a:solidFill>
+                  <a:srgbClr val="000000"/>
+                </a:solidFill>
+                <a:latin typeface="Calibri"/>
+                <a:ea typeface="ＭＳ Ｐゴシック" pitchFamily="-108" charset="-128"/>
+                <a:cs typeface="Calibri"/>
+              </a:defRPr>
+            </a:lvl4pPr>
+            <a:lvl5pPr marL="2209800" indent="-381000" algn="l" rtl="0" eaLnBrk="0" fontAlgn="base" hangingPunct="0">
+              <a:spcBef>
+                <a:spcPct val="20000"/>
+              </a:spcBef>
+              <a:spcAft>
+                <a:spcPct val="0"/>
+              </a:spcAft>
+              <a:buClrTx/>
+              <a:buSzPct val="100000"/>
+              <a:buFont typeface="Arial"/>
+              <a:buChar char="•"/>
+              <a:defRPr sz="1800">
+                <a:solidFill>
+                  <a:srgbClr val="000000"/>
+                </a:solidFill>
+                <a:latin typeface="Calibri"/>
+                <a:ea typeface="ＭＳ Ｐゴシック" pitchFamily="-108" charset="-128"/>
+                <a:cs typeface="Calibri"/>
+              </a:defRPr>
+            </a:lvl5pPr>
+            <a:lvl6pPr marL="2667000" indent="-381000" algn="l" rtl="0" fontAlgn="base">
+              <a:spcBef>
+                <a:spcPct val="20000"/>
+              </a:spcBef>
+              <a:spcAft>
+                <a:spcPct val="0"/>
+              </a:spcAft>
+              <a:buFont typeface="Times" pitchFamily="-108" charset="0"/>
+              <a:buChar char="•"/>
+              <a:defRPr sz="2000">
+                <a:solidFill>
+                  <a:srgbClr val="FFFFFF"/>
+                </a:solidFill>
+                <a:latin typeface="Georgia" pitchFamily="-108" charset="0"/>
+                <a:ea typeface="ＭＳ Ｐゴシック" pitchFamily="-108" charset="-128"/>
+              </a:defRPr>
+            </a:lvl6pPr>
+            <a:lvl7pPr marL="3124200" indent="-381000" algn="l" rtl="0" fontAlgn="base">
+              <a:spcBef>
+                <a:spcPct val="20000"/>
+              </a:spcBef>
+              <a:spcAft>
+                <a:spcPct val="0"/>
+              </a:spcAft>
+              <a:buFont typeface="Times" pitchFamily="-108" charset="0"/>
+              <a:buChar char="•"/>
+              <a:defRPr sz="2000">
+                <a:solidFill>
+                  <a:srgbClr val="FFFFFF"/>
+                </a:solidFill>
+                <a:latin typeface="Georgia" pitchFamily="-108" charset="0"/>
+                <a:ea typeface="ＭＳ Ｐゴシック" pitchFamily="-108" charset="-128"/>
+              </a:defRPr>
+            </a:lvl7pPr>
+            <a:lvl8pPr marL="3581400" indent="-381000" algn="l" rtl="0" fontAlgn="base">
+              <a:spcBef>
+                <a:spcPct val="20000"/>
+              </a:spcBef>
+              <a:spcAft>
+                <a:spcPct val="0"/>
+              </a:spcAft>
+              <a:buFont typeface="Times" pitchFamily="-108" charset="0"/>
+              <a:buChar char="•"/>
+              <a:defRPr sz="2000">
+                <a:solidFill>
+                  <a:srgbClr val="FFFFFF"/>
+                </a:solidFill>
+                <a:latin typeface="Georgia" pitchFamily="-108" charset="0"/>
+                <a:ea typeface="ＭＳ Ｐゴシック" pitchFamily="-108" charset="-128"/>
+              </a:defRPr>
+            </a:lvl8pPr>
+            <a:lvl9pPr marL="4038600" indent="-381000" algn="l" rtl="0" fontAlgn="base">
+              <a:spcBef>
+                <a:spcPct val="20000"/>
+              </a:spcBef>
+              <a:spcAft>
+                <a:spcPct val="0"/>
+              </a:spcAft>
+              <a:buFont typeface="Times" pitchFamily="-108" charset="0"/>
+              <a:buChar char="•"/>
+              <a:defRPr sz="2000">
+                <a:solidFill>
+                  <a:srgbClr val="FFFFFF"/>
+                </a:solidFill>
+                <a:latin typeface="Georgia" pitchFamily="-108" charset="0"/>
+                <a:ea typeface="ＭＳ Ｐゴシック" pitchFamily="-108" charset="-128"/>
+              </a:defRPr>
+            </a:lvl9pPr>
+          </a:lstStyle>
+          <a:p>
+            <a:pPr marL="0" indent="0">
+              <a:buFont typeface="Wingdings" charset="0"/>
+              <a:buNone/>
+            </a:pPr>
+            <a:r>
+              <a:rPr lang="en-CA" sz="2000" kern="0" dirty="0"/>
+              <a:t>2.Detail </a:t>
+            </a:r>
+          </a:p>
+        </p:txBody>
+      </p:sp>
+    </p:spTree>
+    <p:extLst>
+      <p:ext uri="{BB962C8B-B14F-4D97-AF65-F5344CB8AC3E}">
+        <p14:creationId xmlns:p14="http://schemas.microsoft.com/office/powerpoint/2010/main" val="2465990063"/>
       </p:ext>
     </p:extLst>
   </p:cSld>
@@ -13630,7 +13408,7 @@
           <a:p>
             <a:r>
               <a:rPr lang="en-CA" dirty="0"/>
-              <a:t>Problem Definition</a:t>
+              <a:t>Related Work</a:t>
             </a:r>
           </a:p>
         </p:txBody>
@@ -13647,7 +13425,7 @@
         </p:nvSpPr>
         <p:spPr>
           <a:xfrm>
-            <a:off x="228598" y="1730927"/>
+            <a:off x="248919" y="1905000"/>
             <a:ext cx="8550275" cy="4495800"/>
           </a:xfrm>
         </p:spPr>
@@ -13655,46 +13433,13 @@
           <a:bodyPr/>
           <a:lstStyle/>
           <a:p>
-            <a:r>
-              <a:rPr lang="en-CA" sz="2400" dirty="0"/>
-              <a:t>Construct an architecture to supports data communication in sensor cloud.</a:t>
-            </a:r>
-          </a:p>
-          <a:p>
             <a:pPr marL="0" indent="0">
               <a:buNone/>
             </a:pPr>
-            <a:endParaRPr lang="en-CA" sz="2400" dirty="0"/>
-          </a:p>
-          <a:p>
             <a:r>
               <a:rPr lang="en-CA" sz="2400" dirty="0"/>
-              <a:t>Overcome limitations of  BLE</a:t>
-            </a:r>
-          </a:p>
-          <a:p>
-            <a:pPr marL="0" indent="0">
-              <a:buNone/>
-            </a:pPr>
-            <a:endParaRPr lang="en-CA" sz="2400" dirty="0"/>
-          </a:p>
-          <a:p>
-            <a:r>
-              <a:rPr lang="en-CA" sz="2400" dirty="0"/>
-              <a:t>Multiple app support on single device</a:t>
-            </a:r>
-          </a:p>
-          <a:p>
-            <a:endParaRPr lang="en-CA" sz="2400" dirty="0"/>
-          </a:p>
-          <a:p>
-            <a:r>
-              <a:rPr lang="en-CA" sz="2400" dirty="0"/>
-              <a:t>Common interface</a:t>
-            </a:r>
-          </a:p>
-          <a:p>
-            <a:endParaRPr lang="en-CA" dirty="0"/>
+              <a:t>In December 2014, Low-power IP(6LoWPAN[4]) is adopted by Bluetooth4.2 which provides another way to achieve CoAP in BLE.</a:t>
+            </a:r>
           </a:p>
         </p:txBody>
       </p:sp>
@@ -13720,14 +13465,14 @@
           </a:ln>
           <a:extLst>
             <a:ext uri="{909E8E84-426E-40dd-AFC4-6F175D3DCCD1}">
-              <a14:hiddenFill xmlns="" xmlns:a14="http://schemas.microsoft.com/office/drawing/2010/main">
+              <a14:hiddenFill xmlns:a14="http://schemas.microsoft.com/office/drawing/2010/main" xmlns="">
                 <a:solidFill>
                   <a:srgbClr val="FFFFFF"/>
                 </a:solidFill>
               </a14:hiddenFill>
             </a:ext>
             <a:ext uri="{91240B29-F687-4f45-9708-019B960494DF}">
-              <a14:hiddenLine xmlns="" xmlns:a14="http://schemas.microsoft.com/office/drawing/2010/main" w="9525">
+              <a14:hiddenLine xmlns:a14="http://schemas.microsoft.com/office/drawing/2010/main" xmlns="" w="9525">
                 <a:solidFill>
                   <a:srgbClr val="000000"/>
                 </a:solidFill>
@@ -13737,7 +13482,7 @@
               </a14:hiddenLine>
             </a:ext>
             <a:ext uri="{FAA26D3D-D897-4be2-8F04-BA451C77F1D7}">
-              <ma14:placeholderFlag xmlns="" xmlns:ma14="http://schemas.microsoft.com/office/mac/drawingml/2011/main" val="1"/>
+              <ma14:placeholderFlag xmlns:ma14="http://schemas.microsoft.com/office/mac/drawingml/2011/main" xmlns="" val="1"/>
             </a:ext>
           </a:extLst>
         </p:spPr>
@@ -13923,7 +13668,7 @@
             </a:pPr>
             <a:r>
               <a:rPr lang="en-CA" sz="2000" kern="0" dirty="0"/>
-              <a:t>2.Detail </a:t>
+              <a:t>1.6LoWPAN</a:t>
             </a:r>
           </a:p>
         </p:txBody>
@@ -13931,7 +13676,7 @@
     </p:spTree>
     <p:extLst>
       <p:ext uri="{BB962C8B-B14F-4D97-AF65-F5344CB8AC3E}">
-        <p14:creationId xmlns:p14="http://schemas.microsoft.com/office/powerpoint/2010/main" val="2465990063"/>
+        <p14:creationId xmlns:p14="http://schemas.microsoft.com/office/powerpoint/2010/main" val="2208395934"/>
       </p:ext>
     </p:extLst>
   </p:cSld>
@@ -13975,14 +13720,14 @@
           <a:p>
             <a:r>
               <a:rPr lang="en-CA" dirty="0"/>
-              <a:t>Related Work</a:t>
+              <a:t>Related work</a:t>
             </a:r>
           </a:p>
         </p:txBody>
       </p:sp>
       <p:sp>
         <p:nvSpPr>
-          <p:cNvPr id="7" name="Content Placeholder 2"/>
+          <p:cNvPr id="4" name="Content Placeholder 2"/>
           <p:cNvSpPr>
             <a:spLocks noGrp="1"/>
           </p:cNvSpPr>
@@ -13992,7 +13737,7 @@
         </p:nvSpPr>
         <p:spPr>
           <a:xfrm>
-            <a:off x="248919" y="1905000"/>
+            <a:off x="228598" y="1828800"/>
             <a:ext cx="8550275" cy="4495800"/>
           </a:xfrm>
         </p:spPr>
@@ -14005,14 +13750,22 @@
             </a:pPr>
             <a:r>
               <a:rPr lang="en-CA" sz="2400" dirty="0"/>
-              <a:t>In December 2014, Low-power IP(6LoWPAN[4]) is adopted by Bluetooth4.2 which provides another way to achieve CoAP in BLE.</a:t>
+              <a:t>Since 2013[6], </a:t>
+            </a:r>
+            <a:r>
+              <a:rPr lang="en-CA" sz="2400" dirty="0" err="1"/>
+              <a:t>CoRE</a:t>
+            </a:r>
+            <a:r>
+              <a:rPr lang="en-CA" sz="2400" dirty="0"/>
+              <a:t> working group maintains a Internet-Draft: CoAP Communication with Alternative Transports.</a:t>
             </a:r>
           </a:p>
         </p:txBody>
       </p:sp>
       <p:sp>
         <p:nvSpPr>
-          <p:cNvPr id="4" name="Content Placeholder 2"/>
+          <p:cNvPr id="5" name="Content Placeholder 2"/>
           <p:cNvSpPr txBox="1">
             <a:spLocks/>
           </p:cNvSpPr>
@@ -14032,14 +13785,14 @@
           </a:ln>
           <a:extLst>
             <a:ext uri="{909E8E84-426E-40dd-AFC4-6F175D3DCCD1}">
-              <a14:hiddenFill xmlns="" xmlns:a14="http://schemas.microsoft.com/office/drawing/2010/main">
+              <a14:hiddenFill xmlns:a14="http://schemas.microsoft.com/office/drawing/2010/main" xmlns="">
                 <a:solidFill>
                   <a:srgbClr val="FFFFFF"/>
                 </a:solidFill>
               </a14:hiddenFill>
             </a:ext>
             <a:ext uri="{91240B29-F687-4f45-9708-019B960494DF}">
-              <a14:hiddenLine xmlns="" xmlns:a14="http://schemas.microsoft.com/office/drawing/2010/main" w="9525">
+              <a14:hiddenLine xmlns:a14="http://schemas.microsoft.com/office/drawing/2010/main" xmlns="" w="9525">
                 <a:solidFill>
                   <a:srgbClr val="000000"/>
                 </a:solidFill>
@@ -14049,7 +13802,7 @@
               </a14:hiddenLine>
             </a:ext>
             <a:ext uri="{FAA26D3D-D897-4be2-8F04-BA451C77F1D7}">
-              <ma14:placeholderFlag xmlns="" xmlns:ma14="http://schemas.microsoft.com/office/mac/drawingml/2011/main" val="1"/>
+              <ma14:placeholderFlag xmlns:ma14="http://schemas.microsoft.com/office/mac/drawingml/2011/main" xmlns="" val="1"/>
             </a:ext>
           </a:extLst>
         </p:spPr>
@@ -14235,7 +13988,7 @@
             </a:pPr>
             <a:r>
               <a:rPr lang="en-CA" sz="2000" kern="0" dirty="0"/>
-              <a:t>1.6LoWPAN</a:t>
+              <a:t>2.Alternative transports</a:t>
             </a:r>
           </a:p>
         </p:txBody>
@@ -14243,7 +13996,7 @@
     </p:spTree>
     <p:extLst>
       <p:ext uri="{BB962C8B-B14F-4D97-AF65-F5344CB8AC3E}">
-        <p14:creationId xmlns:p14="http://schemas.microsoft.com/office/powerpoint/2010/main" val="2208395934"/>
+        <p14:creationId xmlns:p14="http://schemas.microsoft.com/office/powerpoint/2010/main" val="3715438265"/>
       </p:ext>
     </p:extLst>
   </p:cSld>
@@ -14272,7 +14025,7 @@
       </p:grpSpPr>
       <p:sp>
         <p:nvSpPr>
-          <p:cNvPr id="2" name="Title 1"/>
+          <p:cNvPr id="5" name="Title 1"/>
           <p:cNvSpPr>
             <a:spLocks noGrp="1"/>
           </p:cNvSpPr>
@@ -14280,282 +14033,78 @@
             <p:ph type="title"/>
           </p:nvPr>
         </p:nvSpPr>
-        <p:spPr/>
-        <p:txBody>
-          <a:bodyPr/>
-          <a:lstStyle/>
-          <a:p>
-            <a:r>
-              <a:rPr lang="en-CA" dirty="0"/>
-              <a:t>Related work</a:t>
-            </a:r>
-          </a:p>
-        </p:txBody>
-      </p:sp>
-      <p:sp>
-        <p:nvSpPr>
-          <p:cNvPr id="4" name="Content Placeholder 2"/>
-          <p:cNvSpPr>
-            <a:spLocks noGrp="1"/>
-          </p:cNvSpPr>
-          <p:nvPr>
-            <p:ph idx="1"/>
-          </p:nvPr>
-        </p:nvSpPr>
         <p:spPr>
           <a:xfrm>
-            <a:off x="228598" y="1828800"/>
-            <a:ext cx="8550275" cy="4495800"/>
+            <a:off x="228600" y="838200"/>
+            <a:ext cx="8550275" cy="609600"/>
           </a:xfrm>
         </p:spPr>
         <p:txBody>
           <a:bodyPr/>
           <a:lstStyle/>
           <a:p>
-            <a:pPr marL="0" indent="0">
-              <a:buNone/>
-            </a:pPr>
-            <a:r>
-              <a:rPr lang="en-CA" sz="2400" dirty="0"/>
-              <a:t>Since 2013[6], </a:t>
-            </a:r>
-            <a:r>
-              <a:rPr lang="en-CA" sz="2400" dirty="0" err="1"/>
-              <a:t>CoRE</a:t>
-            </a:r>
-            <a:r>
-              <a:rPr lang="en-CA" sz="2400" dirty="0"/>
-              <a:t> working group maintains a Internet-Draft: CoAP Communication with Alternative Transports.</a:t>
+            <a:r>
+              <a:rPr lang="en-CA" dirty="0"/>
+              <a:t>Architecture</a:t>
             </a:r>
           </a:p>
         </p:txBody>
       </p:sp>
       <p:sp>
         <p:nvSpPr>
-          <p:cNvPr id="5" name="Content Placeholder 2"/>
-          <p:cNvSpPr txBox="1">
-            <a:spLocks/>
-          </p:cNvSpPr>
+          <p:cNvPr id="46" name="TextBox 45"/>
+          <p:cNvSpPr txBox="1"/>
           <p:nvPr/>
         </p:nvSpPr>
-        <p:spPr bwMode="auto">
+        <p:spPr>
           <a:xfrm>
-            <a:off x="228599" y="1416311"/>
-            <a:ext cx="8550275" cy="314616"/>
+            <a:off x="3601791" y="5457903"/>
+            <a:ext cx="2199192" cy="276999"/>
           </a:xfrm>
           <a:prstGeom prst="rect">
             <a:avLst/>
           </a:prstGeom>
           <a:noFill/>
-          <a:ln>
-            <a:noFill/>
-          </a:ln>
-          <a:extLst>
-            <a:ext uri="{909E8E84-426E-40dd-AFC4-6F175D3DCCD1}">
-              <a14:hiddenFill xmlns="" xmlns:a14="http://schemas.microsoft.com/office/drawing/2010/main">
-                <a:solidFill>
-                  <a:srgbClr val="FFFFFF"/>
-                </a:solidFill>
-              </a14:hiddenFill>
-            </a:ext>
-            <a:ext uri="{91240B29-F687-4f45-9708-019B960494DF}">
-              <a14:hiddenLine xmlns="" xmlns:a14="http://schemas.microsoft.com/office/drawing/2010/main" w="9525">
-                <a:solidFill>
-                  <a:srgbClr val="000000"/>
-                </a:solidFill>
-                <a:miter lim="800000"/>
-                <a:headEnd/>
-                <a:tailEnd/>
-              </a14:hiddenLine>
-            </a:ext>
-            <a:ext uri="{FAA26D3D-D897-4be2-8F04-BA451C77F1D7}">
-              <ma14:placeholderFlag xmlns="" xmlns:ma14="http://schemas.microsoft.com/office/mac/drawingml/2011/main" val="1"/>
-            </a:ext>
-          </a:extLst>
         </p:spPr>
         <p:txBody>
-          <a:bodyPr vert="horz" wrap="square" lIns="91440" tIns="45720" rIns="91440" bIns="45720" numCol="1" anchor="t" anchorCtr="0" compatLnSpc="1">
-            <a:prstTxWarp prst="textNoShape">
-              <a:avLst/>
-            </a:prstTxWarp>
+          <a:bodyPr wrap="none" rtlCol="0">
+            <a:spAutoFit/>
           </a:bodyPr>
-          <a:lstStyle>
-            <a:lvl1pPr marL="269875" indent="-269875" algn="l" rtl="0" eaLnBrk="0" fontAlgn="base" hangingPunct="0">
-              <a:spcBef>
-                <a:spcPct val="20000"/>
-              </a:spcBef>
-              <a:spcAft>
-                <a:spcPct val="0"/>
-              </a:spcAft>
-              <a:buSzPct val="75000"/>
-              <a:buFont typeface="Wingdings" charset="0"/>
-              <a:buChar char="§"/>
-              <a:defRPr sz="3200">
-                <a:solidFill>
-                  <a:srgbClr val="000000"/>
-                </a:solidFill>
-                <a:latin typeface="Calibri"/>
-                <a:ea typeface="ＭＳ Ｐゴシック" pitchFamily="-108" charset="-128"/>
-                <a:cs typeface="Calibri"/>
-              </a:defRPr>
-            </a:lvl1pPr>
-            <a:lvl2pPr marL="914400" indent="-457200" algn="l" rtl="0" eaLnBrk="0" fontAlgn="base" hangingPunct="0">
-              <a:spcBef>
-                <a:spcPct val="20000"/>
-              </a:spcBef>
-              <a:spcAft>
-                <a:spcPct val="0"/>
-              </a:spcAft>
-              <a:buClrTx/>
-              <a:buSzPct val="100000"/>
-              <a:buFont typeface="Arial"/>
-              <a:buChar char="•"/>
-              <a:defRPr sz="2800">
-                <a:solidFill>
-                  <a:srgbClr val="000000"/>
-                </a:solidFill>
-                <a:latin typeface="Calibri"/>
-                <a:ea typeface="ＭＳ Ｐゴシック" pitchFamily="-108" charset="-128"/>
-                <a:cs typeface="Calibri"/>
-              </a:defRPr>
-            </a:lvl2pPr>
-            <a:lvl3pPr marL="1371600" indent="-457200" algn="l" rtl="0" eaLnBrk="0" fontAlgn="base" hangingPunct="0">
-              <a:spcBef>
-                <a:spcPct val="20000"/>
-              </a:spcBef>
-              <a:spcAft>
-                <a:spcPct val="0"/>
-              </a:spcAft>
-              <a:buClrTx/>
-              <a:buSzPct val="100000"/>
-              <a:buFont typeface="Arial"/>
-              <a:buChar char="•"/>
-              <a:defRPr sz="2400">
-                <a:solidFill>
-                  <a:srgbClr val="000000"/>
-                </a:solidFill>
-                <a:latin typeface="Calibri"/>
-                <a:ea typeface="ＭＳ Ｐゴシック" pitchFamily="-108" charset="-128"/>
-                <a:cs typeface="Calibri"/>
-              </a:defRPr>
-            </a:lvl3pPr>
-            <a:lvl4pPr marL="1752600" indent="-381000" algn="l" rtl="0" eaLnBrk="0" fontAlgn="base" hangingPunct="0">
-              <a:spcBef>
-                <a:spcPct val="20000"/>
-              </a:spcBef>
-              <a:spcAft>
-                <a:spcPct val="0"/>
-              </a:spcAft>
-              <a:buClrTx/>
-              <a:buSzPct val="100000"/>
-              <a:buFont typeface="Arial"/>
-              <a:buChar char="•"/>
-              <a:defRPr sz="2000">
-                <a:solidFill>
-                  <a:srgbClr val="000000"/>
-                </a:solidFill>
-                <a:latin typeface="Calibri"/>
-                <a:ea typeface="ＭＳ Ｐゴシック" pitchFamily="-108" charset="-128"/>
-                <a:cs typeface="Calibri"/>
-              </a:defRPr>
-            </a:lvl4pPr>
-            <a:lvl5pPr marL="2209800" indent="-381000" algn="l" rtl="0" eaLnBrk="0" fontAlgn="base" hangingPunct="0">
-              <a:spcBef>
-                <a:spcPct val="20000"/>
-              </a:spcBef>
-              <a:spcAft>
-                <a:spcPct val="0"/>
-              </a:spcAft>
-              <a:buClrTx/>
-              <a:buSzPct val="100000"/>
-              <a:buFont typeface="Arial"/>
-              <a:buChar char="•"/>
-              <a:defRPr sz="1800">
-                <a:solidFill>
-                  <a:srgbClr val="000000"/>
-                </a:solidFill>
-                <a:latin typeface="Calibri"/>
-                <a:ea typeface="ＭＳ Ｐゴシック" pitchFamily="-108" charset="-128"/>
-                <a:cs typeface="Calibri"/>
-              </a:defRPr>
-            </a:lvl5pPr>
-            <a:lvl6pPr marL="2667000" indent="-381000" algn="l" rtl="0" fontAlgn="base">
-              <a:spcBef>
-                <a:spcPct val="20000"/>
-              </a:spcBef>
-              <a:spcAft>
-                <a:spcPct val="0"/>
-              </a:spcAft>
-              <a:buFont typeface="Times" pitchFamily="-108" charset="0"/>
-              <a:buChar char="•"/>
-              <a:defRPr sz="2000">
-                <a:solidFill>
-                  <a:srgbClr val="FFFFFF"/>
-                </a:solidFill>
-                <a:latin typeface="Georgia" pitchFamily="-108" charset="0"/>
-                <a:ea typeface="ＭＳ Ｐゴシック" pitchFamily="-108" charset="-128"/>
-              </a:defRPr>
-            </a:lvl6pPr>
-            <a:lvl7pPr marL="3124200" indent="-381000" algn="l" rtl="0" fontAlgn="base">
-              <a:spcBef>
-                <a:spcPct val="20000"/>
-              </a:spcBef>
-              <a:spcAft>
-                <a:spcPct val="0"/>
-              </a:spcAft>
-              <a:buFont typeface="Times" pitchFamily="-108" charset="0"/>
-              <a:buChar char="•"/>
-              <a:defRPr sz="2000">
-                <a:solidFill>
-                  <a:srgbClr val="FFFFFF"/>
-                </a:solidFill>
-                <a:latin typeface="Georgia" pitchFamily="-108" charset="0"/>
-                <a:ea typeface="ＭＳ Ｐゴシック" pitchFamily="-108" charset="-128"/>
-              </a:defRPr>
-            </a:lvl7pPr>
-            <a:lvl8pPr marL="3581400" indent="-381000" algn="l" rtl="0" fontAlgn="base">
-              <a:spcBef>
-                <a:spcPct val="20000"/>
-              </a:spcBef>
-              <a:spcAft>
-                <a:spcPct val="0"/>
-              </a:spcAft>
-              <a:buFont typeface="Times" pitchFamily="-108" charset="0"/>
-              <a:buChar char="•"/>
-              <a:defRPr sz="2000">
-                <a:solidFill>
-                  <a:srgbClr val="FFFFFF"/>
-                </a:solidFill>
-                <a:latin typeface="Georgia" pitchFamily="-108" charset="0"/>
-                <a:ea typeface="ＭＳ Ｐゴシック" pitchFamily="-108" charset="-128"/>
-              </a:defRPr>
-            </a:lvl8pPr>
-            <a:lvl9pPr marL="4038600" indent="-381000" algn="l" rtl="0" fontAlgn="base">
-              <a:spcBef>
-                <a:spcPct val="20000"/>
-              </a:spcBef>
-              <a:spcAft>
-                <a:spcPct val="0"/>
-              </a:spcAft>
-              <a:buFont typeface="Times" pitchFamily="-108" charset="0"/>
-              <a:buChar char="•"/>
-              <a:defRPr sz="2000">
-                <a:solidFill>
-                  <a:srgbClr val="FFFFFF"/>
-                </a:solidFill>
-                <a:latin typeface="Georgia" pitchFamily="-108" charset="0"/>
-                <a:ea typeface="ＭＳ Ｐゴシック" pitchFamily="-108" charset="-128"/>
-              </a:defRPr>
-            </a:lvl9pPr>
-          </a:lstStyle>
-          <a:p>
-            <a:pPr marL="0" indent="0">
-              <a:buFont typeface="Wingdings" charset="0"/>
-              <a:buNone/>
-            </a:pPr>
-            <a:r>
-              <a:rPr lang="en-CA" sz="2000" kern="0" dirty="0"/>
-              <a:t>2.Alternative transports</a:t>
+          <a:lstStyle/>
+          <a:p>
+            <a:r>
+              <a:rPr lang="en-US" altLang="zh-CN" sz="1200" dirty="0"/>
+              <a:t>Figure 6 : Architecture overview</a:t>
+            </a:r>
+            <a:endParaRPr lang="en-CA" sz="1200" dirty="0"/>
+          </a:p>
+        </p:txBody>
+      </p:sp>
+      <p:sp>
+        <p:nvSpPr>
+          <p:cNvPr id="2" name="TextBox 1"/>
+          <p:cNvSpPr txBox="1"/>
+          <p:nvPr/>
+        </p:nvSpPr>
+        <p:spPr>
+          <a:xfrm>
+            <a:off x="3628530" y="2991186"/>
+            <a:ext cx="2207464" cy="461665"/>
+          </a:xfrm>
+          <a:prstGeom prst="rect">
+            <a:avLst/>
+          </a:prstGeom>
+          <a:noFill/>
+        </p:spPr>
+        <p:txBody>
+          <a:bodyPr wrap="none" rtlCol="0">
+            <a:spAutoFit/>
+          </a:bodyPr>
+          <a:lstStyle/>
+          <a:p>
+            <a:r>
+              <a:rPr lang="en-CA" dirty="0"/>
+              <a:t>CoAP over BLE</a:t>
             </a:r>
           </a:p>
         </p:txBody>
@@ -14563,7 +14112,7 @@
     </p:spTree>
     <p:extLst>
       <p:ext uri="{BB962C8B-B14F-4D97-AF65-F5344CB8AC3E}">
-        <p14:creationId xmlns:p14="http://schemas.microsoft.com/office/powerpoint/2010/main" val="3715438265"/>
+        <p14:creationId xmlns:p14="http://schemas.microsoft.com/office/powerpoint/2010/main" val="2846918294"/>
       </p:ext>
     </p:extLst>
   </p:cSld>
